--- a/documentos/Apresentação.pptx
+++ b/documentos/Apresentação.pptx
@@ -260,7 +260,7 @@
           <a:p>
             <a:fld id="{D93ACE01-AFDD-4EB6-97C9-3A2749F6FB36}" type="datetimeFigureOut">
               <a:rPr lang="pt-BR" smtClean="0"/>
-              <a:t>03/03/2021</a:t>
+              <a:t>04/03/2021</a:t>
             </a:fld>
             <a:endParaRPr lang="pt-BR"/>
           </a:p>
@@ -458,7 +458,7 @@
           <a:p>
             <a:fld id="{D93ACE01-AFDD-4EB6-97C9-3A2749F6FB36}" type="datetimeFigureOut">
               <a:rPr lang="pt-BR" smtClean="0"/>
-              <a:t>03/03/2021</a:t>
+              <a:t>04/03/2021</a:t>
             </a:fld>
             <a:endParaRPr lang="pt-BR"/>
           </a:p>
@@ -666,7 +666,7 @@
           <a:p>
             <a:fld id="{D93ACE01-AFDD-4EB6-97C9-3A2749F6FB36}" type="datetimeFigureOut">
               <a:rPr lang="pt-BR" smtClean="0"/>
-              <a:t>03/03/2021</a:t>
+              <a:t>04/03/2021</a:t>
             </a:fld>
             <a:endParaRPr lang="pt-BR"/>
           </a:p>
@@ -864,7 +864,7 @@
           <a:p>
             <a:fld id="{D93ACE01-AFDD-4EB6-97C9-3A2749F6FB36}" type="datetimeFigureOut">
               <a:rPr lang="pt-BR" smtClean="0"/>
-              <a:t>03/03/2021</a:t>
+              <a:t>04/03/2021</a:t>
             </a:fld>
             <a:endParaRPr lang="pt-BR"/>
           </a:p>
@@ -1139,7 +1139,7 @@
           <a:p>
             <a:fld id="{D93ACE01-AFDD-4EB6-97C9-3A2749F6FB36}" type="datetimeFigureOut">
               <a:rPr lang="pt-BR" smtClean="0"/>
-              <a:t>03/03/2021</a:t>
+              <a:t>04/03/2021</a:t>
             </a:fld>
             <a:endParaRPr lang="pt-BR"/>
           </a:p>
@@ -1404,7 +1404,7 @@
           <a:p>
             <a:fld id="{D93ACE01-AFDD-4EB6-97C9-3A2749F6FB36}" type="datetimeFigureOut">
               <a:rPr lang="pt-BR" smtClean="0"/>
-              <a:t>03/03/2021</a:t>
+              <a:t>04/03/2021</a:t>
             </a:fld>
             <a:endParaRPr lang="pt-BR"/>
           </a:p>
@@ -1816,7 +1816,7 @@
           <a:p>
             <a:fld id="{D93ACE01-AFDD-4EB6-97C9-3A2749F6FB36}" type="datetimeFigureOut">
               <a:rPr lang="pt-BR" smtClean="0"/>
-              <a:t>03/03/2021</a:t>
+              <a:t>04/03/2021</a:t>
             </a:fld>
             <a:endParaRPr lang="pt-BR"/>
           </a:p>
@@ -1957,7 +1957,7 @@
           <a:p>
             <a:fld id="{D93ACE01-AFDD-4EB6-97C9-3A2749F6FB36}" type="datetimeFigureOut">
               <a:rPr lang="pt-BR" smtClean="0"/>
-              <a:t>03/03/2021</a:t>
+              <a:t>04/03/2021</a:t>
             </a:fld>
             <a:endParaRPr lang="pt-BR"/>
           </a:p>
@@ -2070,7 +2070,7 @@
           <a:p>
             <a:fld id="{D93ACE01-AFDD-4EB6-97C9-3A2749F6FB36}" type="datetimeFigureOut">
               <a:rPr lang="pt-BR" smtClean="0"/>
-              <a:t>03/03/2021</a:t>
+              <a:t>04/03/2021</a:t>
             </a:fld>
             <a:endParaRPr lang="pt-BR"/>
           </a:p>
@@ -2381,7 +2381,7 @@
           <a:p>
             <a:fld id="{D93ACE01-AFDD-4EB6-97C9-3A2749F6FB36}" type="datetimeFigureOut">
               <a:rPr lang="pt-BR" smtClean="0"/>
-              <a:t>03/03/2021</a:t>
+              <a:t>04/03/2021</a:t>
             </a:fld>
             <a:endParaRPr lang="pt-BR"/>
           </a:p>
@@ -2669,7 +2669,7 @@
           <a:p>
             <a:fld id="{D93ACE01-AFDD-4EB6-97C9-3A2749F6FB36}" type="datetimeFigureOut">
               <a:rPr lang="pt-BR" smtClean="0"/>
-              <a:t>03/03/2021</a:t>
+              <a:t>04/03/2021</a:t>
             </a:fld>
             <a:endParaRPr lang="pt-BR"/>
           </a:p>
@@ -2910,7 +2910,7 @@
           <a:p>
             <a:fld id="{D93ACE01-AFDD-4EB6-97C9-3A2749F6FB36}" type="datetimeFigureOut">
               <a:rPr lang="pt-BR" smtClean="0"/>
-              <a:t>03/03/2021</a:t>
+              <a:t>04/03/2021</a:t>
             </a:fld>
             <a:endParaRPr lang="pt-BR"/>
           </a:p>
@@ -4519,7 +4519,7 @@
                 </a:effectLst>
                 <a:latin typeface="Exo 2" panose="00000800000000000000" pitchFamily="50" charset="0"/>
               </a:rPr>
-              <a:t>Jorna de trabalho excessiva</a:t>
+              <a:t>Jornada de trabalho excessiva</a:t>
             </a:r>
           </a:p>
         </p:txBody>

--- a/documentos/Apresentação.pptx
+++ b/documentos/Apresentação.pptx
@@ -4,9 +4,15 @@
   <p:sldMasterIdLst>
     <p:sldMasterId id="2147483648" r:id="rId1"/>
   </p:sldMasterIdLst>
+  <p:notesMasterIdLst>
+    <p:notesMasterId r:id="rId7"/>
+  </p:notesMasterIdLst>
   <p:sldIdLst>
     <p:sldId id="256" r:id="rId2"/>
     <p:sldId id="257" r:id="rId3"/>
+    <p:sldId id="258" r:id="rId4"/>
+    <p:sldId id="259" r:id="rId5"/>
+    <p:sldId id="260" r:id="rId6"/>
   </p:sldIdLst>
   <p:sldSz cx="12192000" cy="6858000"/>
   <p:notesSz cx="6858000" cy="9144000"/>
@@ -111,6 +117,523 @@
     </p:ext>
   </p:extLst>
 </p:presentation>
+</file>
+
+<file path=ppt/notesMasters/notesMaster1.xml><?xml version="1.0" encoding="utf-8"?>
+<p:notesMaster xmlns:a="http://schemas.openxmlformats.org/drawingml/2006/main" xmlns:r="http://schemas.openxmlformats.org/officeDocument/2006/relationships" xmlns:p="http://schemas.openxmlformats.org/presentationml/2006/main">
+  <p:cSld>
+    <p:bg>
+      <p:bgRef idx="1001">
+        <a:schemeClr val="bg1"/>
+      </p:bgRef>
+    </p:bg>
+    <p:spTree>
+      <p:nvGrpSpPr>
+        <p:cNvPr id="1" name=""/>
+        <p:cNvGrpSpPr/>
+        <p:nvPr/>
+      </p:nvGrpSpPr>
+      <p:grpSpPr>
+        <a:xfrm>
+          <a:off x="0" y="0"/>
+          <a:ext cx="0" cy="0"/>
+          <a:chOff x="0" y="0"/>
+          <a:chExt cx="0" cy="0"/>
+        </a:xfrm>
+      </p:grpSpPr>
+      <p:sp>
+        <p:nvSpPr>
+          <p:cNvPr id="2" name="Espaço Reservado para Cabeçalho 1"/>
+          <p:cNvSpPr>
+            <a:spLocks noGrp="1"/>
+          </p:cNvSpPr>
+          <p:nvPr>
+            <p:ph type="hdr" sz="quarter"/>
+          </p:nvPr>
+        </p:nvSpPr>
+        <p:spPr>
+          <a:xfrm>
+            <a:off x="0" y="0"/>
+            <a:ext cx="2971800" cy="458788"/>
+          </a:xfrm>
+          <a:prstGeom prst="rect">
+            <a:avLst/>
+          </a:prstGeom>
+        </p:spPr>
+        <p:txBody>
+          <a:bodyPr vert="horz" lIns="91440" tIns="45720" rIns="91440" bIns="45720" rtlCol="0"/>
+          <a:lstStyle>
+            <a:lvl1pPr algn="l">
+              <a:defRPr sz="1200"/>
+            </a:lvl1pPr>
+          </a:lstStyle>
+          <a:p>
+            <a:endParaRPr lang="pt-BR"/>
+          </a:p>
+        </p:txBody>
+      </p:sp>
+      <p:sp>
+        <p:nvSpPr>
+          <p:cNvPr id="3" name="Espaço Reservado para Data 2"/>
+          <p:cNvSpPr>
+            <a:spLocks noGrp="1"/>
+          </p:cNvSpPr>
+          <p:nvPr>
+            <p:ph type="dt" idx="1"/>
+          </p:nvPr>
+        </p:nvSpPr>
+        <p:spPr>
+          <a:xfrm>
+            <a:off x="3884613" y="0"/>
+            <a:ext cx="2971800" cy="458788"/>
+          </a:xfrm>
+          <a:prstGeom prst="rect">
+            <a:avLst/>
+          </a:prstGeom>
+        </p:spPr>
+        <p:txBody>
+          <a:bodyPr vert="horz" lIns="91440" tIns="45720" rIns="91440" bIns="45720" rtlCol="0"/>
+          <a:lstStyle>
+            <a:lvl1pPr algn="r">
+              <a:defRPr sz="1200"/>
+            </a:lvl1pPr>
+          </a:lstStyle>
+          <a:p>
+            <a:fld id="{D9F130DB-5E5F-4AB4-99D4-4D3C40FEAA4A}" type="datetimeFigureOut">
+              <a:rPr lang="pt-BR" smtClean="0"/>
+              <a:t>04/03/2021</a:t>
+            </a:fld>
+            <a:endParaRPr lang="pt-BR"/>
+          </a:p>
+        </p:txBody>
+      </p:sp>
+      <p:sp>
+        <p:nvSpPr>
+          <p:cNvPr id="4" name="Espaço Reservado para Imagem de Slide 3"/>
+          <p:cNvSpPr>
+            <a:spLocks noGrp="1" noRot="1" noChangeAspect="1"/>
+          </p:cNvSpPr>
+          <p:nvPr>
+            <p:ph type="sldImg" idx="2"/>
+          </p:nvPr>
+        </p:nvSpPr>
+        <p:spPr>
+          <a:xfrm>
+            <a:off x="685800" y="1143000"/>
+            <a:ext cx="5486400" cy="3086100"/>
+          </a:xfrm>
+          <a:prstGeom prst="rect">
+            <a:avLst/>
+          </a:prstGeom>
+          <a:noFill/>
+          <a:ln w="12700">
+            <a:solidFill>
+              <a:prstClr val="black"/>
+            </a:solidFill>
+          </a:ln>
+        </p:spPr>
+        <p:txBody>
+          <a:bodyPr vert="horz" lIns="91440" tIns="45720" rIns="91440" bIns="45720" rtlCol="0" anchor="ctr"/>
+          <a:lstStyle/>
+          <a:p>
+            <a:endParaRPr lang="pt-BR"/>
+          </a:p>
+        </p:txBody>
+      </p:sp>
+      <p:sp>
+        <p:nvSpPr>
+          <p:cNvPr id="5" name="Espaço Reservado para Anotações 4"/>
+          <p:cNvSpPr>
+            <a:spLocks noGrp="1"/>
+          </p:cNvSpPr>
+          <p:nvPr>
+            <p:ph type="body" sz="quarter" idx="3"/>
+          </p:nvPr>
+        </p:nvSpPr>
+        <p:spPr>
+          <a:xfrm>
+            <a:off x="685800" y="4400550"/>
+            <a:ext cx="5486400" cy="3600450"/>
+          </a:xfrm>
+          <a:prstGeom prst="rect">
+            <a:avLst/>
+          </a:prstGeom>
+        </p:spPr>
+        <p:txBody>
+          <a:bodyPr vert="horz" lIns="91440" tIns="45720" rIns="91440" bIns="45720" rtlCol="0"/>
+          <a:lstStyle/>
+          <a:p>
+            <a:pPr lvl="0"/>
+            <a:r>
+              <a:rPr lang="pt-BR"/>
+              <a:t>Clique para editar os estilos de texto Mestres</a:t>
+            </a:r>
+          </a:p>
+          <a:p>
+            <a:pPr lvl="1"/>
+            <a:r>
+              <a:rPr lang="pt-BR"/>
+              <a:t>Segundo nível</a:t>
+            </a:r>
+          </a:p>
+          <a:p>
+            <a:pPr lvl="2"/>
+            <a:r>
+              <a:rPr lang="pt-BR"/>
+              <a:t>Terceiro nível</a:t>
+            </a:r>
+          </a:p>
+          <a:p>
+            <a:pPr lvl="3"/>
+            <a:r>
+              <a:rPr lang="pt-BR"/>
+              <a:t>Quarto nível</a:t>
+            </a:r>
+          </a:p>
+          <a:p>
+            <a:pPr lvl="4"/>
+            <a:r>
+              <a:rPr lang="pt-BR"/>
+              <a:t>Quinto nível</a:t>
+            </a:r>
+          </a:p>
+        </p:txBody>
+      </p:sp>
+      <p:sp>
+        <p:nvSpPr>
+          <p:cNvPr id="6" name="Espaço Reservado para Rodapé 5"/>
+          <p:cNvSpPr>
+            <a:spLocks noGrp="1"/>
+          </p:cNvSpPr>
+          <p:nvPr>
+            <p:ph type="ftr" sz="quarter" idx="4"/>
+          </p:nvPr>
+        </p:nvSpPr>
+        <p:spPr>
+          <a:xfrm>
+            <a:off x="0" y="8685213"/>
+            <a:ext cx="2971800" cy="458787"/>
+          </a:xfrm>
+          <a:prstGeom prst="rect">
+            <a:avLst/>
+          </a:prstGeom>
+        </p:spPr>
+        <p:txBody>
+          <a:bodyPr vert="horz" lIns="91440" tIns="45720" rIns="91440" bIns="45720" rtlCol="0" anchor="b"/>
+          <a:lstStyle>
+            <a:lvl1pPr algn="l">
+              <a:defRPr sz="1200"/>
+            </a:lvl1pPr>
+          </a:lstStyle>
+          <a:p>
+            <a:endParaRPr lang="pt-BR"/>
+          </a:p>
+        </p:txBody>
+      </p:sp>
+      <p:sp>
+        <p:nvSpPr>
+          <p:cNvPr id="7" name="Espaço Reservado para Número de Slide 6"/>
+          <p:cNvSpPr>
+            <a:spLocks noGrp="1"/>
+          </p:cNvSpPr>
+          <p:nvPr>
+            <p:ph type="sldNum" sz="quarter" idx="5"/>
+          </p:nvPr>
+        </p:nvSpPr>
+        <p:spPr>
+          <a:xfrm>
+            <a:off x="3884613" y="8685213"/>
+            <a:ext cx="2971800" cy="458787"/>
+          </a:xfrm>
+          <a:prstGeom prst="rect">
+            <a:avLst/>
+          </a:prstGeom>
+        </p:spPr>
+        <p:txBody>
+          <a:bodyPr vert="horz" lIns="91440" tIns="45720" rIns="91440" bIns="45720" rtlCol="0" anchor="b"/>
+          <a:lstStyle>
+            <a:lvl1pPr algn="r">
+              <a:defRPr sz="1200"/>
+            </a:lvl1pPr>
+          </a:lstStyle>
+          <a:p>
+            <a:fld id="{93172FC9-5D0C-4C78-9C7B-F84A50937FFE}" type="slidenum">
+              <a:rPr lang="pt-BR" smtClean="0"/>
+              <a:t>‹nº›</a:t>
+            </a:fld>
+            <a:endParaRPr lang="pt-BR"/>
+          </a:p>
+        </p:txBody>
+      </p:sp>
+    </p:spTree>
+    <p:extLst>
+      <p:ext uri="{BB962C8B-B14F-4D97-AF65-F5344CB8AC3E}">
+        <p14:creationId xmlns:p14="http://schemas.microsoft.com/office/powerpoint/2010/main" val="3551774715"/>
+      </p:ext>
+    </p:extLst>
+  </p:cSld>
+  <p:clrMap bg1="lt1" tx1="dk1" bg2="lt2" tx2="dk2" accent1="accent1" accent2="accent2" accent3="accent3" accent4="accent4" accent5="accent5" accent6="accent6" hlink="hlink" folHlink="folHlink"/>
+  <p:notesStyle>
+    <a:lvl1pPr marL="0" algn="l" defTabSz="914400" rtl="0" eaLnBrk="1" latinLnBrk="0" hangingPunct="1">
+      <a:defRPr sz="1200" kern="1200">
+        <a:solidFill>
+          <a:schemeClr val="tx1"/>
+        </a:solidFill>
+        <a:latin typeface="+mn-lt"/>
+        <a:ea typeface="+mn-ea"/>
+        <a:cs typeface="+mn-cs"/>
+      </a:defRPr>
+    </a:lvl1pPr>
+    <a:lvl2pPr marL="457200" algn="l" defTabSz="914400" rtl="0" eaLnBrk="1" latinLnBrk="0" hangingPunct="1">
+      <a:defRPr sz="1200" kern="1200">
+        <a:solidFill>
+          <a:schemeClr val="tx1"/>
+        </a:solidFill>
+        <a:latin typeface="+mn-lt"/>
+        <a:ea typeface="+mn-ea"/>
+        <a:cs typeface="+mn-cs"/>
+      </a:defRPr>
+    </a:lvl2pPr>
+    <a:lvl3pPr marL="914400" algn="l" defTabSz="914400" rtl="0" eaLnBrk="1" latinLnBrk="0" hangingPunct="1">
+      <a:defRPr sz="1200" kern="1200">
+        <a:solidFill>
+          <a:schemeClr val="tx1"/>
+        </a:solidFill>
+        <a:latin typeface="+mn-lt"/>
+        <a:ea typeface="+mn-ea"/>
+        <a:cs typeface="+mn-cs"/>
+      </a:defRPr>
+    </a:lvl3pPr>
+    <a:lvl4pPr marL="1371600" algn="l" defTabSz="914400" rtl="0" eaLnBrk="1" latinLnBrk="0" hangingPunct="1">
+      <a:defRPr sz="1200" kern="1200">
+        <a:solidFill>
+          <a:schemeClr val="tx1"/>
+        </a:solidFill>
+        <a:latin typeface="+mn-lt"/>
+        <a:ea typeface="+mn-ea"/>
+        <a:cs typeface="+mn-cs"/>
+      </a:defRPr>
+    </a:lvl4pPr>
+    <a:lvl5pPr marL="1828800" algn="l" defTabSz="914400" rtl="0" eaLnBrk="1" latinLnBrk="0" hangingPunct="1">
+      <a:defRPr sz="1200" kern="1200">
+        <a:solidFill>
+          <a:schemeClr val="tx1"/>
+        </a:solidFill>
+        <a:latin typeface="+mn-lt"/>
+        <a:ea typeface="+mn-ea"/>
+        <a:cs typeface="+mn-cs"/>
+      </a:defRPr>
+    </a:lvl5pPr>
+    <a:lvl6pPr marL="2286000" algn="l" defTabSz="914400" rtl="0" eaLnBrk="1" latinLnBrk="0" hangingPunct="1">
+      <a:defRPr sz="1200" kern="1200">
+        <a:solidFill>
+          <a:schemeClr val="tx1"/>
+        </a:solidFill>
+        <a:latin typeface="+mn-lt"/>
+        <a:ea typeface="+mn-ea"/>
+        <a:cs typeface="+mn-cs"/>
+      </a:defRPr>
+    </a:lvl6pPr>
+    <a:lvl7pPr marL="2743200" algn="l" defTabSz="914400" rtl="0" eaLnBrk="1" latinLnBrk="0" hangingPunct="1">
+      <a:defRPr sz="1200" kern="1200">
+        <a:solidFill>
+          <a:schemeClr val="tx1"/>
+        </a:solidFill>
+        <a:latin typeface="+mn-lt"/>
+        <a:ea typeface="+mn-ea"/>
+        <a:cs typeface="+mn-cs"/>
+      </a:defRPr>
+    </a:lvl7pPr>
+    <a:lvl8pPr marL="3200400" algn="l" defTabSz="914400" rtl="0" eaLnBrk="1" latinLnBrk="0" hangingPunct="1">
+      <a:defRPr sz="1200" kern="1200">
+        <a:solidFill>
+          <a:schemeClr val="tx1"/>
+        </a:solidFill>
+        <a:latin typeface="+mn-lt"/>
+        <a:ea typeface="+mn-ea"/>
+        <a:cs typeface="+mn-cs"/>
+      </a:defRPr>
+    </a:lvl8pPr>
+    <a:lvl9pPr marL="3657600" algn="l" defTabSz="914400" rtl="0" eaLnBrk="1" latinLnBrk="0" hangingPunct="1">
+      <a:defRPr sz="1200" kern="1200">
+        <a:solidFill>
+          <a:schemeClr val="tx1"/>
+        </a:solidFill>
+        <a:latin typeface="+mn-lt"/>
+        <a:ea typeface="+mn-ea"/>
+        <a:cs typeface="+mn-cs"/>
+      </a:defRPr>
+    </a:lvl9pPr>
+  </p:notesStyle>
+</p:notesMaster>
+</file>
+
+<file path=ppt/notesSlides/notesSlide1.xml><?xml version="1.0" encoding="utf-8"?>
+<p:notes xmlns:a="http://schemas.openxmlformats.org/drawingml/2006/main" xmlns:r="http://schemas.openxmlformats.org/officeDocument/2006/relationships" xmlns:p="http://schemas.openxmlformats.org/presentationml/2006/main">
+  <p:cSld>
+    <p:spTree>
+      <p:nvGrpSpPr>
+        <p:cNvPr id="1" name=""/>
+        <p:cNvGrpSpPr/>
+        <p:nvPr/>
+      </p:nvGrpSpPr>
+      <p:grpSpPr>
+        <a:xfrm>
+          <a:off x="0" y="0"/>
+          <a:ext cx="0" cy="0"/>
+          <a:chOff x="0" y="0"/>
+          <a:chExt cx="0" cy="0"/>
+        </a:xfrm>
+      </p:grpSpPr>
+      <p:sp>
+        <p:nvSpPr>
+          <p:cNvPr id="2" name="Espaço Reservado para Imagem de Slide 1"/>
+          <p:cNvSpPr>
+            <a:spLocks noGrp="1" noRot="1" noChangeAspect="1"/>
+          </p:cNvSpPr>
+          <p:nvPr>
+            <p:ph type="sldImg"/>
+          </p:nvPr>
+        </p:nvSpPr>
+        <p:spPr/>
+      </p:sp>
+      <p:sp>
+        <p:nvSpPr>
+          <p:cNvPr id="3" name="Espaço Reservado para Anotações 2"/>
+          <p:cNvSpPr>
+            <a:spLocks noGrp="1"/>
+          </p:cNvSpPr>
+          <p:nvPr>
+            <p:ph type="body" idx="1"/>
+          </p:nvPr>
+        </p:nvSpPr>
+        <p:spPr/>
+        <p:txBody>
+          <a:bodyPr/>
+          <a:lstStyle/>
+          <a:p>
+            <a:endParaRPr lang="pt-BR" dirty="0"/>
+          </a:p>
+        </p:txBody>
+      </p:sp>
+      <p:sp>
+        <p:nvSpPr>
+          <p:cNvPr id="4" name="Espaço Reservado para Número de Slide 3"/>
+          <p:cNvSpPr>
+            <a:spLocks noGrp="1"/>
+          </p:cNvSpPr>
+          <p:nvPr>
+            <p:ph type="sldNum" sz="quarter" idx="5"/>
+          </p:nvPr>
+        </p:nvSpPr>
+        <p:spPr/>
+        <p:txBody>
+          <a:bodyPr/>
+          <a:lstStyle/>
+          <a:p>
+            <a:fld id="{93172FC9-5D0C-4C78-9C7B-F84A50937FFE}" type="slidenum">
+              <a:rPr lang="pt-BR" smtClean="0"/>
+              <a:t>3</a:t>
+            </a:fld>
+            <a:endParaRPr lang="pt-BR"/>
+          </a:p>
+        </p:txBody>
+      </p:sp>
+    </p:spTree>
+    <p:extLst>
+      <p:ext uri="{BB962C8B-B14F-4D97-AF65-F5344CB8AC3E}">
+        <p14:creationId xmlns:p14="http://schemas.microsoft.com/office/powerpoint/2010/main" val="3272470574"/>
+      </p:ext>
+    </p:extLst>
+  </p:cSld>
+  <p:clrMapOvr>
+    <a:masterClrMapping/>
+  </p:clrMapOvr>
+</p:notes>
+</file>
+
+<file path=ppt/notesSlides/notesSlide2.xml><?xml version="1.0" encoding="utf-8"?>
+<p:notes xmlns:a="http://schemas.openxmlformats.org/drawingml/2006/main" xmlns:r="http://schemas.openxmlformats.org/officeDocument/2006/relationships" xmlns:p="http://schemas.openxmlformats.org/presentationml/2006/main">
+  <p:cSld>
+    <p:spTree>
+      <p:nvGrpSpPr>
+        <p:cNvPr id="1" name=""/>
+        <p:cNvGrpSpPr/>
+        <p:nvPr/>
+      </p:nvGrpSpPr>
+      <p:grpSpPr>
+        <a:xfrm>
+          <a:off x="0" y="0"/>
+          <a:ext cx="0" cy="0"/>
+          <a:chOff x="0" y="0"/>
+          <a:chExt cx="0" cy="0"/>
+        </a:xfrm>
+      </p:grpSpPr>
+      <p:sp>
+        <p:nvSpPr>
+          <p:cNvPr id="2" name="Espaço Reservado para Imagem de Slide 1"/>
+          <p:cNvSpPr>
+            <a:spLocks noGrp="1" noRot="1" noChangeAspect="1"/>
+          </p:cNvSpPr>
+          <p:nvPr>
+            <p:ph type="sldImg"/>
+          </p:nvPr>
+        </p:nvSpPr>
+        <p:spPr/>
+      </p:sp>
+      <p:sp>
+        <p:nvSpPr>
+          <p:cNvPr id="3" name="Espaço Reservado para Anotações 2"/>
+          <p:cNvSpPr>
+            <a:spLocks noGrp="1"/>
+          </p:cNvSpPr>
+          <p:nvPr>
+            <p:ph type="body" idx="1"/>
+          </p:nvPr>
+        </p:nvSpPr>
+        <p:spPr/>
+        <p:txBody>
+          <a:bodyPr/>
+          <a:lstStyle/>
+          <a:p>
+            <a:endParaRPr lang="pt-BR" dirty="0"/>
+          </a:p>
+        </p:txBody>
+      </p:sp>
+      <p:sp>
+        <p:nvSpPr>
+          <p:cNvPr id="4" name="Espaço Reservado para Número de Slide 3"/>
+          <p:cNvSpPr>
+            <a:spLocks noGrp="1"/>
+          </p:cNvSpPr>
+          <p:nvPr>
+            <p:ph type="sldNum" sz="quarter" idx="5"/>
+          </p:nvPr>
+        </p:nvSpPr>
+        <p:spPr/>
+        <p:txBody>
+          <a:bodyPr/>
+          <a:lstStyle/>
+          <a:p>
+            <a:fld id="{93172FC9-5D0C-4C78-9C7B-F84A50937FFE}" type="slidenum">
+              <a:rPr lang="pt-BR" smtClean="0"/>
+              <a:t>4</a:t>
+            </a:fld>
+            <a:endParaRPr lang="pt-BR"/>
+          </a:p>
+        </p:txBody>
+      </p:sp>
+    </p:spTree>
+    <p:extLst>
+      <p:ext uri="{BB962C8B-B14F-4D97-AF65-F5344CB8AC3E}">
+        <p14:creationId xmlns:p14="http://schemas.microsoft.com/office/powerpoint/2010/main" val="3491439995"/>
+      </p:ext>
+    </p:extLst>
+  </p:cSld>
+  <p:clrMapOvr>
+    <a:masterClrMapping/>
+  </p:clrMapOvr>
+</p:notes>
 </file>
 
 <file path=ppt/slideLayouts/slideLayout1.xml><?xml version="1.0" encoding="utf-8"?>
@@ -3851,10 +4374,10 @@
       </p:sp>
       <p:pic>
         <p:nvPicPr>
-          <p:cNvPr id="10" name="Imagem 9" descr="Uma imagem contendo Interface gráfica do usuário&#10;&#10;Descrição gerada automaticamente">
-            <a:extLst>
-              <a:ext uri="{FF2B5EF4-FFF2-40B4-BE49-F238E27FC236}">
-                <a16:creationId xmlns:a16="http://schemas.microsoft.com/office/drawing/2014/main" id="{165FBEE3-81EE-4A5A-B0A9-F998A5065FF6}"/>
+          <p:cNvPr id="11" name="Imagem 10" descr="Uma imagem contendo Interface gráfica do usuário&#10;&#10;Descrição gerada automaticamente">
+            <a:extLst>
+              <a:ext uri="{FF2B5EF4-FFF2-40B4-BE49-F238E27FC236}">
+                <a16:creationId xmlns:a16="http://schemas.microsoft.com/office/drawing/2014/main" id="{CA80CA6F-8A1C-48EE-A41B-FFD6D24A40B5}"/>
               </a:ext>
             </a:extLst>
           </p:cNvPr>
@@ -3877,7 +4400,7 @@
         </p:blipFill>
         <p:spPr>
           <a:xfrm>
-            <a:off x="9328980" y="178184"/>
+            <a:off x="9307879" y="192678"/>
             <a:ext cx="2701242" cy="536530"/>
           </a:xfrm>
           <a:prstGeom prst="rect">
@@ -3885,6 +4408,53 @@
           </a:prstGeom>
         </p:spPr>
       </p:pic>
+      <p:sp>
+        <p:nvSpPr>
+          <p:cNvPr id="12" name="CaixaDeTexto 11">
+            <a:extLst>
+              <a:ext uri="{FF2B5EF4-FFF2-40B4-BE49-F238E27FC236}">
+                <a16:creationId xmlns:a16="http://schemas.microsoft.com/office/drawing/2014/main" id="{10AF27D4-1C44-44DE-A7E5-74FA172C5FD0}"/>
+              </a:ext>
+            </a:extLst>
+          </p:cNvPr>
+          <p:cNvSpPr txBox="1"/>
+          <p:nvPr/>
+        </p:nvSpPr>
+        <p:spPr>
+          <a:xfrm>
+            <a:off x="182879" y="256154"/>
+            <a:ext cx="4602744" cy="646331"/>
+          </a:xfrm>
+          <a:prstGeom prst="rect">
+            <a:avLst/>
+          </a:prstGeom>
+          <a:noFill/>
+        </p:spPr>
+        <p:txBody>
+          <a:bodyPr wrap="square" rtlCol="0">
+            <a:spAutoFit/>
+          </a:bodyPr>
+          <a:lstStyle/>
+          <a:p>
+            <a:r>
+              <a:rPr lang="pt-BR" sz="3600" b="1" dirty="0">
+                <a:solidFill>
+                  <a:srgbClr val="BA55D3"/>
+                </a:solidFill>
+                <a:effectLst>
+                  <a:outerShdw blurRad="38100" dist="38100" dir="2700000" algn="tl">
+                    <a:srgbClr val="000000">
+                      <a:alpha val="43137"/>
+                    </a:srgbClr>
+                  </a:outerShdw>
+                </a:effectLst>
+                <a:latin typeface="Exo 2" panose="00000800000000000000" pitchFamily="50" charset="0"/>
+              </a:rPr>
+              <a:t>User Story</a:t>
+            </a:r>
+          </a:p>
+        </p:txBody>
+      </p:sp>
     </p:spTree>
     <p:extLst>
       <p:ext uri="{BB962C8B-B14F-4D97-AF65-F5344CB8AC3E}">
@@ -4826,6 +5396,352 @@
     <p:extLst>
       <p:ext uri="{BB962C8B-B14F-4D97-AF65-F5344CB8AC3E}">
         <p14:creationId xmlns:p14="http://schemas.microsoft.com/office/powerpoint/2010/main" val="2264657102"/>
+      </p:ext>
+    </p:extLst>
+  </p:cSld>
+  <p:clrMapOvr>
+    <a:masterClrMapping/>
+  </p:clrMapOvr>
+</p:sld>
+</file>
+
+<file path=ppt/slides/slide3.xml><?xml version="1.0" encoding="utf-8"?>
+<p:sld xmlns:a="http://schemas.openxmlformats.org/drawingml/2006/main" xmlns:r="http://schemas.openxmlformats.org/officeDocument/2006/relationships" xmlns:p="http://schemas.openxmlformats.org/presentationml/2006/main">
+  <p:cSld>
+    <p:bg>
+      <p:bgPr>
+        <a:solidFill>
+          <a:srgbClr val="3F3F3F"/>
+        </a:solidFill>
+        <a:effectLst/>
+      </p:bgPr>
+    </p:bg>
+    <p:spTree>
+      <p:nvGrpSpPr>
+        <p:cNvPr id="1" name=""/>
+        <p:cNvGrpSpPr/>
+        <p:nvPr/>
+      </p:nvGrpSpPr>
+      <p:grpSpPr>
+        <a:xfrm>
+          <a:off x="0" y="0"/>
+          <a:ext cx="0" cy="0"/>
+          <a:chOff x="0" y="0"/>
+          <a:chExt cx="0" cy="0"/>
+        </a:xfrm>
+      </p:grpSpPr>
+      <p:pic>
+        <p:nvPicPr>
+          <p:cNvPr id="9" name="Imagem 8" descr="Diagrama&#10;&#10;Descrição gerada automaticamente">
+            <a:extLst>
+              <a:ext uri="{FF2B5EF4-FFF2-40B4-BE49-F238E27FC236}">
+                <a16:creationId xmlns:a16="http://schemas.microsoft.com/office/drawing/2014/main" id="{5FA2492A-C551-4E80-9EBE-448474B053F8}"/>
+              </a:ext>
+            </a:extLst>
+          </p:cNvPr>
+          <p:cNvPicPr>
+            <a:picLocks noChangeAspect="1"/>
+          </p:cNvPicPr>
+          <p:nvPr/>
+        </p:nvPicPr>
+        <p:blipFill>
+          <a:blip r:embed="rId3">
+            <a:extLst>
+              <a:ext uri="{28A0092B-C50C-407E-A947-70E740481C1C}">
+                <a14:useLocalDpi xmlns:a14="http://schemas.microsoft.com/office/drawing/2010/main" val="0"/>
+              </a:ext>
+            </a:extLst>
+          </a:blip>
+          <a:stretch>
+            <a:fillRect/>
+          </a:stretch>
+        </p:blipFill>
+        <p:spPr>
+          <a:xfrm>
+            <a:off x="182879" y="868434"/>
+            <a:ext cx="9749086" cy="5855471"/>
+          </a:xfrm>
+          <a:prstGeom prst="rect">
+            <a:avLst/>
+          </a:prstGeom>
+        </p:spPr>
+      </p:pic>
+      <p:pic>
+        <p:nvPicPr>
+          <p:cNvPr id="10" name="Imagem 9" descr="Uma imagem contendo Interface gráfica do usuário&#10;&#10;Descrição gerada automaticamente">
+            <a:extLst>
+              <a:ext uri="{FF2B5EF4-FFF2-40B4-BE49-F238E27FC236}">
+                <a16:creationId xmlns:a16="http://schemas.microsoft.com/office/drawing/2014/main" id="{FCF6BF77-1198-4189-88ED-225A18DE17BF}"/>
+              </a:ext>
+            </a:extLst>
+          </p:cNvPr>
+          <p:cNvPicPr>
+            <a:picLocks noChangeAspect="1"/>
+          </p:cNvPicPr>
+          <p:nvPr/>
+        </p:nvPicPr>
+        <p:blipFill>
+          <a:blip r:embed="rId4">
+            <a:extLst>
+              <a:ext uri="{28A0092B-C50C-407E-A947-70E740481C1C}">
+                <a14:useLocalDpi xmlns:a14="http://schemas.microsoft.com/office/drawing/2010/main" val="0"/>
+              </a:ext>
+            </a:extLst>
+          </a:blip>
+          <a:stretch>
+            <a:fillRect/>
+          </a:stretch>
+        </p:blipFill>
+        <p:spPr>
+          <a:xfrm>
+            <a:off x="9307879" y="192678"/>
+            <a:ext cx="2701242" cy="536530"/>
+          </a:xfrm>
+          <a:prstGeom prst="rect">
+            <a:avLst/>
+          </a:prstGeom>
+        </p:spPr>
+      </p:pic>
+      <p:sp>
+        <p:nvSpPr>
+          <p:cNvPr id="11" name="CaixaDeTexto 10">
+            <a:extLst>
+              <a:ext uri="{FF2B5EF4-FFF2-40B4-BE49-F238E27FC236}">
+                <a16:creationId xmlns:a16="http://schemas.microsoft.com/office/drawing/2014/main" id="{AFC0960E-DF17-4C8F-84CD-0122AEFC8E7A}"/>
+              </a:ext>
+            </a:extLst>
+          </p:cNvPr>
+          <p:cNvSpPr txBox="1"/>
+          <p:nvPr/>
+        </p:nvSpPr>
+        <p:spPr>
+          <a:xfrm>
+            <a:off x="182879" y="134095"/>
+            <a:ext cx="4602744" cy="646331"/>
+          </a:xfrm>
+          <a:prstGeom prst="rect">
+            <a:avLst/>
+          </a:prstGeom>
+          <a:noFill/>
+        </p:spPr>
+        <p:txBody>
+          <a:bodyPr wrap="square" rtlCol="0">
+            <a:spAutoFit/>
+          </a:bodyPr>
+          <a:lstStyle/>
+          <a:p>
+            <a:r>
+              <a:rPr lang="pt-BR" sz="3600" b="1" dirty="0">
+                <a:solidFill>
+                  <a:srgbClr val="BA55D3"/>
+                </a:solidFill>
+                <a:effectLst>
+                  <a:outerShdw blurRad="38100" dist="38100" dir="2700000" algn="tl">
+                    <a:srgbClr val="000000">
+                      <a:alpha val="43137"/>
+                    </a:srgbClr>
+                  </a:outerShdw>
+                </a:effectLst>
+                <a:latin typeface="Exo 2" panose="00000800000000000000" pitchFamily="50" charset="0"/>
+              </a:rPr>
+              <a:t>Modelo de Dados</a:t>
+            </a:r>
+          </a:p>
+        </p:txBody>
+      </p:sp>
+    </p:spTree>
+    <p:extLst>
+      <p:ext uri="{BB962C8B-B14F-4D97-AF65-F5344CB8AC3E}">
+        <p14:creationId xmlns:p14="http://schemas.microsoft.com/office/powerpoint/2010/main" val="465163735"/>
+      </p:ext>
+    </p:extLst>
+  </p:cSld>
+  <p:clrMapOvr>
+    <a:masterClrMapping/>
+  </p:clrMapOvr>
+</p:sld>
+</file>
+
+<file path=ppt/slides/slide4.xml><?xml version="1.0" encoding="utf-8"?>
+<p:sld xmlns:a="http://schemas.openxmlformats.org/drawingml/2006/main" xmlns:r="http://schemas.openxmlformats.org/officeDocument/2006/relationships" xmlns:p="http://schemas.openxmlformats.org/presentationml/2006/main">
+  <p:cSld>
+    <p:bg>
+      <p:bgPr>
+        <a:solidFill>
+          <a:srgbClr val="3F3F3F"/>
+        </a:solidFill>
+        <a:effectLst/>
+      </p:bgPr>
+    </p:bg>
+    <p:spTree>
+      <p:nvGrpSpPr>
+        <p:cNvPr id="1" name=""/>
+        <p:cNvGrpSpPr/>
+        <p:nvPr/>
+      </p:nvGrpSpPr>
+      <p:grpSpPr>
+        <a:xfrm>
+          <a:off x="0" y="0"/>
+          <a:ext cx="0" cy="0"/>
+          <a:chOff x="0" y="0"/>
+          <a:chExt cx="0" cy="0"/>
+        </a:xfrm>
+      </p:grpSpPr>
+      <p:pic>
+        <p:nvPicPr>
+          <p:cNvPr id="13" name="Imagem 12">
+            <a:extLst>
+              <a:ext uri="{FF2B5EF4-FFF2-40B4-BE49-F238E27FC236}">
+                <a16:creationId xmlns:a16="http://schemas.microsoft.com/office/drawing/2014/main" id="{ABE6EBE3-B31F-4CCB-ACE9-5C410EEABF5D}"/>
+              </a:ext>
+            </a:extLst>
+          </p:cNvPr>
+          <p:cNvPicPr>
+            <a:picLocks noChangeAspect="1"/>
+          </p:cNvPicPr>
+          <p:nvPr/>
+        </p:nvPicPr>
+        <p:blipFill>
+          <a:blip r:embed="rId3"/>
+          <a:stretch>
+            <a:fillRect/>
+          </a:stretch>
+        </p:blipFill>
+        <p:spPr>
+          <a:xfrm>
+            <a:off x="194603" y="1223889"/>
+            <a:ext cx="11802794" cy="4809137"/>
+          </a:xfrm>
+          <a:prstGeom prst="rect">
+            <a:avLst/>
+          </a:prstGeom>
+          <a:ln w="38100">
+            <a:solidFill>
+              <a:schemeClr val="tx1">
+                <a:lumMod val="85000"/>
+                <a:lumOff val="15000"/>
+              </a:schemeClr>
+            </a:solidFill>
+          </a:ln>
+        </p:spPr>
+      </p:pic>
+      <p:pic>
+        <p:nvPicPr>
+          <p:cNvPr id="14" name="Imagem 13" descr="Uma imagem contendo Interface gráfica do usuário&#10;&#10;Descrição gerada automaticamente">
+            <a:extLst>
+              <a:ext uri="{FF2B5EF4-FFF2-40B4-BE49-F238E27FC236}">
+                <a16:creationId xmlns:a16="http://schemas.microsoft.com/office/drawing/2014/main" id="{56E16E3D-4009-4D52-9CB7-83CFE907EF8B}"/>
+              </a:ext>
+            </a:extLst>
+          </p:cNvPr>
+          <p:cNvPicPr>
+            <a:picLocks noChangeAspect="1"/>
+          </p:cNvPicPr>
+          <p:nvPr/>
+        </p:nvPicPr>
+        <p:blipFill>
+          <a:blip r:embed="rId4">
+            <a:extLst>
+              <a:ext uri="{28A0092B-C50C-407E-A947-70E740481C1C}">
+                <a14:useLocalDpi xmlns:a14="http://schemas.microsoft.com/office/drawing/2010/main" val="0"/>
+              </a:ext>
+            </a:extLst>
+          </a:blip>
+          <a:stretch>
+            <a:fillRect/>
+          </a:stretch>
+        </p:blipFill>
+        <p:spPr>
+          <a:xfrm>
+            <a:off x="9307879" y="192678"/>
+            <a:ext cx="2701242" cy="536530"/>
+          </a:xfrm>
+          <a:prstGeom prst="rect">
+            <a:avLst/>
+          </a:prstGeom>
+        </p:spPr>
+      </p:pic>
+      <p:sp>
+        <p:nvSpPr>
+          <p:cNvPr id="15" name="CaixaDeTexto 14">
+            <a:extLst>
+              <a:ext uri="{FF2B5EF4-FFF2-40B4-BE49-F238E27FC236}">
+                <a16:creationId xmlns:a16="http://schemas.microsoft.com/office/drawing/2014/main" id="{FC466D1C-3C22-496E-AAD9-3E6EBCEC4659}"/>
+              </a:ext>
+            </a:extLst>
+          </p:cNvPr>
+          <p:cNvSpPr txBox="1"/>
+          <p:nvPr/>
+        </p:nvSpPr>
+        <p:spPr>
+          <a:xfrm>
+            <a:off x="182879" y="134095"/>
+            <a:ext cx="4602744" cy="646331"/>
+          </a:xfrm>
+          <a:prstGeom prst="rect">
+            <a:avLst/>
+          </a:prstGeom>
+          <a:noFill/>
+        </p:spPr>
+        <p:txBody>
+          <a:bodyPr wrap="square" rtlCol="0">
+            <a:spAutoFit/>
+          </a:bodyPr>
+          <a:lstStyle/>
+          <a:p>
+            <a:r>
+              <a:rPr lang="pt-BR" sz="3600" b="1" dirty="0">
+                <a:solidFill>
+                  <a:srgbClr val="BA55D3"/>
+                </a:solidFill>
+                <a:effectLst>
+                  <a:outerShdw blurRad="38100" dist="38100" dir="2700000" algn="tl">
+                    <a:srgbClr val="000000">
+                      <a:alpha val="43137"/>
+                    </a:srgbClr>
+                  </a:outerShdw>
+                </a:effectLst>
+                <a:latin typeface="Exo 2" panose="00000800000000000000" pitchFamily="50" charset="0"/>
+              </a:rPr>
+              <a:t>Product Backlog</a:t>
+            </a:r>
+          </a:p>
+        </p:txBody>
+      </p:sp>
+    </p:spTree>
+    <p:extLst>
+      <p:ext uri="{BB962C8B-B14F-4D97-AF65-F5344CB8AC3E}">
+        <p14:creationId xmlns:p14="http://schemas.microsoft.com/office/powerpoint/2010/main" val="514950369"/>
+      </p:ext>
+    </p:extLst>
+  </p:cSld>
+  <p:clrMapOvr>
+    <a:masterClrMapping/>
+  </p:clrMapOvr>
+</p:sld>
+</file>
+
+<file path=ppt/slides/slide5.xml><?xml version="1.0" encoding="utf-8"?>
+<p:sld xmlns:a="http://schemas.openxmlformats.org/drawingml/2006/main" xmlns:r="http://schemas.openxmlformats.org/officeDocument/2006/relationships" xmlns:p="http://schemas.openxmlformats.org/presentationml/2006/main">
+  <p:cSld>
+    <p:spTree>
+      <p:nvGrpSpPr>
+        <p:cNvPr id="1" name=""/>
+        <p:cNvGrpSpPr/>
+        <p:nvPr/>
+      </p:nvGrpSpPr>
+      <p:grpSpPr>
+        <a:xfrm>
+          <a:off x="0" y="0"/>
+          <a:ext cx="0" cy="0"/>
+          <a:chOff x="0" y="0"/>
+          <a:chExt cx="0" cy="0"/>
+        </a:xfrm>
+      </p:grpSpPr>
+    </p:spTree>
+    <p:extLst>
+      <p:ext uri="{BB962C8B-B14F-4D97-AF65-F5344CB8AC3E}">
+        <p14:creationId xmlns:p14="http://schemas.microsoft.com/office/powerpoint/2010/main" val="2047426869"/>
       </p:ext>
     </p:extLst>
   </p:cSld>
@@ -5128,4 +6044,299 @@
     </a:ext>
   </a:extLst>
 </a:theme>
+</file>
+
+<file path=ppt/theme/theme2.xml><?xml version="1.0" encoding="utf-8"?>
+<a:theme xmlns:a="http://schemas.openxmlformats.org/drawingml/2006/main" name="Tema do Office">
+  <a:themeElements>
+    <a:clrScheme name="Office">
+      <a:dk1>
+        <a:sysClr val="windowText" lastClr="000000"/>
+      </a:dk1>
+      <a:lt1>
+        <a:sysClr val="window" lastClr="FFFFFF"/>
+      </a:lt1>
+      <a:dk2>
+        <a:srgbClr val="44546A"/>
+      </a:dk2>
+      <a:lt2>
+        <a:srgbClr val="E7E6E6"/>
+      </a:lt2>
+      <a:accent1>
+        <a:srgbClr val="4472C4"/>
+      </a:accent1>
+      <a:accent2>
+        <a:srgbClr val="ED7D31"/>
+      </a:accent2>
+      <a:accent3>
+        <a:srgbClr val="A5A5A5"/>
+      </a:accent3>
+      <a:accent4>
+        <a:srgbClr val="FFC000"/>
+      </a:accent4>
+      <a:accent5>
+        <a:srgbClr val="5B9BD5"/>
+      </a:accent5>
+      <a:accent6>
+        <a:srgbClr val="70AD47"/>
+      </a:accent6>
+      <a:hlink>
+        <a:srgbClr val="0563C1"/>
+      </a:hlink>
+      <a:folHlink>
+        <a:srgbClr val="954F72"/>
+      </a:folHlink>
+    </a:clrScheme>
+    <a:fontScheme name="Office">
+      <a:majorFont>
+        <a:latin typeface="Calibri Light" panose="020F0302020204030204"/>
+        <a:ea typeface=""/>
+        <a:cs typeface=""/>
+        <a:font script="Jpan" typeface="游ゴシック Light"/>
+        <a:font script="Hang" typeface="맑은 고딕"/>
+        <a:font script="Hans" typeface="等线 Light"/>
+        <a:font script="Hant" typeface="新細明體"/>
+        <a:font script="Arab" typeface="Times New Roman"/>
+        <a:font script="Hebr" typeface="Times New Roman"/>
+        <a:font script="Thai" typeface="Angsana New"/>
+        <a:font script="Ethi" typeface="Nyala"/>
+        <a:font script="Beng" typeface="Vrinda"/>
+        <a:font script="Gujr" typeface="Shruti"/>
+        <a:font script="Khmr" typeface="MoolBoran"/>
+        <a:font script="Knda" typeface="Tunga"/>
+        <a:font script="Guru" typeface="Raavi"/>
+        <a:font script="Cans" typeface="Euphemia"/>
+        <a:font script="Cher" typeface="Plantagenet Cherokee"/>
+        <a:font script="Yiii" typeface="Microsoft Yi Baiti"/>
+        <a:font script="Tibt" typeface="Microsoft Himalaya"/>
+        <a:font script="Thaa" typeface="MV Boli"/>
+        <a:font script="Deva" typeface="Mangal"/>
+        <a:font script="Telu" typeface="Gautami"/>
+        <a:font script="Taml" typeface="Latha"/>
+        <a:font script="Syrc" typeface="Estrangelo Edessa"/>
+        <a:font script="Orya" typeface="Kalinga"/>
+        <a:font script="Mlym" typeface="Kartika"/>
+        <a:font script="Laoo" typeface="DokChampa"/>
+        <a:font script="Sinh" typeface="Iskoola Pota"/>
+        <a:font script="Mong" typeface="Mongolian Baiti"/>
+        <a:font script="Viet" typeface="Times New Roman"/>
+        <a:font script="Uigh" typeface="Microsoft Uighur"/>
+        <a:font script="Geor" typeface="Sylfaen"/>
+        <a:font script="Armn" typeface="Arial"/>
+        <a:font script="Bugi" typeface="Leelawadee UI"/>
+        <a:font script="Bopo" typeface="Microsoft JhengHei"/>
+        <a:font script="Java" typeface="Javanese Text"/>
+        <a:font script="Lisu" typeface="Segoe UI"/>
+        <a:font script="Mymr" typeface="Myanmar Text"/>
+        <a:font script="Nkoo" typeface="Ebrima"/>
+        <a:font script="Olck" typeface="Nirmala UI"/>
+        <a:font script="Osma" typeface="Ebrima"/>
+        <a:font script="Phag" typeface="Phagspa"/>
+        <a:font script="Syrn" typeface="Estrangelo Edessa"/>
+        <a:font script="Syrj" typeface="Estrangelo Edessa"/>
+        <a:font script="Syre" typeface="Estrangelo Edessa"/>
+        <a:font script="Sora" typeface="Nirmala UI"/>
+        <a:font script="Tale" typeface="Microsoft Tai Le"/>
+        <a:font script="Talu" typeface="Microsoft New Tai Lue"/>
+        <a:font script="Tfng" typeface="Ebrima"/>
+      </a:majorFont>
+      <a:minorFont>
+        <a:latin typeface="Calibri" panose="020F0502020204030204"/>
+        <a:ea typeface=""/>
+        <a:cs typeface=""/>
+        <a:font script="Jpan" typeface="游ゴシック"/>
+        <a:font script="Hang" typeface="맑은 고딕"/>
+        <a:font script="Hans" typeface="等线"/>
+        <a:font script="Hant" typeface="新細明體"/>
+        <a:font script="Arab" typeface="Arial"/>
+        <a:font script="Hebr" typeface="Arial"/>
+        <a:font script="Thai" typeface="Cordia New"/>
+        <a:font script="Ethi" typeface="Nyala"/>
+        <a:font script="Beng" typeface="Vrinda"/>
+        <a:font script="Gujr" typeface="Shruti"/>
+        <a:font script="Khmr" typeface="DaunPenh"/>
+        <a:font script="Knda" typeface="Tunga"/>
+        <a:font script="Guru" typeface="Raavi"/>
+        <a:font script="Cans" typeface="Euphemia"/>
+        <a:font script="Cher" typeface="Plantagenet Cherokee"/>
+        <a:font script="Yiii" typeface="Microsoft Yi Baiti"/>
+        <a:font script="Tibt" typeface="Microsoft Himalaya"/>
+        <a:font script="Thaa" typeface="MV Boli"/>
+        <a:font script="Deva" typeface="Mangal"/>
+        <a:font script="Telu" typeface="Gautami"/>
+        <a:font script="Taml" typeface="Latha"/>
+        <a:font script="Syrc" typeface="Estrangelo Edessa"/>
+        <a:font script="Orya" typeface="Kalinga"/>
+        <a:font script="Mlym" typeface="Kartika"/>
+        <a:font script="Laoo" typeface="DokChampa"/>
+        <a:font script="Sinh" typeface="Iskoola Pota"/>
+        <a:font script="Mong" typeface="Mongolian Baiti"/>
+        <a:font script="Viet" typeface="Arial"/>
+        <a:font script="Uigh" typeface="Microsoft Uighur"/>
+        <a:font script="Geor" typeface="Sylfaen"/>
+        <a:font script="Armn" typeface="Arial"/>
+        <a:font script="Bugi" typeface="Leelawadee UI"/>
+        <a:font script="Bopo" typeface="Microsoft JhengHei"/>
+        <a:font script="Java" typeface="Javanese Text"/>
+        <a:font script="Lisu" typeface="Segoe UI"/>
+        <a:font script="Mymr" typeface="Myanmar Text"/>
+        <a:font script="Nkoo" typeface="Ebrima"/>
+        <a:font script="Olck" typeface="Nirmala UI"/>
+        <a:font script="Osma" typeface="Ebrima"/>
+        <a:font script="Phag" typeface="Phagspa"/>
+        <a:font script="Syrn" typeface="Estrangelo Edessa"/>
+        <a:font script="Syrj" typeface="Estrangelo Edessa"/>
+        <a:font script="Syre" typeface="Estrangelo Edessa"/>
+        <a:font script="Sora" typeface="Nirmala UI"/>
+        <a:font script="Tale" typeface="Microsoft Tai Le"/>
+        <a:font script="Talu" typeface="Microsoft New Tai Lue"/>
+        <a:font script="Tfng" typeface="Ebrima"/>
+      </a:minorFont>
+    </a:fontScheme>
+    <a:fmtScheme name="Office">
+      <a:fillStyleLst>
+        <a:solidFill>
+          <a:schemeClr val="phClr"/>
+        </a:solidFill>
+        <a:gradFill rotWithShape="1">
+          <a:gsLst>
+            <a:gs pos="0">
+              <a:schemeClr val="phClr">
+                <a:lumMod val="110000"/>
+                <a:satMod val="105000"/>
+                <a:tint val="67000"/>
+              </a:schemeClr>
+            </a:gs>
+            <a:gs pos="50000">
+              <a:schemeClr val="phClr">
+                <a:lumMod val="105000"/>
+                <a:satMod val="103000"/>
+                <a:tint val="73000"/>
+              </a:schemeClr>
+            </a:gs>
+            <a:gs pos="100000">
+              <a:schemeClr val="phClr">
+                <a:lumMod val="105000"/>
+                <a:satMod val="109000"/>
+                <a:tint val="81000"/>
+              </a:schemeClr>
+            </a:gs>
+          </a:gsLst>
+          <a:lin ang="5400000" scaled="0"/>
+        </a:gradFill>
+        <a:gradFill rotWithShape="1">
+          <a:gsLst>
+            <a:gs pos="0">
+              <a:schemeClr val="phClr">
+                <a:satMod val="103000"/>
+                <a:lumMod val="102000"/>
+                <a:tint val="94000"/>
+              </a:schemeClr>
+            </a:gs>
+            <a:gs pos="50000">
+              <a:schemeClr val="phClr">
+                <a:satMod val="110000"/>
+                <a:lumMod val="100000"/>
+                <a:shade val="100000"/>
+              </a:schemeClr>
+            </a:gs>
+            <a:gs pos="100000">
+              <a:schemeClr val="phClr">
+                <a:lumMod val="99000"/>
+                <a:satMod val="120000"/>
+                <a:shade val="78000"/>
+              </a:schemeClr>
+            </a:gs>
+          </a:gsLst>
+          <a:lin ang="5400000" scaled="0"/>
+        </a:gradFill>
+      </a:fillStyleLst>
+      <a:lnStyleLst>
+        <a:ln w="6350" cap="flat" cmpd="sng" algn="ctr">
+          <a:solidFill>
+            <a:schemeClr val="phClr"/>
+          </a:solidFill>
+          <a:prstDash val="solid"/>
+          <a:miter lim="800000"/>
+        </a:ln>
+        <a:ln w="12700" cap="flat" cmpd="sng" algn="ctr">
+          <a:solidFill>
+            <a:schemeClr val="phClr"/>
+          </a:solidFill>
+          <a:prstDash val="solid"/>
+          <a:miter lim="800000"/>
+        </a:ln>
+        <a:ln w="19050" cap="flat" cmpd="sng" algn="ctr">
+          <a:solidFill>
+            <a:schemeClr val="phClr"/>
+          </a:solidFill>
+          <a:prstDash val="solid"/>
+          <a:miter lim="800000"/>
+        </a:ln>
+      </a:lnStyleLst>
+      <a:effectStyleLst>
+        <a:effectStyle>
+          <a:effectLst/>
+        </a:effectStyle>
+        <a:effectStyle>
+          <a:effectLst/>
+        </a:effectStyle>
+        <a:effectStyle>
+          <a:effectLst>
+            <a:outerShdw blurRad="57150" dist="19050" dir="5400000" algn="ctr" rotWithShape="0">
+              <a:srgbClr val="000000">
+                <a:alpha val="63000"/>
+              </a:srgbClr>
+            </a:outerShdw>
+          </a:effectLst>
+        </a:effectStyle>
+      </a:effectStyleLst>
+      <a:bgFillStyleLst>
+        <a:solidFill>
+          <a:schemeClr val="phClr"/>
+        </a:solidFill>
+        <a:solidFill>
+          <a:schemeClr val="phClr">
+            <a:tint val="95000"/>
+            <a:satMod val="170000"/>
+          </a:schemeClr>
+        </a:solidFill>
+        <a:gradFill rotWithShape="1">
+          <a:gsLst>
+            <a:gs pos="0">
+              <a:schemeClr val="phClr">
+                <a:tint val="93000"/>
+                <a:satMod val="150000"/>
+                <a:shade val="98000"/>
+                <a:lumMod val="102000"/>
+              </a:schemeClr>
+            </a:gs>
+            <a:gs pos="50000">
+              <a:schemeClr val="phClr">
+                <a:tint val="98000"/>
+                <a:satMod val="130000"/>
+                <a:shade val="90000"/>
+                <a:lumMod val="103000"/>
+              </a:schemeClr>
+            </a:gs>
+            <a:gs pos="100000">
+              <a:schemeClr val="phClr">
+                <a:shade val="63000"/>
+                <a:satMod val="120000"/>
+              </a:schemeClr>
+            </a:gs>
+          </a:gsLst>
+          <a:lin ang="5400000" scaled="0"/>
+        </a:gradFill>
+      </a:bgFillStyleLst>
+    </a:fmtScheme>
+  </a:themeElements>
+  <a:objectDefaults/>
+  <a:extraClrSchemeLst/>
+  <a:extLst>
+    <a:ext uri="{05A4C25C-085E-4340-85A3-A5531E510DB2}">
+      <thm15:themeFamily xmlns:thm15="http://schemas.microsoft.com/office/thememl/2012/main" name="Office Theme" id="{62F939B6-93AF-4DB8-9C6B-D6C7DFDC589F}" vid="{4A3C46E8-61CC-4603-A589-7422A47A8E4A}"/>
+    </a:ext>
+  </a:extLst>
+</a:theme>
 </file>
--- a/documentos/Apresentação.pptx
+++ b/documentos/Apresentação.pptx
@@ -5,7 +5,7 @@
     <p:sldMasterId id="2147483648" r:id="rId1"/>
   </p:sldMasterIdLst>
   <p:notesMasterIdLst>
-    <p:notesMasterId r:id="rId7"/>
+    <p:notesMasterId r:id="rId12"/>
   </p:notesMasterIdLst>
   <p:sldIdLst>
     <p:sldId id="256" r:id="rId2"/>
@@ -13,6 +13,11 @@
     <p:sldId id="258" r:id="rId4"/>
     <p:sldId id="259" r:id="rId5"/>
     <p:sldId id="260" r:id="rId6"/>
+    <p:sldId id="261" r:id="rId7"/>
+    <p:sldId id="262" r:id="rId8"/>
+    <p:sldId id="263" r:id="rId9"/>
+    <p:sldId id="265" r:id="rId10"/>
+    <p:sldId id="264" r:id="rId11"/>
   </p:sldIdLst>
   <p:sldSz cx="12192000" cy="6858000"/>
   <p:notesSz cx="6858000" cy="9144000"/>
@@ -4468,6 +4473,177 @@
 </p:sld>
 </file>
 
+<file path=ppt/slides/slide10.xml><?xml version="1.0" encoding="utf-8"?>
+<p:sld xmlns:a="http://schemas.openxmlformats.org/drawingml/2006/main" xmlns:r="http://schemas.openxmlformats.org/officeDocument/2006/relationships" xmlns:p="http://schemas.openxmlformats.org/presentationml/2006/main">
+  <p:cSld>
+    <p:bg>
+      <p:bgPr>
+        <a:solidFill>
+          <a:schemeClr val="tx1">
+            <a:lumMod val="75000"/>
+            <a:lumOff val="25000"/>
+          </a:schemeClr>
+        </a:solidFill>
+        <a:effectLst/>
+      </p:bgPr>
+    </p:bg>
+    <p:spTree>
+      <p:nvGrpSpPr>
+        <p:cNvPr id="1" name=""/>
+        <p:cNvGrpSpPr/>
+        <p:nvPr/>
+      </p:nvGrpSpPr>
+      <p:grpSpPr>
+        <a:xfrm>
+          <a:off x="0" y="0"/>
+          <a:ext cx="0" cy="0"/>
+          <a:chOff x="0" y="0"/>
+          <a:chExt cx="0" cy="0"/>
+        </a:xfrm>
+      </p:grpSpPr>
+      <p:pic>
+        <p:nvPicPr>
+          <p:cNvPr id="4" name="Imagem 3" descr="Uma imagem contendo Interface gráfica do usuário&#10;&#10;Descrição gerada automaticamente">
+            <a:extLst>
+              <a:ext uri="{FF2B5EF4-FFF2-40B4-BE49-F238E27FC236}">
+                <a16:creationId xmlns:a16="http://schemas.microsoft.com/office/drawing/2014/main" id="{FBA0E6D1-AE17-4767-9ECC-55DAD094F91E}"/>
+              </a:ext>
+            </a:extLst>
+          </p:cNvPr>
+          <p:cNvPicPr>
+            <a:picLocks noChangeAspect="1"/>
+          </p:cNvPicPr>
+          <p:nvPr/>
+        </p:nvPicPr>
+        <p:blipFill>
+          <a:blip r:embed="rId2">
+            <a:extLst>
+              <a:ext uri="{28A0092B-C50C-407E-A947-70E740481C1C}">
+                <a14:useLocalDpi xmlns:a14="http://schemas.microsoft.com/office/drawing/2010/main" val="0"/>
+              </a:ext>
+            </a:extLst>
+          </a:blip>
+          <a:stretch>
+            <a:fillRect/>
+          </a:stretch>
+        </p:blipFill>
+        <p:spPr>
+          <a:xfrm>
+            <a:off x="9307879" y="192678"/>
+            <a:ext cx="2701242" cy="536530"/>
+          </a:xfrm>
+          <a:prstGeom prst="rect">
+            <a:avLst/>
+          </a:prstGeom>
+        </p:spPr>
+      </p:pic>
+      <p:sp>
+        <p:nvSpPr>
+          <p:cNvPr id="5" name="CaixaDeTexto 4">
+            <a:extLst>
+              <a:ext uri="{FF2B5EF4-FFF2-40B4-BE49-F238E27FC236}">
+                <a16:creationId xmlns:a16="http://schemas.microsoft.com/office/drawing/2014/main" id="{9E599610-DEB8-4D32-B749-6496EA0F11B3}"/>
+              </a:ext>
+            </a:extLst>
+          </p:cNvPr>
+          <p:cNvSpPr txBox="1"/>
+          <p:nvPr/>
+        </p:nvSpPr>
+        <p:spPr>
+          <a:xfrm>
+            <a:off x="444937" y="137777"/>
+            <a:ext cx="4602744" cy="646331"/>
+          </a:xfrm>
+          <a:prstGeom prst="rect">
+            <a:avLst/>
+          </a:prstGeom>
+          <a:noFill/>
+        </p:spPr>
+        <p:txBody>
+          <a:bodyPr wrap="square" rtlCol="0">
+            <a:spAutoFit/>
+          </a:bodyPr>
+          <a:lstStyle/>
+          <a:p>
+            <a:r>
+              <a:rPr lang="pt-BR" sz="3600" b="1" dirty="0">
+                <a:solidFill>
+                  <a:srgbClr val="BA55D3"/>
+                </a:solidFill>
+                <a:effectLst>
+                  <a:outerShdw blurRad="38100" dist="38100" dir="2700000" algn="tl">
+                    <a:srgbClr val="000000">
+                      <a:alpha val="43137"/>
+                    </a:srgbClr>
+                  </a:outerShdw>
+                </a:effectLst>
+                <a:latin typeface="Exo 2" panose="00000800000000000000" pitchFamily="50" charset="0"/>
+              </a:rPr>
+              <a:t>Planner</a:t>
+            </a:r>
+          </a:p>
+        </p:txBody>
+      </p:sp>
+      <p:pic>
+        <p:nvPicPr>
+          <p:cNvPr id="1026" name="Picture 2">
+            <a:extLst>
+              <a:ext uri="{FF2B5EF4-FFF2-40B4-BE49-F238E27FC236}">
+                <a16:creationId xmlns:a16="http://schemas.microsoft.com/office/drawing/2014/main" id="{03AFE8B5-1EDA-4A2B-AF2A-693E5557A14C}"/>
+              </a:ext>
+            </a:extLst>
+          </p:cNvPr>
+          <p:cNvPicPr>
+            <a:picLocks noChangeAspect="1" noChangeArrowheads="1"/>
+          </p:cNvPicPr>
+          <p:nvPr/>
+        </p:nvPicPr>
+        <p:blipFill>
+          <a:blip r:embed="rId3">
+            <a:extLst>
+              <a:ext uri="{28A0092B-C50C-407E-A947-70E740481C1C}">
+                <a14:useLocalDpi xmlns:a14="http://schemas.microsoft.com/office/drawing/2010/main" val="0"/>
+              </a:ext>
+            </a:extLst>
+          </a:blip>
+          <a:srcRect/>
+          <a:stretch>
+            <a:fillRect/>
+          </a:stretch>
+        </p:blipFill>
+        <p:spPr bwMode="auto">
+          <a:xfrm>
+            <a:off x="4112826" y="1480745"/>
+            <a:ext cx="3507760" cy="3896509"/>
+          </a:xfrm>
+          <a:prstGeom prst="rect">
+            <a:avLst/>
+          </a:prstGeom>
+          <a:noFill/>
+          <a:extLst>
+            <a:ext uri="{909E8E84-426E-40DD-AFC4-6F175D3DCCD1}">
+              <a14:hiddenFill xmlns:a14="http://schemas.microsoft.com/office/drawing/2010/main">
+                <a:solidFill>
+                  <a:srgbClr val="FFFFFF"/>
+                </a:solidFill>
+              </a14:hiddenFill>
+            </a:ext>
+          </a:extLst>
+        </p:spPr>
+      </p:pic>
+    </p:spTree>
+    <p:extLst>
+      <p:ext uri="{BB962C8B-B14F-4D97-AF65-F5344CB8AC3E}">
+        <p14:creationId xmlns:p14="http://schemas.microsoft.com/office/powerpoint/2010/main" val="171393675"/>
+      </p:ext>
+    </p:extLst>
+  </p:cSld>
+  <p:clrMapOvr>
+    <a:masterClrMapping/>
+  </p:clrMapOvr>
+</p:sld>
+</file>
+
 <file path=ppt/slides/slide2.xml><?xml version="1.0" encoding="utf-8"?>
 <p:sld xmlns:a="http://schemas.openxmlformats.org/drawingml/2006/main" xmlns:r="http://schemas.openxmlformats.org/officeDocument/2006/relationships" xmlns:p="http://schemas.openxmlformats.org/presentationml/2006/main">
   <p:cSld>
@@ -5724,6 +5900,17 @@
 <file path=ppt/slides/slide5.xml><?xml version="1.0" encoding="utf-8"?>
 <p:sld xmlns:a="http://schemas.openxmlformats.org/drawingml/2006/main" xmlns:r="http://schemas.openxmlformats.org/officeDocument/2006/relationships" xmlns:p="http://schemas.openxmlformats.org/presentationml/2006/main">
   <p:cSld>
+    <p:bg>
+      <p:bgPr>
+        <a:solidFill>
+          <a:schemeClr val="tx1">
+            <a:lumMod val="75000"/>
+            <a:lumOff val="25000"/>
+          </a:schemeClr>
+        </a:solidFill>
+        <a:effectLst/>
+      </p:bgPr>
+    </p:bg>
     <p:spTree>
       <p:nvGrpSpPr>
         <p:cNvPr id="1" name=""/>
@@ -5738,10 +5925,1736 @@
           <a:chExt cx="0" cy="0"/>
         </a:xfrm>
       </p:grpSpPr>
+      <p:pic>
+        <p:nvPicPr>
+          <p:cNvPr id="2" name="Imagem 1" descr="Uma imagem contendo Interface gráfica do usuário&#10;&#10;Descrição gerada automaticamente">
+            <a:extLst>
+              <a:ext uri="{FF2B5EF4-FFF2-40B4-BE49-F238E27FC236}">
+                <a16:creationId xmlns:a16="http://schemas.microsoft.com/office/drawing/2014/main" id="{8A8C9414-FEED-463B-9784-27E2B485AD0A}"/>
+              </a:ext>
+            </a:extLst>
+          </p:cNvPr>
+          <p:cNvPicPr>
+            <a:picLocks noChangeAspect="1"/>
+          </p:cNvPicPr>
+          <p:nvPr/>
+        </p:nvPicPr>
+        <p:blipFill>
+          <a:blip r:embed="rId2">
+            <a:extLst>
+              <a:ext uri="{28A0092B-C50C-407E-A947-70E740481C1C}">
+                <a14:useLocalDpi xmlns:a14="http://schemas.microsoft.com/office/drawing/2010/main" val="0"/>
+              </a:ext>
+            </a:extLst>
+          </a:blip>
+          <a:stretch>
+            <a:fillRect/>
+          </a:stretch>
+        </p:blipFill>
+        <p:spPr>
+          <a:xfrm>
+            <a:off x="9307879" y="192678"/>
+            <a:ext cx="2701242" cy="536530"/>
+          </a:xfrm>
+          <a:prstGeom prst="rect">
+            <a:avLst/>
+          </a:prstGeom>
+        </p:spPr>
+      </p:pic>
+      <p:pic>
+        <p:nvPicPr>
+          <p:cNvPr id="4" name="Imagem 3">
+            <a:extLst>
+              <a:ext uri="{FF2B5EF4-FFF2-40B4-BE49-F238E27FC236}">
+                <a16:creationId xmlns:a16="http://schemas.microsoft.com/office/drawing/2014/main" id="{56D10D83-3155-42CD-9DA3-604BAF7E1FA0}"/>
+              </a:ext>
+            </a:extLst>
+          </p:cNvPr>
+          <p:cNvPicPr>
+            <a:picLocks noChangeAspect="1"/>
+          </p:cNvPicPr>
+          <p:nvPr/>
+        </p:nvPicPr>
+        <p:blipFill rotWithShape="1">
+          <a:blip r:embed="rId3"/>
+          <a:srcRect t="-760" r="567"/>
+          <a:stretch/>
+        </p:blipFill>
+        <p:spPr>
+          <a:xfrm>
+            <a:off x="585601" y="886265"/>
+            <a:ext cx="9922965" cy="5779057"/>
+          </a:xfrm>
+          <a:prstGeom prst="rect">
+            <a:avLst/>
+          </a:prstGeom>
+          <a:ln w="25400">
+            <a:solidFill>
+              <a:schemeClr val="tx1">
+                <a:lumMod val="85000"/>
+                <a:lumOff val="15000"/>
+                <a:alpha val="56000"/>
+              </a:schemeClr>
+            </a:solidFill>
+          </a:ln>
+        </p:spPr>
+      </p:pic>
+      <p:sp>
+        <p:nvSpPr>
+          <p:cNvPr id="5" name="CaixaDeTexto 4">
+            <a:extLst>
+              <a:ext uri="{FF2B5EF4-FFF2-40B4-BE49-F238E27FC236}">
+                <a16:creationId xmlns:a16="http://schemas.microsoft.com/office/drawing/2014/main" id="{F2B0869B-099A-4318-9601-CD1CC5C23653}"/>
+              </a:ext>
+            </a:extLst>
+          </p:cNvPr>
+          <p:cNvSpPr txBox="1"/>
+          <p:nvPr/>
+        </p:nvSpPr>
+        <p:spPr>
+          <a:xfrm>
+            <a:off x="444937" y="137777"/>
+            <a:ext cx="4602744" cy="646331"/>
+          </a:xfrm>
+          <a:prstGeom prst="rect">
+            <a:avLst/>
+          </a:prstGeom>
+          <a:noFill/>
+        </p:spPr>
+        <p:txBody>
+          <a:bodyPr wrap="square" rtlCol="0">
+            <a:spAutoFit/>
+          </a:bodyPr>
+          <a:lstStyle/>
+          <a:p>
+            <a:r>
+              <a:rPr lang="pt-BR" sz="3600" b="1" dirty="0">
+                <a:solidFill>
+                  <a:srgbClr val="BA55D3"/>
+                </a:solidFill>
+                <a:effectLst>
+                  <a:outerShdw blurRad="38100" dist="38100" dir="2700000" algn="tl">
+                    <a:srgbClr val="000000">
+                      <a:alpha val="43137"/>
+                    </a:srgbClr>
+                  </a:outerShdw>
+                </a:effectLst>
+                <a:latin typeface="Exo 2" panose="00000800000000000000" pitchFamily="50" charset="0"/>
+              </a:rPr>
+              <a:t>Canva</a:t>
+            </a:r>
+          </a:p>
+        </p:txBody>
+      </p:sp>
     </p:spTree>
     <p:extLst>
       <p:ext uri="{BB962C8B-B14F-4D97-AF65-F5344CB8AC3E}">
         <p14:creationId xmlns:p14="http://schemas.microsoft.com/office/powerpoint/2010/main" val="2047426869"/>
+      </p:ext>
+    </p:extLst>
+  </p:cSld>
+  <p:clrMapOvr>
+    <a:masterClrMapping/>
+  </p:clrMapOvr>
+</p:sld>
+</file>
+
+<file path=ppt/slides/slide6.xml><?xml version="1.0" encoding="utf-8"?>
+<p:sld xmlns:a="http://schemas.openxmlformats.org/drawingml/2006/main" xmlns:r="http://schemas.openxmlformats.org/officeDocument/2006/relationships" xmlns:p="http://schemas.openxmlformats.org/presentationml/2006/main">
+  <p:cSld>
+    <p:bg>
+      <p:bgPr>
+        <a:solidFill>
+          <a:schemeClr val="tx1">
+            <a:lumMod val="75000"/>
+            <a:lumOff val="25000"/>
+          </a:schemeClr>
+        </a:solidFill>
+        <a:effectLst/>
+      </p:bgPr>
+    </p:bg>
+    <p:spTree>
+      <p:nvGrpSpPr>
+        <p:cNvPr id="1" name=""/>
+        <p:cNvGrpSpPr/>
+        <p:nvPr/>
+      </p:nvGrpSpPr>
+      <p:grpSpPr>
+        <a:xfrm>
+          <a:off x="0" y="0"/>
+          <a:ext cx="0" cy="0"/>
+          <a:chOff x="0" y="0"/>
+          <a:chExt cx="0" cy="0"/>
+        </a:xfrm>
+      </p:grpSpPr>
+      <p:pic>
+        <p:nvPicPr>
+          <p:cNvPr id="6" name="Imagem 5" descr="Uma imagem contendo Interface gráfica do usuário&#10;&#10;Descrição gerada automaticamente">
+            <a:extLst>
+              <a:ext uri="{FF2B5EF4-FFF2-40B4-BE49-F238E27FC236}">
+                <a16:creationId xmlns:a16="http://schemas.microsoft.com/office/drawing/2014/main" id="{43E687B6-C251-4139-9F16-9AC38B014EF5}"/>
+              </a:ext>
+            </a:extLst>
+          </p:cNvPr>
+          <p:cNvPicPr>
+            <a:picLocks noChangeAspect="1"/>
+          </p:cNvPicPr>
+          <p:nvPr/>
+        </p:nvPicPr>
+        <p:blipFill>
+          <a:blip r:embed="rId2">
+            <a:extLst>
+              <a:ext uri="{28A0092B-C50C-407E-A947-70E740481C1C}">
+                <a14:useLocalDpi xmlns:a14="http://schemas.microsoft.com/office/drawing/2010/main" val="0"/>
+              </a:ext>
+            </a:extLst>
+          </a:blip>
+          <a:stretch>
+            <a:fillRect/>
+          </a:stretch>
+        </p:blipFill>
+        <p:spPr>
+          <a:xfrm>
+            <a:off x="9307879" y="192678"/>
+            <a:ext cx="2701242" cy="536530"/>
+          </a:xfrm>
+          <a:prstGeom prst="rect">
+            <a:avLst/>
+          </a:prstGeom>
+        </p:spPr>
+      </p:pic>
+      <p:pic>
+        <p:nvPicPr>
+          <p:cNvPr id="8" name="Imagem 7" descr="Tela de computador com foto de homem em frente a televisão&#10;&#10;Descrição gerada automaticamente">
+            <a:extLst>
+              <a:ext uri="{FF2B5EF4-FFF2-40B4-BE49-F238E27FC236}">
+                <a16:creationId xmlns:a16="http://schemas.microsoft.com/office/drawing/2014/main" id="{067F4629-A802-497D-8342-121566FCC310}"/>
+              </a:ext>
+            </a:extLst>
+          </p:cNvPr>
+          <p:cNvPicPr>
+            <a:picLocks noChangeAspect="1"/>
+          </p:cNvPicPr>
+          <p:nvPr/>
+        </p:nvPicPr>
+        <p:blipFill>
+          <a:blip r:embed="rId3">
+            <a:extLst>
+              <a:ext uri="{28A0092B-C50C-407E-A947-70E740481C1C}">
+                <a14:useLocalDpi xmlns:a14="http://schemas.microsoft.com/office/drawing/2010/main" val="0"/>
+              </a:ext>
+            </a:extLst>
+          </a:blip>
+          <a:stretch>
+            <a:fillRect/>
+          </a:stretch>
+        </p:blipFill>
+        <p:spPr>
+          <a:xfrm>
+            <a:off x="2484251" y="616666"/>
+            <a:ext cx="6329581" cy="5905794"/>
+          </a:xfrm>
+          <a:prstGeom prst="rect">
+            <a:avLst/>
+          </a:prstGeom>
+        </p:spPr>
+      </p:pic>
+      <p:sp>
+        <p:nvSpPr>
+          <p:cNvPr id="9" name="CaixaDeTexto 8">
+            <a:extLst>
+              <a:ext uri="{FF2B5EF4-FFF2-40B4-BE49-F238E27FC236}">
+                <a16:creationId xmlns:a16="http://schemas.microsoft.com/office/drawing/2014/main" id="{56611D9B-2E94-43C3-9BE6-7A38250CD68F}"/>
+              </a:ext>
+            </a:extLst>
+          </p:cNvPr>
+          <p:cNvSpPr txBox="1"/>
+          <p:nvPr/>
+        </p:nvSpPr>
+        <p:spPr>
+          <a:xfrm>
+            <a:off x="182879" y="134095"/>
+            <a:ext cx="4602744" cy="646331"/>
+          </a:xfrm>
+          <a:prstGeom prst="rect">
+            <a:avLst/>
+          </a:prstGeom>
+          <a:noFill/>
+        </p:spPr>
+        <p:txBody>
+          <a:bodyPr wrap="square" rtlCol="0">
+            <a:spAutoFit/>
+          </a:bodyPr>
+          <a:lstStyle/>
+          <a:p>
+            <a:r>
+              <a:rPr lang="pt-BR" sz="3600" b="1" dirty="0" err="1">
+                <a:solidFill>
+                  <a:srgbClr val="BA55D3"/>
+                </a:solidFill>
+                <a:effectLst>
+                  <a:outerShdw blurRad="38100" dist="38100" dir="2700000" algn="tl">
+                    <a:srgbClr val="000000">
+                      <a:alpha val="43137"/>
+                    </a:srgbClr>
+                  </a:outerShdw>
+                </a:effectLst>
+                <a:latin typeface="Exo 2" panose="00000800000000000000" pitchFamily="50" charset="0"/>
+              </a:rPr>
+              <a:t>Storyboard</a:t>
+            </a:r>
+            <a:endParaRPr lang="pt-BR" sz="3600" b="1" dirty="0">
+              <a:solidFill>
+                <a:srgbClr val="BA55D3"/>
+              </a:solidFill>
+              <a:effectLst>
+                <a:outerShdw blurRad="38100" dist="38100" dir="2700000" algn="tl">
+                  <a:srgbClr val="000000">
+                    <a:alpha val="43137"/>
+                  </a:srgbClr>
+                </a:outerShdw>
+              </a:effectLst>
+              <a:latin typeface="Exo 2" panose="00000800000000000000" pitchFamily="50" charset="0"/>
+            </a:endParaRPr>
+          </a:p>
+        </p:txBody>
+      </p:sp>
+      <p:pic>
+        <p:nvPicPr>
+          <p:cNvPr id="11" name="Imagem 10" descr="Placa sobre porta de estabelecimento&#10;&#10;Descrição gerada automaticamente com confiança baixa">
+            <a:extLst>
+              <a:ext uri="{FF2B5EF4-FFF2-40B4-BE49-F238E27FC236}">
+                <a16:creationId xmlns:a16="http://schemas.microsoft.com/office/drawing/2014/main" id="{05270599-F444-4959-AA17-3BD449CD81DA}"/>
+              </a:ext>
+            </a:extLst>
+          </p:cNvPr>
+          <p:cNvPicPr>
+            <a:picLocks noChangeAspect="1"/>
+          </p:cNvPicPr>
+          <p:nvPr/>
+        </p:nvPicPr>
+        <p:blipFill>
+          <a:blip r:embed="rId4">
+            <a:extLst>
+              <a:ext uri="{28A0092B-C50C-407E-A947-70E740481C1C}">
+                <a14:useLocalDpi xmlns:a14="http://schemas.microsoft.com/office/drawing/2010/main" val="0"/>
+              </a:ext>
+            </a:extLst>
+          </a:blip>
+          <a:stretch>
+            <a:fillRect/>
+          </a:stretch>
+        </p:blipFill>
+        <p:spPr>
+          <a:xfrm>
+            <a:off x="2779671" y="777093"/>
+            <a:ext cx="5738739" cy="5303813"/>
+          </a:xfrm>
+          <a:prstGeom prst="rect">
+            <a:avLst/>
+          </a:prstGeom>
+        </p:spPr>
+      </p:pic>
+      <p:pic>
+        <p:nvPicPr>
+          <p:cNvPr id="13" name="Imagem 12" descr="Interface gráfica do usuário, Aplicativo, Site&#10;&#10;Descrição gerada automaticamente">
+            <a:extLst>
+              <a:ext uri="{FF2B5EF4-FFF2-40B4-BE49-F238E27FC236}">
+                <a16:creationId xmlns:a16="http://schemas.microsoft.com/office/drawing/2014/main" id="{7E7B25BD-7E31-4952-9EB7-537B383EE02D}"/>
+              </a:ext>
+            </a:extLst>
+          </p:cNvPr>
+          <p:cNvPicPr>
+            <a:picLocks noChangeAspect="1"/>
+          </p:cNvPicPr>
+          <p:nvPr/>
+        </p:nvPicPr>
+        <p:blipFill>
+          <a:blip r:embed="rId5">
+            <a:extLst>
+              <a:ext uri="{28A0092B-C50C-407E-A947-70E740481C1C}">
+                <a14:useLocalDpi xmlns:a14="http://schemas.microsoft.com/office/drawing/2010/main" val="0"/>
+              </a:ext>
+            </a:extLst>
+          </a:blip>
+          <a:stretch>
+            <a:fillRect/>
+          </a:stretch>
+        </p:blipFill>
+        <p:spPr>
+          <a:xfrm>
+            <a:off x="2927382" y="737280"/>
+            <a:ext cx="5738739" cy="5383438"/>
+          </a:xfrm>
+          <a:prstGeom prst="rect">
+            <a:avLst/>
+          </a:prstGeom>
+        </p:spPr>
+      </p:pic>
+      <p:pic>
+        <p:nvPicPr>
+          <p:cNvPr id="15" name="Imagem 14" descr="Tela de computador com imagem de homem na frente de uma televisão&#10;&#10;Descrição gerada automaticamente">
+            <a:extLst>
+              <a:ext uri="{FF2B5EF4-FFF2-40B4-BE49-F238E27FC236}">
+                <a16:creationId xmlns:a16="http://schemas.microsoft.com/office/drawing/2014/main" id="{907B7ADA-CB93-4128-A5F4-A66ADCA802BB}"/>
+              </a:ext>
+            </a:extLst>
+          </p:cNvPr>
+          <p:cNvPicPr>
+            <a:picLocks noChangeAspect="1"/>
+          </p:cNvPicPr>
+          <p:nvPr/>
+        </p:nvPicPr>
+        <p:blipFill>
+          <a:blip r:embed="rId6">
+            <a:extLst>
+              <a:ext uri="{28A0092B-C50C-407E-A947-70E740481C1C}">
+                <a14:useLocalDpi xmlns:a14="http://schemas.microsoft.com/office/drawing/2010/main" val="0"/>
+              </a:ext>
+            </a:extLst>
+          </a:blip>
+          <a:stretch>
+            <a:fillRect/>
+          </a:stretch>
+        </p:blipFill>
+        <p:spPr>
+          <a:xfrm>
+            <a:off x="2631960" y="700193"/>
+            <a:ext cx="5738739" cy="5738739"/>
+          </a:xfrm>
+          <a:prstGeom prst="rect">
+            <a:avLst/>
+          </a:prstGeom>
+        </p:spPr>
+      </p:pic>
+      <p:pic>
+        <p:nvPicPr>
+          <p:cNvPr id="17" name="Imagem 16" descr="Uma imagem contendo pessoa, homem, no interior, frente&#10;&#10;Descrição gerada automaticamente">
+            <a:extLst>
+              <a:ext uri="{FF2B5EF4-FFF2-40B4-BE49-F238E27FC236}">
+                <a16:creationId xmlns:a16="http://schemas.microsoft.com/office/drawing/2014/main" id="{90ACD470-52C5-4573-8300-F10E474AFCAB}"/>
+              </a:ext>
+            </a:extLst>
+          </p:cNvPr>
+          <p:cNvPicPr>
+            <a:picLocks noChangeAspect="1"/>
+          </p:cNvPicPr>
+          <p:nvPr/>
+        </p:nvPicPr>
+        <p:blipFill>
+          <a:blip r:embed="rId7">
+            <a:extLst>
+              <a:ext uri="{28A0092B-C50C-407E-A947-70E740481C1C}">
+                <a14:useLocalDpi xmlns:a14="http://schemas.microsoft.com/office/drawing/2010/main" val="0"/>
+              </a:ext>
+            </a:extLst>
+          </a:blip>
+          <a:stretch>
+            <a:fillRect/>
+          </a:stretch>
+        </p:blipFill>
+        <p:spPr>
+          <a:xfrm>
+            <a:off x="2652539" y="1049416"/>
+            <a:ext cx="5993001" cy="4762500"/>
+          </a:xfrm>
+          <a:prstGeom prst="rect">
+            <a:avLst/>
+          </a:prstGeom>
+        </p:spPr>
+      </p:pic>
+      <p:pic>
+        <p:nvPicPr>
+          <p:cNvPr id="19" name="Imagem 18" descr="Tela de computador com imagem de homem na frente de uma televisão&#10;&#10;Descrição gerada automaticamente com confiança média">
+            <a:extLst>
+              <a:ext uri="{FF2B5EF4-FFF2-40B4-BE49-F238E27FC236}">
+                <a16:creationId xmlns:a16="http://schemas.microsoft.com/office/drawing/2014/main" id="{2FDFFADD-8AA1-44BF-900A-3F6C45D6C785}"/>
+              </a:ext>
+            </a:extLst>
+          </p:cNvPr>
+          <p:cNvPicPr>
+            <a:picLocks noChangeAspect="1"/>
+          </p:cNvPicPr>
+          <p:nvPr/>
+        </p:nvPicPr>
+        <p:blipFill>
+          <a:blip r:embed="rId8">
+            <a:extLst>
+              <a:ext uri="{28A0092B-C50C-407E-A947-70E740481C1C}">
+                <a14:useLocalDpi xmlns:a14="http://schemas.microsoft.com/office/drawing/2010/main" val="0"/>
+              </a:ext>
+            </a:extLst>
+          </a:blip>
+          <a:stretch>
+            <a:fillRect/>
+          </a:stretch>
+        </p:blipFill>
+        <p:spPr>
+          <a:xfrm>
+            <a:off x="2793011" y="955254"/>
+            <a:ext cx="5824711" cy="5167416"/>
+          </a:xfrm>
+          <a:prstGeom prst="rect">
+            <a:avLst/>
+          </a:prstGeom>
+        </p:spPr>
+      </p:pic>
+      <p:pic>
+        <p:nvPicPr>
+          <p:cNvPr id="21" name="Imagem 20" descr="Tela de computador com imagem de homem na frente de uma televisão&#10;&#10;Descrição gerada automaticamente com confiança média">
+            <a:extLst>
+              <a:ext uri="{FF2B5EF4-FFF2-40B4-BE49-F238E27FC236}">
+                <a16:creationId xmlns:a16="http://schemas.microsoft.com/office/drawing/2014/main" id="{FBC4DE78-A4FE-49EE-8ED3-0675279B4DA7}"/>
+              </a:ext>
+            </a:extLst>
+          </p:cNvPr>
+          <p:cNvPicPr>
+            <a:picLocks noChangeAspect="1"/>
+          </p:cNvPicPr>
+          <p:nvPr/>
+        </p:nvPicPr>
+        <p:blipFill>
+          <a:blip r:embed="rId9">
+            <a:extLst>
+              <a:ext uri="{28A0092B-C50C-407E-A947-70E740481C1C}">
+                <a14:useLocalDpi xmlns:a14="http://schemas.microsoft.com/office/drawing/2010/main" val="0"/>
+              </a:ext>
+            </a:extLst>
+          </a:blip>
+          <a:stretch>
+            <a:fillRect/>
+          </a:stretch>
+        </p:blipFill>
+        <p:spPr>
+          <a:xfrm>
+            <a:off x="2917093" y="729208"/>
+            <a:ext cx="5611607" cy="5438628"/>
+          </a:xfrm>
+          <a:prstGeom prst="rect">
+            <a:avLst/>
+          </a:prstGeom>
+        </p:spPr>
+      </p:pic>
+      <p:pic>
+        <p:nvPicPr>
+          <p:cNvPr id="23" name="Imagem 22" descr="Tela de computador com imagem de homem na frente de uma televisão&#10;&#10;Descrição gerada automaticamente com confiança média">
+            <a:extLst>
+              <a:ext uri="{FF2B5EF4-FFF2-40B4-BE49-F238E27FC236}">
+                <a16:creationId xmlns:a16="http://schemas.microsoft.com/office/drawing/2014/main" id="{1A814A0D-2192-4EC8-8097-CDA9DAB5DC66}"/>
+              </a:ext>
+            </a:extLst>
+          </p:cNvPr>
+          <p:cNvPicPr>
+            <a:picLocks noChangeAspect="1"/>
+          </p:cNvPicPr>
+          <p:nvPr/>
+        </p:nvPicPr>
+        <p:blipFill>
+          <a:blip r:embed="rId10">
+            <a:extLst>
+              <a:ext uri="{28A0092B-C50C-407E-A947-70E740481C1C}">
+                <a14:useLocalDpi xmlns:a14="http://schemas.microsoft.com/office/drawing/2010/main" val="0"/>
+              </a:ext>
+            </a:extLst>
+          </a:blip>
+          <a:stretch>
+            <a:fillRect/>
+          </a:stretch>
+        </p:blipFill>
+        <p:spPr>
+          <a:xfrm>
+            <a:off x="3164196" y="1111321"/>
+            <a:ext cx="5697579" cy="4854996"/>
+          </a:xfrm>
+          <a:prstGeom prst="rect">
+            <a:avLst/>
+          </a:prstGeom>
+        </p:spPr>
+      </p:pic>
+    </p:spTree>
+    <p:extLst>
+      <p:ext uri="{BB962C8B-B14F-4D97-AF65-F5344CB8AC3E}">
+        <p14:creationId xmlns:p14="http://schemas.microsoft.com/office/powerpoint/2010/main" val="2986636181"/>
+      </p:ext>
+    </p:extLst>
+  </p:cSld>
+  <p:clrMapOvr>
+    <a:masterClrMapping/>
+  </p:clrMapOvr>
+  <p:timing>
+    <p:tnLst>
+      <p:par>
+        <p:cTn id="1" dur="indefinite" restart="never" nodeType="tmRoot">
+          <p:childTnLst>
+            <p:seq concurrent="1" nextAc="seek">
+              <p:cTn id="2" dur="indefinite" nodeType="mainSeq">
+                <p:childTnLst>
+                  <p:par>
+                    <p:cTn id="3" fill="hold">
+                      <p:stCondLst>
+                        <p:cond delay="indefinite"/>
+                        <p:cond evt="onBegin" delay="0">
+                          <p:tn val="2"/>
+                        </p:cond>
+                      </p:stCondLst>
+                      <p:childTnLst>
+                        <p:par>
+                          <p:cTn id="4" fill="hold">
+                            <p:stCondLst>
+                              <p:cond delay="0"/>
+                            </p:stCondLst>
+                            <p:childTnLst>
+                              <p:par>
+                                <p:cTn id="5" presetID="2" presetClass="entr" presetSubtype="8" fill="hold" nodeType="withEffect">
+                                  <p:stCondLst>
+                                    <p:cond delay="0"/>
+                                  </p:stCondLst>
+                                  <p:childTnLst>
+                                    <p:set>
+                                      <p:cBhvr>
+                                        <p:cTn id="6" dur="1" fill="hold">
+                                          <p:stCondLst>
+                                            <p:cond delay="0"/>
+                                          </p:stCondLst>
+                                        </p:cTn>
+                                        <p:tgtEl>
+                                          <p:spTgt spid="8"/>
+                                        </p:tgtEl>
+                                        <p:attrNameLst>
+                                          <p:attrName>style.visibility</p:attrName>
+                                        </p:attrNameLst>
+                                      </p:cBhvr>
+                                      <p:to>
+                                        <p:strVal val="visible"/>
+                                      </p:to>
+                                    </p:set>
+                                    <p:anim calcmode="lin" valueType="num">
+                                      <p:cBhvr additive="base">
+                                        <p:cTn id="7" dur="1000" fill="hold"/>
+                                        <p:tgtEl>
+                                          <p:spTgt spid="8"/>
+                                        </p:tgtEl>
+                                        <p:attrNameLst>
+                                          <p:attrName>ppt_x</p:attrName>
+                                        </p:attrNameLst>
+                                      </p:cBhvr>
+                                      <p:tavLst>
+                                        <p:tav tm="0">
+                                          <p:val>
+                                            <p:strVal val="0-#ppt_w/2"/>
+                                          </p:val>
+                                        </p:tav>
+                                        <p:tav tm="100000">
+                                          <p:val>
+                                            <p:strVal val="#ppt_x"/>
+                                          </p:val>
+                                        </p:tav>
+                                      </p:tavLst>
+                                    </p:anim>
+                                    <p:anim calcmode="lin" valueType="num">
+                                      <p:cBhvr additive="base">
+                                        <p:cTn id="8" dur="1000" fill="hold"/>
+                                        <p:tgtEl>
+                                          <p:spTgt spid="8"/>
+                                        </p:tgtEl>
+                                        <p:attrNameLst>
+                                          <p:attrName>ppt_y</p:attrName>
+                                        </p:attrNameLst>
+                                      </p:cBhvr>
+                                      <p:tavLst>
+                                        <p:tav tm="0">
+                                          <p:val>
+                                            <p:strVal val="#ppt_y"/>
+                                          </p:val>
+                                        </p:tav>
+                                        <p:tav tm="100000">
+                                          <p:val>
+                                            <p:strVal val="#ppt_y"/>
+                                          </p:val>
+                                        </p:tav>
+                                      </p:tavLst>
+                                    </p:anim>
+                                  </p:childTnLst>
+                                </p:cTn>
+                              </p:par>
+                            </p:childTnLst>
+                          </p:cTn>
+                        </p:par>
+                      </p:childTnLst>
+                    </p:cTn>
+                  </p:par>
+                  <p:par>
+                    <p:cTn id="9" fill="hold">
+                      <p:stCondLst>
+                        <p:cond delay="indefinite"/>
+                      </p:stCondLst>
+                      <p:childTnLst>
+                        <p:par>
+                          <p:cTn id="10" fill="hold">
+                            <p:stCondLst>
+                              <p:cond delay="0"/>
+                            </p:stCondLst>
+                            <p:childTnLst>
+                              <p:par>
+                                <p:cTn id="11" presetID="2" presetClass="entr" presetSubtype="8" fill="hold" nodeType="clickEffect">
+                                  <p:stCondLst>
+                                    <p:cond delay="0"/>
+                                  </p:stCondLst>
+                                  <p:childTnLst>
+                                    <p:set>
+                                      <p:cBhvr>
+                                        <p:cTn id="12" dur="1" fill="hold">
+                                          <p:stCondLst>
+                                            <p:cond delay="0"/>
+                                          </p:stCondLst>
+                                        </p:cTn>
+                                        <p:tgtEl>
+                                          <p:spTgt spid="11"/>
+                                        </p:tgtEl>
+                                        <p:attrNameLst>
+                                          <p:attrName>style.visibility</p:attrName>
+                                        </p:attrNameLst>
+                                      </p:cBhvr>
+                                      <p:to>
+                                        <p:strVal val="visible"/>
+                                      </p:to>
+                                    </p:set>
+                                    <p:anim calcmode="lin" valueType="num">
+                                      <p:cBhvr additive="base">
+                                        <p:cTn id="13" dur="1000" fill="hold"/>
+                                        <p:tgtEl>
+                                          <p:spTgt spid="11"/>
+                                        </p:tgtEl>
+                                        <p:attrNameLst>
+                                          <p:attrName>ppt_x</p:attrName>
+                                        </p:attrNameLst>
+                                      </p:cBhvr>
+                                      <p:tavLst>
+                                        <p:tav tm="0">
+                                          <p:val>
+                                            <p:strVal val="0-#ppt_w/2"/>
+                                          </p:val>
+                                        </p:tav>
+                                        <p:tav tm="100000">
+                                          <p:val>
+                                            <p:strVal val="#ppt_x"/>
+                                          </p:val>
+                                        </p:tav>
+                                      </p:tavLst>
+                                    </p:anim>
+                                    <p:anim calcmode="lin" valueType="num">
+                                      <p:cBhvr additive="base">
+                                        <p:cTn id="14" dur="1000" fill="hold"/>
+                                        <p:tgtEl>
+                                          <p:spTgt spid="11"/>
+                                        </p:tgtEl>
+                                        <p:attrNameLst>
+                                          <p:attrName>ppt_y</p:attrName>
+                                        </p:attrNameLst>
+                                      </p:cBhvr>
+                                      <p:tavLst>
+                                        <p:tav tm="0">
+                                          <p:val>
+                                            <p:strVal val="#ppt_y"/>
+                                          </p:val>
+                                        </p:tav>
+                                        <p:tav tm="100000">
+                                          <p:val>
+                                            <p:strVal val="#ppt_y"/>
+                                          </p:val>
+                                        </p:tav>
+                                      </p:tavLst>
+                                    </p:anim>
+                                  </p:childTnLst>
+                                </p:cTn>
+                              </p:par>
+                            </p:childTnLst>
+                          </p:cTn>
+                        </p:par>
+                      </p:childTnLst>
+                    </p:cTn>
+                  </p:par>
+                  <p:par>
+                    <p:cTn id="15" fill="hold">
+                      <p:stCondLst>
+                        <p:cond delay="indefinite"/>
+                      </p:stCondLst>
+                      <p:childTnLst>
+                        <p:par>
+                          <p:cTn id="16" fill="hold">
+                            <p:stCondLst>
+                              <p:cond delay="0"/>
+                            </p:stCondLst>
+                            <p:childTnLst>
+                              <p:par>
+                                <p:cTn id="17" presetID="2" presetClass="entr" presetSubtype="8" fill="hold" nodeType="clickEffect">
+                                  <p:stCondLst>
+                                    <p:cond delay="0"/>
+                                  </p:stCondLst>
+                                  <p:childTnLst>
+                                    <p:set>
+                                      <p:cBhvr>
+                                        <p:cTn id="18" dur="1" fill="hold">
+                                          <p:stCondLst>
+                                            <p:cond delay="0"/>
+                                          </p:stCondLst>
+                                        </p:cTn>
+                                        <p:tgtEl>
+                                          <p:spTgt spid="13"/>
+                                        </p:tgtEl>
+                                        <p:attrNameLst>
+                                          <p:attrName>style.visibility</p:attrName>
+                                        </p:attrNameLst>
+                                      </p:cBhvr>
+                                      <p:to>
+                                        <p:strVal val="visible"/>
+                                      </p:to>
+                                    </p:set>
+                                    <p:anim calcmode="lin" valueType="num">
+                                      <p:cBhvr additive="base">
+                                        <p:cTn id="19" dur="1000" fill="hold"/>
+                                        <p:tgtEl>
+                                          <p:spTgt spid="13"/>
+                                        </p:tgtEl>
+                                        <p:attrNameLst>
+                                          <p:attrName>ppt_x</p:attrName>
+                                        </p:attrNameLst>
+                                      </p:cBhvr>
+                                      <p:tavLst>
+                                        <p:tav tm="0">
+                                          <p:val>
+                                            <p:strVal val="0-#ppt_w/2"/>
+                                          </p:val>
+                                        </p:tav>
+                                        <p:tav tm="100000">
+                                          <p:val>
+                                            <p:strVal val="#ppt_x"/>
+                                          </p:val>
+                                        </p:tav>
+                                      </p:tavLst>
+                                    </p:anim>
+                                    <p:anim calcmode="lin" valueType="num">
+                                      <p:cBhvr additive="base">
+                                        <p:cTn id="20" dur="1000" fill="hold"/>
+                                        <p:tgtEl>
+                                          <p:spTgt spid="13"/>
+                                        </p:tgtEl>
+                                        <p:attrNameLst>
+                                          <p:attrName>ppt_y</p:attrName>
+                                        </p:attrNameLst>
+                                      </p:cBhvr>
+                                      <p:tavLst>
+                                        <p:tav tm="0">
+                                          <p:val>
+                                            <p:strVal val="#ppt_y"/>
+                                          </p:val>
+                                        </p:tav>
+                                        <p:tav tm="100000">
+                                          <p:val>
+                                            <p:strVal val="#ppt_y"/>
+                                          </p:val>
+                                        </p:tav>
+                                      </p:tavLst>
+                                    </p:anim>
+                                  </p:childTnLst>
+                                </p:cTn>
+                              </p:par>
+                            </p:childTnLst>
+                          </p:cTn>
+                        </p:par>
+                      </p:childTnLst>
+                    </p:cTn>
+                  </p:par>
+                  <p:par>
+                    <p:cTn id="21" fill="hold">
+                      <p:stCondLst>
+                        <p:cond delay="indefinite"/>
+                      </p:stCondLst>
+                      <p:childTnLst>
+                        <p:par>
+                          <p:cTn id="22" fill="hold">
+                            <p:stCondLst>
+                              <p:cond delay="0"/>
+                            </p:stCondLst>
+                            <p:childTnLst>
+                              <p:par>
+                                <p:cTn id="23" presetID="2" presetClass="entr" presetSubtype="8" fill="hold" nodeType="clickEffect">
+                                  <p:stCondLst>
+                                    <p:cond delay="0"/>
+                                  </p:stCondLst>
+                                  <p:childTnLst>
+                                    <p:set>
+                                      <p:cBhvr>
+                                        <p:cTn id="24" dur="1" fill="hold">
+                                          <p:stCondLst>
+                                            <p:cond delay="0"/>
+                                          </p:stCondLst>
+                                        </p:cTn>
+                                        <p:tgtEl>
+                                          <p:spTgt spid="15"/>
+                                        </p:tgtEl>
+                                        <p:attrNameLst>
+                                          <p:attrName>style.visibility</p:attrName>
+                                        </p:attrNameLst>
+                                      </p:cBhvr>
+                                      <p:to>
+                                        <p:strVal val="visible"/>
+                                      </p:to>
+                                    </p:set>
+                                    <p:anim calcmode="lin" valueType="num">
+                                      <p:cBhvr additive="base">
+                                        <p:cTn id="25" dur="1000" fill="hold"/>
+                                        <p:tgtEl>
+                                          <p:spTgt spid="15"/>
+                                        </p:tgtEl>
+                                        <p:attrNameLst>
+                                          <p:attrName>ppt_x</p:attrName>
+                                        </p:attrNameLst>
+                                      </p:cBhvr>
+                                      <p:tavLst>
+                                        <p:tav tm="0">
+                                          <p:val>
+                                            <p:strVal val="0-#ppt_w/2"/>
+                                          </p:val>
+                                        </p:tav>
+                                        <p:tav tm="100000">
+                                          <p:val>
+                                            <p:strVal val="#ppt_x"/>
+                                          </p:val>
+                                        </p:tav>
+                                      </p:tavLst>
+                                    </p:anim>
+                                    <p:anim calcmode="lin" valueType="num">
+                                      <p:cBhvr additive="base">
+                                        <p:cTn id="26" dur="1000" fill="hold"/>
+                                        <p:tgtEl>
+                                          <p:spTgt spid="15"/>
+                                        </p:tgtEl>
+                                        <p:attrNameLst>
+                                          <p:attrName>ppt_y</p:attrName>
+                                        </p:attrNameLst>
+                                      </p:cBhvr>
+                                      <p:tavLst>
+                                        <p:tav tm="0">
+                                          <p:val>
+                                            <p:strVal val="#ppt_y"/>
+                                          </p:val>
+                                        </p:tav>
+                                        <p:tav tm="100000">
+                                          <p:val>
+                                            <p:strVal val="#ppt_y"/>
+                                          </p:val>
+                                        </p:tav>
+                                      </p:tavLst>
+                                    </p:anim>
+                                  </p:childTnLst>
+                                </p:cTn>
+                              </p:par>
+                            </p:childTnLst>
+                          </p:cTn>
+                        </p:par>
+                      </p:childTnLst>
+                    </p:cTn>
+                  </p:par>
+                  <p:par>
+                    <p:cTn id="27" fill="hold">
+                      <p:stCondLst>
+                        <p:cond delay="indefinite"/>
+                      </p:stCondLst>
+                      <p:childTnLst>
+                        <p:par>
+                          <p:cTn id="28" fill="hold">
+                            <p:stCondLst>
+                              <p:cond delay="0"/>
+                            </p:stCondLst>
+                            <p:childTnLst>
+                              <p:par>
+                                <p:cTn id="29" presetID="2" presetClass="entr" presetSubtype="8" fill="hold" nodeType="clickEffect">
+                                  <p:stCondLst>
+                                    <p:cond delay="0"/>
+                                  </p:stCondLst>
+                                  <p:childTnLst>
+                                    <p:set>
+                                      <p:cBhvr>
+                                        <p:cTn id="30" dur="1" fill="hold">
+                                          <p:stCondLst>
+                                            <p:cond delay="0"/>
+                                          </p:stCondLst>
+                                        </p:cTn>
+                                        <p:tgtEl>
+                                          <p:spTgt spid="17"/>
+                                        </p:tgtEl>
+                                        <p:attrNameLst>
+                                          <p:attrName>style.visibility</p:attrName>
+                                        </p:attrNameLst>
+                                      </p:cBhvr>
+                                      <p:to>
+                                        <p:strVal val="visible"/>
+                                      </p:to>
+                                    </p:set>
+                                    <p:anim calcmode="lin" valueType="num">
+                                      <p:cBhvr additive="base">
+                                        <p:cTn id="31" dur="1000" fill="hold"/>
+                                        <p:tgtEl>
+                                          <p:spTgt spid="17"/>
+                                        </p:tgtEl>
+                                        <p:attrNameLst>
+                                          <p:attrName>ppt_x</p:attrName>
+                                        </p:attrNameLst>
+                                      </p:cBhvr>
+                                      <p:tavLst>
+                                        <p:tav tm="0">
+                                          <p:val>
+                                            <p:strVal val="0-#ppt_w/2"/>
+                                          </p:val>
+                                        </p:tav>
+                                        <p:tav tm="100000">
+                                          <p:val>
+                                            <p:strVal val="#ppt_x"/>
+                                          </p:val>
+                                        </p:tav>
+                                      </p:tavLst>
+                                    </p:anim>
+                                    <p:anim calcmode="lin" valueType="num">
+                                      <p:cBhvr additive="base">
+                                        <p:cTn id="32" dur="1000" fill="hold"/>
+                                        <p:tgtEl>
+                                          <p:spTgt spid="17"/>
+                                        </p:tgtEl>
+                                        <p:attrNameLst>
+                                          <p:attrName>ppt_y</p:attrName>
+                                        </p:attrNameLst>
+                                      </p:cBhvr>
+                                      <p:tavLst>
+                                        <p:tav tm="0">
+                                          <p:val>
+                                            <p:strVal val="#ppt_y"/>
+                                          </p:val>
+                                        </p:tav>
+                                        <p:tav tm="100000">
+                                          <p:val>
+                                            <p:strVal val="#ppt_y"/>
+                                          </p:val>
+                                        </p:tav>
+                                      </p:tavLst>
+                                    </p:anim>
+                                  </p:childTnLst>
+                                </p:cTn>
+                              </p:par>
+                            </p:childTnLst>
+                          </p:cTn>
+                        </p:par>
+                      </p:childTnLst>
+                    </p:cTn>
+                  </p:par>
+                  <p:par>
+                    <p:cTn id="33" fill="hold">
+                      <p:stCondLst>
+                        <p:cond delay="indefinite"/>
+                      </p:stCondLst>
+                      <p:childTnLst>
+                        <p:par>
+                          <p:cTn id="34" fill="hold">
+                            <p:stCondLst>
+                              <p:cond delay="0"/>
+                            </p:stCondLst>
+                            <p:childTnLst>
+                              <p:par>
+                                <p:cTn id="35" presetID="2" presetClass="entr" presetSubtype="8" fill="hold" nodeType="clickEffect">
+                                  <p:stCondLst>
+                                    <p:cond delay="0"/>
+                                  </p:stCondLst>
+                                  <p:childTnLst>
+                                    <p:set>
+                                      <p:cBhvr>
+                                        <p:cTn id="36" dur="1" fill="hold">
+                                          <p:stCondLst>
+                                            <p:cond delay="0"/>
+                                          </p:stCondLst>
+                                        </p:cTn>
+                                        <p:tgtEl>
+                                          <p:spTgt spid="19"/>
+                                        </p:tgtEl>
+                                        <p:attrNameLst>
+                                          <p:attrName>style.visibility</p:attrName>
+                                        </p:attrNameLst>
+                                      </p:cBhvr>
+                                      <p:to>
+                                        <p:strVal val="visible"/>
+                                      </p:to>
+                                    </p:set>
+                                    <p:anim calcmode="lin" valueType="num">
+                                      <p:cBhvr additive="base">
+                                        <p:cTn id="37" dur="1000" fill="hold"/>
+                                        <p:tgtEl>
+                                          <p:spTgt spid="19"/>
+                                        </p:tgtEl>
+                                        <p:attrNameLst>
+                                          <p:attrName>ppt_x</p:attrName>
+                                        </p:attrNameLst>
+                                      </p:cBhvr>
+                                      <p:tavLst>
+                                        <p:tav tm="0">
+                                          <p:val>
+                                            <p:strVal val="0-#ppt_w/2"/>
+                                          </p:val>
+                                        </p:tav>
+                                        <p:tav tm="100000">
+                                          <p:val>
+                                            <p:strVal val="#ppt_x"/>
+                                          </p:val>
+                                        </p:tav>
+                                      </p:tavLst>
+                                    </p:anim>
+                                    <p:anim calcmode="lin" valueType="num">
+                                      <p:cBhvr additive="base">
+                                        <p:cTn id="38" dur="1000" fill="hold"/>
+                                        <p:tgtEl>
+                                          <p:spTgt spid="19"/>
+                                        </p:tgtEl>
+                                        <p:attrNameLst>
+                                          <p:attrName>ppt_y</p:attrName>
+                                        </p:attrNameLst>
+                                      </p:cBhvr>
+                                      <p:tavLst>
+                                        <p:tav tm="0">
+                                          <p:val>
+                                            <p:strVal val="#ppt_y"/>
+                                          </p:val>
+                                        </p:tav>
+                                        <p:tav tm="100000">
+                                          <p:val>
+                                            <p:strVal val="#ppt_y"/>
+                                          </p:val>
+                                        </p:tav>
+                                      </p:tavLst>
+                                    </p:anim>
+                                  </p:childTnLst>
+                                </p:cTn>
+                              </p:par>
+                            </p:childTnLst>
+                          </p:cTn>
+                        </p:par>
+                      </p:childTnLst>
+                    </p:cTn>
+                  </p:par>
+                  <p:par>
+                    <p:cTn id="39" fill="hold">
+                      <p:stCondLst>
+                        <p:cond delay="indefinite"/>
+                      </p:stCondLst>
+                      <p:childTnLst>
+                        <p:par>
+                          <p:cTn id="40" fill="hold">
+                            <p:stCondLst>
+                              <p:cond delay="0"/>
+                            </p:stCondLst>
+                            <p:childTnLst>
+                              <p:par>
+                                <p:cTn id="41" presetID="2" presetClass="entr" presetSubtype="8" fill="hold" nodeType="clickEffect">
+                                  <p:stCondLst>
+                                    <p:cond delay="0"/>
+                                  </p:stCondLst>
+                                  <p:childTnLst>
+                                    <p:set>
+                                      <p:cBhvr>
+                                        <p:cTn id="42" dur="1" fill="hold">
+                                          <p:stCondLst>
+                                            <p:cond delay="0"/>
+                                          </p:stCondLst>
+                                        </p:cTn>
+                                        <p:tgtEl>
+                                          <p:spTgt spid="21"/>
+                                        </p:tgtEl>
+                                        <p:attrNameLst>
+                                          <p:attrName>style.visibility</p:attrName>
+                                        </p:attrNameLst>
+                                      </p:cBhvr>
+                                      <p:to>
+                                        <p:strVal val="visible"/>
+                                      </p:to>
+                                    </p:set>
+                                    <p:anim calcmode="lin" valueType="num">
+                                      <p:cBhvr additive="base">
+                                        <p:cTn id="43" dur="1000" fill="hold"/>
+                                        <p:tgtEl>
+                                          <p:spTgt spid="21"/>
+                                        </p:tgtEl>
+                                        <p:attrNameLst>
+                                          <p:attrName>ppt_x</p:attrName>
+                                        </p:attrNameLst>
+                                      </p:cBhvr>
+                                      <p:tavLst>
+                                        <p:tav tm="0">
+                                          <p:val>
+                                            <p:strVal val="0-#ppt_w/2"/>
+                                          </p:val>
+                                        </p:tav>
+                                        <p:tav tm="100000">
+                                          <p:val>
+                                            <p:strVal val="#ppt_x"/>
+                                          </p:val>
+                                        </p:tav>
+                                      </p:tavLst>
+                                    </p:anim>
+                                    <p:anim calcmode="lin" valueType="num">
+                                      <p:cBhvr additive="base">
+                                        <p:cTn id="44" dur="1000" fill="hold"/>
+                                        <p:tgtEl>
+                                          <p:spTgt spid="21"/>
+                                        </p:tgtEl>
+                                        <p:attrNameLst>
+                                          <p:attrName>ppt_y</p:attrName>
+                                        </p:attrNameLst>
+                                      </p:cBhvr>
+                                      <p:tavLst>
+                                        <p:tav tm="0">
+                                          <p:val>
+                                            <p:strVal val="#ppt_y"/>
+                                          </p:val>
+                                        </p:tav>
+                                        <p:tav tm="100000">
+                                          <p:val>
+                                            <p:strVal val="#ppt_y"/>
+                                          </p:val>
+                                        </p:tav>
+                                      </p:tavLst>
+                                    </p:anim>
+                                  </p:childTnLst>
+                                </p:cTn>
+                              </p:par>
+                            </p:childTnLst>
+                          </p:cTn>
+                        </p:par>
+                      </p:childTnLst>
+                    </p:cTn>
+                  </p:par>
+                  <p:par>
+                    <p:cTn id="45" fill="hold">
+                      <p:stCondLst>
+                        <p:cond delay="indefinite"/>
+                      </p:stCondLst>
+                      <p:childTnLst>
+                        <p:par>
+                          <p:cTn id="46" fill="hold">
+                            <p:stCondLst>
+                              <p:cond delay="0"/>
+                            </p:stCondLst>
+                            <p:childTnLst>
+                              <p:par>
+                                <p:cTn id="47" presetID="2" presetClass="entr" presetSubtype="8" fill="hold" nodeType="clickEffect">
+                                  <p:stCondLst>
+                                    <p:cond delay="0"/>
+                                  </p:stCondLst>
+                                  <p:childTnLst>
+                                    <p:set>
+                                      <p:cBhvr>
+                                        <p:cTn id="48" dur="1" fill="hold">
+                                          <p:stCondLst>
+                                            <p:cond delay="0"/>
+                                          </p:stCondLst>
+                                        </p:cTn>
+                                        <p:tgtEl>
+                                          <p:spTgt spid="23"/>
+                                        </p:tgtEl>
+                                        <p:attrNameLst>
+                                          <p:attrName>style.visibility</p:attrName>
+                                        </p:attrNameLst>
+                                      </p:cBhvr>
+                                      <p:to>
+                                        <p:strVal val="visible"/>
+                                      </p:to>
+                                    </p:set>
+                                    <p:anim calcmode="lin" valueType="num">
+                                      <p:cBhvr additive="base">
+                                        <p:cTn id="49" dur="1000" fill="hold"/>
+                                        <p:tgtEl>
+                                          <p:spTgt spid="23"/>
+                                        </p:tgtEl>
+                                        <p:attrNameLst>
+                                          <p:attrName>ppt_x</p:attrName>
+                                        </p:attrNameLst>
+                                      </p:cBhvr>
+                                      <p:tavLst>
+                                        <p:tav tm="0">
+                                          <p:val>
+                                            <p:strVal val="0-#ppt_w/2"/>
+                                          </p:val>
+                                        </p:tav>
+                                        <p:tav tm="100000">
+                                          <p:val>
+                                            <p:strVal val="#ppt_x"/>
+                                          </p:val>
+                                        </p:tav>
+                                      </p:tavLst>
+                                    </p:anim>
+                                    <p:anim calcmode="lin" valueType="num">
+                                      <p:cBhvr additive="base">
+                                        <p:cTn id="50" dur="1000" fill="hold"/>
+                                        <p:tgtEl>
+                                          <p:spTgt spid="23"/>
+                                        </p:tgtEl>
+                                        <p:attrNameLst>
+                                          <p:attrName>ppt_y</p:attrName>
+                                        </p:attrNameLst>
+                                      </p:cBhvr>
+                                      <p:tavLst>
+                                        <p:tav tm="0">
+                                          <p:val>
+                                            <p:strVal val="#ppt_y"/>
+                                          </p:val>
+                                        </p:tav>
+                                        <p:tav tm="100000">
+                                          <p:val>
+                                            <p:strVal val="#ppt_y"/>
+                                          </p:val>
+                                        </p:tav>
+                                      </p:tavLst>
+                                    </p:anim>
+                                  </p:childTnLst>
+                                </p:cTn>
+                              </p:par>
+                            </p:childTnLst>
+                          </p:cTn>
+                        </p:par>
+                      </p:childTnLst>
+                    </p:cTn>
+                  </p:par>
+                </p:childTnLst>
+              </p:cTn>
+              <p:prevCondLst>
+                <p:cond evt="onPrev" delay="0">
+                  <p:tgtEl>
+                    <p:sldTgt/>
+                  </p:tgtEl>
+                </p:cond>
+              </p:prevCondLst>
+              <p:nextCondLst>
+                <p:cond evt="onNext" delay="0">
+                  <p:tgtEl>
+                    <p:sldTgt/>
+                  </p:tgtEl>
+                </p:cond>
+              </p:nextCondLst>
+            </p:seq>
+          </p:childTnLst>
+        </p:cTn>
+      </p:par>
+    </p:tnLst>
+  </p:timing>
+</p:sld>
+</file>
+
+<file path=ppt/slides/slide7.xml><?xml version="1.0" encoding="utf-8"?>
+<p:sld xmlns:a="http://schemas.openxmlformats.org/drawingml/2006/main" xmlns:r="http://schemas.openxmlformats.org/officeDocument/2006/relationships" xmlns:p="http://schemas.openxmlformats.org/presentationml/2006/main">
+  <p:cSld>
+    <p:bg>
+      <p:bgPr>
+        <a:solidFill>
+          <a:schemeClr val="tx1">
+            <a:lumMod val="75000"/>
+            <a:lumOff val="25000"/>
+          </a:schemeClr>
+        </a:solidFill>
+        <a:effectLst/>
+      </p:bgPr>
+    </p:bg>
+    <p:spTree>
+      <p:nvGrpSpPr>
+        <p:cNvPr id="1" name=""/>
+        <p:cNvGrpSpPr/>
+        <p:nvPr/>
+      </p:nvGrpSpPr>
+      <p:grpSpPr>
+        <a:xfrm>
+          <a:off x="0" y="0"/>
+          <a:ext cx="0" cy="0"/>
+          <a:chOff x="0" y="0"/>
+          <a:chExt cx="0" cy="0"/>
+        </a:xfrm>
+      </p:grpSpPr>
+      <p:pic>
+        <p:nvPicPr>
+          <p:cNvPr id="4" name="Imagem 3" descr="Uma imagem contendo Interface gráfica do usuário&#10;&#10;Descrição gerada automaticamente">
+            <a:extLst>
+              <a:ext uri="{FF2B5EF4-FFF2-40B4-BE49-F238E27FC236}">
+                <a16:creationId xmlns:a16="http://schemas.microsoft.com/office/drawing/2014/main" id="{FBA0E6D1-AE17-4767-9ECC-55DAD094F91E}"/>
+              </a:ext>
+            </a:extLst>
+          </p:cNvPr>
+          <p:cNvPicPr>
+            <a:picLocks noChangeAspect="1"/>
+          </p:cNvPicPr>
+          <p:nvPr/>
+        </p:nvPicPr>
+        <p:blipFill>
+          <a:blip r:embed="rId2">
+            <a:extLst>
+              <a:ext uri="{28A0092B-C50C-407E-A947-70E740481C1C}">
+                <a14:useLocalDpi xmlns:a14="http://schemas.microsoft.com/office/drawing/2010/main" val="0"/>
+              </a:ext>
+            </a:extLst>
+          </a:blip>
+          <a:stretch>
+            <a:fillRect/>
+          </a:stretch>
+        </p:blipFill>
+        <p:spPr>
+          <a:xfrm>
+            <a:off x="9307879" y="192678"/>
+            <a:ext cx="2701242" cy="536530"/>
+          </a:xfrm>
+          <a:prstGeom prst="rect">
+            <a:avLst/>
+          </a:prstGeom>
+        </p:spPr>
+      </p:pic>
+      <p:sp>
+        <p:nvSpPr>
+          <p:cNvPr id="5" name="CaixaDeTexto 4">
+            <a:extLst>
+              <a:ext uri="{FF2B5EF4-FFF2-40B4-BE49-F238E27FC236}">
+                <a16:creationId xmlns:a16="http://schemas.microsoft.com/office/drawing/2014/main" id="{9E599610-DEB8-4D32-B749-6496EA0F11B3}"/>
+              </a:ext>
+            </a:extLst>
+          </p:cNvPr>
+          <p:cNvSpPr txBox="1"/>
+          <p:nvPr/>
+        </p:nvSpPr>
+        <p:spPr>
+          <a:xfrm>
+            <a:off x="444937" y="137777"/>
+            <a:ext cx="4602744" cy="646331"/>
+          </a:xfrm>
+          <a:prstGeom prst="rect">
+            <a:avLst/>
+          </a:prstGeom>
+          <a:noFill/>
+        </p:spPr>
+        <p:txBody>
+          <a:bodyPr wrap="square" rtlCol="0">
+            <a:spAutoFit/>
+          </a:bodyPr>
+          <a:lstStyle/>
+          <a:p>
+            <a:r>
+              <a:rPr lang="pt-BR" sz="3600" b="1" dirty="0">
+                <a:solidFill>
+                  <a:srgbClr val="BA55D3"/>
+                </a:solidFill>
+                <a:effectLst>
+                  <a:outerShdw blurRad="38100" dist="38100" dir="2700000" algn="tl">
+                    <a:srgbClr val="000000">
+                      <a:alpha val="43137"/>
+                    </a:srgbClr>
+                  </a:outerShdw>
+                </a:effectLst>
+                <a:latin typeface="Exo 2" panose="00000800000000000000" pitchFamily="50" charset="0"/>
+              </a:rPr>
+              <a:t>Site</a:t>
+            </a:r>
+          </a:p>
+        </p:txBody>
+      </p:sp>
+    </p:spTree>
+    <p:extLst>
+      <p:ext uri="{BB962C8B-B14F-4D97-AF65-F5344CB8AC3E}">
+        <p14:creationId xmlns:p14="http://schemas.microsoft.com/office/powerpoint/2010/main" val="1663012819"/>
+      </p:ext>
+    </p:extLst>
+  </p:cSld>
+  <p:clrMapOvr>
+    <a:masterClrMapping/>
+  </p:clrMapOvr>
+</p:sld>
+</file>
+
+<file path=ppt/slides/slide8.xml><?xml version="1.0" encoding="utf-8"?>
+<p:sld xmlns:a="http://schemas.openxmlformats.org/drawingml/2006/main" xmlns:r="http://schemas.openxmlformats.org/officeDocument/2006/relationships" xmlns:p="http://schemas.openxmlformats.org/presentationml/2006/main">
+  <p:cSld>
+    <p:bg>
+      <p:bgPr>
+        <a:solidFill>
+          <a:schemeClr val="tx1">
+            <a:lumMod val="75000"/>
+            <a:lumOff val="25000"/>
+          </a:schemeClr>
+        </a:solidFill>
+        <a:effectLst/>
+      </p:bgPr>
+    </p:bg>
+    <p:spTree>
+      <p:nvGrpSpPr>
+        <p:cNvPr id="1" name=""/>
+        <p:cNvGrpSpPr/>
+        <p:nvPr/>
+      </p:nvGrpSpPr>
+      <p:grpSpPr>
+        <a:xfrm>
+          <a:off x="0" y="0"/>
+          <a:ext cx="0" cy="0"/>
+          <a:chOff x="0" y="0"/>
+          <a:chExt cx="0" cy="0"/>
+        </a:xfrm>
+      </p:grpSpPr>
+      <p:pic>
+        <p:nvPicPr>
+          <p:cNvPr id="4" name="Imagem 3" descr="Uma imagem contendo Interface gráfica do usuário&#10;&#10;Descrição gerada automaticamente">
+            <a:extLst>
+              <a:ext uri="{FF2B5EF4-FFF2-40B4-BE49-F238E27FC236}">
+                <a16:creationId xmlns:a16="http://schemas.microsoft.com/office/drawing/2014/main" id="{FBA0E6D1-AE17-4767-9ECC-55DAD094F91E}"/>
+              </a:ext>
+            </a:extLst>
+          </p:cNvPr>
+          <p:cNvPicPr>
+            <a:picLocks noChangeAspect="1"/>
+          </p:cNvPicPr>
+          <p:nvPr/>
+        </p:nvPicPr>
+        <p:blipFill>
+          <a:blip r:embed="rId2">
+            <a:extLst>
+              <a:ext uri="{28A0092B-C50C-407E-A947-70E740481C1C}">
+                <a14:useLocalDpi xmlns:a14="http://schemas.microsoft.com/office/drawing/2010/main" val="0"/>
+              </a:ext>
+            </a:extLst>
+          </a:blip>
+          <a:stretch>
+            <a:fillRect/>
+          </a:stretch>
+        </p:blipFill>
+        <p:spPr>
+          <a:xfrm>
+            <a:off x="9307879" y="192678"/>
+            <a:ext cx="2701242" cy="536530"/>
+          </a:xfrm>
+          <a:prstGeom prst="rect">
+            <a:avLst/>
+          </a:prstGeom>
+        </p:spPr>
+      </p:pic>
+      <p:sp>
+        <p:nvSpPr>
+          <p:cNvPr id="5" name="CaixaDeTexto 4">
+            <a:extLst>
+              <a:ext uri="{FF2B5EF4-FFF2-40B4-BE49-F238E27FC236}">
+                <a16:creationId xmlns:a16="http://schemas.microsoft.com/office/drawing/2014/main" id="{9E599610-DEB8-4D32-B749-6496EA0F11B3}"/>
+              </a:ext>
+            </a:extLst>
+          </p:cNvPr>
+          <p:cNvSpPr txBox="1"/>
+          <p:nvPr/>
+        </p:nvSpPr>
+        <p:spPr>
+          <a:xfrm>
+            <a:off x="444937" y="137777"/>
+            <a:ext cx="4602744" cy="646331"/>
+          </a:xfrm>
+          <a:prstGeom prst="rect">
+            <a:avLst/>
+          </a:prstGeom>
+          <a:noFill/>
+        </p:spPr>
+        <p:txBody>
+          <a:bodyPr wrap="square" rtlCol="0">
+            <a:spAutoFit/>
+          </a:bodyPr>
+          <a:lstStyle/>
+          <a:p>
+            <a:r>
+              <a:rPr lang="pt-BR" sz="3600" b="1" dirty="0">
+                <a:solidFill>
+                  <a:srgbClr val="BA55D3"/>
+                </a:solidFill>
+                <a:effectLst>
+                  <a:outerShdw blurRad="38100" dist="38100" dir="2700000" algn="tl">
+                    <a:srgbClr val="000000">
+                      <a:alpha val="43137"/>
+                    </a:srgbClr>
+                  </a:outerShdw>
+                </a:effectLst>
+                <a:latin typeface="Exo 2" panose="00000800000000000000" pitchFamily="50" charset="0"/>
+              </a:rPr>
+              <a:t>Cliente Linux</a:t>
+            </a:r>
+          </a:p>
+        </p:txBody>
+      </p:sp>
+    </p:spTree>
+    <p:extLst>
+      <p:ext uri="{BB962C8B-B14F-4D97-AF65-F5344CB8AC3E}">
+        <p14:creationId xmlns:p14="http://schemas.microsoft.com/office/powerpoint/2010/main" val="3322418269"/>
+      </p:ext>
+    </p:extLst>
+  </p:cSld>
+  <p:clrMapOvr>
+    <a:masterClrMapping/>
+  </p:clrMapOvr>
+</p:sld>
+</file>
+
+<file path=ppt/slides/slide9.xml><?xml version="1.0" encoding="utf-8"?>
+<p:sld xmlns:a="http://schemas.openxmlformats.org/drawingml/2006/main" xmlns:r="http://schemas.openxmlformats.org/officeDocument/2006/relationships" xmlns:p="http://schemas.openxmlformats.org/presentationml/2006/main">
+  <p:cSld>
+    <p:bg>
+      <p:bgPr>
+        <a:solidFill>
+          <a:schemeClr val="tx1">
+            <a:lumMod val="75000"/>
+            <a:lumOff val="25000"/>
+          </a:schemeClr>
+        </a:solidFill>
+        <a:effectLst/>
+      </p:bgPr>
+    </p:bg>
+    <p:spTree>
+      <p:nvGrpSpPr>
+        <p:cNvPr id="1" name=""/>
+        <p:cNvGrpSpPr/>
+        <p:nvPr/>
+      </p:nvGrpSpPr>
+      <p:grpSpPr>
+        <a:xfrm>
+          <a:off x="0" y="0"/>
+          <a:ext cx="0" cy="0"/>
+          <a:chOff x="0" y="0"/>
+          <a:chExt cx="0" cy="0"/>
+        </a:xfrm>
+      </p:grpSpPr>
+      <p:pic>
+        <p:nvPicPr>
+          <p:cNvPr id="4" name="Imagem 3" descr="Uma imagem contendo Interface gráfica do usuário&#10;&#10;Descrição gerada automaticamente">
+            <a:extLst>
+              <a:ext uri="{FF2B5EF4-FFF2-40B4-BE49-F238E27FC236}">
+                <a16:creationId xmlns:a16="http://schemas.microsoft.com/office/drawing/2014/main" id="{FBA0E6D1-AE17-4767-9ECC-55DAD094F91E}"/>
+              </a:ext>
+            </a:extLst>
+          </p:cNvPr>
+          <p:cNvPicPr>
+            <a:picLocks noChangeAspect="1"/>
+          </p:cNvPicPr>
+          <p:nvPr/>
+        </p:nvPicPr>
+        <p:blipFill>
+          <a:blip r:embed="rId2">
+            <a:extLst>
+              <a:ext uri="{28A0092B-C50C-407E-A947-70E740481C1C}">
+                <a14:useLocalDpi xmlns:a14="http://schemas.microsoft.com/office/drawing/2010/main" val="0"/>
+              </a:ext>
+            </a:extLst>
+          </a:blip>
+          <a:stretch>
+            <a:fillRect/>
+          </a:stretch>
+        </p:blipFill>
+        <p:spPr>
+          <a:xfrm>
+            <a:off x="9307879" y="192678"/>
+            <a:ext cx="2701242" cy="536530"/>
+          </a:xfrm>
+          <a:prstGeom prst="rect">
+            <a:avLst/>
+          </a:prstGeom>
+        </p:spPr>
+      </p:pic>
+      <p:sp>
+        <p:nvSpPr>
+          <p:cNvPr id="5" name="CaixaDeTexto 4">
+            <a:extLst>
+              <a:ext uri="{FF2B5EF4-FFF2-40B4-BE49-F238E27FC236}">
+                <a16:creationId xmlns:a16="http://schemas.microsoft.com/office/drawing/2014/main" id="{9E599610-DEB8-4D32-B749-6496EA0F11B3}"/>
+              </a:ext>
+            </a:extLst>
+          </p:cNvPr>
+          <p:cNvSpPr txBox="1"/>
+          <p:nvPr/>
+        </p:nvSpPr>
+        <p:spPr>
+          <a:xfrm>
+            <a:off x="444937" y="137777"/>
+            <a:ext cx="4602744" cy="646331"/>
+          </a:xfrm>
+          <a:prstGeom prst="rect">
+            <a:avLst/>
+          </a:prstGeom>
+          <a:noFill/>
+        </p:spPr>
+        <p:txBody>
+          <a:bodyPr wrap="square" rtlCol="0">
+            <a:spAutoFit/>
+          </a:bodyPr>
+          <a:lstStyle/>
+          <a:p>
+            <a:r>
+              <a:rPr lang="pt-BR" sz="3600" b="1" dirty="0">
+                <a:solidFill>
+                  <a:srgbClr val="BA55D3"/>
+                </a:solidFill>
+                <a:effectLst>
+                  <a:outerShdw blurRad="38100" dist="38100" dir="2700000" algn="tl">
+                    <a:srgbClr val="000000">
+                      <a:alpha val="43137"/>
+                    </a:srgbClr>
+                  </a:outerShdw>
+                </a:effectLst>
+                <a:latin typeface="Exo 2" panose="00000800000000000000" pitchFamily="50" charset="0"/>
+              </a:rPr>
+              <a:t>GitHub</a:t>
+            </a:r>
+          </a:p>
+        </p:txBody>
+      </p:sp>
+      <p:pic>
+        <p:nvPicPr>
+          <p:cNvPr id="2050" name="Picture 2" descr="Logotipo do github - ícones de mídia social grátis">
+            <a:extLst>
+              <a:ext uri="{FF2B5EF4-FFF2-40B4-BE49-F238E27FC236}">
+                <a16:creationId xmlns:a16="http://schemas.microsoft.com/office/drawing/2014/main" id="{2F650908-8405-47AF-ACEE-3D924AAE13C2}"/>
+              </a:ext>
+            </a:extLst>
+          </p:cNvPr>
+          <p:cNvPicPr>
+            <a:picLocks noChangeAspect="1" noChangeArrowheads="1"/>
+          </p:cNvPicPr>
+          <p:nvPr/>
+        </p:nvPicPr>
+        <p:blipFill>
+          <a:blip r:embed="rId3">
+            <a:extLst>
+              <a:ext uri="{28A0092B-C50C-407E-A947-70E740481C1C}">
+                <a14:useLocalDpi xmlns:a14="http://schemas.microsoft.com/office/drawing/2010/main" val="0"/>
+              </a:ext>
+            </a:extLst>
+          </a:blip>
+          <a:srcRect/>
+          <a:stretch>
+            <a:fillRect/>
+          </a:stretch>
+        </p:blipFill>
+        <p:spPr bwMode="auto">
+          <a:xfrm>
+            <a:off x="3931655" y="1339361"/>
+            <a:ext cx="4179277" cy="4179277"/>
+          </a:xfrm>
+          <a:prstGeom prst="rect">
+            <a:avLst/>
+          </a:prstGeom>
+          <a:noFill/>
+          <a:extLst>
+            <a:ext uri="{909E8E84-426E-40DD-AFC4-6F175D3DCCD1}">
+              <a14:hiddenFill xmlns:a14="http://schemas.microsoft.com/office/drawing/2010/main">
+                <a:solidFill>
+                  <a:srgbClr val="FFFFFF"/>
+                </a:solidFill>
+              </a14:hiddenFill>
+            </a:ext>
+          </a:extLst>
+        </p:spPr>
+      </p:pic>
+    </p:spTree>
+    <p:extLst>
+      <p:ext uri="{BB962C8B-B14F-4D97-AF65-F5344CB8AC3E}">
+        <p14:creationId xmlns:p14="http://schemas.microsoft.com/office/powerpoint/2010/main" val="2687633701"/>
       </p:ext>
     </p:extLst>
   </p:cSld>

--- a/documentos/Apresentação.pptx
+++ b/documentos/Apresentação.pptx
@@ -5,19 +5,23 @@
     <p:sldMasterId id="2147483648" r:id="rId1"/>
   </p:sldMasterIdLst>
   <p:notesMasterIdLst>
-    <p:notesMasterId r:id="rId12"/>
+    <p:notesMasterId r:id="rId16"/>
   </p:notesMasterIdLst>
   <p:sldIdLst>
-    <p:sldId id="256" r:id="rId2"/>
+    <p:sldId id="266" r:id="rId2"/>
     <p:sldId id="257" r:id="rId3"/>
-    <p:sldId id="258" r:id="rId4"/>
-    <p:sldId id="259" r:id="rId5"/>
+    <p:sldId id="268" r:id="rId4"/>
+    <p:sldId id="256" r:id="rId5"/>
     <p:sldId id="260" r:id="rId6"/>
-    <p:sldId id="261" r:id="rId7"/>
-    <p:sldId id="262" r:id="rId8"/>
-    <p:sldId id="263" r:id="rId9"/>
-    <p:sldId id="265" r:id="rId10"/>
-    <p:sldId id="264" r:id="rId11"/>
+    <p:sldId id="259" r:id="rId7"/>
+    <p:sldId id="258" r:id="rId8"/>
+    <p:sldId id="261" r:id="rId9"/>
+    <p:sldId id="262" r:id="rId10"/>
+    <p:sldId id="263" r:id="rId11"/>
+    <p:sldId id="265" r:id="rId12"/>
+    <p:sldId id="269" r:id="rId13"/>
+    <p:sldId id="264" r:id="rId14"/>
+    <p:sldId id="267" r:id="rId15"/>
   </p:sldIdLst>
   <p:sldSz cx="12192000" cy="6858000"/>
   <p:notesSz cx="6858000" cy="9144000"/>
@@ -206,7 +210,7 @@
           <a:p>
             <a:fld id="{D9F130DB-5E5F-4AB4-99D4-4D3C40FEAA4A}" type="datetimeFigureOut">
               <a:rPr lang="pt-BR" smtClean="0"/>
-              <a:t>04/03/2021</a:t>
+              <a:t>06/03/2021</a:t>
             </a:fld>
             <a:endParaRPr lang="pt-BR"/>
           </a:p>
@@ -538,7 +542,7 @@
           <a:p>
             <a:fld id="{93172FC9-5D0C-4C78-9C7B-F84A50937FFE}" type="slidenum">
               <a:rPr lang="pt-BR" smtClean="0"/>
-              <a:t>3</a:t>
+              <a:t>1</a:t>
             </a:fld>
             <a:endParaRPr lang="pt-BR"/>
           </a:p>
@@ -547,7 +551,7 @@
     </p:spTree>
     <p:extLst>
       <p:ext uri="{BB962C8B-B14F-4D97-AF65-F5344CB8AC3E}">
-        <p14:creationId xmlns:p14="http://schemas.microsoft.com/office/powerpoint/2010/main" val="3272470574"/>
+        <p14:creationId xmlns:p14="http://schemas.microsoft.com/office/powerpoint/2010/main" val="2412781326"/>
       </p:ext>
     </p:extLst>
   </p:cSld>
@@ -622,7 +626,7 @@
           <a:p>
             <a:fld id="{93172FC9-5D0C-4C78-9C7B-F84A50937FFE}" type="slidenum">
               <a:rPr lang="pt-BR" smtClean="0"/>
-              <a:t>4</a:t>
+              <a:t>6</a:t>
             </a:fld>
             <a:endParaRPr lang="pt-BR"/>
           </a:p>
@@ -632,6 +636,90 @@
     <p:extLst>
       <p:ext uri="{BB962C8B-B14F-4D97-AF65-F5344CB8AC3E}">
         <p14:creationId xmlns:p14="http://schemas.microsoft.com/office/powerpoint/2010/main" val="3491439995"/>
+      </p:ext>
+    </p:extLst>
+  </p:cSld>
+  <p:clrMapOvr>
+    <a:masterClrMapping/>
+  </p:clrMapOvr>
+</p:notes>
+</file>
+
+<file path=ppt/notesSlides/notesSlide3.xml><?xml version="1.0" encoding="utf-8"?>
+<p:notes xmlns:a="http://schemas.openxmlformats.org/drawingml/2006/main" xmlns:r="http://schemas.openxmlformats.org/officeDocument/2006/relationships" xmlns:p="http://schemas.openxmlformats.org/presentationml/2006/main">
+  <p:cSld>
+    <p:spTree>
+      <p:nvGrpSpPr>
+        <p:cNvPr id="1" name=""/>
+        <p:cNvGrpSpPr/>
+        <p:nvPr/>
+      </p:nvGrpSpPr>
+      <p:grpSpPr>
+        <a:xfrm>
+          <a:off x="0" y="0"/>
+          <a:ext cx="0" cy="0"/>
+          <a:chOff x="0" y="0"/>
+          <a:chExt cx="0" cy="0"/>
+        </a:xfrm>
+      </p:grpSpPr>
+      <p:sp>
+        <p:nvSpPr>
+          <p:cNvPr id="2" name="Espaço Reservado para Imagem de Slide 1"/>
+          <p:cNvSpPr>
+            <a:spLocks noGrp="1" noRot="1" noChangeAspect="1"/>
+          </p:cNvSpPr>
+          <p:nvPr>
+            <p:ph type="sldImg"/>
+          </p:nvPr>
+        </p:nvSpPr>
+        <p:spPr/>
+      </p:sp>
+      <p:sp>
+        <p:nvSpPr>
+          <p:cNvPr id="3" name="Espaço Reservado para Anotações 2"/>
+          <p:cNvSpPr>
+            <a:spLocks noGrp="1"/>
+          </p:cNvSpPr>
+          <p:nvPr>
+            <p:ph type="body" idx="1"/>
+          </p:nvPr>
+        </p:nvSpPr>
+        <p:spPr/>
+        <p:txBody>
+          <a:bodyPr/>
+          <a:lstStyle/>
+          <a:p>
+            <a:endParaRPr lang="pt-BR" dirty="0"/>
+          </a:p>
+        </p:txBody>
+      </p:sp>
+      <p:sp>
+        <p:nvSpPr>
+          <p:cNvPr id="4" name="Espaço Reservado para Número de Slide 3"/>
+          <p:cNvSpPr>
+            <a:spLocks noGrp="1"/>
+          </p:cNvSpPr>
+          <p:nvPr>
+            <p:ph type="sldNum" sz="quarter" idx="5"/>
+          </p:nvPr>
+        </p:nvSpPr>
+        <p:spPr/>
+        <p:txBody>
+          <a:bodyPr/>
+          <a:lstStyle/>
+          <a:p>
+            <a:fld id="{93172FC9-5D0C-4C78-9C7B-F84A50937FFE}" type="slidenum">
+              <a:rPr lang="pt-BR" smtClean="0"/>
+              <a:t>7</a:t>
+            </a:fld>
+            <a:endParaRPr lang="pt-BR"/>
+          </a:p>
+        </p:txBody>
+      </p:sp>
+    </p:spTree>
+    <p:extLst>
+      <p:ext uri="{BB962C8B-B14F-4D97-AF65-F5344CB8AC3E}">
+        <p14:creationId xmlns:p14="http://schemas.microsoft.com/office/powerpoint/2010/main" val="3272470574"/>
       </p:ext>
     </p:extLst>
   </p:cSld>
@@ -788,7 +876,7 @@
           <a:p>
             <a:fld id="{D93ACE01-AFDD-4EB6-97C9-3A2749F6FB36}" type="datetimeFigureOut">
               <a:rPr lang="pt-BR" smtClean="0"/>
-              <a:t>04/03/2021</a:t>
+              <a:t>06/03/2021</a:t>
             </a:fld>
             <a:endParaRPr lang="pt-BR"/>
           </a:p>
@@ -986,7 +1074,7 @@
           <a:p>
             <a:fld id="{D93ACE01-AFDD-4EB6-97C9-3A2749F6FB36}" type="datetimeFigureOut">
               <a:rPr lang="pt-BR" smtClean="0"/>
-              <a:t>04/03/2021</a:t>
+              <a:t>06/03/2021</a:t>
             </a:fld>
             <a:endParaRPr lang="pt-BR"/>
           </a:p>
@@ -1194,7 +1282,7 @@
           <a:p>
             <a:fld id="{D93ACE01-AFDD-4EB6-97C9-3A2749F6FB36}" type="datetimeFigureOut">
               <a:rPr lang="pt-BR" smtClean="0"/>
-              <a:t>04/03/2021</a:t>
+              <a:t>06/03/2021</a:t>
             </a:fld>
             <a:endParaRPr lang="pt-BR"/>
           </a:p>
@@ -1392,7 +1480,7 @@
           <a:p>
             <a:fld id="{D93ACE01-AFDD-4EB6-97C9-3A2749F6FB36}" type="datetimeFigureOut">
               <a:rPr lang="pt-BR" smtClean="0"/>
-              <a:t>04/03/2021</a:t>
+              <a:t>06/03/2021</a:t>
             </a:fld>
             <a:endParaRPr lang="pt-BR"/>
           </a:p>
@@ -1667,7 +1755,7 @@
           <a:p>
             <a:fld id="{D93ACE01-AFDD-4EB6-97C9-3A2749F6FB36}" type="datetimeFigureOut">
               <a:rPr lang="pt-BR" smtClean="0"/>
-              <a:t>04/03/2021</a:t>
+              <a:t>06/03/2021</a:t>
             </a:fld>
             <a:endParaRPr lang="pt-BR"/>
           </a:p>
@@ -1932,7 +2020,7 @@
           <a:p>
             <a:fld id="{D93ACE01-AFDD-4EB6-97C9-3A2749F6FB36}" type="datetimeFigureOut">
               <a:rPr lang="pt-BR" smtClean="0"/>
-              <a:t>04/03/2021</a:t>
+              <a:t>06/03/2021</a:t>
             </a:fld>
             <a:endParaRPr lang="pt-BR"/>
           </a:p>
@@ -2344,7 +2432,7 @@
           <a:p>
             <a:fld id="{D93ACE01-AFDD-4EB6-97C9-3A2749F6FB36}" type="datetimeFigureOut">
               <a:rPr lang="pt-BR" smtClean="0"/>
-              <a:t>04/03/2021</a:t>
+              <a:t>06/03/2021</a:t>
             </a:fld>
             <a:endParaRPr lang="pt-BR"/>
           </a:p>
@@ -2485,7 +2573,7 @@
           <a:p>
             <a:fld id="{D93ACE01-AFDD-4EB6-97C9-3A2749F6FB36}" type="datetimeFigureOut">
               <a:rPr lang="pt-BR" smtClean="0"/>
-              <a:t>04/03/2021</a:t>
+              <a:t>06/03/2021</a:t>
             </a:fld>
             <a:endParaRPr lang="pt-BR"/>
           </a:p>
@@ -2598,7 +2686,7 @@
           <a:p>
             <a:fld id="{D93ACE01-AFDD-4EB6-97C9-3A2749F6FB36}" type="datetimeFigureOut">
               <a:rPr lang="pt-BR" smtClean="0"/>
-              <a:t>04/03/2021</a:t>
+              <a:t>06/03/2021</a:t>
             </a:fld>
             <a:endParaRPr lang="pt-BR"/>
           </a:p>
@@ -2909,7 +2997,7 @@
           <a:p>
             <a:fld id="{D93ACE01-AFDD-4EB6-97C9-3A2749F6FB36}" type="datetimeFigureOut">
               <a:rPr lang="pt-BR" smtClean="0"/>
-              <a:t>04/03/2021</a:t>
+              <a:t>06/03/2021</a:t>
             </a:fld>
             <a:endParaRPr lang="pt-BR"/>
           </a:p>
@@ -3197,7 +3285,7 @@
           <a:p>
             <a:fld id="{D93ACE01-AFDD-4EB6-97C9-3A2749F6FB36}" type="datetimeFigureOut">
               <a:rPr lang="pt-BR" smtClean="0"/>
-              <a:t>04/03/2021</a:t>
+              <a:t>06/03/2021</a:t>
             </a:fld>
             <a:endParaRPr lang="pt-BR"/>
           </a:p>
@@ -3438,7 +3526,7 @@
           <a:p>
             <a:fld id="{D93ACE01-AFDD-4EB6-97C9-3A2749F6FB36}" type="datetimeFigureOut">
               <a:rPr lang="pt-BR" smtClean="0"/>
-              <a:t>04/03/2021</a:t>
+              <a:t>06/03/2021</a:t>
             </a:fld>
             <a:endParaRPr lang="pt-BR"/>
           </a:p>
@@ -3866,523 +3954,12 @@
           <a:chExt cx="0" cy="0"/>
         </a:xfrm>
       </p:grpSpPr>
-      <p:sp>
-        <p:nvSpPr>
-          <p:cNvPr id="4" name="Retângulo: Cantos Arredondados 3">
-            <a:extLst>
-              <a:ext uri="{FF2B5EF4-FFF2-40B4-BE49-F238E27FC236}">
-                <a16:creationId xmlns:a16="http://schemas.microsoft.com/office/drawing/2014/main" id="{7D7E4C30-1998-4083-9A53-5366D1FF9E60}"/>
-              </a:ext>
-            </a:extLst>
-          </p:cNvPr>
-          <p:cNvSpPr/>
-          <p:nvPr/>
-        </p:nvSpPr>
-        <p:spPr>
-          <a:xfrm>
-            <a:off x="161778" y="1354017"/>
-            <a:ext cx="3859236" cy="1818249"/>
-          </a:xfrm>
-          <a:prstGeom prst="roundRect">
-            <a:avLst/>
-          </a:prstGeom>
-          <a:solidFill>
-            <a:srgbClr val="BA55D3"/>
-          </a:solidFill>
-          <a:ln w="50800">
-            <a:solidFill>
-              <a:schemeClr val="tx1">
-                <a:lumMod val="85000"/>
-                <a:lumOff val="15000"/>
-              </a:schemeClr>
-            </a:solidFill>
-          </a:ln>
-          <a:effectLst>
-            <a:softEdge rad="0"/>
-          </a:effectLst>
-        </p:spPr>
-        <p:style>
-          <a:lnRef idx="2">
-            <a:schemeClr val="dk1">
-              <a:shade val="50000"/>
-            </a:schemeClr>
-          </a:lnRef>
-          <a:fillRef idx="1">
-            <a:schemeClr val="dk1"/>
-          </a:fillRef>
-          <a:effectRef idx="0">
-            <a:schemeClr val="dk1"/>
-          </a:effectRef>
-          <a:fontRef idx="minor">
-            <a:schemeClr val="lt1"/>
-          </a:fontRef>
-        </p:style>
-        <p:txBody>
-          <a:bodyPr rtlCol="0" anchor="ctr"/>
-          <a:lstStyle/>
-          <a:p>
-            <a:pPr algn="ctr"/>
-            <a:r>
-              <a:rPr lang="pt-BR" b="1" dirty="0">
-                <a:effectLst>
-                  <a:outerShdw blurRad="38100" dist="38100" dir="2700000" algn="tl">
-                    <a:srgbClr val="000000">
-                      <a:alpha val="43137"/>
-                    </a:srgbClr>
-                  </a:outerShdw>
-                </a:effectLst>
-                <a:latin typeface="Exo 2" panose="00000800000000000000" pitchFamily="50" charset="0"/>
-              </a:rPr>
-              <a:t>Eu, enquanto cliente, quero inspecionar os caixas eletrônicos, para que eu possa ter uma melhor gestão de monitoramento.</a:t>
-            </a:r>
-          </a:p>
-          <a:p>
-            <a:pPr algn="ctr"/>
-            <a:r>
-              <a:rPr lang="pt-BR" sz="1600" b="1" dirty="0">
-                <a:effectLst>
-                  <a:outerShdw blurRad="38100" dist="38100" dir="2700000" algn="tl">
-                    <a:srgbClr val="000000">
-                      <a:alpha val="43137"/>
-                    </a:srgbClr>
-                  </a:outerShdw>
-                </a:effectLst>
-                <a:latin typeface="Exo 2" panose="00000800000000000000" pitchFamily="50" charset="0"/>
-              </a:rPr>
-              <a:t>US#01</a:t>
-            </a:r>
-          </a:p>
-        </p:txBody>
-      </p:sp>
-      <p:sp>
-        <p:nvSpPr>
-          <p:cNvPr id="5" name="Retângulo: Cantos Arredondados 4">
-            <a:extLst>
-              <a:ext uri="{FF2B5EF4-FFF2-40B4-BE49-F238E27FC236}">
-                <a16:creationId xmlns:a16="http://schemas.microsoft.com/office/drawing/2014/main" id="{EDC20FF1-9D21-4C7B-988B-7E4805DF81F0}"/>
-              </a:ext>
-            </a:extLst>
-          </p:cNvPr>
-          <p:cNvSpPr/>
-          <p:nvPr/>
-        </p:nvSpPr>
-        <p:spPr>
-          <a:xfrm>
-            <a:off x="4166382" y="1354017"/>
-            <a:ext cx="3859236" cy="1818249"/>
-          </a:xfrm>
-          <a:prstGeom prst="roundRect">
-            <a:avLst/>
-          </a:prstGeom>
-          <a:solidFill>
-            <a:srgbClr val="BA55D3"/>
-          </a:solidFill>
-          <a:ln w="50800">
-            <a:solidFill>
-              <a:schemeClr val="tx1">
-                <a:lumMod val="85000"/>
-                <a:lumOff val="15000"/>
-                <a:alpha val="99000"/>
-              </a:schemeClr>
-            </a:solidFill>
-          </a:ln>
-          <a:effectLst>
-            <a:softEdge rad="0"/>
-          </a:effectLst>
-        </p:spPr>
-        <p:style>
-          <a:lnRef idx="2">
-            <a:schemeClr val="dk1">
-              <a:shade val="50000"/>
-            </a:schemeClr>
-          </a:lnRef>
-          <a:fillRef idx="1">
-            <a:schemeClr val="dk1"/>
-          </a:fillRef>
-          <a:effectRef idx="0">
-            <a:schemeClr val="dk1"/>
-          </a:effectRef>
-          <a:fontRef idx="minor">
-            <a:schemeClr val="lt1"/>
-          </a:fontRef>
-        </p:style>
-        <p:txBody>
-          <a:bodyPr rtlCol="0" anchor="ctr"/>
-          <a:lstStyle/>
-          <a:p>
-            <a:pPr algn="ctr"/>
-            <a:r>
-              <a:rPr lang="pt-BR" b="1" dirty="0">
-                <a:latin typeface="Exo 2" panose="00000800000000000000" pitchFamily="50" charset="0"/>
-              </a:rPr>
-              <a:t>Eu, enquanto cliente, quero auto agendamento da manutenção dos caixas eletrônicos, para maior praticidade.</a:t>
-            </a:r>
-          </a:p>
-          <a:p>
-            <a:pPr algn="ctr"/>
-            <a:r>
-              <a:rPr lang="pt-BR" sz="1600" b="1" dirty="0">
-                <a:latin typeface="Exo 2" panose="00000800000000000000" pitchFamily="50" charset="0"/>
-              </a:rPr>
-              <a:t>US#02</a:t>
-            </a:r>
-          </a:p>
-        </p:txBody>
-      </p:sp>
-      <p:sp>
-        <p:nvSpPr>
-          <p:cNvPr id="6" name="Retângulo: Cantos Arredondados 5">
-            <a:extLst>
-              <a:ext uri="{FF2B5EF4-FFF2-40B4-BE49-F238E27FC236}">
-                <a16:creationId xmlns:a16="http://schemas.microsoft.com/office/drawing/2014/main" id="{4143B7D2-BDAE-4CA7-AA12-38430F576219}"/>
-              </a:ext>
-            </a:extLst>
-          </p:cNvPr>
-          <p:cNvSpPr/>
-          <p:nvPr/>
-        </p:nvSpPr>
-        <p:spPr>
-          <a:xfrm>
-            <a:off x="8170986" y="1354017"/>
-            <a:ext cx="3859236" cy="1818249"/>
-          </a:xfrm>
-          <a:prstGeom prst="roundRect">
-            <a:avLst/>
-          </a:prstGeom>
-          <a:solidFill>
-            <a:srgbClr val="BA55D3"/>
-          </a:solidFill>
-          <a:ln w="50800">
-            <a:solidFill>
-              <a:schemeClr val="tx1">
-                <a:lumMod val="85000"/>
-                <a:lumOff val="15000"/>
-              </a:schemeClr>
-            </a:solidFill>
-          </a:ln>
-          <a:effectLst>
-            <a:softEdge rad="0"/>
-          </a:effectLst>
-        </p:spPr>
-        <p:style>
-          <a:lnRef idx="2">
-            <a:schemeClr val="dk1">
-              <a:shade val="50000"/>
-            </a:schemeClr>
-          </a:lnRef>
-          <a:fillRef idx="1">
-            <a:schemeClr val="dk1"/>
-          </a:fillRef>
-          <a:effectRef idx="0">
-            <a:schemeClr val="dk1"/>
-          </a:effectRef>
-          <a:fontRef idx="minor">
-            <a:schemeClr val="lt1"/>
-          </a:fontRef>
-        </p:style>
-        <p:txBody>
-          <a:bodyPr rtlCol="0" anchor="ctr"/>
-          <a:lstStyle/>
-          <a:p>
-            <a:pPr algn="ctr"/>
-            <a:r>
-              <a:rPr lang="pt-BR" b="1" dirty="0">
-                <a:latin typeface="Exo 2" panose="00000800000000000000" pitchFamily="50" charset="0"/>
-              </a:rPr>
-              <a:t>Eu, enquanto cliente, gostaria de receber alertas de acordo a necessidades de manutenção, para evitar possíveis problemas.</a:t>
-            </a:r>
-          </a:p>
-          <a:p>
-            <a:pPr algn="ctr"/>
-            <a:r>
-              <a:rPr lang="pt-BR" sz="1600" b="1" dirty="0">
-                <a:latin typeface="Exo 2" panose="00000800000000000000" pitchFamily="50" charset="0"/>
-              </a:rPr>
-              <a:t>US#03</a:t>
-            </a:r>
-          </a:p>
-        </p:txBody>
-      </p:sp>
-      <p:sp>
-        <p:nvSpPr>
-          <p:cNvPr id="7" name="Retângulo: Cantos Arredondados 6">
-            <a:extLst>
-              <a:ext uri="{FF2B5EF4-FFF2-40B4-BE49-F238E27FC236}">
-                <a16:creationId xmlns:a16="http://schemas.microsoft.com/office/drawing/2014/main" id="{FD1CF059-88FC-4AAF-B4E9-00C367CA3706}"/>
-              </a:ext>
-            </a:extLst>
-          </p:cNvPr>
-          <p:cNvSpPr/>
-          <p:nvPr/>
-        </p:nvSpPr>
-        <p:spPr>
-          <a:xfrm>
-            <a:off x="161778" y="3429000"/>
-            <a:ext cx="3859236" cy="1818249"/>
-          </a:xfrm>
-          <a:prstGeom prst="roundRect">
-            <a:avLst/>
-          </a:prstGeom>
-          <a:solidFill>
-            <a:srgbClr val="BA55D3"/>
-          </a:solidFill>
-          <a:ln w="50800">
-            <a:solidFill>
-              <a:schemeClr val="tx1">
-                <a:lumMod val="85000"/>
-                <a:lumOff val="15000"/>
-              </a:schemeClr>
-            </a:solidFill>
-          </a:ln>
-          <a:effectLst>
-            <a:softEdge rad="0"/>
-          </a:effectLst>
-        </p:spPr>
-        <p:style>
-          <a:lnRef idx="2">
-            <a:schemeClr val="dk1">
-              <a:shade val="50000"/>
-            </a:schemeClr>
-          </a:lnRef>
-          <a:fillRef idx="1">
-            <a:schemeClr val="dk1"/>
-          </a:fillRef>
-          <a:effectRef idx="0">
-            <a:schemeClr val="dk1"/>
-          </a:effectRef>
-          <a:fontRef idx="minor">
-            <a:schemeClr val="lt1"/>
-          </a:fontRef>
-        </p:style>
-        <p:txBody>
-          <a:bodyPr rtlCol="0" anchor="ctr"/>
-          <a:lstStyle/>
-          <a:p>
-            <a:pPr algn="ctr"/>
-            <a:r>
-              <a:rPr lang="pt-BR" b="1" dirty="0">
-                <a:effectLst>
-                  <a:outerShdw blurRad="38100" dist="38100" dir="2700000" algn="tl">
-                    <a:srgbClr val="000000">
-                      <a:alpha val="43137"/>
-                    </a:srgbClr>
-                  </a:outerShdw>
-                </a:effectLst>
-                <a:latin typeface="Exo 2" panose="00000800000000000000" pitchFamily="50" charset="0"/>
-              </a:rPr>
-              <a:t>Eu, enquanto cliente, preciso saber se o caixa está ligado ou não, para que eu possar tomar um devida atitude.</a:t>
-            </a:r>
-          </a:p>
-          <a:p>
-            <a:pPr algn="ctr"/>
-            <a:r>
-              <a:rPr lang="pt-BR" sz="1600" b="1" dirty="0">
-                <a:effectLst>
-                  <a:outerShdw blurRad="38100" dist="38100" dir="2700000" algn="tl">
-                    <a:srgbClr val="000000">
-                      <a:alpha val="43137"/>
-                    </a:srgbClr>
-                  </a:outerShdw>
-                </a:effectLst>
-                <a:latin typeface="Exo 2" panose="00000800000000000000" pitchFamily="50" charset="0"/>
-              </a:rPr>
-              <a:t>US#04</a:t>
-            </a:r>
-          </a:p>
-        </p:txBody>
-      </p:sp>
-      <p:sp>
-        <p:nvSpPr>
-          <p:cNvPr id="8" name="Retângulo: Cantos Arredondados 7">
-            <a:extLst>
-              <a:ext uri="{FF2B5EF4-FFF2-40B4-BE49-F238E27FC236}">
-                <a16:creationId xmlns:a16="http://schemas.microsoft.com/office/drawing/2014/main" id="{D417ED73-46B8-443A-9872-BD8C2B3840D2}"/>
-              </a:ext>
-            </a:extLst>
-          </p:cNvPr>
-          <p:cNvSpPr/>
-          <p:nvPr/>
-        </p:nvSpPr>
-        <p:spPr>
-          <a:xfrm>
-            <a:off x="4166382" y="3429000"/>
-            <a:ext cx="3859236" cy="1818249"/>
-          </a:xfrm>
-          <a:prstGeom prst="roundRect">
-            <a:avLst/>
-          </a:prstGeom>
-          <a:solidFill>
-            <a:srgbClr val="BA55D3"/>
-          </a:solidFill>
-          <a:ln w="50800">
-            <a:solidFill>
-              <a:schemeClr val="tx1">
-                <a:lumMod val="85000"/>
-                <a:lumOff val="15000"/>
-              </a:schemeClr>
-            </a:solidFill>
-          </a:ln>
-          <a:effectLst>
-            <a:softEdge rad="0"/>
-          </a:effectLst>
-        </p:spPr>
-        <p:style>
-          <a:lnRef idx="2">
-            <a:schemeClr val="dk1">
-              <a:shade val="50000"/>
-            </a:schemeClr>
-          </a:lnRef>
-          <a:fillRef idx="1">
-            <a:schemeClr val="dk1"/>
-          </a:fillRef>
-          <a:effectRef idx="0">
-            <a:schemeClr val="dk1"/>
-          </a:effectRef>
-          <a:fontRef idx="minor">
-            <a:schemeClr val="lt1"/>
-          </a:fontRef>
-        </p:style>
-        <p:txBody>
-          <a:bodyPr rtlCol="0" anchor="ctr"/>
-          <a:lstStyle/>
-          <a:p>
-            <a:pPr algn="ctr"/>
-            <a:r>
-              <a:rPr lang="pt-BR" b="1" dirty="0">
-                <a:effectLst>
-                  <a:outerShdw blurRad="38100" dist="38100" dir="2700000" algn="tl">
-                    <a:srgbClr val="000000">
-                      <a:alpha val="43137"/>
-                    </a:srgbClr>
-                  </a:outerShdw>
-                </a:effectLst>
-                <a:latin typeface="Exo 2" panose="00000800000000000000" pitchFamily="50" charset="0"/>
-              </a:rPr>
-              <a:t>Eu, enquanto cliente,  quero um acesso a um gráfico para monitorar o pico de cada caixa, para que eu possa antever futuros problemas.</a:t>
-            </a:r>
-          </a:p>
-          <a:p>
-            <a:pPr algn="ctr"/>
-            <a:r>
-              <a:rPr lang="pt-BR" sz="1600" b="1" dirty="0">
-                <a:effectLst>
-                  <a:outerShdw blurRad="38100" dist="38100" dir="2700000" algn="tl">
-                    <a:srgbClr val="000000">
-                      <a:alpha val="43137"/>
-                    </a:srgbClr>
-                  </a:outerShdw>
-                </a:effectLst>
-                <a:latin typeface="Exo 2" panose="00000800000000000000" pitchFamily="50" charset="0"/>
-              </a:rPr>
-              <a:t>US#05</a:t>
-            </a:r>
-          </a:p>
-        </p:txBody>
-      </p:sp>
-      <p:sp>
-        <p:nvSpPr>
-          <p:cNvPr id="9" name="Retângulo: Cantos Arredondados 8">
-            <a:extLst>
-              <a:ext uri="{FF2B5EF4-FFF2-40B4-BE49-F238E27FC236}">
-                <a16:creationId xmlns:a16="http://schemas.microsoft.com/office/drawing/2014/main" id="{8F0D4594-397E-496B-9765-958FDB2DEC6B}"/>
-              </a:ext>
-            </a:extLst>
-          </p:cNvPr>
-          <p:cNvSpPr/>
-          <p:nvPr/>
-        </p:nvSpPr>
-        <p:spPr>
-          <a:xfrm>
-            <a:off x="8170986" y="3400866"/>
-            <a:ext cx="3859236" cy="1818249"/>
-          </a:xfrm>
-          <a:prstGeom prst="roundRect">
-            <a:avLst/>
-          </a:prstGeom>
-          <a:solidFill>
-            <a:srgbClr val="BA55D3"/>
-          </a:solidFill>
-          <a:ln w="50800">
-            <a:solidFill>
-              <a:schemeClr val="tx1">
-                <a:lumMod val="85000"/>
-                <a:lumOff val="15000"/>
-              </a:schemeClr>
-            </a:solidFill>
-          </a:ln>
-          <a:effectLst>
-            <a:softEdge rad="0"/>
-          </a:effectLst>
-        </p:spPr>
-        <p:style>
-          <a:lnRef idx="2">
-            <a:schemeClr val="dk1">
-              <a:shade val="50000"/>
-            </a:schemeClr>
-          </a:lnRef>
-          <a:fillRef idx="1">
-            <a:schemeClr val="dk1"/>
-          </a:fillRef>
-          <a:effectRef idx="0">
-            <a:schemeClr val="dk1"/>
-          </a:effectRef>
-          <a:fontRef idx="minor">
-            <a:schemeClr val="lt1"/>
-          </a:fontRef>
-        </p:style>
-        <p:txBody>
-          <a:bodyPr rtlCol="0" anchor="ctr"/>
-          <a:lstStyle/>
-          <a:p>
-            <a:pPr algn="ctr"/>
-            <a:r>
-              <a:rPr lang="pt-BR" b="1" dirty="0">
-                <a:effectLst>
-                  <a:outerShdw blurRad="38100" dist="38100" dir="2700000" algn="tl">
-                    <a:srgbClr val="000000">
-                      <a:alpha val="43137"/>
-                    </a:srgbClr>
-                  </a:outerShdw>
-                </a:effectLst>
-                <a:latin typeface="Exo 2" panose="00000800000000000000" pitchFamily="50" charset="0"/>
-              </a:rPr>
-              <a:t>Eu, enquanto cliente,  preciso que sejam gerado relatórios de uso de cada caixa eletrônico, para que eu possa analisar um possível problema.</a:t>
-            </a:r>
-          </a:p>
-          <a:p>
-            <a:pPr algn="ctr"/>
-            <a:r>
-              <a:rPr lang="pt-BR" sz="1600" b="1" dirty="0">
-                <a:effectLst>
-                  <a:outerShdw blurRad="38100" dist="38100" dir="2700000" algn="tl">
-                    <a:srgbClr val="000000">
-                      <a:alpha val="43137"/>
-                    </a:srgbClr>
-                  </a:outerShdw>
-                </a:effectLst>
-                <a:latin typeface="Exo 2" panose="00000800000000000000" pitchFamily="50" charset="0"/>
-              </a:rPr>
-              <a:t>US#06</a:t>
-            </a:r>
-            <a:endParaRPr lang="pt-BR" b="1" dirty="0">
-              <a:effectLst>
-                <a:outerShdw blurRad="38100" dist="38100" dir="2700000" algn="tl">
-                  <a:srgbClr val="000000">
-                    <a:alpha val="43137"/>
-                  </a:srgbClr>
-                </a:outerShdw>
-              </a:effectLst>
-              <a:latin typeface="Exo 2" panose="00000800000000000000" pitchFamily="50" charset="0"/>
-            </a:endParaRPr>
-          </a:p>
-        </p:txBody>
-      </p:sp>
       <p:pic>
         <p:nvPicPr>
-          <p:cNvPr id="11" name="Imagem 10" descr="Uma imagem contendo Interface gráfica do usuário&#10;&#10;Descrição gerada automaticamente">
-            <a:extLst>
-              <a:ext uri="{FF2B5EF4-FFF2-40B4-BE49-F238E27FC236}">
-                <a16:creationId xmlns:a16="http://schemas.microsoft.com/office/drawing/2014/main" id="{CA80CA6F-8A1C-48EE-A41B-FFD6D24A40B5}"/>
+          <p:cNvPr id="10" name="Imagem 9" descr="Uma imagem contendo Interface gráfica do usuário&#10;&#10;Descrição gerada automaticamente">
+            <a:extLst>
+              <a:ext uri="{FF2B5EF4-FFF2-40B4-BE49-F238E27FC236}">
+                <a16:creationId xmlns:a16="http://schemas.microsoft.com/office/drawing/2014/main" id="{FCF6BF77-1198-4189-88ED-225A18DE17BF}"/>
               </a:ext>
             </a:extLst>
           </p:cNvPr>
@@ -4392,7 +3969,7 @@
           <p:nvPr/>
         </p:nvPicPr>
         <p:blipFill>
-          <a:blip r:embed="rId2">
+          <a:blip r:embed="rId3">
             <a:extLst>
               <a:ext uri="{28A0092B-C50C-407E-A947-70E740481C1C}">
                 <a14:useLocalDpi xmlns:a14="http://schemas.microsoft.com/office/drawing/2010/main" val="0"/>
@@ -4415,10 +3992,10 @@
       </p:pic>
       <p:sp>
         <p:nvSpPr>
-          <p:cNvPr id="12" name="CaixaDeTexto 11">
-            <a:extLst>
-              <a:ext uri="{FF2B5EF4-FFF2-40B4-BE49-F238E27FC236}">
-                <a16:creationId xmlns:a16="http://schemas.microsoft.com/office/drawing/2014/main" id="{10AF27D4-1C44-44DE-A7E5-74FA172C5FD0}"/>
+          <p:cNvPr id="5" name="CaixaDeTexto 4">
+            <a:extLst>
+              <a:ext uri="{FF2B5EF4-FFF2-40B4-BE49-F238E27FC236}">
+                <a16:creationId xmlns:a16="http://schemas.microsoft.com/office/drawing/2014/main" id="{81CEC430-506D-4DAA-8E87-A8F7F0938399}"/>
               </a:ext>
             </a:extLst>
           </p:cNvPr>
@@ -4427,7 +4004,7 @@
         </p:nvSpPr>
         <p:spPr>
           <a:xfrm>
-            <a:off x="182879" y="256154"/>
+            <a:off x="182879" y="134095"/>
             <a:ext cx="4602744" cy="646331"/>
           </a:xfrm>
           <a:prstGeom prst="rect">
@@ -4455,21 +4032,343 @@
                 </a:effectLst>
                 <a:latin typeface="Exo 2" panose="00000800000000000000" pitchFamily="50" charset="0"/>
               </a:rPr>
-              <a:t>User Story</a:t>
-            </a:r>
-          </a:p>
-        </p:txBody>
-      </p:sp>
+              <a:t>Contextualização</a:t>
+            </a:r>
+          </a:p>
+        </p:txBody>
+      </p:sp>
+      <p:sp>
+        <p:nvSpPr>
+          <p:cNvPr id="6" name="CaixaDeTexto 5">
+            <a:extLst>
+              <a:ext uri="{FF2B5EF4-FFF2-40B4-BE49-F238E27FC236}">
+                <a16:creationId xmlns:a16="http://schemas.microsoft.com/office/drawing/2014/main" id="{3DFE1F8C-FF3F-42E9-8DB5-AB1676FABA0A}"/>
+              </a:ext>
+            </a:extLst>
+          </p:cNvPr>
+          <p:cNvSpPr txBox="1"/>
+          <p:nvPr/>
+        </p:nvSpPr>
+        <p:spPr>
+          <a:xfrm>
+            <a:off x="604911" y="1366065"/>
+            <a:ext cx="8021192" cy="646331"/>
+          </a:xfrm>
+          <a:prstGeom prst="rect">
+            <a:avLst/>
+          </a:prstGeom>
+          <a:noFill/>
+        </p:spPr>
+        <p:txBody>
+          <a:bodyPr wrap="square" rtlCol="0">
+            <a:spAutoFit/>
+          </a:bodyPr>
+          <a:lstStyle/>
+          <a:p>
+            <a:r>
+              <a:rPr lang="pt-BR" sz="3600" b="1" dirty="0">
+                <a:solidFill>
+                  <a:schemeClr val="bg1"/>
+                </a:solidFill>
+                <a:effectLst>
+                  <a:outerShdw blurRad="38100" dist="38100" dir="2700000" algn="tl">
+                    <a:srgbClr val="000000">
+                      <a:alpha val="43137"/>
+                    </a:srgbClr>
+                  </a:outerShdw>
+                </a:effectLst>
+                <a:latin typeface="Exo 2" panose="00000800000000000000" pitchFamily="50" charset="0"/>
+              </a:rPr>
+              <a:t>Quem somos e o que fazemos?</a:t>
+            </a:r>
+          </a:p>
+        </p:txBody>
+      </p:sp>
+      <p:sp>
+        <p:nvSpPr>
+          <p:cNvPr id="7" name="CaixaDeTexto 6">
+            <a:extLst>
+              <a:ext uri="{FF2B5EF4-FFF2-40B4-BE49-F238E27FC236}">
+                <a16:creationId xmlns:a16="http://schemas.microsoft.com/office/drawing/2014/main" id="{FDC1B6F9-EFA3-497C-A0F1-6E3BBA11796E}"/>
+              </a:ext>
+            </a:extLst>
+          </p:cNvPr>
+          <p:cNvSpPr txBox="1"/>
+          <p:nvPr/>
+        </p:nvSpPr>
+        <p:spPr>
+          <a:xfrm>
+            <a:off x="604912" y="2323966"/>
+            <a:ext cx="8021192" cy="954107"/>
+          </a:xfrm>
+          <a:prstGeom prst="rect">
+            <a:avLst/>
+          </a:prstGeom>
+          <a:noFill/>
+        </p:spPr>
+        <p:txBody>
+          <a:bodyPr wrap="square" rtlCol="0">
+            <a:spAutoFit/>
+          </a:bodyPr>
+          <a:lstStyle/>
+          <a:p>
+            <a:pPr marL="457200" indent="-457200">
+              <a:buFont typeface="Arial" panose="020B0604020202020204" pitchFamily="34" charset="0"/>
+              <a:buChar char="•"/>
+            </a:pPr>
+            <a:r>
+              <a:rPr lang="pt-BR" sz="2800" dirty="0">
+                <a:solidFill>
+                  <a:schemeClr val="bg1"/>
+                </a:solidFill>
+                <a:latin typeface="Exo 2" panose="00000800000000000000" pitchFamily="50" charset="0"/>
+              </a:rPr>
+              <a:t>Empresa de monitoramento de Caixas Eletrônicos </a:t>
+            </a:r>
+          </a:p>
+        </p:txBody>
+      </p:sp>
+      <p:sp>
+        <p:nvSpPr>
+          <p:cNvPr id="8" name="CaixaDeTexto 7">
+            <a:extLst>
+              <a:ext uri="{FF2B5EF4-FFF2-40B4-BE49-F238E27FC236}">
+                <a16:creationId xmlns:a16="http://schemas.microsoft.com/office/drawing/2014/main" id="{E0F1AFFD-F67F-4E88-9839-E9B6B08C0279}"/>
+              </a:ext>
+            </a:extLst>
+          </p:cNvPr>
+          <p:cNvSpPr txBox="1"/>
+          <p:nvPr/>
+        </p:nvSpPr>
+        <p:spPr>
+          <a:xfrm>
+            <a:off x="604911" y="3579928"/>
+            <a:ext cx="8021192" cy="523220"/>
+          </a:xfrm>
+          <a:prstGeom prst="rect">
+            <a:avLst/>
+          </a:prstGeom>
+          <a:noFill/>
+        </p:spPr>
+        <p:txBody>
+          <a:bodyPr wrap="square" rtlCol="0">
+            <a:spAutoFit/>
+          </a:bodyPr>
+          <a:lstStyle/>
+          <a:p>
+            <a:pPr marL="457200" indent="-457200">
+              <a:buFont typeface="Arial" panose="020B0604020202020204" pitchFamily="34" charset="0"/>
+              <a:buChar char="•"/>
+            </a:pPr>
+            <a:r>
+              <a:rPr lang="pt-BR" sz="2800" dirty="0">
+                <a:solidFill>
+                  <a:schemeClr val="bg1"/>
+                </a:solidFill>
+                <a:latin typeface="Exo 2" panose="00000800000000000000" pitchFamily="50" charset="0"/>
+              </a:rPr>
+              <a:t>Software como serviço (SaaS)</a:t>
+            </a:r>
+          </a:p>
+        </p:txBody>
+      </p:sp>
+      <p:pic>
+        <p:nvPicPr>
+          <p:cNvPr id="1026" name="Picture 2">
+            <a:extLst>
+              <a:ext uri="{FF2B5EF4-FFF2-40B4-BE49-F238E27FC236}">
+                <a16:creationId xmlns:a16="http://schemas.microsoft.com/office/drawing/2014/main" id="{8D4867CE-A277-46BB-A932-24BC707DC656}"/>
+              </a:ext>
+            </a:extLst>
+          </p:cNvPr>
+          <p:cNvPicPr>
+            <a:picLocks noChangeAspect="1" noChangeArrowheads="1"/>
+          </p:cNvPicPr>
+          <p:nvPr/>
+        </p:nvPicPr>
+        <p:blipFill>
+          <a:blip r:embed="rId4">
+            <a:extLst>
+              <a:ext uri="{28A0092B-C50C-407E-A947-70E740481C1C}">
+                <a14:useLocalDpi xmlns:a14="http://schemas.microsoft.com/office/drawing/2010/main" val="0"/>
+              </a:ext>
+            </a:extLst>
+          </a:blip>
+          <a:srcRect/>
+          <a:stretch>
+            <a:fillRect/>
+          </a:stretch>
+        </p:blipFill>
+        <p:spPr bwMode="auto">
+          <a:xfrm>
+            <a:off x="9054660" y="1638577"/>
+            <a:ext cx="2701241" cy="5026745"/>
+          </a:xfrm>
+          <a:prstGeom prst="rect">
+            <a:avLst/>
+          </a:prstGeom>
+          <a:noFill/>
+          <a:extLst>
+            <a:ext uri="{909E8E84-426E-40DD-AFC4-6F175D3DCCD1}">
+              <a14:hiddenFill xmlns:a14="http://schemas.microsoft.com/office/drawing/2010/main">
+                <a:solidFill>
+                  <a:srgbClr val="FFFFFF"/>
+                </a:solidFill>
+              </a14:hiddenFill>
+            </a:ext>
+          </a:extLst>
+        </p:spPr>
+      </p:pic>
     </p:spTree>
     <p:extLst>
       <p:ext uri="{BB962C8B-B14F-4D97-AF65-F5344CB8AC3E}">
-        <p14:creationId xmlns:p14="http://schemas.microsoft.com/office/powerpoint/2010/main" val="4000988566"/>
+        <p14:creationId xmlns:p14="http://schemas.microsoft.com/office/powerpoint/2010/main" val="1176015511"/>
       </p:ext>
     </p:extLst>
   </p:cSld>
   <p:clrMapOvr>
     <a:masterClrMapping/>
   </p:clrMapOvr>
+  <p:timing>
+    <p:tnLst>
+      <p:par>
+        <p:cTn id="1" dur="indefinite" restart="never" nodeType="tmRoot">
+          <p:childTnLst>
+            <p:seq concurrent="1" nextAc="seek">
+              <p:cTn id="2" dur="indefinite" nodeType="mainSeq">
+                <p:childTnLst>
+                  <p:par>
+                    <p:cTn id="3" fill="hold">
+                      <p:stCondLst>
+                        <p:cond delay="indefinite"/>
+                      </p:stCondLst>
+                      <p:childTnLst>
+                        <p:par>
+                          <p:cTn id="4" fill="hold">
+                            <p:stCondLst>
+                              <p:cond delay="0"/>
+                            </p:stCondLst>
+                            <p:childTnLst>
+                              <p:par>
+                                <p:cTn id="5" presetID="10" presetClass="entr" presetSubtype="0" fill="hold" grpId="0" nodeType="clickEffect">
+                                  <p:stCondLst>
+                                    <p:cond delay="0"/>
+                                  </p:stCondLst>
+                                  <p:childTnLst>
+                                    <p:set>
+                                      <p:cBhvr>
+                                        <p:cTn id="6" dur="1" fill="hold">
+                                          <p:stCondLst>
+                                            <p:cond delay="0"/>
+                                          </p:stCondLst>
+                                        </p:cTn>
+                                        <p:tgtEl>
+                                          <p:spTgt spid="7"/>
+                                        </p:tgtEl>
+                                        <p:attrNameLst>
+                                          <p:attrName>style.visibility</p:attrName>
+                                        </p:attrNameLst>
+                                      </p:cBhvr>
+                                      <p:to>
+                                        <p:strVal val="visible"/>
+                                      </p:to>
+                                    </p:set>
+                                    <p:animEffect transition="in" filter="fade">
+                                      <p:cBhvr>
+                                        <p:cTn id="7" dur="800"/>
+                                        <p:tgtEl>
+                                          <p:spTgt spid="7"/>
+                                        </p:tgtEl>
+                                      </p:cBhvr>
+                                    </p:animEffect>
+                                  </p:childTnLst>
+                                </p:cTn>
+                              </p:par>
+                            </p:childTnLst>
+                          </p:cTn>
+                        </p:par>
+                      </p:childTnLst>
+                    </p:cTn>
+                  </p:par>
+                  <p:par>
+                    <p:cTn id="8" fill="hold">
+                      <p:stCondLst>
+                        <p:cond delay="indefinite"/>
+                      </p:stCondLst>
+                      <p:childTnLst>
+                        <p:par>
+                          <p:cTn id="9" fill="hold">
+                            <p:stCondLst>
+                              <p:cond delay="0"/>
+                            </p:stCondLst>
+                            <p:childTnLst>
+                              <p:par>
+                                <p:cTn id="10" presetID="10" presetClass="entr" presetSubtype="0" fill="hold" grpId="0" nodeType="clickEffect">
+                                  <p:stCondLst>
+                                    <p:cond delay="0"/>
+                                  </p:stCondLst>
+                                  <p:childTnLst>
+                                    <p:set>
+                                      <p:cBhvr>
+                                        <p:cTn id="11" dur="1" fill="hold">
+                                          <p:stCondLst>
+                                            <p:cond delay="0"/>
+                                          </p:stCondLst>
+                                        </p:cTn>
+                                        <p:tgtEl>
+                                          <p:spTgt spid="8"/>
+                                        </p:tgtEl>
+                                        <p:attrNameLst>
+                                          <p:attrName>style.visibility</p:attrName>
+                                        </p:attrNameLst>
+                                      </p:cBhvr>
+                                      <p:to>
+                                        <p:strVal val="visible"/>
+                                      </p:to>
+                                    </p:set>
+                                    <p:animEffect transition="in" filter="fade">
+                                      <p:cBhvr>
+                                        <p:cTn id="12" dur="800"/>
+                                        <p:tgtEl>
+                                          <p:spTgt spid="8"/>
+                                        </p:tgtEl>
+                                      </p:cBhvr>
+                                    </p:animEffect>
+                                  </p:childTnLst>
+                                </p:cTn>
+                              </p:par>
+                            </p:childTnLst>
+                          </p:cTn>
+                        </p:par>
+                      </p:childTnLst>
+                    </p:cTn>
+                  </p:par>
+                </p:childTnLst>
+              </p:cTn>
+              <p:prevCondLst>
+                <p:cond evt="onPrev" delay="0">
+                  <p:tgtEl>
+                    <p:sldTgt/>
+                  </p:tgtEl>
+                </p:cond>
+              </p:prevCondLst>
+              <p:nextCondLst>
+                <p:cond evt="onNext" delay="0">
+                  <p:tgtEl>
+                    <p:sldTgt/>
+                  </p:tgtEl>
+                </p:cond>
+              </p:nextCondLst>
+            </p:seq>
+          </p:childTnLst>
+        </p:cTn>
+      </p:par>
+    </p:tnLst>
+    <p:bldLst>
+      <p:bldP spid="7" grpId="0"/>
+      <p:bldP spid="8" grpId="0"/>
+    </p:bldLst>
+  </p:timing>
 </p:sld>
 </file>
 
@@ -4579,17 +4478,177 @@
                 </a:effectLst>
                 <a:latin typeface="Exo 2" panose="00000800000000000000" pitchFamily="50" charset="0"/>
               </a:rPr>
-              <a:t>Planner</a:t>
+              <a:t>Cliente Linux</a:t>
             </a:r>
           </a:p>
         </p:txBody>
       </p:sp>
       <p:pic>
         <p:nvPicPr>
-          <p:cNvPr id="1026" name="Picture 2">
-            <a:extLst>
-              <a:ext uri="{FF2B5EF4-FFF2-40B4-BE49-F238E27FC236}">
-                <a16:creationId xmlns:a16="http://schemas.microsoft.com/office/drawing/2014/main" id="{03AFE8B5-1EDA-4A2B-AF2A-693E5557A14C}"/>
+          <p:cNvPr id="9" name="Imagem 8" descr="Ícone&#10;&#10;Descrição gerada automaticamente">
+            <a:extLst>
+              <a:ext uri="{FF2B5EF4-FFF2-40B4-BE49-F238E27FC236}">
+                <a16:creationId xmlns:a16="http://schemas.microsoft.com/office/drawing/2014/main" id="{5878DA09-D180-4E78-83FC-BD27292F572B}"/>
+              </a:ext>
+            </a:extLst>
+          </p:cNvPr>
+          <p:cNvPicPr>
+            <a:picLocks noChangeAspect="1"/>
+          </p:cNvPicPr>
+          <p:nvPr/>
+        </p:nvPicPr>
+        <p:blipFill>
+          <a:blip r:embed="rId3">
+            <a:extLst>
+              <a:ext uri="{28A0092B-C50C-407E-A947-70E740481C1C}">
+                <a14:useLocalDpi xmlns:a14="http://schemas.microsoft.com/office/drawing/2010/main" val="0"/>
+              </a:ext>
+            </a:extLst>
+          </a:blip>
+          <a:stretch>
+            <a:fillRect/>
+          </a:stretch>
+        </p:blipFill>
+        <p:spPr>
+          <a:xfrm>
+            <a:off x="4095383" y="1004010"/>
+            <a:ext cx="4001233" cy="4849979"/>
+          </a:xfrm>
+          <a:prstGeom prst="rect">
+            <a:avLst/>
+          </a:prstGeom>
+        </p:spPr>
+      </p:pic>
+    </p:spTree>
+    <p:extLst>
+      <p:ext uri="{BB962C8B-B14F-4D97-AF65-F5344CB8AC3E}">
+        <p14:creationId xmlns:p14="http://schemas.microsoft.com/office/powerpoint/2010/main" val="3322418269"/>
+      </p:ext>
+    </p:extLst>
+  </p:cSld>
+  <p:clrMapOvr>
+    <a:masterClrMapping/>
+  </p:clrMapOvr>
+</p:sld>
+</file>
+
+<file path=ppt/slides/slide11.xml><?xml version="1.0" encoding="utf-8"?>
+<p:sld xmlns:a="http://schemas.openxmlformats.org/drawingml/2006/main" xmlns:r="http://schemas.openxmlformats.org/officeDocument/2006/relationships" xmlns:p="http://schemas.openxmlformats.org/presentationml/2006/main">
+  <p:cSld>
+    <p:bg>
+      <p:bgPr>
+        <a:solidFill>
+          <a:schemeClr val="tx1">
+            <a:lumMod val="75000"/>
+            <a:lumOff val="25000"/>
+          </a:schemeClr>
+        </a:solidFill>
+        <a:effectLst/>
+      </p:bgPr>
+    </p:bg>
+    <p:spTree>
+      <p:nvGrpSpPr>
+        <p:cNvPr id="1" name=""/>
+        <p:cNvGrpSpPr/>
+        <p:nvPr/>
+      </p:nvGrpSpPr>
+      <p:grpSpPr>
+        <a:xfrm>
+          <a:off x="0" y="0"/>
+          <a:ext cx="0" cy="0"/>
+          <a:chOff x="0" y="0"/>
+          <a:chExt cx="0" cy="0"/>
+        </a:xfrm>
+      </p:grpSpPr>
+      <p:pic>
+        <p:nvPicPr>
+          <p:cNvPr id="4" name="Imagem 3" descr="Uma imagem contendo Interface gráfica do usuário&#10;&#10;Descrição gerada automaticamente">
+            <a:extLst>
+              <a:ext uri="{FF2B5EF4-FFF2-40B4-BE49-F238E27FC236}">
+                <a16:creationId xmlns:a16="http://schemas.microsoft.com/office/drawing/2014/main" id="{FBA0E6D1-AE17-4767-9ECC-55DAD094F91E}"/>
+              </a:ext>
+            </a:extLst>
+          </p:cNvPr>
+          <p:cNvPicPr>
+            <a:picLocks noChangeAspect="1"/>
+          </p:cNvPicPr>
+          <p:nvPr/>
+        </p:nvPicPr>
+        <p:blipFill>
+          <a:blip r:embed="rId2">
+            <a:extLst>
+              <a:ext uri="{28A0092B-C50C-407E-A947-70E740481C1C}">
+                <a14:useLocalDpi xmlns:a14="http://schemas.microsoft.com/office/drawing/2010/main" val="0"/>
+              </a:ext>
+            </a:extLst>
+          </a:blip>
+          <a:stretch>
+            <a:fillRect/>
+          </a:stretch>
+        </p:blipFill>
+        <p:spPr>
+          <a:xfrm>
+            <a:off x="9307879" y="192678"/>
+            <a:ext cx="2701242" cy="536530"/>
+          </a:xfrm>
+          <a:prstGeom prst="rect">
+            <a:avLst/>
+          </a:prstGeom>
+        </p:spPr>
+      </p:pic>
+      <p:sp>
+        <p:nvSpPr>
+          <p:cNvPr id="5" name="CaixaDeTexto 4">
+            <a:extLst>
+              <a:ext uri="{FF2B5EF4-FFF2-40B4-BE49-F238E27FC236}">
+                <a16:creationId xmlns:a16="http://schemas.microsoft.com/office/drawing/2014/main" id="{9E599610-DEB8-4D32-B749-6496EA0F11B3}"/>
+              </a:ext>
+            </a:extLst>
+          </p:cNvPr>
+          <p:cNvSpPr txBox="1"/>
+          <p:nvPr/>
+        </p:nvSpPr>
+        <p:spPr>
+          <a:xfrm>
+            <a:off x="444937" y="137777"/>
+            <a:ext cx="4602744" cy="646331"/>
+          </a:xfrm>
+          <a:prstGeom prst="rect">
+            <a:avLst/>
+          </a:prstGeom>
+          <a:noFill/>
+        </p:spPr>
+        <p:txBody>
+          <a:bodyPr wrap="square" rtlCol="0">
+            <a:spAutoFit/>
+          </a:bodyPr>
+          <a:lstStyle/>
+          <a:p>
+            <a:r>
+              <a:rPr lang="pt-BR" sz="3600" b="1" dirty="0">
+                <a:solidFill>
+                  <a:srgbClr val="BA55D3"/>
+                </a:solidFill>
+                <a:effectLst>
+                  <a:outerShdw blurRad="38100" dist="38100" dir="2700000" algn="tl">
+                    <a:srgbClr val="000000">
+                      <a:alpha val="43137"/>
+                    </a:srgbClr>
+                  </a:outerShdw>
+                </a:effectLst>
+                <a:latin typeface="Exo 2" panose="00000800000000000000" pitchFamily="50" charset="0"/>
+              </a:rPr>
+              <a:t>GitHub</a:t>
+            </a:r>
+          </a:p>
+        </p:txBody>
+      </p:sp>
+      <p:pic>
+        <p:nvPicPr>
+          <p:cNvPr id="2050" name="Picture 2" descr="Logotipo do github - ícones de mídia social grátis">
+            <a:extLst>
+              <a:ext uri="{FF2B5EF4-FFF2-40B4-BE49-F238E27FC236}">
+                <a16:creationId xmlns:a16="http://schemas.microsoft.com/office/drawing/2014/main" id="{2F650908-8405-47AF-ACEE-3D924AAE13C2}"/>
               </a:ext>
             </a:extLst>
           </p:cNvPr>
@@ -4613,8 +4672,8 @@
         </p:blipFill>
         <p:spPr bwMode="auto">
           <a:xfrm>
-            <a:off x="4112826" y="1480745"/>
-            <a:ext cx="3507760" cy="3896509"/>
+            <a:off x="3931655" y="1339361"/>
+            <a:ext cx="4179277" cy="4179277"/>
           </a:xfrm>
           <a:prstGeom prst="rect">
             <a:avLst/>
@@ -4634,7 +4693,474 @@
     </p:spTree>
     <p:extLst>
       <p:ext uri="{BB962C8B-B14F-4D97-AF65-F5344CB8AC3E}">
+        <p14:creationId xmlns:p14="http://schemas.microsoft.com/office/powerpoint/2010/main" val="2687633701"/>
+      </p:ext>
+    </p:extLst>
+  </p:cSld>
+  <p:clrMapOvr>
+    <a:masterClrMapping/>
+  </p:clrMapOvr>
+</p:sld>
+</file>
+
+<file path=ppt/slides/slide12.xml><?xml version="1.0" encoding="utf-8"?>
+<p:sld xmlns:a="http://schemas.openxmlformats.org/drawingml/2006/main" xmlns:r="http://schemas.openxmlformats.org/officeDocument/2006/relationships" xmlns:p="http://schemas.openxmlformats.org/presentationml/2006/main">
+  <p:cSld>
+    <p:bg>
+      <p:bgPr>
+        <a:solidFill>
+          <a:schemeClr val="tx1">
+            <a:lumMod val="75000"/>
+            <a:lumOff val="25000"/>
+          </a:schemeClr>
+        </a:solidFill>
+        <a:effectLst/>
+      </p:bgPr>
+    </p:bg>
+    <p:spTree>
+      <p:nvGrpSpPr>
+        <p:cNvPr id="1" name=""/>
+        <p:cNvGrpSpPr/>
+        <p:nvPr/>
+      </p:nvGrpSpPr>
+      <p:grpSpPr>
+        <a:xfrm>
+          <a:off x="0" y="0"/>
+          <a:ext cx="0" cy="0"/>
+          <a:chOff x="0" y="0"/>
+          <a:chExt cx="0" cy="0"/>
+        </a:xfrm>
+      </p:grpSpPr>
+      <p:pic>
+        <p:nvPicPr>
+          <p:cNvPr id="4" name="Imagem 3" descr="Uma imagem contendo Interface gráfica do usuário&#10;&#10;Descrição gerada automaticamente">
+            <a:extLst>
+              <a:ext uri="{FF2B5EF4-FFF2-40B4-BE49-F238E27FC236}">
+                <a16:creationId xmlns:a16="http://schemas.microsoft.com/office/drawing/2014/main" id="{FBA0E6D1-AE17-4767-9ECC-55DAD094F91E}"/>
+              </a:ext>
+            </a:extLst>
+          </p:cNvPr>
+          <p:cNvPicPr>
+            <a:picLocks noChangeAspect="1"/>
+          </p:cNvPicPr>
+          <p:nvPr/>
+        </p:nvPicPr>
+        <p:blipFill>
+          <a:blip r:embed="rId2">
+            <a:extLst>
+              <a:ext uri="{28A0092B-C50C-407E-A947-70E740481C1C}">
+                <a14:useLocalDpi xmlns:a14="http://schemas.microsoft.com/office/drawing/2010/main" val="0"/>
+              </a:ext>
+            </a:extLst>
+          </a:blip>
+          <a:stretch>
+            <a:fillRect/>
+          </a:stretch>
+        </p:blipFill>
+        <p:spPr>
+          <a:xfrm>
+            <a:off x="9307879" y="192678"/>
+            <a:ext cx="2701242" cy="536530"/>
+          </a:xfrm>
+          <a:prstGeom prst="rect">
+            <a:avLst/>
+          </a:prstGeom>
+        </p:spPr>
+      </p:pic>
+      <p:sp>
+        <p:nvSpPr>
+          <p:cNvPr id="5" name="CaixaDeTexto 4">
+            <a:extLst>
+              <a:ext uri="{FF2B5EF4-FFF2-40B4-BE49-F238E27FC236}">
+                <a16:creationId xmlns:a16="http://schemas.microsoft.com/office/drawing/2014/main" id="{9E599610-DEB8-4D32-B749-6496EA0F11B3}"/>
+              </a:ext>
+            </a:extLst>
+          </p:cNvPr>
+          <p:cNvSpPr txBox="1"/>
+          <p:nvPr/>
+        </p:nvSpPr>
+        <p:spPr>
+          <a:xfrm>
+            <a:off x="444937" y="137777"/>
+            <a:ext cx="4602744" cy="646331"/>
+          </a:xfrm>
+          <a:prstGeom prst="rect">
+            <a:avLst/>
+          </a:prstGeom>
+          <a:noFill/>
+        </p:spPr>
+        <p:txBody>
+          <a:bodyPr wrap="square" rtlCol="0">
+            <a:spAutoFit/>
+          </a:bodyPr>
+          <a:lstStyle/>
+          <a:p>
+            <a:r>
+              <a:rPr lang="pt-BR" sz="3600" b="1" dirty="0">
+                <a:solidFill>
+                  <a:srgbClr val="BA55D3"/>
+                </a:solidFill>
+                <a:effectLst>
+                  <a:outerShdw blurRad="38100" dist="38100" dir="2700000" algn="tl">
+                    <a:srgbClr val="000000">
+                      <a:alpha val="43137"/>
+                    </a:srgbClr>
+                  </a:outerShdw>
+                </a:effectLst>
+                <a:latin typeface="Exo 2" panose="00000800000000000000" pitchFamily="50" charset="0"/>
+              </a:rPr>
+              <a:t>Ambiente Azure</a:t>
+            </a:r>
+          </a:p>
+        </p:txBody>
+      </p:sp>
+      <p:pic>
+        <p:nvPicPr>
+          <p:cNvPr id="4098" name="Picture 2" descr="Preço – VMs de Gerações Anteriores | Microsoft Azure">
+            <a:extLst>
+              <a:ext uri="{FF2B5EF4-FFF2-40B4-BE49-F238E27FC236}">
+                <a16:creationId xmlns:a16="http://schemas.microsoft.com/office/drawing/2014/main" id="{EBCB9F10-130C-454B-8E00-2347AD1CCA30}"/>
+              </a:ext>
+            </a:extLst>
+          </p:cNvPr>
+          <p:cNvPicPr>
+            <a:picLocks noChangeAspect="1" noChangeArrowheads="1"/>
+          </p:cNvPicPr>
+          <p:nvPr/>
+        </p:nvPicPr>
+        <p:blipFill>
+          <a:blip r:embed="rId3">
+            <a:extLst>
+              <a:ext uri="{28A0092B-C50C-407E-A947-70E740481C1C}">
+                <a14:useLocalDpi xmlns:a14="http://schemas.microsoft.com/office/drawing/2010/main" val="0"/>
+              </a:ext>
+            </a:extLst>
+          </a:blip>
+          <a:srcRect/>
+          <a:stretch>
+            <a:fillRect/>
+          </a:stretch>
+        </p:blipFill>
+        <p:spPr bwMode="auto">
+          <a:xfrm>
+            <a:off x="3666099" y="1928812"/>
+            <a:ext cx="4859802" cy="3000375"/>
+          </a:xfrm>
+          <a:prstGeom prst="rect">
+            <a:avLst/>
+          </a:prstGeom>
+          <a:noFill/>
+          <a:extLst>
+            <a:ext uri="{909E8E84-426E-40DD-AFC4-6F175D3DCCD1}">
+              <a14:hiddenFill xmlns:a14="http://schemas.microsoft.com/office/drawing/2010/main">
+                <a:solidFill>
+                  <a:srgbClr val="FFFFFF"/>
+                </a:solidFill>
+              </a14:hiddenFill>
+            </a:ext>
+          </a:extLst>
+        </p:spPr>
+      </p:pic>
+    </p:spTree>
+    <p:extLst>
+      <p:ext uri="{BB962C8B-B14F-4D97-AF65-F5344CB8AC3E}">
+        <p14:creationId xmlns:p14="http://schemas.microsoft.com/office/powerpoint/2010/main" val="3296531762"/>
+      </p:ext>
+    </p:extLst>
+  </p:cSld>
+  <p:clrMapOvr>
+    <a:masterClrMapping/>
+  </p:clrMapOvr>
+</p:sld>
+</file>
+
+<file path=ppt/slides/slide13.xml><?xml version="1.0" encoding="utf-8"?>
+<p:sld xmlns:a="http://schemas.openxmlformats.org/drawingml/2006/main" xmlns:r="http://schemas.openxmlformats.org/officeDocument/2006/relationships" xmlns:p="http://schemas.openxmlformats.org/presentationml/2006/main">
+  <p:cSld>
+    <p:bg>
+      <p:bgPr>
+        <a:solidFill>
+          <a:schemeClr val="tx1">
+            <a:lumMod val="75000"/>
+            <a:lumOff val="25000"/>
+          </a:schemeClr>
+        </a:solidFill>
+        <a:effectLst/>
+      </p:bgPr>
+    </p:bg>
+    <p:spTree>
+      <p:nvGrpSpPr>
+        <p:cNvPr id="1" name=""/>
+        <p:cNvGrpSpPr/>
+        <p:nvPr/>
+      </p:nvGrpSpPr>
+      <p:grpSpPr>
+        <a:xfrm>
+          <a:off x="0" y="0"/>
+          <a:ext cx="0" cy="0"/>
+          <a:chOff x="0" y="0"/>
+          <a:chExt cx="0" cy="0"/>
+        </a:xfrm>
+      </p:grpSpPr>
+      <p:pic>
+        <p:nvPicPr>
+          <p:cNvPr id="4" name="Imagem 3" descr="Uma imagem contendo Interface gráfica do usuário&#10;&#10;Descrição gerada automaticamente">
+            <a:extLst>
+              <a:ext uri="{FF2B5EF4-FFF2-40B4-BE49-F238E27FC236}">
+                <a16:creationId xmlns:a16="http://schemas.microsoft.com/office/drawing/2014/main" id="{FBA0E6D1-AE17-4767-9ECC-55DAD094F91E}"/>
+              </a:ext>
+            </a:extLst>
+          </p:cNvPr>
+          <p:cNvPicPr>
+            <a:picLocks noChangeAspect="1"/>
+          </p:cNvPicPr>
+          <p:nvPr/>
+        </p:nvPicPr>
+        <p:blipFill>
+          <a:blip r:embed="rId2">
+            <a:extLst>
+              <a:ext uri="{28A0092B-C50C-407E-A947-70E740481C1C}">
+                <a14:useLocalDpi xmlns:a14="http://schemas.microsoft.com/office/drawing/2010/main" val="0"/>
+              </a:ext>
+            </a:extLst>
+          </a:blip>
+          <a:stretch>
+            <a:fillRect/>
+          </a:stretch>
+        </p:blipFill>
+        <p:spPr>
+          <a:xfrm>
+            <a:off x="9307879" y="192678"/>
+            <a:ext cx="2701242" cy="536530"/>
+          </a:xfrm>
+          <a:prstGeom prst="rect">
+            <a:avLst/>
+          </a:prstGeom>
+        </p:spPr>
+      </p:pic>
+      <p:sp>
+        <p:nvSpPr>
+          <p:cNvPr id="5" name="CaixaDeTexto 4">
+            <a:extLst>
+              <a:ext uri="{FF2B5EF4-FFF2-40B4-BE49-F238E27FC236}">
+                <a16:creationId xmlns:a16="http://schemas.microsoft.com/office/drawing/2014/main" id="{9E599610-DEB8-4D32-B749-6496EA0F11B3}"/>
+              </a:ext>
+            </a:extLst>
+          </p:cNvPr>
+          <p:cNvSpPr txBox="1"/>
+          <p:nvPr/>
+        </p:nvSpPr>
+        <p:spPr>
+          <a:xfrm>
+            <a:off x="444937" y="137777"/>
+            <a:ext cx="4602744" cy="646331"/>
+          </a:xfrm>
+          <a:prstGeom prst="rect">
+            <a:avLst/>
+          </a:prstGeom>
+          <a:noFill/>
+        </p:spPr>
+        <p:txBody>
+          <a:bodyPr wrap="square" rtlCol="0">
+            <a:spAutoFit/>
+          </a:bodyPr>
+          <a:lstStyle/>
+          <a:p>
+            <a:r>
+              <a:rPr lang="pt-BR" sz="3600" b="1" dirty="0">
+                <a:solidFill>
+                  <a:srgbClr val="BA55D3"/>
+                </a:solidFill>
+                <a:effectLst>
+                  <a:outerShdw blurRad="38100" dist="38100" dir="2700000" algn="tl">
+                    <a:srgbClr val="000000">
+                      <a:alpha val="43137"/>
+                    </a:srgbClr>
+                  </a:outerShdw>
+                </a:effectLst>
+                <a:latin typeface="Exo 2" panose="00000800000000000000" pitchFamily="50" charset="0"/>
+              </a:rPr>
+              <a:t>Planner</a:t>
+            </a:r>
+          </a:p>
+        </p:txBody>
+      </p:sp>
+      <p:pic>
+        <p:nvPicPr>
+          <p:cNvPr id="1026" name="Picture 2">
+            <a:extLst>
+              <a:ext uri="{FF2B5EF4-FFF2-40B4-BE49-F238E27FC236}">
+                <a16:creationId xmlns:a16="http://schemas.microsoft.com/office/drawing/2014/main" id="{03AFE8B5-1EDA-4A2B-AF2A-693E5557A14C}"/>
+              </a:ext>
+            </a:extLst>
+          </p:cNvPr>
+          <p:cNvPicPr>
+            <a:picLocks noChangeAspect="1" noChangeArrowheads="1"/>
+          </p:cNvPicPr>
+          <p:nvPr/>
+        </p:nvPicPr>
+        <p:blipFill>
+          <a:blip r:embed="rId3">
+            <a:extLst>
+              <a:ext uri="{28A0092B-C50C-407E-A947-70E740481C1C}">
+                <a14:useLocalDpi xmlns:a14="http://schemas.microsoft.com/office/drawing/2010/main" val="0"/>
+              </a:ext>
+            </a:extLst>
+          </a:blip>
+          <a:srcRect/>
+          <a:stretch>
+            <a:fillRect/>
+          </a:stretch>
+        </p:blipFill>
+        <p:spPr bwMode="auto">
+          <a:xfrm>
+            <a:off x="4112826" y="1480745"/>
+            <a:ext cx="3507760" cy="3896509"/>
+          </a:xfrm>
+          <a:prstGeom prst="rect">
+            <a:avLst/>
+          </a:prstGeom>
+          <a:noFill/>
+          <a:extLst>
+            <a:ext uri="{909E8E84-426E-40DD-AFC4-6F175D3DCCD1}">
+              <a14:hiddenFill xmlns:a14="http://schemas.microsoft.com/office/drawing/2010/main">
+                <a:solidFill>
+                  <a:srgbClr val="FFFFFF"/>
+                </a:solidFill>
+              </a14:hiddenFill>
+            </a:ext>
+          </a:extLst>
+        </p:spPr>
+      </p:pic>
+    </p:spTree>
+    <p:extLst>
+      <p:ext uri="{BB962C8B-B14F-4D97-AF65-F5344CB8AC3E}">
         <p14:creationId xmlns:p14="http://schemas.microsoft.com/office/powerpoint/2010/main" val="171393675"/>
+      </p:ext>
+    </p:extLst>
+  </p:cSld>
+  <p:clrMapOvr>
+    <a:masterClrMapping/>
+  </p:clrMapOvr>
+</p:sld>
+</file>
+
+<file path=ppt/slides/slide14.xml><?xml version="1.0" encoding="utf-8"?>
+<p:sld xmlns:a="http://schemas.openxmlformats.org/drawingml/2006/main" xmlns:r="http://schemas.openxmlformats.org/officeDocument/2006/relationships" xmlns:p="http://schemas.openxmlformats.org/presentationml/2006/main">
+  <p:cSld>
+    <p:bg>
+      <p:bgPr>
+        <a:solidFill>
+          <a:schemeClr val="tx1">
+            <a:lumMod val="75000"/>
+            <a:lumOff val="25000"/>
+          </a:schemeClr>
+        </a:solidFill>
+        <a:effectLst/>
+      </p:bgPr>
+    </p:bg>
+    <p:spTree>
+      <p:nvGrpSpPr>
+        <p:cNvPr id="1" name=""/>
+        <p:cNvGrpSpPr/>
+        <p:nvPr/>
+      </p:nvGrpSpPr>
+      <p:grpSpPr>
+        <a:xfrm>
+          <a:off x="0" y="0"/>
+          <a:ext cx="0" cy="0"/>
+          <a:chOff x="0" y="0"/>
+          <a:chExt cx="0" cy="0"/>
+        </a:xfrm>
+      </p:grpSpPr>
+      <p:sp>
+        <p:nvSpPr>
+          <p:cNvPr id="5" name="CaixaDeTexto 4">
+            <a:extLst>
+              <a:ext uri="{FF2B5EF4-FFF2-40B4-BE49-F238E27FC236}">
+                <a16:creationId xmlns:a16="http://schemas.microsoft.com/office/drawing/2014/main" id="{9E599610-DEB8-4D32-B749-6496EA0F11B3}"/>
+              </a:ext>
+            </a:extLst>
+          </p:cNvPr>
+          <p:cNvSpPr txBox="1"/>
+          <p:nvPr/>
+        </p:nvSpPr>
+        <p:spPr>
+          <a:xfrm>
+            <a:off x="1619992" y="1903842"/>
+            <a:ext cx="8952012" cy="1015663"/>
+          </a:xfrm>
+          <a:prstGeom prst="rect">
+            <a:avLst/>
+          </a:prstGeom>
+          <a:noFill/>
+        </p:spPr>
+        <p:txBody>
+          <a:bodyPr wrap="square" rtlCol="0">
+            <a:spAutoFit/>
+          </a:bodyPr>
+          <a:lstStyle/>
+          <a:p>
+            <a:pPr algn="ctr"/>
+            <a:r>
+              <a:rPr lang="pt-BR" sz="6000" b="1" dirty="0">
+                <a:solidFill>
+                  <a:srgbClr val="BA55D3"/>
+                </a:solidFill>
+                <a:effectLst>
+                  <a:outerShdw blurRad="38100" dist="38100" dir="2700000" algn="tl">
+                    <a:srgbClr val="000000">
+                      <a:alpha val="43137"/>
+                    </a:srgbClr>
+                  </a:outerShdw>
+                </a:effectLst>
+                <a:latin typeface="Exo 2" panose="00000800000000000000" pitchFamily="50" charset="0"/>
+              </a:rPr>
+              <a:t>Obrigado a todos!</a:t>
+            </a:r>
+          </a:p>
+        </p:txBody>
+      </p:sp>
+      <p:pic>
+        <p:nvPicPr>
+          <p:cNvPr id="7" name="Imagem 6" descr="Uma imagem contendo Interface gráfica do usuário&#10;&#10;Descrição gerada automaticamente">
+            <a:extLst>
+              <a:ext uri="{FF2B5EF4-FFF2-40B4-BE49-F238E27FC236}">
+                <a16:creationId xmlns:a16="http://schemas.microsoft.com/office/drawing/2014/main" id="{3FCE146E-9ABD-47B6-A26A-F74AA561DC7C}"/>
+              </a:ext>
+            </a:extLst>
+          </p:cNvPr>
+          <p:cNvPicPr>
+            <a:picLocks noChangeAspect="1"/>
+          </p:cNvPicPr>
+          <p:nvPr/>
+        </p:nvPicPr>
+        <p:blipFill>
+          <a:blip r:embed="rId2">
+            <a:extLst>
+              <a:ext uri="{28A0092B-C50C-407E-A947-70E740481C1C}">
+                <a14:useLocalDpi xmlns:a14="http://schemas.microsoft.com/office/drawing/2010/main" val="0"/>
+              </a:ext>
+            </a:extLst>
+          </a:blip>
+          <a:stretch>
+            <a:fillRect/>
+          </a:stretch>
+        </p:blipFill>
+        <p:spPr>
+          <a:xfrm>
+            <a:off x="3530869" y="3429001"/>
+            <a:ext cx="5130258" cy="1018990"/>
+          </a:xfrm>
+          <a:prstGeom prst="rect">
+            <a:avLst/>
+          </a:prstGeom>
+        </p:spPr>
+      </p:pic>
+    </p:spTree>
+    <p:extLst>
+      <p:ext uri="{BB962C8B-B14F-4D97-AF65-F5344CB8AC3E}">
+        <p14:creationId xmlns:p14="http://schemas.microsoft.com/office/powerpoint/2010/main" val="1262601143"/>
       </p:ext>
     </p:extLst>
   </p:cSld>
@@ -5587,7 +6113,10 @@
     <p:bg>
       <p:bgPr>
         <a:solidFill>
-          <a:srgbClr val="3F3F3F"/>
+          <a:schemeClr val="tx1">
+            <a:lumMod val="75000"/>
+            <a:lumOff val="25000"/>
+          </a:schemeClr>
         </a:solidFill>
         <a:effectLst/>
       </p:bgPr>
@@ -5608,10 +6137,10 @@
       </p:grpSpPr>
       <p:pic>
         <p:nvPicPr>
-          <p:cNvPr id="9" name="Imagem 8" descr="Diagrama&#10;&#10;Descrição gerada automaticamente">
-            <a:extLst>
-              <a:ext uri="{FF2B5EF4-FFF2-40B4-BE49-F238E27FC236}">
-                <a16:creationId xmlns:a16="http://schemas.microsoft.com/office/drawing/2014/main" id="{5FA2492A-C551-4E80-9EBE-448474B053F8}"/>
+          <p:cNvPr id="4" name="Imagem 3" descr="Uma imagem contendo Interface gráfica do usuário&#10;&#10;Descrição gerada automaticamente">
+            <a:extLst>
+              <a:ext uri="{FF2B5EF4-FFF2-40B4-BE49-F238E27FC236}">
+                <a16:creationId xmlns:a16="http://schemas.microsoft.com/office/drawing/2014/main" id="{FBA0E6D1-AE17-4767-9ECC-55DAD094F91E}"/>
               </a:ext>
             </a:extLst>
           </p:cNvPr>
@@ -5621,7 +6150,7 @@
           <p:nvPr/>
         </p:nvPicPr>
         <p:blipFill>
-          <a:blip r:embed="rId3">
+          <a:blip r:embed="rId2">
             <a:extLst>
               <a:ext uri="{28A0092B-C50C-407E-A947-70E740481C1C}">
                 <a14:useLocalDpi xmlns:a14="http://schemas.microsoft.com/office/drawing/2010/main" val="0"/>
@@ -5634,56 +6163,20 @@
         </p:blipFill>
         <p:spPr>
           <a:xfrm>
-            <a:off x="182879" y="868434"/>
-            <a:ext cx="9749086" cy="5855471"/>
+            <a:off x="9307879" y="192678"/>
+            <a:ext cx="2701242" cy="536530"/>
           </a:xfrm>
           <a:prstGeom prst="rect">
             <a:avLst/>
           </a:prstGeom>
         </p:spPr>
       </p:pic>
-      <p:pic>
-        <p:nvPicPr>
-          <p:cNvPr id="10" name="Imagem 9" descr="Uma imagem contendo Interface gráfica do usuário&#10;&#10;Descrição gerada automaticamente">
-            <a:extLst>
-              <a:ext uri="{FF2B5EF4-FFF2-40B4-BE49-F238E27FC236}">
-                <a16:creationId xmlns:a16="http://schemas.microsoft.com/office/drawing/2014/main" id="{FCF6BF77-1198-4189-88ED-225A18DE17BF}"/>
-              </a:ext>
-            </a:extLst>
-          </p:cNvPr>
-          <p:cNvPicPr>
-            <a:picLocks noChangeAspect="1"/>
-          </p:cNvPicPr>
-          <p:nvPr/>
-        </p:nvPicPr>
-        <p:blipFill>
-          <a:blip r:embed="rId4">
-            <a:extLst>
-              <a:ext uri="{28A0092B-C50C-407E-A947-70E740481C1C}">
-                <a14:useLocalDpi xmlns:a14="http://schemas.microsoft.com/office/drawing/2010/main" val="0"/>
-              </a:ext>
-            </a:extLst>
-          </a:blip>
-          <a:stretch>
-            <a:fillRect/>
-          </a:stretch>
-        </p:blipFill>
-        <p:spPr>
-          <a:xfrm>
-            <a:off x="9307879" y="192678"/>
-            <a:ext cx="2701242" cy="536530"/>
-          </a:xfrm>
-          <a:prstGeom prst="rect">
-            <a:avLst/>
-          </a:prstGeom>
-        </p:spPr>
-      </p:pic>
-      <p:sp>
-        <p:nvSpPr>
-          <p:cNvPr id="11" name="CaixaDeTexto 10">
-            <a:extLst>
-              <a:ext uri="{FF2B5EF4-FFF2-40B4-BE49-F238E27FC236}">
-                <a16:creationId xmlns:a16="http://schemas.microsoft.com/office/drawing/2014/main" id="{AFC0960E-DF17-4C8F-84CD-0122AEFC8E7A}"/>
+      <p:sp>
+        <p:nvSpPr>
+          <p:cNvPr id="5" name="CaixaDeTexto 4">
+            <a:extLst>
+              <a:ext uri="{FF2B5EF4-FFF2-40B4-BE49-F238E27FC236}">
+                <a16:creationId xmlns:a16="http://schemas.microsoft.com/office/drawing/2014/main" id="{9E599610-DEB8-4D32-B749-6496EA0F11B3}"/>
               </a:ext>
             </a:extLst>
           </p:cNvPr>
@@ -5692,8 +6185,8 @@
         </p:nvSpPr>
         <p:spPr>
           <a:xfrm>
-            <a:off x="182879" y="134095"/>
-            <a:ext cx="4602744" cy="646331"/>
+            <a:off x="444937" y="137777"/>
+            <a:ext cx="5013328" cy="646331"/>
           </a:xfrm>
           <a:prstGeom prst="rect">
             <a:avLst/>
@@ -5720,7 +6213,258 @@
                 </a:effectLst>
                 <a:latin typeface="Exo 2" panose="00000800000000000000" pitchFamily="50" charset="0"/>
               </a:rPr>
-              <a:t>Modelo de Dados</a:t>
+              <a:t>Principais Problemas</a:t>
+            </a:r>
+          </a:p>
+        </p:txBody>
+      </p:sp>
+      <p:sp>
+        <p:nvSpPr>
+          <p:cNvPr id="6" name="CaixaDeTexto 5">
+            <a:extLst>
+              <a:ext uri="{FF2B5EF4-FFF2-40B4-BE49-F238E27FC236}">
+                <a16:creationId xmlns:a16="http://schemas.microsoft.com/office/drawing/2014/main" id="{39CC75DA-AC10-499A-A857-C2FAAD7B0DE9}"/>
+              </a:ext>
+            </a:extLst>
+          </p:cNvPr>
+          <p:cNvSpPr txBox="1"/>
+          <p:nvPr/>
+        </p:nvSpPr>
+        <p:spPr>
+          <a:xfrm>
+            <a:off x="604910" y="1366065"/>
+            <a:ext cx="8440615" cy="1077218"/>
+          </a:xfrm>
+          <a:prstGeom prst="rect">
+            <a:avLst/>
+          </a:prstGeom>
+          <a:noFill/>
+        </p:spPr>
+        <p:txBody>
+          <a:bodyPr wrap="square" rtlCol="0">
+            <a:spAutoFit/>
+          </a:bodyPr>
+          <a:lstStyle/>
+          <a:p>
+            <a:r>
+              <a:rPr lang="pt-BR" sz="3200" b="1" dirty="0">
+                <a:solidFill>
+                  <a:schemeClr val="bg1"/>
+                </a:solidFill>
+                <a:effectLst>
+                  <a:outerShdw blurRad="38100" dist="38100" dir="2700000" algn="tl">
+                    <a:srgbClr val="000000">
+                      <a:alpha val="43137"/>
+                    </a:srgbClr>
+                  </a:outerShdw>
+                </a:effectLst>
+                <a:latin typeface="Exo 2" panose="00000800000000000000" pitchFamily="50" charset="0"/>
+              </a:rPr>
+              <a:t>Quais problemas são os problemas mais frequentes nos caixas eletrônicos?</a:t>
+            </a:r>
+          </a:p>
+        </p:txBody>
+      </p:sp>
+      <p:sp>
+        <p:nvSpPr>
+          <p:cNvPr id="8" name="CaixaDeTexto 7">
+            <a:extLst>
+              <a:ext uri="{FF2B5EF4-FFF2-40B4-BE49-F238E27FC236}">
+                <a16:creationId xmlns:a16="http://schemas.microsoft.com/office/drawing/2014/main" id="{4B20C80C-1A95-4269-9C91-3B08AF5688AD}"/>
+              </a:ext>
+            </a:extLst>
+          </p:cNvPr>
+          <p:cNvSpPr txBox="1"/>
+          <p:nvPr/>
+        </p:nvSpPr>
+        <p:spPr>
+          <a:xfrm>
+            <a:off x="604909" y="2728286"/>
+            <a:ext cx="8440615" cy="523220"/>
+          </a:xfrm>
+          <a:prstGeom prst="rect">
+            <a:avLst/>
+          </a:prstGeom>
+          <a:noFill/>
+        </p:spPr>
+        <p:txBody>
+          <a:bodyPr wrap="square" rtlCol="0">
+            <a:spAutoFit/>
+          </a:bodyPr>
+          <a:lstStyle/>
+          <a:p>
+            <a:pPr marL="457200" indent="-457200">
+              <a:buFont typeface="Arial" panose="020B0604020202020204" pitchFamily="34" charset="0"/>
+              <a:buChar char="•"/>
+            </a:pPr>
+            <a:r>
+              <a:rPr lang="pt-BR" sz="2800" b="1" dirty="0">
+                <a:solidFill>
+                  <a:schemeClr val="bg1"/>
+                </a:solidFill>
+                <a:effectLst>
+                  <a:outerShdw blurRad="38100" dist="38100" dir="2700000" algn="tl">
+                    <a:srgbClr val="000000">
+                      <a:alpha val="43137"/>
+                    </a:srgbClr>
+                  </a:outerShdw>
+                </a:effectLst>
+                <a:latin typeface="Exo 2" panose="00000800000000000000" pitchFamily="50" charset="0"/>
+              </a:rPr>
+              <a:t>Ineficiência</a:t>
+            </a:r>
+          </a:p>
+        </p:txBody>
+      </p:sp>
+      <p:sp>
+        <p:nvSpPr>
+          <p:cNvPr id="9" name="CaixaDeTexto 8">
+            <a:extLst>
+              <a:ext uri="{FF2B5EF4-FFF2-40B4-BE49-F238E27FC236}">
+                <a16:creationId xmlns:a16="http://schemas.microsoft.com/office/drawing/2014/main" id="{525C9B30-B8D6-4909-B2F9-54B1552991D2}"/>
+              </a:ext>
+            </a:extLst>
+          </p:cNvPr>
+          <p:cNvSpPr txBox="1"/>
+          <p:nvPr/>
+        </p:nvSpPr>
+        <p:spPr>
+          <a:xfrm>
+            <a:off x="604908" y="3429000"/>
+            <a:ext cx="8440615" cy="523220"/>
+          </a:xfrm>
+          <a:prstGeom prst="rect">
+            <a:avLst/>
+          </a:prstGeom>
+          <a:noFill/>
+        </p:spPr>
+        <p:txBody>
+          <a:bodyPr wrap="square" rtlCol="0">
+            <a:spAutoFit/>
+          </a:bodyPr>
+          <a:lstStyle/>
+          <a:p>
+            <a:pPr marL="457200" indent="-457200">
+              <a:buFont typeface="Arial" panose="020B0604020202020204" pitchFamily="34" charset="0"/>
+              <a:buChar char="•"/>
+            </a:pPr>
+            <a:r>
+              <a:rPr lang="pt-BR" sz="2800" b="1" dirty="0">
+                <a:solidFill>
+                  <a:schemeClr val="bg1"/>
+                </a:solidFill>
+                <a:effectLst>
+                  <a:outerShdw blurRad="38100" dist="38100" dir="2700000" algn="tl">
+                    <a:srgbClr val="000000">
+                      <a:alpha val="43137"/>
+                    </a:srgbClr>
+                  </a:outerShdw>
+                </a:effectLst>
+                <a:latin typeface="Exo 2" panose="00000800000000000000" pitchFamily="50" charset="0"/>
+              </a:rPr>
+              <a:t>Burocracia</a:t>
+            </a:r>
+          </a:p>
+        </p:txBody>
+      </p:sp>
+      <p:sp>
+        <p:nvSpPr>
+          <p:cNvPr id="10" name="CaixaDeTexto 9">
+            <a:extLst>
+              <a:ext uri="{FF2B5EF4-FFF2-40B4-BE49-F238E27FC236}">
+                <a16:creationId xmlns:a16="http://schemas.microsoft.com/office/drawing/2014/main" id="{224D6111-78BB-4F55-9D5F-B40D13D9CAA2}"/>
+              </a:ext>
+            </a:extLst>
+          </p:cNvPr>
+          <p:cNvSpPr txBox="1"/>
+          <p:nvPr/>
+        </p:nvSpPr>
+        <p:spPr>
+          <a:xfrm>
+            <a:off x="604908" y="4125851"/>
+            <a:ext cx="8440615" cy="523220"/>
+          </a:xfrm>
+          <a:prstGeom prst="rect">
+            <a:avLst/>
+          </a:prstGeom>
+          <a:noFill/>
+        </p:spPr>
+        <p:txBody>
+          <a:bodyPr wrap="square" rtlCol="0">
+            <a:spAutoFit/>
+          </a:bodyPr>
+          <a:lstStyle/>
+          <a:p>
+            <a:pPr marL="457200" indent="-457200">
+              <a:buFont typeface="Arial" panose="020B0604020202020204" pitchFamily="34" charset="0"/>
+              <a:buChar char="•"/>
+            </a:pPr>
+            <a:r>
+              <a:rPr lang="pt-BR" sz="2800" b="1" dirty="0">
+                <a:solidFill>
+                  <a:schemeClr val="bg1"/>
+                </a:solidFill>
+                <a:effectLst>
+                  <a:outerShdw blurRad="38100" dist="38100" dir="2700000" algn="tl">
+                    <a:srgbClr val="000000">
+                      <a:alpha val="43137"/>
+                    </a:srgbClr>
+                  </a:outerShdw>
+                </a:effectLst>
+                <a:latin typeface="Exo 2" panose="00000800000000000000" pitchFamily="50" charset="0"/>
+              </a:rPr>
+              <a:t>Alta demanda de pessoal</a:t>
+            </a:r>
+          </a:p>
+        </p:txBody>
+      </p:sp>
+      <p:sp>
+        <p:nvSpPr>
+          <p:cNvPr id="11" name="CaixaDeTexto 10">
+            <a:extLst>
+              <a:ext uri="{FF2B5EF4-FFF2-40B4-BE49-F238E27FC236}">
+                <a16:creationId xmlns:a16="http://schemas.microsoft.com/office/drawing/2014/main" id="{AFD17CE6-EFDA-4A5A-834E-F6D505ED7C76}"/>
+              </a:ext>
+            </a:extLst>
+          </p:cNvPr>
+          <p:cNvSpPr txBox="1"/>
+          <p:nvPr/>
+        </p:nvSpPr>
+        <p:spPr>
+          <a:xfrm>
+            <a:off x="604908" y="4826565"/>
+            <a:ext cx="8440615" cy="523220"/>
+          </a:xfrm>
+          <a:prstGeom prst="rect">
+            <a:avLst/>
+          </a:prstGeom>
+          <a:noFill/>
+        </p:spPr>
+        <p:txBody>
+          <a:bodyPr wrap="square" rtlCol="0">
+            <a:spAutoFit/>
+          </a:bodyPr>
+          <a:lstStyle/>
+          <a:p>
+            <a:pPr marL="457200" indent="-457200">
+              <a:buFont typeface="Arial" panose="020B0604020202020204" pitchFamily="34" charset="0"/>
+              <a:buChar char="•"/>
+            </a:pPr>
+            <a:r>
+              <a:rPr lang="pt-BR" sz="2800" b="1" dirty="0">
+                <a:solidFill>
+                  <a:schemeClr val="bg1"/>
+                </a:solidFill>
+                <a:effectLst>
+                  <a:outerShdw blurRad="38100" dist="38100" dir="2700000" algn="tl">
+                    <a:srgbClr val="000000">
+                      <a:alpha val="43137"/>
+                    </a:srgbClr>
+                  </a:outerShdw>
+                </a:effectLst>
+                <a:latin typeface="Exo 2" panose="00000800000000000000" pitchFamily="50" charset="0"/>
+              </a:rPr>
+              <a:t>Negligência</a:t>
             </a:r>
           </a:p>
         </p:txBody>
@@ -5728,13 +6472,261 @@
     </p:spTree>
     <p:extLst>
       <p:ext uri="{BB962C8B-B14F-4D97-AF65-F5344CB8AC3E}">
-        <p14:creationId xmlns:p14="http://schemas.microsoft.com/office/powerpoint/2010/main" val="465163735"/>
+        <p14:creationId xmlns:p14="http://schemas.microsoft.com/office/powerpoint/2010/main" val="2980909151"/>
       </p:ext>
     </p:extLst>
   </p:cSld>
   <p:clrMapOvr>
     <a:masterClrMapping/>
   </p:clrMapOvr>
+  <p:timing>
+    <p:tnLst>
+      <p:par>
+        <p:cTn id="1" dur="indefinite" restart="never" nodeType="tmRoot">
+          <p:childTnLst>
+            <p:seq concurrent="1" nextAc="seek">
+              <p:cTn id="2" dur="indefinite" nodeType="mainSeq">
+                <p:childTnLst>
+                  <p:par>
+                    <p:cTn id="3" fill="hold">
+                      <p:stCondLst>
+                        <p:cond delay="indefinite"/>
+                      </p:stCondLst>
+                      <p:childTnLst>
+                        <p:par>
+                          <p:cTn id="4" fill="hold">
+                            <p:stCondLst>
+                              <p:cond delay="0"/>
+                            </p:stCondLst>
+                            <p:childTnLst>
+                              <p:par>
+                                <p:cTn id="5" presetID="10" presetClass="entr" presetSubtype="0" fill="hold" grpId="0" nodeType="clickEffect">
+                                  <p:stCondLst>
+                                    <p:cond delay="0"/>
+                                  </p:stCondLst>
+                                  <p:childTnLst>
+                                    <p:set>
+                                      <p:cBhvr>
+                                        <p:cTn id="6" dur="1" fill="hold">
+                                          <p:stCondLst>
+                                            <p:cond delay="0"/>
+                                          </p:stCondLst>
+                                        </p:cTn>
+                                        <p:tgtEl>
+                                          <p:spTgt spid="8"/>
+                                        </p:tgtEl>
+                                        <p:attrNameLst>
+                                          <p:attrName>style.visibility</p:attrName>
+                                        </p:attrNameLst>
+                                      </p:cBhvr>
+                                      <p:to>
+                                        <p:strVal val="visible"/>
+                                      </p:to>
+                                    </p:set>
+                                    <p:animEffect transition="in" filter="fade">
+                                      <p:cBhvr>
+                                        <p:cTn id="7" dur="500"/>
+                                        <p:tgtEl>
+                                          <p:spTgt spid="8"/>
+                                        </p:tgtEl>
+                                      </p:cBhvr>
+                                    </p:animEffect>
+                                  </p:childTnLst>
+                                </p:cTn>
+                              </p:par>
+                            </p:childTnLst>
+                          </p:cTn>
+                        </p:par>
+                      </p:childTnLst>
+                    </p:cTn>
+                  </p:par>
+                  <p:par>
+                    <p:cTn id="8" fill="hold">
+                      <p:stCondLst>
+                        <p:cond delay="indefinite"/>
+                      </p:stCondLst>
+                      <p:childTnLst>
+                        <p:par>
+                          <p:cTn id="9" fill="hold">
+                            <p:stCondLst>
+                              <p:cond delay="0"/>
+                            </p:stCondLst>
+                            <p:childTnLst>
+                              <p:par>
+                                <p:cTn id="10" presetID="10" presetClass="entr" presetSubtype="0" fill="hold" grpId="0" nodeType="clickEffect">
+                                  <p:stCondLst>
+                                    <p:cond delay="0"/>
+                                  </p:stCondLst>
+                                  <p:childTnLst>
+                                    <p:set>
+                                      <p:cBhvr>
+                                        <p:cTn id="11" dur="1" fill="hold">
+                                          <p:stCondLst>
+                                            <p:cond delay="0"/>
+                                          </p:stCondLst>
+                                        </p:cTn>
+                                        <p:tgtEl>
+                                          <p:spTgt spid="9"/>
+                                        </p:tgtEl>
+                                        <p:attrNameLst>
+                                          <p:attrName>style.visibility</p:attrName>
+                                        </p:attrNameLst>
+                                      </p:cBhvr>
+                                      <p:to>
+                                        <p:strVal val="visible"/>
+                                      </p:to>
+                                    </p:set>
+                                    <p:animEffect transition="in" filter="fade">
+                                      <p:cBhvr>
+                                        <p:cTn id="12" dur="800"/>
+                                        <p:tgtEl>
+                                          <p:spTgt spid="9"/>
+                                        </p:tgtEl>
+                                      </p:cBhvr>
+                                    </p:animEffect>
+                                  </p:childTnLst>
+                                </p:cTn>
+                              </p:par>
+                            </p:childTnLst>
+                          </p:cTn>
+                        </p:par>
+                      </p:childTnLst>
+                    </p:cTn>
+                  </p:par>
+                  <p:par>
+                    <p:cTn id="13" fill="hold">
+                      <p:stCondLst>
+                        <p:cond delay="indefinite"/>
+                      </p:stCondLst>
+                      <p:childTnLst>
+                        <p:par>
+                          <p:cTn id="14" fill="hold">
+                            <p:stCondLst>
+                              <p:cond delay="0"/>
+                            </p:stCondLst>
+                            <p:childTnLst>
+                              <p:par>
+                                <p:cTn id="15" presetID="10" presetClass="entr" presetSubtype="0" fill="hold" grpId="0" nodeType="clickEffect">
+                                  <p:stCondLst>
+                                    <p:cond delay="0"/>
+                                  </p:stCondLst>
+                                  <p:childTnLst>
+                                    <p:set>
+                                      <p:cBhvr>
+                                        <p:cTn id="16" dur="1" fill="hold">
+                                          <p:stCondLst>
+                                            <p:cond delay="0"/>
+                                          </p:stCondLst>
+                                        </p:cTn>
+                                        <p:tgtEl>
+                                          <p:spTgt spid="10"/>
+                                        </p:tgtEl>
+                                        <p:attrNameLst>
+                                          <p:attrName>style.visibility</p:attrName>
+                                        </p:attrNameLst>
+                                      </p:cBhvr>
+                                      <p:to>
+                                        <p:strVal val="visible"/>
+                                      </p:to>
+                                    </p:set>
+                                    <p:animEffect transition="in" filter="fade">
+                                      <p:cBhvr>
+                                        <p:cTn id="17" dur="800"/>
+                                        <p:tgtEl>
+                                          <p:spTgt spid="10"/>
+                                        </p:tgtEl>
+                                      </p:cBhvr>
+                                    </p:animEffect>
+                                  </p:childTnLst>
+                                </p:cTn>
+                              </p:par>
+                            </p:childTnLst>
+                          </p:cTn>
+                        </p:par>
+                      </p:childTnLst>
+                    </p:cTn>
+                  </p:par>
+                  <p:par>
+                    <p:cTn id="18" fill="hold">
+                      <p:stCondLst>
+                        <p:cond delay="indefinite"/>
+                      </p:stCondLst>
+                      <p:childTnLst>
+                        <p:par>
+                          <p:cTn id="19" fill="hold">
+                            <p:stCondLst>
+                              <p:cond delay="0"/>
+                            </p:stCondLst>
+                            <p:childTnLst>
+                              <p:par>
+                                <p:cTn id="20" presetID="10" presetClass="entr" presetSubtype="0" fill="hold" grpId="0" nodeType="clickEffect">
+                                  <p:stCondLst>
+                                    <p:cond delay="0"/>
+                                  </p:stCondLst>
+                                  <p:childTnLst>
+                                    <p:set>
+                                      <p:cBhvr>
+                                        <p:cTn id="21" dur="1" fill="hold">
+                                          <p:stCondLst>
+                                            <p:cond delay="0"/>
+                                          </p:stCondLst>
+                                        </p:cTn>
+                                        <p:tgtEl>
+                                          <p:spTgt spid="11"/>
+                                        </p:tgtEl>
+                                        <p:attrNameLst>
+                                          <p:attrName>style.visibility</p:attrName>
+                                        </p:attrNameLst>
+                                      </p:cBhvr>
+                                      <p:to>
+                                        <p:strVal val="visible"/>
+                                      </p:to>
+                                    </p:set>
+                                    <p:animEffect transition="in" filter="fade">
+                                      <p:cBhvr>
+                                        <p:cTn id="22" dur="800"/>
+                                        <p:tgtEl>
+                                          <p:spTgt spid="11"/>
+                                        </p:tgtEl>
+                                      </p:cBhvr>
+                                    </p:animEffect>
+                                  </p:childTnLst>
+                                </p:cTn>
+                              </p:par>
+                            </p:childTnLst>
+                          </p:cTn>
+                        </p:par>
+                      </p:childTnLst>
+                    </p:cTn>
+                  </p:par>
+                </p:childTnLst>
+              </p:cTn>
+              <p:prevCondLst>
+                <p:cond evt="onPrev" delay="0">
+                  <p:tgtEl>
+                    <p:sldTgt/>
+                  </p:tgtEl>
+                </p:cond>
+              </p:prevCondLst>
+              <p:nextCondLst>
+                <p:cond evt="onNext" delay="0">
+                  <p:tgtEl>
+                    <p:sldTgt/>
+                  </p:tgtEl>
+                </p:cond>
+              </p:nextCondLst>
+            </p:seq>
+          </p:childTnLst>
+        </p:cTn>
+      </p:par>
+    </p:tnLst>
+    <p:bldLst>
+      <p:bldP spid="8" grpId="0"/>
+      <p:bldP spid="9" grpId="0"/>
+      <p:bldP spid="10" grpId="0"/>
+      <p:bldP spid="11" grpId="0"/>
+    </p:bldLst>
+  </p:timing>
 </p:sld>
 </file>
 
@@ -5744,7 +6736,10 @@
     <p:bg>
       <p:bgPr>
         <a:solidFill>
-          <a:srgbClr val="3F3F3F"/>
+          <a:schemeClr val="tx1">
+            <a:lumMod val="75000"/>
+            <a:lumOff val="25000"/>
+          </a:schemeClr>
         </a:solidFill>
         <a:effectLst/>
       </p:bgPr>
@@ -5763,35 +6758,30 @@
           <a:chExt cx="0" cy="0"/>
         </a:xfrm>
       </p:grpSpPr>
-      <p:pic>
-        <p:nvPicPr>
-          <p:cNvPr id="13" name="Imagem 12">
-            <a:extLst>
-              <a:ext uri="{FF2B5EF4-FFF2-40B4-BE49-F238E27FC236}">
-                <a16:creationId xmlns:a16="http://schemas.microsoft.com/office/drawing/2014/main" id="{ABE6EBE3-B31F-4CCB-ACE9-5C410EEABF5D}"/>
-              </a:ext>
-            </a:extLst>
-          </p:cNvPr>
-          <p:cNvPicPr>
-            <a:picLocks noChangeAspect="1"/>
-          </p:cNvPicPr>
+      <p:sp>
+        <p:nvSpPr>
+          <p:cNvPr id="4" name="Retângulo: Cantos Arredondados 3">
+            <a:extLst>
+              <a:ext uri="{FF2B5EF4-FFF2-40B4-BE49-F238E27FC236}">
+                <a16:creationId xmlns:a16="http://schemas.microsoft.com/office/drawing/2014/main" id="{7D7E4C30-1998-4083-9A53-5366D1FF9E60}"/>
+              </a:ext>
+            </a:extLst>
+          </p:cNvPr>
+          <p:cNvSpPr/>
           <p:nvPr/>
-        </p:nvPicPr>
-        <p:blipFill>
-          <a:blip r:embed="rId3"/>
-          <a:stretch>
-            <a:fillRect/>
-          </a:stretch>
-        </p:blipFill>
-        <p:spPr>
-          <a:xfrm>
-            <a:off x="194603" y="1223889"/>
-            <a:ext cx="11802794" cy="4809137"/>
-          </a:xfrm>
-          <a:prstGeom prst="rect">
+        </p:nvSpPr>
+        <p:spPr>
+          <a:xfrm>
+            <a:off x="161778" y="1354017"/>
+            <a:ext cx="3859236" cy="1818249"/>
+          </a:xfrm>
+          <a:prstGeom prst="roundRect">
             <a:avLst/>
           </a:prstGeom>
-          <a:ln w="38100">
+          <a:solidFill>
+            <a:srgbClr val="BA55D3"/>
+          </a:solidFill>
+          <a:ln w="50800">
             <a:solidFill>
               <a:schemeClr val="tx1">
                 <a:lumMod val="85000"/>
@@ -5799,14 +6789,492 @@
               </a:schemeClr>
             </a:solidFill>
           </a:ln>
-        </p:spPr>
-      </p:pic>
+          <a:effectLst>
+            <a:softEdge rad="0"/>
+          </a:effectLst>
+        </p:spPr>
+        <p:style>
+          <a:lnRef idx="2">
+            <a:schemeClr val="dk1">
+              <a:shade val="50000"/>
+            </a:schemeClr>
+          </a:lnRef>
+          <a:fillRef idx="1">
+            <a:schemeClr val="dk1"/>
+          </a:fillRef>
+          <a:effectRef idx="0">
+            <a:schemeClr val="dk1"/>
+          </a:effectRef>
+          <a:fontRef idx="minor">
+            <a:schemeClr val="lt1"/>
+          </a:fontRef>
+        </p:style>
+        <p:txBody>
+          <a:bodyPr rtlCol="0" anchor="ctr"/>
+          <a:lstStyle/>
+          <a:p>
+            <a:pPr algn="ctr"/>
+            <a:r>
+              <a:rPr lang="pt-BR" b="1" dirty="0">
+                <a:effectLst>
+                  <a:outerShdw blurRad="38100" dist="38100" dir="2700000" algn="tl">
+                    <a:srgbClr val="000000">
+                      <a:alpha val="43137"/>
+                    </a:srgbClr>
+                  </a:outerShdw>
+                </a:effectLst>
+                <a:latin typeface="Exo 2" panose="00000800000000000000" pitchFamily="50" charset="0"/>
+              </a:rPr>
+              <a:t>Eu, enquanto cliente, quero inspecionar os caixas eletrônicos, para que eu possa ter uma melhor gestão de monitoramento.</a:t>
+            </a:r>
+          </a:p>
+          <a:p>
+            <a:pPr algn="ctr"/>
+            <a:r>
+              <a:rPr lang="pt-BR" sz="1600" b="1" dirty="0">
+                <a:effectLst>
+                  <a:outerShdw blurRad="38100" dist="38100" dir="2700000" algn="tl">
+                    <a:srgbClr val="000000">
+                      <a:alpha val="43137"/>
+                    </a:srgbClr>
+                  </a:outerShdw>
+                </a:effectLst>
+                <a:latin typeface="Exo 2" panose="00000800000000000000" pitchFamily="50" charset="0"/>
+              </a:rPr>
+              <a:t>US#01</a:t>
+            </a:r>
+          </a:p>
+        </p:txBody>
+      </p:sp>
+      <p:sp>
+        <p:nvSpPr>
+          <p:cNvPr id="5" name="Retângulo: Cantos Arredondados 4">
+            <a:extLst>
+              <a:ext uri="{FF2B5EF4-FFF2-40B4-BE49-F238E27FC236}">
+                <a16:creationId xmlns:a16="http://schemas.microsoft.com/office/drawing/2014/main" id="{EDC20FF1-9D21-4C7B-988B-7E4805DF81F0}"/>
+              </a:ext>
+            </a:extLst>
+          </p:cNvPr>
+          <p:cNvSpPr/>
+          <p:nvPr/>
+        </p:nvSpPr>
+        <p:spPr>
+          <a:xfrm>
+            <a:off x="4166382" y="1354017"/>
+            <a:ext cx="3859236" cy="1818249"/>
+          </a:xfrm>
+          <a:prstGeom prst="roundRect">
+            <a:avLst/>
+          </a:prstGeom>
+          <a:solidFill>
+            <a:srgbClr val="BA55D3"/>
+          </a:solidFill>
+          <a:ln w="50800">
+            <a:solidFill>
+              <a:schemeClr val="tx1">
+                <a:lumMod val="85000"/>
+                <a:lumOff val="15000"/>
+                <a:alpha val="99000"/>
+              </a:schemeClr>
+            </a:solidFill>
+          </a:ln>
+          <a:effectLst>
+            <a:softEdge rad="0"/>
+          </a:effectLst>
+        </p:spPr>
+        <p:style>
+          <a:lnRef idx="2">
+            <a:schemeClr val="dk1">
+              <a:shade val="50000"/>
+            </a:schemeClr>
+          </a:lnRef>
+          <a:fillRef idx="1">
+            <a:schemeClr val="dk1"/>
+          </a:fillRef>
+          <a:effectRef idx="0">
+            <a:schemeClr val="dk1"/>
+          </a:effectRef>
+          <a:fontRef idx="minor">
+            <a:schemeClr val="lt1"/>
+          </a:fontRef>
+        </p:style>
+        <p:txBody>
+          <a:bodyPr rtlCol="0" anchor="ctr"/>
+          <a:lstStyle/>
+          <a:p>
+            <a:pPr algn="ctr"/>
+            <a:r>
+              <a:rPr lang="pt-BR" b="1" dirty="0">
+                <a:latin typeface="Exo 2" panose="00000800000000000000" pitchFamily="50" charset="0"/>
+              </a:rPr>
+              <a:t>Eu, enquanto cliente, quero auto agendamento da manutenção dos caixas eletrônicos, para maior praticidade.</a:t>
+            </a:r>
+          </a:p>
+          <a:p>
+            <a:pPr algn="ctr"/>
+            <a:r>
+              <a:rPr lang="pt-BR" sz="1600" b="1" dirty="0">
+                <a:latin typeface="Exo 2" panose="00000800000000000000" pitchFamily="50" charset="0"/>
+              </a:rPr>
+              <a:t>US#02</a:t>
+            </a:r>
+          </a:p>
+        </p:txBody>
+      </p:sp>
+      <p:sp>
+        <p:nvSpPr>
+          <p:cNvPr id="6" name="Retângulo: Cantos Arredondados 5">
+            <a:extLst>
+              <a:ext uri="{FF2B5EF4-FFF2-40B4-BE49-F238E27FC236}">
+                <a16:creationId xmlns:a16="http://schemas.microsoft.com/office/drawing/2014/main" id="{4143B7D2-BDAE-4CA7-AA12-38430F576219}"/>
+              </a:ext>
+            </a:extLst>
+          </p:cNvPr>
+          <p:cNvSpPr/>
+          <p:nvPr/>
+        </p:nvSpPr>
+        <p:spPr>
+          <a:xfrm>
+            <a:off x="8170986" y="1354017"/>
+            <a:ext cx="3859236" cy="1818249"/>
+          </a:xfrm>
+          <a:prstGeom prst="roundRect">
+            <a:avLst/>
+          </a:prstGeom>
+          <a:solidFill>
+            <a:srgbClr val="BA55D3"/>
+          </a:solidFill>
+          <a:ln w="50800">
+            <a:solidFill>
+              <a:schemeClr val="tx1">
+                <a:lumMod val="85000"/>
+                <a:lumOff val="15000"/>
+              </a:schemeClr>
+            </a:solidFill>
+          </a:ln>
+          <a:effectLst>
+            <a:softEdge rad="0"/>
+          </a:effectLst>
+        </p:spPr>
+        <p:style>
+          <a:lnRef idx="2">
+            <a:schemeClr val="dk1">
+              <a:shade val="50000"/>
+            </a:schemeClr>
+          </a:lnRef>
+          <a:fillRef idx="1">
+            <a:schemeClr val="dk1"/>
+          </a:fillRef>
+          <a:effectRef idx="0">
+            <a:schemeClr val="dk1"/>
+          </a:effectRef>
+          <a:fontRef idx="minor">
+            <a:schemeClr val="lt1"/>
+          </a:fontRef>
+        </p:style>
+        <p:txBody>
+          <a:bodyPr rtlCol="0" anchor="ctr"/>
+          <a:lstStyle/>
+          <a:p>
+            <a:pPr algn="ctr"/>
+            <a:r>
+              <a:rPr lang="pt-BR" b="1" dirty="0">
+                <a:latin typeface="Exo 2" panose="00000800000000000000" pitchFamily="50" charset="0"/>
+              </a:rPr>
+              <a:t>Eu, enquanto cliente, gostaria de receber alertas de acordo a necessidades de manutenção, para evitar possíveis problemas.</a:t>
+            </a:r>
+          </a:p>
+          <a:p>
+            <a:pPr algn="ctr"/>
+            <a:r>
+              <a:rPr lang="pt-BR" sz="1600" b="1" dirty="0">
+                <a:latin typeface="Exo 2" panose="00000800000000000000" pitchFamily="50" charset="0"/>
+              </a:rPr>
+              <a:t>US#03</a:t>
+            </a:r>
+          </a:p>
+        </p:txBody>
+      </p:sp>
+      <p:sp>
+        <p:nvSpPr>
+          <p:cNvPr id="7" name="Retângulo: Cantos Arredondados 6">
+            <a:extLst>
+              <a:ext uri="{FF2B5EF4-FFF2-40B4-BE49-F238E27FC236}">
+                <a16:creationId xmlns:a16="http://schemas.microsoft.com/office/drawing/2014/main" id="{FD1CF059-88FC-4AAF-B4E9-00C367CA3706}"/>
+              </a:ext>
+            </a:extLst>
+          </p:cNvPr>
+          <p:cNvSpPr/>
+          <p:nvPr/>
+        </p:nvSpPr>
+        <p:spPr>
+          <a:xfrm>
+            <a:off x="161778" y="3429000"/>
+            <a:ext cx="3859236" cy="1818249"/>
+          </a:xfrm>
+          <a:prstGeom prst="roundRect">
+            <a:avLst/>
+          </a:prstGeom>
+          <a:solidFill>
+            <a:srgbClr val="BA55D3"/>
+          </a:solidFill>
+          <a:ln w="50800">
+            <a:solidFill>
+              <a:schemeClr val="tx1">
+                <a:lumMod val="85000"/>
+                <a:lumOff val="15000"/>
+              </a:schemeClr>
+            </a:solidFill>
+          </a:ln>
+          <a:effectLst>
+            <a:softEdge rad="0"/>
+          </a:effectLst>
+        </p:spPr>
+        <p:style>
+          <a:lnRef idx="2">
+            <a:schemeClr val="dk1">
+              <a:shade val="50000"/>
+            </a:schemeClr>
+          </a:lnRef>
+          <a:fillRef idx="1">
+            <a:schemeClr val="dk1"/>
+          </a:fillRef>
+          <a:effectRef idx="0">
+            <a:schemeClr val="dk1"/>
+          </a:effectRef>
+          <a:fontRef idx="minor">
+            <a:schemeClr val="lt1"/>
+          </a:fontRef>
+        </p:style>
+        <p:txBody>
+          <a:bodyPr rtlCol="0" anchor="ctr"/>
+          <a:lstStyle/>
+          <a:p>
+            <a:pPr algn="ctr"/>
+            <a:r>
+              <a:rPr lang="pt-BR" b="1" dirty="0">
+                <a:effectLst>
+                  <a:outerShdw blurRad="38100" dist="38100" dir="2700000" algn="tl">
+                    <a:srgbClr val="000000">
+                      <a:alpha val="43137"/>
+                    </a:srgbClr>
+                  </a:outerShdw>
+                </a:effectLst>
+                <a:latin typeface="Exo 2" panose="00000800000000000000" pitchFamily="50" charset="0"/>
+              </a:rPr>
+              <a:t>Eu, enquanto cliente, preciso saber se o caixa está ligado ou não, para que eu possar tomar um devida atitude.</a:t>
+            </a:r>
+          </a:p>
+          <a:p>
+            <a:pPr algn="ctr"/>
+            <a:r>
+              <a:rPr lang="pt-BR" sz="1600" b="1" dirty="0">
+                <a:effectLst>
+                  <a:outerShdw blurRad="38100" dist="38100" dir="2700000" algn="tl">
+                    <a:srgbClr val="000000">
+                      <a:alpha val="43137"/>
+                    </a:srgbClr>
+                  </a:outerShdw>
+                </a:effectLst>
+                <a:latin typeface="Exo 2" panose="00000800000000000000" pitchFamily="50" charset="0"/>
+              </a:rPr>
+              <a:t>US#04</a:t>
+            </a:r>
+          </a:p>
+        </p:txBody>
+      </p:sp>
+      <p:sp>
+        <p:nvSpPr>
+          <p:cNvPr id="8" name="Retângulo: Cantos Arredondados 7">
+            <a:extLst>
+              <a:ext uri="{FF2B5EF4-FFF2-40B4-BE49-F238E27FC236}">
+                <a16:creationId xmlns:a16="http://schemas.microsoft.com/office/drawing/2014/main" id="{D417ED73-46B8-443A-9872-BD8C2B3840D2}"/>
+              </a:ext>
+            </a:extLst>
+          </p:cNvPr>
+          <p:cNvSpPr/>
+          <p:nvPr/>
+        </p:nvSpPr>
+        <p:spPr>
+          <a:xfrm>
+            <a:off x="4166382" y="3429000"/>
+            <a:ext cx="3859236" cy="1818249"/>
+          </a:xfrm>
+          <a:prstGeom prst="roundRect">
+            <a:avLst/>
+          </a:prstGeom>
+          <a:solidFill>
+            <a:srgbClr val="BA55D3"/>
+          </a:solidFill>
+          <a:ln w="50800">
+            <a:solidFill>
+              <a:schemeClr val="tx1">
+                <a:lumMod val="85000"/>
+                <a:lumOff val="15000"/>
+              </a:schemeClr>
+            </a:solidFill>
+          </a:ln>
+          <a:effectLst>
+            <a:softEdge rad="0"/>
+          </a:effectLst>
+        </p:spPr>
+        <p:style>
+          <a:lnRef idx="2">
+            <a:schemeClr val="dk1">
+              <a:shade val="50000"/>
+            </a:schemeClr>
+          </a:lnRef>
+          <a:fillRef idx="1">
+            <a:schemeClr val="dk1"/>
+          </a:fillRef>
+          <a:effectRef idx="0">
+            <a:schemeClr val="dk1"/>
+          </a:effectRef>
+          <a:fontRef idx="minor">
+            <a:schemeClr val="lt1"/>
+          </a:fontRef>
+        </p:style>
+        <p:txBody>
+          <a:bodyPr rtlCol="0" anchor="ctr"/>
+          <a:lstStyle/>
+          <a:p>
+            <a:pPr algn="ctr"/>
+            <a:r>
+              <a:rPr lang="pt-BR" b="1" dirty="0">
+                <a:effectLst>
+                  <a:outerShdw blurRad="38100" dist="38100" dir="2700000" algn="tl">
+                    <a:srgbClr val="000000">
+                      <a:alpha val="43137"/>
+                    </a:srgbClr>
+                  </a:outerShdw>
+                </a:effectLst>
+                <a:latin typeface="Exo 2" panose="00000800000000000000" pitchFamily="50" charset="0"/>
+              </a:rPr>
+              <a:t>Eu, enquanto cliente,  quero um acesso a um gráfico para monitorar o pico de cada caixa, para que eu possa antever futuros problemas.</a:t>
+            </a:r>
+          </a:p>
+          <a:p>
+            <a:pPr algn="ctr"/>
+            <a:r>
+              <a:rPr lang="pt-BR" sz="1600" b="1" dirty="0">
+                <a:effectLst>
+                  <a:outerShdw blurRad="38100" dist="38100" dir="2700000" algn="tl">
+                    <a:srgbClr val="000000">
+                      <a:alpha val="43137"/>
+                    </a:srgbClr>
+                  </a:outerShdw>
+                </a:effectLst>
+                <a:latin typeface="Exo 2" panose="00000800000000000000" pitchFamily="50" charset="0"/>
+              </a:rPr>
+              <a:t>US#05</a:t>
+            </a:r>
+          </a:p>
+        </p:txBody>
+      </p:sp>
+      <p:sp>
+        <p:nvSpPr>
+          <p:cNvPr id="9" name="Retângulo: Cantos Arredondados 8">
+            <a:extLst>
+              <a:ext uri="{FF2B5EF4-FFF2-40B4-BE49-F238E27FC236}">
+                <a16:creationId xmlns:a16="http://schemas.microsoft.com/office/drawing/2014/main" id="{8F0D4594-397E-496B-9765-958FDB2DEC6B}"/>
+              </a:ext>
+            </a:extLst>
+          </p:cNvPr>
+          <p:cNvSpPr/>
+          <p:nvPr/>
+        </p:nvSpPr>
+        <p:spPr>
+          <a:xfrm>
+            <a:off x="8170986" y="3400866"/>
+            <a:ext cx="3859236" cy="1818249"/>
+          </a:xfrm>
+          <a:prstGeom prst="roundRect">
+            <a:avLst/>
+          </a:prstGeom>
+          <a:solidFill>
+            <a:srgbClr val="BA55D3"/>
+          </a:solidFill>
+          <a:ln w="50800">
+            <a:solidFill>
+              <a:schemeClr val="tx1">
+                <a:lumMod val="85000"/>
+                <a:lumOff val="15000"/>
+              </a:schemeClr>
+            </a:solidFill>
+          </a:ln>
+          <a:effectLst>
+            <a:softEdge rad="0"/>
+          </a:effectLst>
+        </p:spPr>
+        <p:style>
+          <a:lnRef idx="2">
+            <a:schemeClr val="dk1">
+              <a:shade val="50000"/>
+            </a:schemeClr>
+          </a:lnRef>
+          <a:fillRef idx="1">
+            <a:schemeClr val="dk1"/>
+          </a:fillRef>
+          <a:effectRef idx="0">
+            <a:schemeClr val="dk1"/>
+          </a:effectRef>
+          <a:fontRef idx="minor">
+            <a:schemeClr val="lt1"/>
+          </a:fontRef>
+        </p:style>
+        <p:txBody>
+          <a:bodyPr rtlCol="0" anchor="ctr"/>
+          <a:lstStyle/>
+          <a:p>
+            <a:pPr algn="ctr"/>
+            <a:r>
+              <a:rPr lang="pt-BR" b="1" dirty="0">
+                <a:effectLst>
+                  <a:outerShdw blurRad="38100" dist="38100" dir="2700000" algn="tl">
+                    <a:srgbClr val="000000">
+                      <a:alpha val="43137"/>
+                    </a:srgbClr>
+                  </a:outerShdw>
+                </a:effectLst>
+                <a:latin typeface="Exo 2" panose="00000800000000000000" pitchFamily="50" charset="0"/>
+              </a:rPr>
+              <a:t>Eu, enquanto cliente,  preciso que sejam gerado relatórios de uso de cada caixa eletrônico, para que eu possa analisar um possível problema.</a:t>
+            </a:r>
+          </a:p>
+          <a:p>
+            <a:pPr algn="ctr"/>
+            <a:r>
+              <a:rPr lang="pt-BR" sz="1600" b="1" dirty="0">
+                <a:effectLst>
+                  <a:outerShdw blurRad="38100" dist="38100" dir="2700000" algn="tl">
+                    <a:srgbClr val="000000">
+                      <a:alpha val="43137"/>
+                    </a:srgbClr>
+                  </a:outerShdw>
+                </a:effectLst>
+                <a:latin typeface="Exo 2" panose="00000800000000000000" pitchFamily="50" charset="0"/>
+              </a:rPr>
+              <a:t>US#06</a:t>
+            </a:r>
+            <a:endParaRPr lang="pt-BR" b="1" dirty="0">
+              <a:effectLst>
+                <a:outerShdw blurRad="38100" dist="38100" dir="2700000" algn="tl">
+                  <a:srgbClr val="000000">
+                    <a:alpha val="43137"/>
+                  </a:srgbClr>
+                </a:outerShdw>
+              </a:effectLst>
+              <a:latin typeface="Exo 2" panose="00000800000000000000" pitchFamily="50" charset="0"/>
+            </a:endParaRPr>
+          </a:p>
+        </p:txBody>
+      </p:sp>
       <p:pic>
         <p:nvPicPr>
-          <p:cNvPr id="14" name="Imagem 13" descr="Uma imagem contendo Interface gráfica do usuário&#10;&#10;Descrição gerada automaticamente">
-            <a:extLst>
-              <a:ext uri="{FF2B5EF4-FFF2-40B4-BE49-F238E27FC236}">
-                <a16:creationId xmlns:a16="http://schemas.microsoft.com/office/drawing/2014/main" id="{56E16E3D-4009-4D52-9CB7-83CFE907EF8B}"/>
+          <p:cNvPr id="11" name="Imagem 10" descr="Uma imagem contendo Interface gráfica do usuário&#10;&#10;Descrição gerada automaticamente">
+            <a:extLst>
+              <a:ext uri="{FF2B5EF4-FFF2-40B4-BE49-F238E27FC236}">
+                <a16:creationId xmlns:a16="http://schemas.microsoft.com/office/drawing/2014/main" id="{CA80CA6F-8A1C-48EE-A41B-FFD6D24A40B5}"/>
               </a:ext>
             </a:extLst>
           </p:cNvPr>
@@ -5816,7 +7284,7 @@
           <p:nvPr/>
         </p:nvPicPr>
         <p:blipFill>
-          <a:blip r:embed="rId4">
+          <a:blip r:embed="rId2">
             <a:extLst>
               <a:ext uri="{28A0092B-C50C-407E-A947-70E740481C1C}">
                 <a14:useLocalDpi xmlns:a14="http://schemas.microsoft.com/office/drawing/2010/main" val="0"/>
@@ -5839,10 +7307,10 @@
       </p:pic>
       <p:sp>
         <p:nvSpPr>
-          <p:cNvPr id="15" name="CaixaDeTexto 14">
-            <a:extLst>
-              <a:ext uri="{FF2B5EF4-FFF2-40B4-BE49-F238E27FC236}">
-                <a16:creationId xmlns:a16="http://schemas.microsoft.com/office/drawing/2014/main" id="{FC466D1C-3C22-496E-AAD9-3E6EBCEC4659}"/>
+          <p:cNvPr id="12" name="CaixaDeTexto 11">
+            <a:extLst>
+              <a:ext uri="{FF2B5EF4-FFF2-40B4-BE49-F238E27FC236}">
+                <a16:creationId xmlns:a16="http://schemas.microsoft.com/office/drawing/2014/main" id="{10AF27D4-1C44-44DE-A7E5-74FA172C5FD0}"/>
               </a:ext>
             </a:extLst>
           </p:cNvPr>
@@ -5851,7 +7319,7 @@
         </p:nvSpPr>
         <p:spPr>
           <a:xfrm>
-            <a:off x="182879" y="134095"/>
+            <a:off x="182879" y="256154"/>
             <a:ext cx="4602744" cy="646331"/>
           </a:xfrm>
           <a:prstGeom prst="rect">
@@ -5879,7 +7347,7 @@
                 </a:effectLst>
                 <a:latin typeface="Exo 2" panose="00000800000000000000" pitchFamily="50" charset="0"/>
               </a:rPr>
-              <a:t>Product Backlog</a:t>
+              <a:t>User Story</a:t>
             </a:r>
           </a:p>
         </p:txBody>
@@ -5887,7 +7355,7 @@
     </p:spTree>
     <p:extLst>
       <p:ext uri="{BB962C8B-B14F-4D97-AF65-F5344CB8AC3E}">
-        <p14:creationId xmlns:p14="http://schemas.microsoft.com/office/powerpoint/2010/main" val="514950369"/>
+        <p14:creationId xmlns:p14="http://schemas.microsoft.com/office/powerpoint/2010/main" val="4000988566"/>
       </p:ext>
     </p:extLst>
   </p:cSld>
@@ -6060,6 +7528,322 @@
 </file>
 
 <file path=ppt/slides/slide6.xml><?xml version="1.0" encoding="utf-8"?>
+<p:sld xmlns:a="http://schemas.openxmlformats.org/drawingml/2006/main" xmlns:r="http://schemas.openxmlformats.org/officeDocument/2006/relationships" xmlns:p="http://schemas.openxmlformats.org/presentationml/2006/main">
+  <p:cSld>
+    <p:bg>
+      <p:bgPr>
+        <a:solidFill>
+          <a:srgbClr val="3F3F3F"/>
+        </a:solidFill>
+        <a:effectLst/>
+      </p:bgPr>
+    </p:bg>
+    <p:spTree>
+      <p:nvGrpSpPr>
+        <p:cNvPr id="1" name=""/>
+        <p:cNvGrpSpPr/>
+        <p:nvPr/>
+      </p:nvGrpSpPr>
+      <p:grpSpPr>
+        <a:xfrm>
+          <a:off x="0" y="0"/>
+          <a:ext cx="0" cy="0"/>
+          <a:chOff x="0" y="0"/>
+          <a:chExt cx="0" cy="0"/>
+        </a:xfrm>
+      </p:grpSpPr>
+      <p:pic>
+        <p:nvPicPr>
+          <p:cNvPr id="13" name="Imagem 12">
+            <a:extLst>
+              <a:ext uri="{FF2B5EF4-FFF2-40B4-BE49-F238E27FC236}">
+                <a16:creationId xmlns:a16="http://schemas.microsoft.com/office/drawing/2014/main" id="{ABE6EBE3-B31F-4CCB-ACE9-5C410EEABF5D}"/>
+              </a:ext>
+            </a:extLst>
+          </p:cNvPr>
+          <p:cNvPicPr>
+            <a:picLocks noChangeAspect="1"/>
+          </p:cNvPicPr>
+          <p:nvPr/>
+        </p:nvPicPr>
+        <p:blipFill>
+          <a:blip r:embed="rId3"/>
+          <a:stretch>
+            <a:fillRect/>
+          </a:stretch>
+        </p:blipFill>
+        <p:spPr>
+          <a:xfrm>
+            <a:off x="194603" y="1223889"/>
+            <a:ext cx="11802794" cy="4809137"/>
+          </a:xfrm>
+          <a:prstGeom prst="rect">
+            <a:avLst/>
+          </a:prstGeom>
+          <a:ln w="38100">
+            <a:solidFill>
+              <a:schemeClr val="tx1">
+                <a:lumMod val="85000"/>
+                <a:lumOff val="15000"/>
+              </a:schemeClr>
+            </a:solidFill>
+          </a:ln>
+        </p:spPr>
+      </p:pic>
+      <p:pic>
+        <p:nvPicPr>
+          <p:cNvPr id="14" name="Imagem 13" descr="Uma imagem contendo Interface gráfica do usuário&#10;&#10;Descrição gerada automaticamente">
+            <a:extLst>
+              <a:ext uri="{FF2B5EF4-FFF2-40B4-BE49-F238E27FC236}">
+                <a16:creationId xmlns:a16="http://schemas.microsoft.com/office/drawing/2014/main" id="{56E16E3D-4009-4D52-9CB7-83CFE907EF8B}"/>
+              </a:ext>
+            </a:extLst>
+          </p:cNvPr>
+          <p:cNvPicPr>
+            <a:picLocks noChangeAspect="1"/>
+          </p:cNvPicPr>
+          <p:nvPr/>
+        </p:nvPicPr>
+        <p:blipFill>
+          <a:blip r:embed="rId4">
+            <a:extLst>
+              <a:ext uri="{28A0092B-C50C-407E-A947-70E740481C1C}">
+                <a14:useLocalDpi xmlns:a14="http://schemas.microsoft.com/office/drawing/2010/main" val="0"/>
+              </a:ext>
+            </a:extLst>
+          </a:blip>
+          <a:stretch>
+            <a:fillRect/>
+          </a:stretch>
+        </p:blipFill>
+        <p:spPr>
+          <a:xfrm>
+            <a:off x="9307879" y="192678"/>
+            <a:ext cx="2701242" cy="536530"/>
+          </a:xfrm>
+          <a:prstGeom prst="rect">
+            <a:avLst/>
+          </a:prstGeom>
+        </p:spPr>
+      </p:pic>
+      <p:sp>
+        <p:nvSpPr>
+          <p:cNvPr id="15" name="CaixaDeTexto 14">
+            <a:extLst>
+              <a:ext uri="{FF2B5EF4-FFF2-40B4-BE49-F238E27FC236}">
+                <a16:creationId xmlns:a16="http://schemas.microsoft.com/office/drawing/2014/main" id="{FC466D1C-3C22-496E-AAD9-3E6EBCEC4659}"/>
+              </a:ext>
+            </a:extLst>
+          </p:cNvPr>
+          <p:cNvSpPr txBox="1"/>
+          <p:nvPr/>
+        </p:nvSpPr>
+        <p:spPr>
+          <a:xfrm>
+            <a:off x="182879" y="134095"/>
+            <a:ext cx="4602744" cy="646331"/>
+          </a:xfrm>
+          <a:prstGeom prst="rect">
+            <a:avLst/>
+          </a:prstGeom>
+          <a:noFill/>
+        </p:spPr>
+        <p:txBody>
+          <a:bodyPr wrap="square" rtlCol="0">
+            <a:spAutoFit/>
+          </a:bodyPr>
+          <a:lstStyle/>
+          <a:p>
+            <a:r>
+              <a:rPr lang="pt-BR" sz="3600" b="1" dirty="0">
+                <a:solidFill>
+                  <a:srgbClr val="BA55D3"/>
+                </a:solidFill>
+                <a:effectLst>
+                  <a:outerShdw blurRad="38100" dist="38100" dir="2700000" algn="tl">
+                    <a:srgbClr val="000000">
+                      <a:alpha val="43137"/>
+                    </a:srgbClr>
+                  </a:outerShdw>
+                </a:effectLst>
+                <a:latin typeface="Exo 2" panose="00000800000000000000" pitchFamily="50" charset="0"/>
+              </a:rPr>
+              <a:t>Product Backlog</a:t>
+            </a:r>
+          </a:p>
+        </p:txBody>
+      </p:sp>
+    </p:spTree>
+    <p:extLst>
+      <p:ext uri="{BB962C8B-B14F-4D97-AF65-F5344CB8AC3E}">
+        <p14:creationId xmlns:p14="http://schemas.microsoft.com/office/powerpoint/2010/main" val="514950369"/>
+      </p:ext>
+    </p:extLst>
+  </p:cSld>
+  <p:clrMapOvr>
+    <a:masterClrMapping/>
+  </p:clrMapOvr>
+</p:sld>
+</file>
+
+<file path=ppt/slides/slide7.xml><?xml version="1.0" encoding="utf-8"?>
+<p:sld xmlns:a="http://schemas.openxmlformats.org/drawingml/2006/main" xmlns:r="http://schemas.openxmlformats.org/officeDocument/2006/relationships" xmlns:p="http://schemas.openxmlformats.org/presentationml/2006/main">
+  <p:cSld>
+    <p:bg>
+      <p:bgPr>
+        <a:solidFill>
+          <a:srgbClr val="3F3F3F"/>
+        </a:solidFill>
+        <a:effectLst/>
+      </p:bgPr>
+    </p:bg>
+    <p:spTree>
+      <p:nvGrpSpPr>
+        <p:cNvPr id="1" name=""/>
+        <p:cNvGrpSpPr/>
+        <p:nvPr/>
+      </p:nvGrpSpPr>
+      <p:grpSpPr>
+        <a:xfrm>
+          <a:off x="0" y="0"/>
+          <a:ext cx="0" cy="0"/>
+          <a:chOff x="0" y="0"/>
+          <a:chExt cx="0" cy="0"/>
+        </a:xfrm>
+      </p:grpSpPr>
+      <p:pic>
+        <p:nvPicPr>
+          <p:cNvPr id="9" name="Imagem 8" descr="Diagrama&#10;&#10;Descrição gerada automaticamente">
+            <a:extLst>
+              <a:ext uri="{FF2B5EF4-FFF2-40B4-BE49-F238E27FC236}">
+                <a16:creationId xmlns:a16="http://schemas.microsoft.com/office/drawing/2014/main" id="{5FA2492A-C551-4E80-9EBE-448474B053F8}"/>
+              </a:ext>
+            </a:extLst>
+          </p:cNvPr>
+          <p:cNvPicPr>
+            <a:picLocks noChangeAspect="1"/>
+          </p:cNvPicPr>
+          <p:nvPr/>
+        </p:nvPicPr>
+        <p:blipFill>
+          <a:blip r:embed="rId3">
+            <a:extLst>
+              <a:ext uri="{28A0092B-C50C-407E-A947-70E740481C1C}">
+                <a14:useLocalDpi xmlns:a14="http://schemas.microsoft.com/office/drawing/2010/main" val="0"/>
+              </a:ext>
+            </a:extLst>
+          </a:blip>
+          <a:stretch>
+            <a:fillRect/>
+          </a:stretch>
+        </p:blipFill>
+        <p:spPr>
+          <a:xfrm>
+            <a:off x="1221457" y="868434"/>
+            <a:ext cx="9749086" cy="5855471"/>
+          </a:xfrm>
+          <a:prstGeom prst="rect">
+            <a:avLst/>
+          </a:prstGeom>
+        </p:spPr>
+      </p:pic>
+      <p:pic>
+        <p:nvPicPr>
+          <p:cNvPr id="10" name="Imagem 9" descr="Uma imagem contendo Interface gráfica do usuário&#10;&#10;Descrição gerada automaticamente">
+            <a:extLst>
+              <a:ext uri="{FF2B5EF4-FFF2-40B4-BE49-F238E27FC236}">
+                <a16:creationId xmlns:a16="http://schemas.microsoft.com/office/drawing/2014/main" id="{FCF6BF77-1198-4189-88ED-225A18DE17BF}"/>
+              </a:ext>
+            </a:extLst>
+          </p:cNvPr>
+          <p:cNvPicPr>
+            <a:picLocks noChangeAspect="1"/>
+          </p:cNvPicPr>
+          <p:nvPr/>
+        </p:nvPicPr>
+        <p:blipFill>
+          <a:blip r:embed="rId4">
+            <a:extLst>
+              <a:ext uri="{28A0092B-C50C-407E-A947-70E740481C1C}">
+                <a14:useLocalDpi xmlns:a14="http://schemas.microsoft.com/office/drawing/2010/main" val="0"/>
+              </a:ext>
+            </a:extLst>
+          </a:blip>
+          <a:stretch>
+            <a:fillRect/>
+          </a:stretch>
+        </p:blipFill>
+        <p:spPr>
+          <a:xfrm>
+            <a:off x="9307879" y="192678"/>
+            <a:ext cx="2701242" cy="536530"/>
+          </a:xfrm>
+          <a:prstGeom prst="rect">
+            <a:avLst/>
+          </a:prstGeom>
+        </p:spPr>
+      </p:pic>
+      <p:sp>
+        <p:nvSpPr>
+          <p:cNvPr id="11" name="CaixaDeTexto 10">
+            <a:extLst>
+              <a:ext uri="{FF2B5EF4-FFF2-40B4-BE49-F238E27FC236}">
+                <a16:creationId xmlns:a16="http://schemas.microsoft.com/office/drawing/2014/main" id="{AFC0960E-DF17-4C8F-84CD-0122AEFC8E7A}"/>
+              </a:ext>
+            </a:extLst>
+          </p:cNvPr>
+          <p:cNvSpPr txBox="1"/>
+          <p:nvPr/>
+        </p:nvSpPr>
+        <p:spPr>
+          <a:xfrm>
+            <a:off x="182879" y="134095"/>
+            <a:ext cx="4602744" cy="646331"/>
+          </a:xfrm>
+          <a:prstGeom prst="rect">
+            <a:avLst/>
+          </a:prstGeom>
+          <a:noFill/>
+        </p:spPr>
+        <p:txBody>
+          <a:bodyPr wrap="square" rtlCol="0">
+            <a:spAutoFit/>
+          </a:bodyPr>
+          <a:lstStyle/>
+          <a:p>
+            <a:r>
+              <a:rPr lang="pt-BR" sz="3600" b="1" dirty="0">
+                <a:solidFill>
+                  <a:srgbClr val="BA55D3"/>
+                </a:solidFill>
+                <a:effectLst>
+                  <a:outerShdw blurRad="38100" dist="38100" dir="2700000" algn="tl">
+                    <a:srgbClr val="000000">
+                      <a:alpha val="43137"/>
+                    </a:srgbClr>
+                  </a:outerShdw>
+                </a:effectLst>
+                <a:latin typeface="Exo 2" panose="00000800000000000000" pitchFamily="50" charset="0"/>
+              </a:rPr>
+              <a:t>Modelo de Dados</a:t>
+            </a:r>
+          </a:p>
+        </p:txBody>
+      </p:sp>
+    </p:spTree>
+    <p:extLst>
+      <p:ext uri="{BB962C8B-B14F-4D97-AF65-F5344CB8AC3E}">
+        <p14:creationId xmlns:p14="http://schemas.microsoft.com/office/powerpoint/2010/main" val="465163735"/>
+      </p:ext>
+    </p:extLst>
+  </p:cSld>
+  <p:clrMapOvr>
+    <a:masterClrMapping/>
+  </p:clrMapOvr>
+</p:sld>
+</file>
+
+<file path=ppt/slides/slide8.xml><?xml version="1.0" encoding="utf-8"?>
 <p:sld xmlns:a="http://schemas.openxmlformats.org/drawingml/2006/main" xmlns:r="http://schemas.openxmlformats.org/officeDocument/2006/relationships" xmlns:p="http://schemas.openxmlformats.org/presentationml/2006/main">
   <p:cSld>
     <p:bg>
@@ -7245,254 +9029,6 @@
 </p:sld>
 </file>
 
-<file path=ppt/slides/slide7.xml><?xml version="1.0" encoding="utf-8"?>
-<p:sld xmlns:a="http://schemas.openxmlformats.org/drawingml/2006/main" xmlns:r="http://schemas.openxmlformats.org/officeDocument/2006/relationships" xmlns:p="http://schemas.openxmlformats.org/presentationml/2006/main">
-  <p:cSld>
-    <p:bg>
-      <p:bgPr>
-        <a:solidFill>
-          <a:schemeClr val="tx1">
-            <a:lumMod val="75000"/>
-            <a:lumOff val="25000"/>
-          </a:schemeClr>
-        </a:solidFill>
-        <a:effectLst/>
-      </p:bgPr>
-    </p:bg>
-    <p:spTree>
-      <p:nvGrpSpPr>
-        <p:cNvPr id="1" name=""/>
-        <p:cNvGrpSpPr/>
-        <p:nvPr/>
-      </p:nvGrpSpPr>
-      <p:grpSpPr>
-        <a:xfrm>
-          <a:off x="0" y="0"/>
-          <a:ext cx="0" cy="0"/>
-          <a:chOff x="0" y="0"/>
-          <a:chExt cx="0" cy="0"/>
-        </a:xfrm>
-      </p:grpSpPr>
-      <p:pic>
-        <p:nvPicPr>
-          <p:cNvPr id="4" name="Imagem 3" descr="Uma imagem contendo Interface gráfica do usuário&#10;&#10;Descrição gerada automaticamente">
-            <a:extLst>
-              <a:ext uri="{FF2B5EF4-FFF2-40B4-BE49-F238E27FC236}">
-                <a16:creationId xmlns:a16="http://schemas.microsoft.com/office/drawing/2014/main" id="{FBA0E6D1-AE17-4767-9ECC-55DAD094F91E}"/>
-              </a:ext>
-            </a:extLst>
-          </p:cNvPr>
-          <p:cNvPicPr>
-            <a:picLocks noChangeAspect="1"/>
-          </p:cNvPicPr>
-          <p:nvPr/>
-        </p:nvPicPr>
-        <p:blipFill>
-          <a:blip r:embed="rId2">
-            <a:extLst>
-              <a:ext uri="{28A0092B-C50C-407E-A947-70E740481C1C}">
-                <a14:useLocalDpi xmlns:a14="http://schemas.microsoft.com/office/drawing/2010/main" val="0"/>
-              </a:ext>
-            </a:extLst>
-          </a:blip>
-          <a:stretch>
-            <a:fillRect/>
-          </a:stretch>
-        </p:blipFill>
-        <p:spPr>
-          <a:xfrm>
-            <a:off x="9307879" y="192678"/>
-            <a:ext cx="2701242" cy="536530"/>
-          </a:xfrm>
-          <a:prstGeom prst="rect">
-            <a:avLst/>
-          </a:prstGeom>
-        </p:spPr>
-      </p:pic>
-      <p:sp>
-        <p:nvSpPr>
-          <p:cNvPr id="5" name="CaixaDeTexto 4">
-            <a:extLst>
-              <a:ext uri="{FF2B5EF4-FFF2-40B4-BE49-F238E27FC236}">
-                <a16:creationId xmlns:a16="http://schemas.microsoft.com/office/drawing/2014/main" id="{9E599610-DEB8-4D32-B749-6496EA0F11B3}"/>
-              </a:ext>
-            </a:extLst>
-          </p:cNvPr>
-          <p:cNvSpPr txBox="1"/>
-          <p:nvPr/>
-        </p:nvSpPr>
-        <p:spPr>
-          <a:xfrm>
-            <a:off x="444937" y="137777"/>
-            <a:ext cx="4602744" cy="646331"/>
-          </a:xfrm>
-          <a:prstGeom prst="rect">
-            <a:avLst/>
-          </a:prstGeom>
-          <a:noFill/>
-        </p:spPr>
-        <p:txBody>
-          <a:bodyPr wrap="square" rtlCol="0">
-            <a:spAutoFit/>
-          </a:bodyPr>
-          <a:lstStyle/>
-          <a:p>
-            <a:r>
-              <a:rPr lang="pt-BR" sz="3600" b="1" dirty="0">
-                <a:solidFill>
-                  <a:srgbClr val="BA55D3"/>
-                </a:solidFill>
-                <a:effectLst>
-                  <a:outerShdw blurRad="38100" dist="38100" dir="2700000" algn="tl">
-                    <a:srgbClr val="000000">
-                      <a:alpha val="43137"/>
-                    </a:srgbClr>
-                  </a:outerShdw>
-                </a:effectLst>
-                <a:latin typeface="Exo 2" panose="00000800000000000000" pitchFamily="50" charset="0"/>
-              </a:rPr>
-              <a:t>Site</a:t>
-            </a:r>
-          </a:p>
-        </p:txBody>
-      </p:sp>
-    </p:spTree>
-    <p:extLst>
-      <p:ext uri="{BB962C8B-B14F-4D97-AF65-F5344CB8AC3E}">
-        <p14:creationId xmlns:p14="http://schemas.microsoft.com/office/powerpoint/2010/main" val="1663012819"/>
-      </p:ext>
-    </p:extLst>
-  </p:cSld>
-  <p:clrMapOvr>
-    <a:masterClrMapping/>
-  </p:clrMapOvr>
-</p:sld>
-</file>
-
-<file path=ppt/slides/slide8.xml><?xml version="1.0" encoding="utf-8"?>
-<p:sld xmlns:a="http://schemas.openxmlformats.org/drawingml/2006/main" xmlns:r="http://schemas.openxmlformats.org/officeDocument/2006/relationships" xmlns:p="http://schemas.openxmlformats.org/presentationml/2006/main">
-  <p:cSld>
-    <p:bg>
-      <p:bgPr>
-        <a:solidFill>
-          <a:schemeClr val="tx1">
-            <a:lumMod val="75000"/>
-            <a:lumOff val="25000"/>
-          </a:schemeClr>
-        </a:solidFill>
-        <a:effectLst/>
-      </p:bgPr>
-    </p:bg>
-    <p:spTree>
-      <p:nvGrpSpPr>
-        <p:cNvPr id="1" name=""/>
-        <p:cNvGrpSpPr/>
-        <p:nvPr/>
-      </p:nvGrpSpPr>
-      <p:grpSpPr>
-        <a:xfrm>
-          <a:off x="0" y="0"/>
-          <a:ext cx="0" cy="0"/>
-          <a:chOff x="0" y="0"/>
-          <a:chExt cx="0" cy="0"/>
-        </a:xfrm>
-      </p:grpSpPr>
-      <p:pic>
-        <p:nvPicPr>
-          <p:cNvPr id="4" name="Imagem 3" descr="Uma imagem contendo Interface gráfica do usuário&#10;&#10;Descrição gerada automaticamente">
-            <a:extLst>
-              <a:ext uri="{FF2B5EF4-FFF2-40B4-BE49-F238E27FC236}">
-                <a16:creationId xmlns:a16="http://schemas.microsoft.com/office/drawing/2014/main" id="{FBA0E6D1-AE17-4767-9ECC-55DAD094F91E}"/>
-              </a:ext>
-            </a:extLst>
-          </p:cNvPr>
-          <p:cNvPicPr>
-            <a:picLocks noChangeAspect="1"/>
-          </p:cNvPicPr>
-          <p:nvPr/>
-        </p:nvPicPr>
-        <p:blipFill>
-          <a:blip r:embed="rId2">
-            <a:extLst>
-              <a:ext uri="{28A0092B-C50C-407E-A947-70E740481C1C}">
-                <a14:useLocalDpi xmlns:a14="http://schemas.microsoft.com/office/drawing/2010/main" val="0"/>
-              </a:ext>
-            </a:extLst>
-          </a:blip>
-          <a:stretch>
-            <a:fillRect/>
-          </a:stretch>
-        </p:blipFill>
-        <p:spPr>
-          <a:xfrm>
-            <a:off x="9307879" y="192678"/>
-            <a:ext cx="2701242" cy="536530"/>
-          </a:xfrm>
-          <a:prstGeom prst="rect">
-            <a:avLst/>
-          </a:prstGeom>
-        </p:spPr>
-      </p:pic>
-      <p:sp>
-        <p:nvSpPr>
-          <p:cNvPr id="5" name="CaixaDeTexto 4">
-            <a:extLst>
-              <a:ext uri="{FF2B5EF4-FFF2-40B4-BE49-F238E27FC236}">
-                <a16:creationId xmlns:a16="http://schemas.microsoft.com/office/drawing/2014/main" id="{9E599610-DEB8-4D32-B749-6496EA0F11B3}"/>
-              </a:ext>
-            </a:extLst>
-          </p:cNvPr>
-          <p:cNvSpPr txBox="1"/>
-          <p:nvPr/>
-        </p:nvSpPr>
-        <p:spPr>
-          <a:xfrm>
-            <a:off x="444937" y="137777"/>
-            <a:ext cx="4602744" cy="646331"/>
-          </a:xfrm>
-          <a:prstGeom prst="rect">
-            <a:avLst/>
-          </a:prstGeom>
-          <a:noFill/>
-        </p:spPr>
-        <p:txBody>
-          <a:bodyPr wrap="square" rtlCol="0">
-            <a:spAutoFit/>
-          </a:bodyPr>
-          <a:lstStyle/>
-          <a:p>
-            <a:r>
-              <a:rPr lang="pt-BR" sz="3600" b="1" dirty="0">
-                <a:solidFill>
-                  <a:srgbClr val="BA55D3"/>
-                </a:solidFill>
-                <a:effectLst>
-                  <a:outerShdw blurRad="38100" dist="38100" dir="2700000" algn="tl">
-                    <a:srgbClr val="000000">
-                      <a:alpha val="43137"/>
-                    </a:srgbClr>
-                  </a:outerShdw>
-                </a:effectLst>
-                <a:latin typeface="Exo 2" panose="00000800000000000000" pitchFamily="50" charset="0"/>
-              </a:rPr>
-              <a:t>Cliente Linux</a:t>
-            </a:r>
-          </a:p>
-        </p:txBody>
-      </p:sp>
-    </p:spTree>
-    <p:extLst>
-      <p:ext uri="{BB962C8B-B14F-4D97-AF65-F5344CB8AC3E}">
-        <p14:creationId xmlns:p14="http://schemas.microsoft.com/office/powerpoint/2010/main" val="3322418269"/>
-      </p:ext>
-    </p:extLst>
-  </p:cSld>
-  <p:clrMapOvr>
-    <a:masterClrMapping/>
-  </p:clrMapOvr>
-</p:sld>
-</file>
-
 <file path=ppt/slides/slide9.xml><?xml version="1.0" encoding="utf-8"?>
 <p:sld xmlns:a="http://schemas.openxmlformats.org/drawingml/2006/main" xmlns:r="http://schemas.openxmlformats.org/officeDocument/2006/relationships" xmlns:p="http://schemas.openxmlformats.org/presentationml/2006/main">
   <p:cSld>
@@ -7599,62 +9135,45 @@
                 </a:effectLst>
                 <a:latin typeface="Exo 2" panose="00000800000000000000" pitchFamily="50" charset="0"/>
               </a:rPr>
-              <a:t>GitHub</a:t>
+              <a:t>Site</a:t>
             </a:r>
           </a:p>
         </p:txBody>
       </p:sp>
       <p:pic>
         <p:nvPicPr>
-          <p:cNvPr id="2050" name="Picture 2" descr="Logotipo do github - ícones de mídia social grátis">
-            <a:extLst>
-              <a:ext uri="{FF2B5EF4-FFF2-40B4-BE49-F238E27FC236}">
-                <a16:creationId xmlns:a16="http://schemas.microsoft.com/office/drawing/2014/main" id="{2F650908-8405-47AF-ACEE-3D924AAE13C2}"/>
+          <p:cNvPr id="3" name="Imagem 2">
+            <a:extLst>
+              <a:ext uri="{FF2B5EF4-FFF2-40B4-BE49-F238E27FC236}">
+                <a16:creationId xmlns:a16="http://schemas.microsoft.com/office/drawing/2014/main" id="{A0DC0824-EAE8-4588-BF4D-3668B75DBACB}"/>
               </a:ext>
             </a:extLst>
           </p:cNvPr>
           <p:cNvPicPr>
-            <a:picLocks noChangeAspect="1" noChangeArrowheads="1"/>
+            <a:picLocks noChangeAspect="1"/>
           </p:cNvPicPr>
           <p:nvPr/>
         </p:nvPicPr>
         <p:blipFill>
-          <a:blip r:embed="rId3">
-            <a:extLst>
-              <a:ext uri="{28A0092B-C50C-407E-A947-70E740481C1C}">
-                <a14:useLocalDpi xmlns:a14="http://schemas.microsoft.com/office/drawing/2010/main" val="0"/>
-              </a:ext>
-            </a:extLst>
-          </a:blip>
-          <a:srcRect/>
+          <a:blip r:embed="rId3"/>
           <a:stretch>
             <a:fillRect/>
           </a:stretch>
         </p:blipFill>
-        <p:spPr bwMode="auto">
-          <a:xfrm>
-            <a:off x="3931655" y="1339361"/>
-            <a:ext cx="4179277" cy="4179277"/>
+        <p:spPr>
+          <a:xfrm>
+            <a:off x="1839332" y="1001241"/>
+            <a:ext cx="8513336" cy="5317785"/>
           </a:xfrm>
           <a:prstGeom prst="rect">
             <a:avLst/>
           </a:prstGeom>
-          <a:noFill/>
-          <a:extLst>
-            <a:ext uri="{909E8E84-426E-40DD-AFC4-6F175D3DCCD1}">
-              <a14:hiddenFill xmlns:a14="http://schemas.microsoft.com/office/drawing/2010/main">
-                <a:solidFill>
-                  <a:srgbClr val="FFFFFF"/>
-                </a:solidFill>
-              </a14:hiddenFill>
-            </a:ext>
-          </a:extLst>
         </p:spPr>
       </p:pic>
     </p:spTree>
     <p:extLst>
       <p:ext uri="{BB962C8B-B14F-4D97-AF65-F5344CB8AC3E}">
-        <p14:creationId xmlns:p14="http://schemas.microsoft.com/office/powerpoint/2010/main" val="2687633701"/>
+        <p14:creationId xmlns:p14="http://schemas.microsoft.com/office/powerpoint/2010/main" val="1663012819"/>
       </p:ext>
     </p:extLst>
   </p:cSld>

--- a/documentos/Apresentação.pptx
+++ b/documentos/Apresentação.pptx
@@ -5,23 +5,24 @@
     <p:sldMasterId id="2147483648" r:id="rId1"/>
   </p:sldMasterIdLst>
   <p:notesMasterIdLst>
-    <p:notesMasterId r:id="rId16"/>
+    <p:notesMasterId r:id="rId17"/>
   </p:notesMasterIdLst>
   <p:sldIdLst>
-    <p:sldId id="266" r:id="rId2"/>
-    <p:sldId id="257" r:id="rId3"/>
-    <p:sldId id="268" r:id="rId4"/>
-    <p:sldId id="256" r:id="rId5"/>
-    <p:sldId id="260" r:id="rId6"/>
-    <p:sldId id="259" r:id="rId7"/>
-    <p:sldId id="258" r:id="rId8"/>
-    <p:sldId id="261" r:id="rId9"/>
-    <p:sldId id="262" r:id="rId10"/>
-    <p:sldId id="263" r:id="rId11"/>
-    <p:sldId id="265" r:id="rId12"/>
-    <p:sldId id="269" r:id="rId13"/>
-    <p:sldId id="264" r:id="rId14"/>
-    <p:sldId id="267" r:id="rId15"/>
+    <p:sldId id="270" r:id="rId2"/>
+    <p:sldId id="266" r:id="rId3"/>
+    <p:sldId id="257" r:id="rId4"/>
+    <p:sldId id="268" r:id="rId5"/>
+    <p:sldId id="256" r:id="rId6"/>
+    <p:sldId id="260" r:id="rId7"/>
+    <p:sldId id="259" r:id="rId8"/>
+    <p:sldId id="258" r:id="rId9"/>
+    <p:sldId id="261" r:id="rId10"/>
+    <p:sldId id="262" r:id="rId11"/>
+    <p:sldId id="263" r:id="rId12"/>
+    <p:sldId id="265" r:id="rId13"/>
+    <p:sldId id="269" r:id="rId14"/>
+    <p:sldId id="264" r:id="rId15"/>
+    <p:sldId id="267" r:id="rId16"/>
   </p:sldIdLst>
   <p:sldSz cx="12192000" cy="6858000"/>
   <p:notesSz cx="6858000" cy="9144000"/>
@@ -210,7 +211,7 @@
           <a:p>
             <a:fld id="{D9F130DB-5E5F-4AB4-99D4-4D3C40FEAA4A}" type="datetimeFigureOut">
               <a:rPr lang="pt-BR" smtClean="0"/>
-              <a:t>06/03/2021</a:t>
+              <a:t>08/03/2021</a:t>
             </a:fld>
             <a:endParaRPr lang="pt-BR"/>
           </a:p>
@@ -551,7 +552,7 @@
     </p:spTree>
     <p:extLst>
       <p:ext uri="{BB962C8B-B14F-4D97-AF65-F5344CB8AC3E}">
-        <p14:creationId xmlns:p14="http://schemas.microsoft.com/office/powerpoint/2010/main" val="2412781326"/>
+        <p14:creationId xmlns:p14="http://schemas.microsoft.com/office/powerpoint/2010/main" val="3611881122"/>
       </p:ext>
     </p:extLst>
   </p:cSld>
@@ -626,7 +627,7 @@
           <a:p>
             <a:fld id="{93172FC9-5D0C-4C78-9C7B-F84A50937FFE}" type="slidenum">
               <a:rPr lang="pt-BR" smtClean="0"/>
-              <a:t>6</a:t>
+              <a:t>2</a:t>
             </a:fld>
             <a:endParaRPr lang="pt-BR"/>
           </a:p>
@@ -635,7 +636,7 @@
     </p:spTree>
     <p:extLst>
       <p:ext uri="{BB962C8B-B14F-4D97-AF65-F5344CB8AC3E}">
-        <p14:creationId xmlns:p14="http://schemas.microsoft.com/office/powerpoint/2010/main" val="3491439995"/>
+        <p14:creationId xmlns:p14="http://schemas.microsoft.com/office/powerpoint/2010/main" val="2412781326"/>
       </p:ext>
     </p:extLst>
   </p:cSld>
@@ -711,6 +712,90 @@
             <a:fld id="{93172FC9-5D0C-4C78-9C7B-F84A50937FFE}" type="slidenum">
               <a:rPr lang="pt-BR" smtClean="0"/>
               <a:t>7</a:t>
+            </a:fld>
+            <a:endParaRPr lang="pt-BR"/>
+          </a:p>
+        </p:txBody>
+      </p:sp>
+    </p:spTree>
+    <p:extLst>
+      <p:ext uri="{BB962C8B-B14F-4D97-AF65-F5344CB8AC3E}">
+        <p14:creationId xmlns:p14="http://schemas.microsoft.com/office/powerpoint/2010/main" val="3491439995"/>
+      </p:ext>
+    </p:extLst>
+  </p:cSld>
+  <p:clrMapOvr>
+    <a:masterClrMapping/>
+  </p:clrMapOvr>
+</p:notes>
+</file>
+
+<file path=ppt/notesSlides/notesSlide4.xml><?xml version="1.0" encoding="utf-8"?>
+<p:notes xmlns:a="http://schemas.openxmlformats.org/drawingml/2006/main" xmlns:r="http://schemas.openxmlformats.org/officeDocument/2006/relationships" xmlns:p="http://schemas.openxmlformats.org/presentationml/2006/main">
+  <p:cSld>
+    <p:spTree>
+      <p:nvGrpSpPr>
+        <p:cNvPr id="1" name=""/>
+        <p:cNvGrpSpPr/>
+        <p:nvPr/>
+      </p:nvGrpSpPr>
+      <p:grpSpPr>
+        <a:xfrm>
+          <a:off x="0" y="0"/>
+          <a:ext cx="0" cy="0"/>
+          <a:chOff x="0" y="0"/>
+          <a:chExt cx="0" cy="0"/>
+        </a:xfrm>
+      </p:grpSpPr>
+      <p:sp>
+        <p:nvSpPr>
+          <p:cNvPr id="2" name="Espaço Reservado para Imagem de Slide 1"/>
+          <p:cNvSpPr>
+            <a:spLocks noGrp="1" noRot="1" noChangeAspect="1"/>
+          </p:cNvSpPr>
+          <p:nvPr>
+            <p:ph type="sldImg"/>
+          </p:nvPr>
+        </p:nvSpPr>
+        <p:spPr/>
+      </p:sp>
+      <p:sp>
+        <p:nvSpPr>
+          <p:cNvPr id="3" name="Espaço Reservado para Anotações 2"/>
+          <p:cNvSpPr>
+            <a:spLocks noGrp="1"/>
+          </p:cNvSpPr>
+          <p:nvPr>
+            <p:ph type="body" idx="1"/>
+          </p:nvPr>
+        </p:nvSpPr>
+        <p:spPr/>
+        <p:txBody>
+          <a:bodyPr/>
+          <a:lstStyle/>
+          <a:p>
+            <a:endParaRPr lang="pt-BR" dirty="0"/>
+          </a:p>
+        </p:txBody>
+      </p:sp>
+      <p:sp>
+        <p:nvSpPr>
+          <p:cNvPr id="4" name="Espaço Reservado para Número de Slide 3"/>
+          <p:cNvSpPr>
+            <a:spLocks noGrp="1"/>
+          </p:cNvSpPr>
+          <p:nvPr>
+            <p:ph type="sldNum" sz="quarter" idx="5"/>
+          </p:nvPr>
+        </p:nvSpPr>
+        <p:spPr/>
+        <p:txBody>
+          <a:bodyPr/>
+          <a:lstStyle/>
+          <a:p>
+            <a:fld id="{93172FC9-5D0C-4C78-9C7B-F84A50937FFE}" type="slidenum">
+              <a:rPr lang="pt-BR" smtClean="0"/>
+              <a:t>8</a:t>
             </a:fld>
             <a:endParaRPr lang="pt-BR"/>
           </a:p>
@@ -876,7 +961,7 @@
           <a:p>
             <a:fld id="{D93ACE01-AFDD-4EB6-97C9-3A2749F6FB36}" type="datetimeFigureOut">
               <a:rPr lang="pt-BR" smtClean="0"/>
-              <a:t>06/03/2021</a:t>
+              <a:t>08/03/2021</a:t>
             </a:fld>
             <a:endParaRPr lang="pt-BR"/>
           </a:p>
@@ -1074,7 +1159,7 @@
           <a:p>
             <a:fld id="{D93ACE01-AFDD-4EB6-97C9-3A2749F6FB36}" type="datetimeFigureOut">
               <a:rPr lang="pt-BR" smtClean="0"/>
-              <a:t>06/03/2021</a:t>
+              <a:t>08/03/2021</a:t>
             </a:fld>
             <a:endParaRPr lang="pt-BR"/>
           </a:p>
@@ -1282,7 +1367,7 @@
           <a:p>
             <a:fld id="{D93ACE01-AFDD-4EB6-97C9-3A2749F6FB36}" type="datetimeFigureOut">
               <a:rPr lang="pt-BR" smtClean="0"/>
-              <a:t>06/03/2021</a:t>
+              <a:t>08/03/2021</a:t>
             </a:fld>
             <a:endParaRPr lang="pt-BR"/>
           </a:p>
@@ -1480,7 +1565,7 @@
           <a:p>
             <a:fld id="{D93ACE01-AFDD-4EB6-97C9-3A2749F6FB36}" type="datetimeFigureOut">
               <a:rPr lang="pt-BR" smtClean="0"/>
-              <a:t>06/03/2021</a:t>
+              <a:t>08/03/2021</a:t>
             </a:fld>
             <a:endParaRPr lang="pt-BR"/>
           </a:p>
@@ -1755,7 +1840,7 @@
           <a:p>
             <a:fld id="{D93ACE01-AFDD-4EB6-97C9-3A2749F6FB36}" type="datetimeFigureOut">
               <a:rPr lang="pt-BR" smtClean="0"/>
-              <a:t>06/03/2021</a:t>
+              <a:t>08/03/2021</a:t>
             </a:fld>
             <a:endParaRPr lang="pt-BR"/>
           </a:p>
@@ -2020,7 +2105,7 @@
           <a:p>
             <a:fld id="{D93ACE01-AFDD-4EB6-97C9-3A2749F6FB36}" type="datetimeFigureOut">
               <a:rPr lang="pt-BR" smtClean="0"/>
-              <a:t>06/03/2021</a:t>
+              <a:t>08/03/2021</a:t>
             </a:fld>
             <a:endParaRPr lang="pt-BR"/>
           </a:p>
@@ -2432,7 +2517,7 @@
           <a:p>
             <a:fld id="{D93ACE01-AFDD-4EB6-97C9-3A2749F6FB36}" type="datetimeFigureOut">
               <a:rPr lang="pt-BR" smtClean="0"/>
-              <a:t>06/03/2021</a:t>
+              <a:t>08/03/2021</a:t>
             </a:fld>
             <a:endParaRPr lang="pt-BR"/>
           </a:p>
@@ -2573,7 +2658,7 @@
           <a:p>
             <a:fld id="{D93ACE01-AFDD-4EB6-97C9-3A2749F6FB36}" type="datetimeFigureOut">
               <a:rPr lang="pt-BR" smtClean="0"/>
-              <a:t>06/03/2021</a:t>
+              <a:t>08/03/2021</a:t>
             </a:fld>
             <a:endParaRPr lang="pt-BR"/>
           </a:p>
@@ -2686,7 +2771,7 @@
           <a:p>
             <a:fld id="{D93ACE01-AFDD-4EB6-97C9-3A2749F6FB36}" type="datetimeFigureOut">
               <a:rPr lang="pt-BR" smtClean="0"/>
-              <a:t>06/03/2021</a:t>
+              <a:t>08/03/2021</a:t>
             </a:fld>
             <a:endParaRPr lang="pt-BR"/>
           </a:p>
@@ -2997,7 +3082,7 @@
           <a:p>
             <a:fld id="{D93ACE01-AFDD-4EB6-97C9-3A2749F6FB36}" type="datetimeFigureOut">
               <a:rPr lang="pt-BR" smtClean="0"/>
-              <a:t>06/03/2021</a:t>
+              <a:t>08/03/2021</a:t>
             </a:fld>
             <a:endParaRPr lang="pt-BR"/>
           </a:p>
@@ -3285,7 +3370,7 @@
           <a:p>
             <a:fld id="{D93ACE01-AFDD-4EB6-97C9-3A2749F6FB36}" type="datetimeFigureOut">
               <a:rPr lang="pt-BR" smtClean="0"/>
-              <a:t>06/03/2021</a:t>
+              <a:t>08/03/2021</a:t>
             </a:fld>
             <a:endParaRPr lang="pt-BR"/>
           </a:p>
@@ -3526,7 +3611,7 @@
           <a:p>
             <a:fld id="{D93ACE01-AFDD-4EB6-97C9-3A2749F6FB36}" type="datetimeFigureOut">
               <a:rPr lang="pt-BR" smtClean="0"/>
-              <a:t>06/03/2021</a:t>
+              <a:t>08/03/2021</a:t>
             </a:fld>
             <a:endParaRPr lang="pt-BR"/>
           </a:p>
@@ -3956,6 +4041,1255 @@
       </p:grpSpPr>
       <p:pic>
         <p:nvPicPr>
+          <p:cNvPr id="3" name="Imagem 2" descr="Ícone&#10;&#10;Descrição gerada automaticamente">
+            <a:extLst>
+              <a:ext uri="{FF2B5EF4-FFF2-40B4-BE49-F238E27FC236}">
+                <a16:creationId xmlns:a16="http://schemas.microsoft.com/office/drawing/2014/main" id="{FA848E23-644E-4BDE-BC2B-88D40F33B88D}"/>
+              </a:ext>
+            </a:extLst>
+          </p:cNvPr>
+          <p:cNvPicPr>
+            <a:picLocks noChangeAspect="1"/>
+          </p:cNvPicPr>
+          <p:nvPr/>
+        </p:nvPicPr>
+        <p:blipFill>
+          <a:blip r:embed="rId3">
+            <a:extLst>
+              <a:ext uri="{28A0092B-C50C-407E-A947-70E740481C1C}">
+                <a14:useLocalDpi xmlns:a14="http://schemas.microsoft.com/office/drawing/2010/main" val="0"/>
+              </a:ext>
+            </a:extLst>
+          </a:blip>
+          <a:stretch>
+            <a:fillRect/>
+          </a:stretch>
+        </p:blipFill>
+        <p:spPr>
+          <a:xfrm>
+            <a:off x="4426076" y="253545"/>
+            <a:ext cx="3339848" cy="3339848"/>
+          </a:xfrm>
+          <a:prstGeom prst="rect">
+            <a:avLst/>
+          </a:prstGeom>
+        </p:spPr>
+      </p:pic>
+      <p:sp>
+        <p:nvSpPr>
+          <p:cNvPr id="4" name="CaixaDeTexto 3">
+            <a:extLst>
+              <a:ext uri="{FF2B5EF4-FFF2-40B4-BE49-F238E27FC236}">
+                <a16:creationId xmlns:a16="http://schemas.microsoft.com/office/drawing/2014/main" id="{CEDA5FB8-D2CD-4325-91AC-861D8A83A965}"/>
+              </a:ext>
+            </a:extLst>
+          </p:cNvPr>
+          <p:cNvSpPr txBox="1"/>
+          <p:nvPr/>
+        </p:nvSpPr>
+        <p:spPr>
+          <a:xfrm>
+            <a:off x="2818228" y="3593393"/>
+            <a:ext cx="6555544" cy="1569660"/>
+          </a:xfrm>
+          <a:prstGeom prst="rect">
+            <a:avLst/>
+          </a:prstGeom>
+          <a:noFill/>
+        </p:spPr>
+        <p:txBody>
+          <a:bodyPr wrap="square" rtlCol="0">
+            <a:spAutoFit/>
+          </a:bodyPr>
+          <a:lstStyle/>
+          <a:p>
+            <a:pPr algn="ctr"/>
+            <a:r>
+              <a:rPr lang="pt-BR" sz="9600" b="1" dirty="0">
+                <a:effectLst>
+                  <a:outerShdw blurRad="38100" dist="38100" dir="2700000" algn="tl">
+                    <a:srgbClr val="000000">
+                      <a:alpha val="43137"/>
+                    </a:srgbClr>
+                  </a:outerShdw>
+                </a:effectLst>
+                <a:latin typeface="Teko SemiBold" panose="02000000000000000000" pitchFamily="2" charset="0"/>
+                <a:cs typeface="Teko SemiBold" panose="02000000000000000000" pitchFamily="2" charset="0"/>
+              </a:rPr>
+              <a:t>CRAS DEFAULT</a:t>
+            </a:r>
+          </a:p>
+        </p:txBody>
+      </p:sp>
+      <p:sp>
+        <p:nvSpPr>
+          <p:cNvPr id="5" name="CaixaDeTexto 4">
+            <a:extLst>
+              <a:ext uri="{FF2B5EF4-FFF2-40B4-BE49-F238E27FC236}">
+                <a16:creationId xmlns:a16="http://schemas.microsoft.com/office/drawing/2014/main" id="{E342D452-6845-416D-804C-D2DE058FAE4D}"/>
+              </a:ext>
+            </a:extLst>
+          </p:cNvPr>
+          <p:cNvSpPr txBox="1"/>
+          <p:nvPr/>
+        </p:nvSpPr>
+        <p:spPr>
+          <a:xfrm>
+            <a:off x="4306780" y="4747554"/>
+            <a:ext cx="3578441" cy="830997"/>
+          </a:xfrm>
+          <a:prstGeom prst="rect">
+            <a:avLst/>
+          </a:prstGeom>
+          <a:noFill/>
+        </p:spPr>
+        <p:txBody>
+          <a:bodyPr wrap="square" rtlCol="0">
+            <a:spAutoFit/>
+          </a:bodyPr>
+          <a:lstStyle/>
+          <a:p>
+            <a:pPr algn="ctr"/>
+            <a:r>
+              <a:rPr lang="pt-BR" sz="4800" dirty="0">
+                <a:solidFill>
+                  <a:srgbClr val="BA55D3"/>
+                </a:solidFill>
+                <a:latin typeface="Teko SemiBold" panose="02000000000000000000" pitchFamily="2" charset="0"/>
+                <a:cs typeface="Teko SemiBold" panose="02000000000000000000" pitchFamily="2" charset="0"/>
+              </a:rPr>
+              <a:t>ATM Monitoring</a:t>
+            </a:r>
+          </a:p>
+        </p:txBody>
+      </p:sp>
+    </p:spTree>
+    <p:extLst>
+      <p:ext uri="{BB962C8B-B14F-4D97-AF65-F5344CB8AC3E}">
+        <p14:creationId xmlns:p14="http://schemas.microsoft.com/office/powerpoint/2010/main" val="917250447"/>
+      </p:ext>
+    </p:extLst>
+  </p:cSld>
+  <p:clrMapOvr>
+    <a:masterClrMapping/>
+  </p:clrMapOvr>
+  <p:timing>
+    <p:tnLst>
+      <p:par>
+        <p:cTn id="1" dur="indefinite" restart="never" nodeType="tmRoot">
+          <p:childTnLst>
+            <p:seq concurrent="1" nextAc="seek">
+              <p:cTn id="2" dur="indefinite" nodeType="mainSeq">
+                <p:childTnLst>
+                  <p:par>
+                    <p:cTn id="3" fill="hold">
+                      <p:stCondLst>
+                        <p:cond delay="indefinite"/>
+                        <p:cond evt="onBegin" delay="0">
+                          <p:tn val="2"/>
+                        </p:cond>
+                      </p:stCondLst>
+                      <p:childTnLst>
+                        <p:par>
+                          <p:cTn id="4" fill="hold">
+                            <p:stCondLst>
+                              <p:cond delay="0"/>
+                            </p:stCondLst>
+                            <p:childTnLst>
+                              <p:par>
+                                <p:cTn id="5" presetID="10" presetClass="entr" presetSubtype="0" fill="hold" nodeType="withEffect">
+                                  <p:stCondLst>
+                                    <p:cond delay="0"/>
+                                  </p:stCondLst>
+                                  <p:childTnLst>
+                                    <p:set>
+                                      <p:cBhvr>
+                                        <p:cTn id="6" dur="1" fill="hold">
+                                          <p:stCondLst>
+                                            <p:cond delay="0"/>
+                                          </p:stCondLst>
+                                        </p:cTn>
+                                        <p:tgtEl>
+                                          <p:spTgt spid="3"/>
+                                        </p:tgtEl>
+                                        <p:attrNameLst>
+                                          <p:attrName>style.visibility</p:attrName>
+                                        </p:attrNameLst>
+                                      </p:cBhvr>
+                                      <p:to>
+                                        <p:strVal val="visible"/>
+                                      </p:to>
+                                    </p:set>
+                                    <p:animEffect transition="in" filter="fade">
+                                      <p:cBhvr>
+                                        <p:cTn id="7" dur="3000"/>
+                                        <p:tgtEl>
+                                          <p:spTgt spid="3"/>
+                                        </p:tgtEl>
+                                      </p:cBhvr>
+                                    </p:animEffect>
+                                  </p:childTnLst>
+                                </p:cTn>
+                              </p:par>
+                              <p:par>
+                                <p:cTn id="8" presetID="10" presetClass="entr" presetSubtype="0" fill="hold" grpId="0" nodeType="withEffect">
+                                  <p:stCondLst>
+                                    <p:cond delay="0"/>
+                                  </p:stCondLst>
+                                  <p:childTnLst>
+                                    <p:set>
+                                      <p:cBhvr>
+                                        <p:cTn id="9" dur="1" fill="hold">
+                                          <p:stCondLst>
+                                            <p:cond delay="0"/>
+                                          </p:stCondLst>
+                                        </p:cTn>
+                                        <p:tgtEl>
+                                          <p:spTgt spid="4"/>
+                                        </p:tgtEl>
+                                        <p:attrNameLst>
+                                          <p:attrName>style.visibility</p:attrName>
+                                        </p:attrNameLst>
+                                      </p:cBhvr>
+                                      <p:to>
+                                        <p:strVal val="visible"/>
+                                      </p:to>
+                                    </p:set>
+                                    <p:animEffect transition="in" filter="fade">
+                                      <p:cBhvr>
+                                        <p:cTn id="10" dur="3000"/>
+                                        <p:tgtEl>
+                                          <p:spTgt spid="4"/>
+                                        </p:tgtEl>
+                                      </p:cBhvr>
+                                    </p:animEffect>
+                                  </p:childTnLst>
+                                </p:cTn>
+                              </p:par>
+                              <p:par>
+                                <p:cTn id="11" presetID="10" presetClass="entr" presetSubtype="0" fill="hold" grpId="0" nodeType="withEffect">
+                                  <p:stCondLst>
+                                    <p:cond delay="0"/>
+                                  </p:stCondLst>
+                                  <p:childTnLst>
+                                    <p:set>
+                                      <p:cBhvr>
+                                        <p:cTn id="12" dur="1" fill="hold">
+                                          <p:stCondLst>
+                                            <p:cond delay="0"/>
+                                          </p:stCondLst>
+                                        </p:cTn>
+                                        <p:tgtEl>
+                                          <p:spTgt spid="5"/>
+                                        </p:tgtEl>
+                                        <p:attrNameLst>
+                                          <p:attrName>style.visibility</p:attrName>
+                                        </p:attrNameLst>
+                                      </p:cBhvr>
+                                      <p:to>
+                                        <p:strVal val="visible"/>
+                                      </p:to>
+                                    </p:set>
+                                    <p:animEffect transition="in" filter="fade">
+                                      <p:cBhvr>
+                                        <p:cTn id="13" dur="3000"/>
+                                        <p:tgtEl>
+                                          <p:spTgt spid="5"/>
+                                        </p:tgtEl>
+                                      </p:cBhvr>
+                                    </p:animEffect>
+                                  </p:childTnLst>
+                                </p:cTn>
+                              </p:par>
+                            </p:childTnLst>
+                          </p:cTn>
+                        </p:par>
+                      </p:childTnLst>
+                    </p:cTn>
+                  </p:par>
+                </p:childTnLst>
+              </p:cTn>
+              <p:prevCondLst>
+                <p:cond evt="onPrev" delay="0">
+                  <p:tgtEl>
+                    <p:sldTgt/>
+                  </p:tgtEl>
+                </p:cond>
+              </p:prevCondLst>
+              <p:nextCondLst>
+                <p:cond evt="onNext" delay="0">
+                  <p:tgtEl>
+                    <p:sldTgt/>
+                  </p:tgtEl>
+                </p:cond>
+              </p:nextCondLst>
+            </p:seq>
+          </p:childTnLst>
+        </p:cTn>
+      </p:par>
+    </p:tnLst>
+    <p:bldLst>
+      <p:bldP spid="4" grpId="0"/>
+      <p:bldP spid="5" grpId="0"/>
+    </p:bldLst>
+  </p:timing>
+</p:sld>
+</file>
+
+<file path=ppt/slides/slide10.xml><?xml version="1.0" encoding="utf-8"?>
+<p:sld xmlns:a="http://schemas.openxmlformats.org/drawingml/2006/main" xmlns:r="http://schemas.openxmlformats.org/officeDocument/2006/relationships" xmlns:p="http://schemas.openxmlformats.org/presentationml/2006/main">
+  <p:cSld>
+    <p:bg>
+      <p:bgPr>
+        <a:solidFill>
+          <a:schemeClr val="tx1">
+            <a:lumMod val="75000"/>
+            <a:lumOff val="25000"/>
+          </a:schemeClr>
+        </a:solidFill>
+        <a:effectLst/>
+      </p:bgPr>
+    </p:bg>
+    <p:spTree>
+      <p:nvGrpSpPr>
+        <p:cNvPr id="1" name=""/>
+        <p:cNvGrpSpPr/>
+        <p:nvPr/>
+      </p:nvGrpSpPr>
+      <p:grpSpPr>
+        <a:xfrm>
+          <a:off x="0" y="0"/>
+          <a:ext cx="0" cy="0"/>
+          <a:chOff x="0" y="0"/>
+          <a:chExt cx="0" cy="0"/>
+        </a:xfrm>
+      </p:grpSpPr>
+      <p:pic>
+        <p:nvPicPr>
+          <p:cNvPr id="4" name="Imagem 3" descr="Uma imagem contendo Interface gráfica do usuário&#10;&#10;Descrição gerada automaticamente">
+            <a:extLst>
+              <a:ext uri="{FF2B5EF4-FFF2-40B4-BE49-F238E27FC236}">
+                <a16:creationId xmlns:a16="http://schemas.microsoft.com/office/drawing/2014/main" id="{FBA0E6D1-AE17-4767-9ECC-55DAD094F91E}"/>
+              </a:ext>
+            </a:extLst>
+          </p:cNvPr>
+          <p:cNvPicPr>
+            <a:picLocks noChangeAspect="1"/>
+          </p:cNvPicPr>
+          <p:nvPr/>
+        </p:nvPicPr>
+        <p:blipFill>
+          <a:blip r:embed="rId2">
+            <a:extLst>
+              <a:ext uri="{28A0092B-C50C-407E-A947-70E740481C1C}">
+                <a14:useLocalDpi xmlns:a14="http://schemas.microsoft.com/office/drawing/2010/main" val="0"/>
+              </a:ext>
+            </a:extLst>
+          </a:blip>
+          <a:stretch>
+            <a:fillRect/>
+          </a:stretch>
+        </p:blipFill>
+        <p:spPr>
+          <a:xfrm>
+            <a:off x="9307879" y="192678"/>
+            <a:ext cx="2701242" cy="536530"/>
+          </a:xfrm>
+          <a:prstGeom prst="rect">
+            <a:avLst/>
+          </a:prstGeom>
+        </p:spPr>
+      </p:pic>
+      <p:sp>
+        <p:nvSpPr>
+          <p:cNvPr id="5" name="CaixaDeTexto 4">
+            <a:extLst>
+              <a:ext uri="{FF2B5EF4-FFF2-40B4-BE49-F238E27FC236}">
+                <a16:creationId xmlns:a16="http://schemas.microsoft.com/office/drawing/2014/main" id="{9E599610-DEB8-4D32-B749-6496EA0F11B3}"/>
+              </a:ext>
+            </a:extLst>
+          </p:cNvPr>
+          <p:cNvSpPr txBox="1"/>
+          <p:nvPr/>
+        </p:nvSpPr>
+        <p:spPr>
+          <a:xfrm>
+            <a:off x="444937" y="137777"/>
+            <a:ext cx="4602744" cy="646331"/>
+          </a:xfrm>
+          <a:prstGeom prst="rect">
+            <a:avLst/>
+          </a:prstGeom>
+          <a:noFill/>
+        </p:spPr>
+        <p:txBody>
+          <a:bodyPr wrap="square" rtlCol="0">
+            <a:spAutoFit/>
+          </a:bodyPr>
+          <a:lstStyle/>
+          <a:p>
+            <a:r>
+              <a:rPr lang="pt-BR" sz="3600" b="1" dirty="0">
+                <a:solidFill>
+                  <a:srgbClr val="BA55D3"/>
+                </a:solidFill>
+                <a:effectLst>
+                  <a:outerShdw blurRad="38100" dist="38100" dir="2700000" algn="tl">
+                    <a:srgbClr val="000000">
+                      <a:alpha val="43137"/>
+                    </a:srgbClr>
+                  </a:outerShdw>
+                </a:effectLst>
+                <a:latin typeface="Exo 2" panose="00000800000000000000" pitchFamily="50" charset="0"/>
+              </a:rPr>
+              <a:t>Site</a:t>
+            </a:r>
+          </a:p>
+        </p:txBody>
+      </p:sp>
+      <p:pic>
+        <p:nvPicPr>
+          <p:cNvPr id="3" name="Imagem 2">
+            <a:extLst>
+              <a:ext uri="{FF2B5EF4-FFF2-40B4-BE49-F238E27FC236}">
+                <a16:creationId xmlns:a16="http://schemas.microsoft.com/office/drawing/2014/main" id="{A0DC0824-EAE8-4588-BF4D-3668B75DBACB}"/>
+              </a:ext>
+            </a:extLst>
+          </p:cNvPr>
+          <p:cNvPicPr>
+            <a:picLocks noChangeAspect="1"/>
+          </p:cNvPicPr>
+          <p:nvPr/>
+        </p:nvPicPr>
+        <p:blipFill>
+          <a:blip r:embed="rId3"/>
+          <a:stretch>
+            <a:fillRect/>
+          </a:stretch>
+        </p:blipFill>
+        <p:spPr>
+          <a:xfrm>
+            <a:off x="1839332" y="1001241"/>
+            <a:ext cx="8513336" cy="5317785"/>
+          </a:xfrm>
+          <a:prstGeom prst="rect">
+            <a:avLst/>
+          </a:prstGeom>
+        </p:spPr>
+      </p:pic>
+    </p:spTree>
+    <p:extLst>
+      <p:ext uri="{BB962C8B-B14F-4D97-AF65-F5344CB8AC3E}">
+        <p14:creationId xmlns:p14="http://schemas.microsoft.com/office/powerpoint/2010/main" val="1663012819"/>
+      </p:ext>
+    </p:extLst>
+  </p:cSld>
+  <p:clrMapOvr>
+    <a:masterClrMapping/>
+  </p:clrMapOvr>
+</p:sld>
+</file>
+
+<file path=ppt/slides/slide11.xml><?xml version="1.0" encoding="utf-8"?>
+<p:sld xmlns:a="http://schemas.openxmlformats.org/drawingml/2006/main" xmlns:r="http://schemas.openxmlformats.org/officeDocument/2006/relationships" xmlns:p="http://schemas.openxmlformats.org/presentationml/2006/main">
+  <p:cSld>
+    <p:bg>
+      <p:bgPr>
+        <a:solidFill>
+          <a:schemeClr val="tx1">
+            <a:lumMod val="75000"/>
+            <a:lumOff val="25000"/>
+          </a:schemeClr>
+        </a:solidFill>
+        <a:effectLst/>
+      </p:bgPr>
+    </p:bg>
+    <p:spTree>
+      <p:nvGrpSpPr>
+        <p:cNvPr id="1" name=""/>
+        <p:cNvGrpSpPr/>
+        <p:nvPr/>
+      </p:nvGrpSpPr>
+      <p:grpSpPr>
+        <a:xfrm>
+          <a:off x="0" y="0"/>
+          <a:ext cx="0" cy="0"/>
+          <a:chOff x="0" y="0"/>
+          <a:chExt cx="0" cy="0"/>
+        </a:xfrm>
+      </p:grpSpPr>
+      <p:pic>
+        <p:nvPicPr>
+          <p:cNvPr id="4" name="Imagem 3" descr="Uma imagem contendo Interface gráfica do usuário&#10;&#10;Descrição gerada automaticamente">
+            <a:extLst>
+              <a:ext uri="{FF2B5EF4-FFF2-40B4-BE49-F238E27FC236}">
+                <a16:creationId xmlns:a16="http://schemas.microsoft.com/office/drawing/2014/main" id="{FBA0E6D1-AE17-4767-9ECC-55DAD094F91E}"/>
+              </a:ext>
+            </a:extLst>
+          </p:cNvPr>
+          <p:cNvPicPr>
+            <a:picLocks noChangeAspect="1"/>
+          </p:cNvPicPr>
+          <p:nvPr/>
+        </p:nvPicPr>
+        <p:blipFill>
+          <a:blip r:embed="rId2">
+            <a:extLst>
+              <a:ext uri="{28A0092B-C50C-407E-A947-70E740481C1C}">
+                <a14:useLocalDpi xmlns:a14="http://schemas.microsoft.com/office/drawing/2010/main" val="0"/>
+              </a:ext>
+            </a:extLst>
+          </a:blip>
+          <a:stretch>
+            <a:fillRect/>
+          </a:stretch>
+        </p:blipFill>
+        <p:spPr>
+          <a:xfrm>
+            <a:off x="9307879" y="192678"/>
+            <a:ext cx="2701242" cy="536530"/>
+          </a:xfrm>
+          <a:prstGeom prst="rect">
+            <a:avLst/>
+          </a:prstGeom>
+        </p:spPr>
+      </p:pic>
+      <p:sp>
+        <p:nvSpPr>
+          <p:cNvPr id="5" name="CaixaDeTexto 4">
+            <a:extLst>
+              <a:ext uri="{FF2B5EF4-FFF2-40B4-BE49-F238E27FC236}">
+                <a16:creationId xmlns:a16="http://schemas.microsoft.com/office/drawing/2014/main" id="{9E599610-DEB8-4D32-B749-6496EA0F11B3}"/>
+              </a:ext>
+            </a:extLst>
+          </p:cNvPr>
+          <p:cNvSpPr txBox="1"/>
+          <p:nvPr/>
+        </p:nvSpPr>
+        <p:spPr>
+          <a:xfrm>
+            <a:off x="444937" y="137777"/>
+            <a:ext cx="4602744" cy="646331"/>
+          </a:xfrm>
+          <a:prstGeom prst="rect">
+            <a:avLst/>
+          </a:prstGeom>
+          <a:noFill/>
+        </p:spPr>
+        <p:txBody>
+          <a:bodyPr wrap="square" rtlCol="0">
+            <a:spAutoFit/>
+          </a:bodyPr>
+          <a:lstStyle/>
+          <a:p>
+            <a:r>
+              <a:rPr lang="pt-BR" sz="3600" b="1" dirty="0">
+                <a:solidFill>
+                  <a:srgbClr val="BA55D3"/>
+                </a:solidFill>
+                <a:effectLst>
+                  <a:outerShdw blurRad="38100" dist="38100" dir="2700000" algn="tl">
+                    <a:srgbClr val="000000">
+                      <a:alpha val="43137"/>
+                    </a:srgbClr>
+                  </a:outerShdw>
+                </a:effectLst>
+                <a:latin typeface="Exo 2" panose="00000800000000000000" pitchFamily="50" charset="0"/>
+              </a:rPr>
+              <a:t>Cliente Linux</a:t>
+            </a:r>
+          </a:p>
+        </p:txBody>
+      </p:sp>
+      <p:pic>
+        <p:nvPicPr>
+          <p:cNvPr id="9" name="Imagem 8" descr="Ícone&#10;&#10;Descrição gerada automaticamente">
+            <a:extLst>
+              <a:ext uri="{FF2B5EF4-FFF2-40B4-BE49-F238E27FC236}">
+                <a16:creationId xmlns:a16="http://schemas.microsoft.com/office/drawing/2014/main" id="{5878DA09-D180-4E78-83FC-BD27292F572B}"/>
+              </a:ext>
+            </a:extLst>
+          </p:cNvPr>
+          <p:cNvPicPr>
+            <a:picLocks noChangeAspect="1"/>
+          </p:cNvPicPr>
+          <p:nvPr/>
+        </p:nvPicPr>
+        <p:blipFill>
+          <a:blip r:embed="rId3">
+            <a:extLst>
+              <a:ext uri="{28A0092B-C50C-407E-A947-70E740481C1C}">
+                <a14:useLocalDpi xmlns:a14="http://schemas.microsoft.com/office/drawing/2010/main" val="0"/>
+              </a:ext>
+            </a:extLst>
+          </a:blip>
+          <a:stretch>
+            <a:fillRect/>
+          </a:stretch>
+        </p:blipFill>
+        <p:spPr>
+          <a:xfrm>
+            <a:off x="4095383" y="1004010"/>
+            <a:ext cx="4001233" cy="4849979"/>
+          </a:xfrm>
+          <a:prstGeom prst="rect">
+            <a:avLst/>
+          </a:prstGeom>
+        </p:spPr>
+      </p:pic>
+    </p:spTree>
+    <p:extLst>
+      <p:ext uri="{BB962C8B-B14F-4D97-AF65-F5344CB8AC3E}">
+        <p14:creationId xmlns:p14="http://schemas.microsoft.com/office/powerpoint/2010/main" val="3322418269"/>
+      </p:ext>
+    </p:extLst>
+  </p:cSld>
+  <p:clrMapOvr>
+    <a:masterClrMapping/>
+  </p:clrMapOvr>
+</p:sld>
+</file>
+
+<file path=ppt/slides/slide12.xml><?xml version="1.0" encoding="utf-8"?>
+<p:sld xmlns:a="http://schemas.openxmlformats.org/drawingml/2006/main" xmlns:r="http://schemas.openxmlformats.org/officeDocument/2006/relationships" xmlns:p="http://schemas.openxmlformats.org/presentationml/2006/main">
+  <p:cSld>
+    <p:bg>
+      <p:bgPr>
+        <a:solidFill>
+          <a:schemeClr val="tx1">
+            <a:lumMod val="75000"/>
+            <a:lumOff val="25000"/>
+          </a:schemeClr>
+        </a:solidFill>
+        <a:effectLst/>
+      </p:bgPr>
+    </p:bg>
+    <p:spTree>
+      <p:nvGrpSpPr>
+        <p:cNvPr id="1" name=""/>
+        <p:cNvGrpSpPr/>
+        <p:nvPr/>
+      </p:nvGrpSpPr>
+      <p:grpSpPr>
+        <a:xfrm>
+          <a:off x="0" y="0"/>
+          <a:ext cx="0" cy="0"/>
+          <a:chOff x="0" y="0"/>
+          <a:chExt cx="0" cy="0"/>
+        </a:xfrm>
+      </p:grpSpPr>
+      <p:pic>
+        <p:nvPicPr>
+          <p:cNvPr id="4" name="Imagem 3" descr="Uma imagem contendo Interface gráfica do usuário&#10;&#10;Descrição gerada automaticamente">
+            <a:extLst>
+              <a:ext uri="{FF2B5EF4-FFF2-40B4-BE49-F238E27FC236}">
+                <a16:creationId xmlns:a16="http://schemas.microsoft.com/office/drawing/2014/main" id="{FBA0E6D1-AE17-4767-9ECC-55DAD094F91E}"/>
+              </a:ext>
+            </a:extLst>
+          </p:cNvPr>
+          <p:cNvPicPr>
+            <a:picLocks noChangeAspect="1"/>
+          </p:cNvPicPr>
+          <p:nvPr/>
+        </p:nvPicPr>
+        <p:blipFill>
+          <a:blip r:embed="rId2">
+            <a:extLst>
+              <a:ext uri="{28A0092B-C50C-407E-A947-70E740481C1C}">
+                <a14:useLocalDpi xmlns:a14="http://schemas.microsoft.com/office/drawing/2010/main" val="0"/>
+              </a:ext>
+            </a:extLst>
+          </a:blip>
+          <a:stretch>
+            <a:fillRect/>
+          </a:stretch>
+        </p:blipFill>
+        <p:spPr>
+          <a:xfrm>
+            <a:off x="9307879" y="192678"/>
+            <a:ext cx="2701242" cy="536530"/>
+          </a:xfrm>
+          <a:prstGeom prst="rect">
+            <a:avLst/>
+          </a:prstGeom>
+        </p:spPr>
+      </p:pic>
+      <p:sp>
+        <p:nvSpPr>
+          <p:cNvPr id="5" name="CaixaDeTexto 4">
+            <a:extLst>
+              <a:ext uri="{FF2B5EF4-FFF2-40B4-BE49-F238E27FC236}">
+                <a16:creationId xmlns:a16="http://schemas.microsoft.com/office/drawing/2014/main" id="{9E599610-DEB8-4D32-B749-6496EA0F11B3}"/>
+              </a:ext>
+            </a:extLst>
+          </p:cNvPr>
+          <p:cNvSpPr txBox="1"/>
+          <p:nvPr/>
+        </p:nvSpPr>
+        <p:spPr>
+          <a:xfrm>
+            <a:off x="444937" y="137777"/>
+            <a:ext cx="4602744" cy="646331"/>
+          </a:xfrm>
+          <a:prstGeom prst="rect">
+            <a:avLst/>
+          </a:prstGeom>
+          <a:noFill/>
+        </p:spPr>
+        <p:txBody>
+          <a:bodyPr wrap="square" rtlCol="0">
+            <a:spAutoFit/>
+          </a:bodyPr>
+          <a:lstStyle/>
+          <a:p>
+            <a:r>
+              <a:rPr lang="pt-BR" sz="3600" b="1" dirty="0">
+                <a:solidFill>
+                  <a:srgbClr val="BA55D3"/>
+                </a:solidFill>
+                <a:effectLst>
+                  <a:outerShdw blurRad="38100" dist="38100" dir="2700000" algn="tl">
+                    <a:srgbClr val="000000">
+                      <a:alpha val="43137"/>
+                    </a:srgbClr>
+                  </a:outerShdw>
+                </a:effectLst>
+                <a:latin typeface="Exo 2" panose="00000800000000000000" pitchFamily="50" charset="0"/>
+              </a:rPr>
+              <a:t>GitHub</a:t>
+            </a:r>
+          </a:p>
+        </p:txBody>
+      </p:sp>
+      <p:pic>
+        <p:nvPicPr>
+          <p:cNvPr id="3" name="Imagem 2" descr="Interface gráfica do usuário, Aplicativo, Email, Site&#10;&#10;Descrição gerada automaticamente">
+            <a:extLst>
+              <a:ext uri="{FF2B5EF4-FFF2-40B4-BE49-F238E27FC236}">
+                <a16:creationId xmlns:a16="http://schemas.microsoft.com/office/drawing/2014/main" id="{5E0EDA40-A220-4974-99C7-0ECFF0E39D43}"/>
+              </a:ext>
+            </a:extLst>
+          </p:cNvPr>
+          <p:cNvPicPr>
+            <a:picLocks noChangeAspect="1"/>
+          </p:cNvPicPr>
+          <p:nvPr/>
+        </p:nvPicPr>
+        <p:blipFill>
+          <a:blip r:embed="rId3">
+            <a:extLst>
+              <a:ext uri="{28A0092B-C50C-407E-A947-70E740481C1C}">
+                <a14:useLocalDpi xmlns:a14="http://schemas.microsoft.com/office/drawing/2010/main" val="0"/>
+              </a:ext>
+            </a:extLst>
+          </a:blip>
+          <a:stretch>
+            <a:fillRect/>
+          </a:stretch>
+        </p:blipFill>
+        <p:spPr>
+          <a:xfrm>
+            <a:off x="851095" y="1181679"/>
+            <a:ext cx="10489809" cy="5130172"/>
+          </a:xfrm>
+          <a:prstGeom prst="rect">
+            <a:avLst/>
+          </a:prstGeom>
+        </p:spPr>
+      </p:pic>
+    </p:spTree>
+    <p:extLst>
+      <p:ext uri="{BB962C8B-B14F-4D97-AF65-F5344CB8AC3E}">
+        <p14:creationId xmlns:p14="http://schemas.microsoft.com/office/powerpoint/2010/main" val="2687633701"/>
+      </p:ext>
+    </p:extLst>
+  </p:cSld>
+  <p:clrMapOvr>
+    <a:masterClrMapping/>
+  </p:clrMapOvr>
+</p:sld>
+</file>
+
+<file path=ppt/slides/slide13.xml><?xml version="1.0" encoding="utf-8"?>
+<p:sld xmlns:a="http://schemas.openxmlformats.org/drawingml/2006/main" xmlns:r="http://schemas.openxmlformats.org/officeDocument/2006/relationships" xmlns:p="http://schemas.openxmlformats.org/presentationml/2006/main">
+  <p:cSld>
+    <p:bg>
+      <p:bgPr>
+        <a:solidFill>
+          <a:schemeClr val="tx1">
+            <a:lumMod val="75000"/>
+            <a:lumOff val="25000"/>
+          </a:schemeClr>
+        </a:solidFill>
+        <a:effectLst/>
+      </p:bgPr>
+    </p:bg>
+    <p:spTree>
+      <p:nvGrpSpPr>
+        <p:cNvPr id="1" name=""/>
+        <p:cNvGrpSpPr/>
+        <p:nvPr/>
+      </p:nvGrpSpPr>
+      <p:grpSpPr>
+        <a:xfrm>
+          <a:off x="0" y="0"/>
+          <a:ext cx="0" cy="0"/>
+          <a:chOff x="0" y="0"/>
+          <a:chExt cx="0" cy="0"/>
+        </a:xfrm>
+      </p:grpSpPr>
+      <p:pic>
+        <p:nvPicPr>
+          <p:cNvPr id="4" name="Imagem 3" descr="Uma imagem contendo Interface gráfica do usuário&#10;&#10;Descrição gerada automaticamente">
+            <a:extLst>
+              <a:ext uri="{FF2B5EF4-FFF2-40B4-BE49-F238E27FC236}">
+                <a16:creationId xmlns:a16="http://schemas.microsoft.com/office/drawing/2014/main" id="{FBA0E6D1-AE17-4767-9ECC-55DAD094F91E}"/>
+              </a:ext>
+            </a:extLst>
+          </p:cNvPr>
+          <p:cNvPicPr>
+            <a:picLocks noChangeAspect="1"/>
+          </p:cNvPicPr>
+          <p:nvPr/>
+        </p:nvPicPr>
+        <p:blipFill>
+          <a:blip r:embed="rId2">
+            <a:extLst>
+              <a:ext uri="{28A0092B-C50C-407E-A947-70E740481C1C}">
+                <a14:useLocalDpi xmlns:a14="http://schemas.microsoft.com/office/drawing/2010/main" val="0"/>
+              </a:ext>
+            </a:extLst>
+          </a:blip>
+          <a:stretch>
+            <a:fillRect/>
+          </a:stretch>
+        </p:blipFill>
+        <p:spPr>
+          <a:xfrm>
+            <a:off x="9307879" y="192678"/>
+            <a:ext cx="2701242" cy="536530"/>
+          </a:xfrm>
+          <a:prstGeom prst="rect">
+            <a:avLst/>
+          </a:prstGeom>
+        </p:spPr>
+      </p:pic>
+      <p:sp>
+        <p:nvSpPr>
+          <p:cNvPr id="5" name="CaixaDeTexto 4">
+            <a:extLst>
+              <a:ext uri="{FF2B5EF4-FFF2-40B4-BE49-F238E27FC236}">
+                <a16:creationId xmlns:a16="http://schemas.microsoft.com/office/drawing/2014/main" id="{9E599610-DEB8-4D32-B749-6496EA0F11B3}"/>
+              </a:ext>
+            </a:extLst>
+          </p:cNvPr>
+          <p:cNvSpPr txBox="1"/>
+          <p:nvPr/>
+        </p:nvSpPr>
+        <p:spPr>
+          <a:xfrm>
+            <a:off x="444937" y="137777"/>
+            <a:ext cx="4602744" cy="646331"/>
+          </a:xfrm>
+          <a:prstGeom prst="rect">
+            <a:avLst/>
+          </a:prstGeom>
+          <a:noFill/>
+        </p:spPr>
+        <p:txBody>
+          <a:bodyPr wrap="square" rtlCol="0">
+            <a:spAutoFit/>
+          </a:bodyPr>
+          <a:lstStyle/>
+          <a:p>
+            <a:r>
+              <a:rPr lang="pt-BR" sz="3600" b="1" dirty="0">
+                <a:solidFill>
+                  <a:srgbClr val="BA55D3"/>
+                </a:solidFill>
+                <a:effectLst>
+                  <a:outerShdw blurRad="38100" dist="38100" dir="2700000" algn="tl">
+                    <a:srgbClr val="000000">
+                      <a:alpha val="43137"/>
+                    </a:srgbClr>
+                  </a:outerShdw>
+                </a:effectLst>
+                <a:latin typeface="Exo 2" panose="00000800000000000000" pitchFamily="50" charset="0"/>
+              </a:rPr>
+              <a:t>Ambiente Azure</a:t>
+            </a:r>
+          </a:p>
+        </p:txBody>
+      </p:sp>
+      <p:pic>
+        <p:nvPicPr>
+          <p:cNvPr id="3" name="Imagem 2">
+            <a:extLst>
+              <a:ext uri="{FF2B5EF4-FFF2-40B4-BE49-F238E27FC236}">
+                <a16:creationId xmlns:a16="http://schemas.microsoft.com/office/drawing/2014/main" id="{F789991B-58EE-46C4-8903-2700DAE1F97A}"/>
+              </a:ext>
+            </a:extLst>
+          </p:cNvPr>
+          <p:cNvPicPr>
+            <a:picLocks noChangeAspect="1"/>
+          </p:cNvPicPr>
+          <p:nvPr/>
+        </p:nvPicPr>
+        <p:blipFill>
+          <a:blip r:embed="rId3"/>
+          <a:stretch>
+            <a:fillRect/>
+          </a:stretch>
+        </p:blipFill>
+        <p:spPr>
+          <a:xfrm>
+            <a:off x="849788" y="1307836"/>
+            <a:ext cx="10492424" cy="4574417"/>
+          </a:xfrm>
+          <a:prstGeom prst="rect">
+            <a:avLst/>
+          </a:prstGeom>
+        </p:spPr>
+      </p:pic>
+    </p:spTree>
+    <p:extLst>
+      <p:ext uri="{BB962C8B-B14F-4D97-AF65-F5344CB8AC3E}">
+        <p14:creationId xmlns:p14="http://schemas.microsoft.com/office/powerpoint/2010/main" val="3296531762"/>
+      </p:ext>
+    </p:extLst>
+  </p:cSld>
+  <p:clrMapOvr>
+    <a:masterClrMapping/>
+  </p:clrMapOvr>
+</p:sld>
+</file>
+
+<file path=ppt/slides/slide14.xml><?xml version="1.0" encoding="utf-8"?>
+<p:sld xmlns:a="http://schemas.openxmlformats.org/drawingml/2006/main" xmlns:r="http://schemas.openxmlformats.org/officeDocument/2006/relationships" xmlns:p="http://schemas.openxmlformats.org/presentationml/2006/main">
+  <p:cSld>
+    <p:bg>
+      <p:bgPr>
+        <a:solidFill>
+          <a:schemeClr val="tx1">
+            <a:lumMod val="75000"/>
+            <a:lumOff val="25000"/>
+          </a:schemeClr>
+        </a:solidFill>
+        <a:effectLst/>
+      </p:bgPr>
+    </p:bg>
+    <p:spTree>
+      <p:nvGrpSpPr>
+        <p:cNvPr id="1" name=""/>
+        <p:cNvGrpSpPr/>
+        <p:nvPr/>
+      </p:nvGrpSpPr>
+      <p:grpSpPr>
+        <a:xfrm>
+          <a:off x="0" y="0"/>
+          <a:ext cx="0" cy="0"/>
+          <a:chOff x="0" y="0"/>
+          <a:chExt cx="0" cy="0"/>
+        </a:xfrm>
+      </p:grpSpPr>
+      <p:pic>
+        <p:nvPicPr>
+          <p:cNvPr id="4" name="Imagem 3" descr="Uma imagem contendo Interface gráfica do usuário&#10;&#10;Descrição gerada automaticamente">
+            <a:extLst>
+              <a:ext uri="{FF2B5EF4-FFF2-40B4-BE49-F238E27FC236}">
+                <a16:creationId xmlns:a16="http://schemas.microsoft.com/office/drawing/2014/main" id="{FBA0E6D1-AE17-4767-9ECC-55DAD094F91E}"/>
+              </a:ext>
+            </a:extLst>
+          </p:cNvPr>
+          <p:cNvPicPr>
+            <a:picLocks noChangeAspect="1"/>
+          </p:cNvPicPr>
+          <p:nvPr/>
+        </p:nvPicPr>
+        <p:blipFill>
+          <a:blip r:embed="rId2">
+            <a:extLst>
+              <a:ext uri="{28A0092B-C50C-407E-A947-70E740481C1C}">
+                <a14:useLocalDpi xmlns:a14="http://schemas.microsoft.com/office/drawing/2010/main" val="0"/>
+              </a:ext>
+            </a:extLst>
+          </a:blip>
+          <a:stretch>
+            <a:fillRect/>
+          </a:stretch>
+        </p:blipFill>
+        <p:spPr>
+          <a:xfrm>
+            <a:off x="9307879" y="192678"/>
+            <a:ext cx="2701242" cy="536530"/>
+          </a:xfrm>
+          <a:prstGeom prst="rect">
+            <a:avLst/>
+          </a:prstGeom>
+        </p:spPr>
+      </p:pic>
+      <p:sp>
+        <p:nvSpPr>
+          <p:cNvPr id="5" name="CaixaDeTexto 4">
+            <a:extLst>
+              <a:ext uri="{FF2B5EF4-FFF2-40B4-BE49-F238E27FC236}">
+                <a16:creationId xmlns:a16="http://schemas.microsoft.com/office/drawing/2014/main" id="{9E599610-DEB8-4D32-B749-6496EA0F11B3}"/>
+              </a:ext>
+            </a:extLst>
+          </p:cNvPr>
+          <p:cNvSpPr txBox="1"/>
+          <p:nvPr/>
+        </p:nvSpPr>
+        <p:spPr>
+          <a:xfrm>
+            <a:off x="444937" y="137777"/>
+            <a:ext cx="4602744" cy="646331"/>
+          </a:xfrm>
+          <a:prstGeom prst="rect">
+            <a:avLst/>
+          </a:prstGeom>
+          <a:noFill/>
+        </p:spPr>
+        <p:txBody>
+          <a:bodyPr wrap="square" rtlCol="0">
+            <a:spAutoFit/>
+          </a:bodyPr>
+          <a:lstStyle/>
+          <a:p>
+            <a:r>
+              <a:rPr lang="pt-BR" sz="3600" b="1" dirty="0">
+                <a:solidFill>
+                  <a:srgbClr val="BA55D3"/>
+                </a:solidFill>
+                <a:effectLst>
+                  <a:outerShdw blurRad="38100" dist="38100" dir="2700000" algn="tl">
+                    <a:srgbClr val="000000">
+                      <a:alpha val="43137"/>
+                    </a:srgbClr>
+                  </a:outerShdw>
+                </a:effectLst>
+                <a:latin typeface="Exo 2" panose="00000800000000000000" pitchFamily="50" charset="0"/>
+              </a:rPr>
+              <a:t>Planner</a:t>
+            </a:r>
+          </a:p>
+        </p:txBody>
+      </p:sp>
+      <p:pic>
+        <p:nvPicPr>
+          <p:cNvPr id="1026" name="Picture 2">
+            <a:extLst>
+              <a:ext uri="{FF2B5EF4-FFF2-40B4-BE49-F238E27FC236}">
+                <a16:creationId xmlns:a16="http://schemas.microsoft.com/office/drawing/2014/main" id="{03AFE8B5-1EDA-4A2B-AF2A-693E5557A14C}"/>
+              </a:ext>
+            </a:extLst>
+          </p:cNvPr>
+          <p:cNvPicPr>
+            <a:picLocks noChangeAspect="1" noChangeArrowheads="1"/>
+          </p:cNvPicPr>
+          <p:nvPr/>
+        </p:nvPicPr>
+        <p:blipFill>
+          <a:blip r:embed="rId3">
+            <a:extLst>
+              <a:ext uri="{28A0092B-C50C-407E-A947-70E740481C1C}">
+                <a14:useLocalDpi xmlns:a14="http://schemas.microsoft.com/office/drawing/2010/main" val="0"/>
+              </a:ext>
+            </a:extLst>
+          </a:blip>
+          <a:srcRect/>
+          <a:stretch>
+            <a:fillRect/>
+          </a:stretch>
+        </p:blipFill>
+        <p:spPr bwMode="auto">
+          <a:xfrm>
+            <a:off x="4112826" y="1480745"/>
+            <a:ext cx="3507760" cy="3896509"/>
+          </a:xfrm>
+          <a:prstGeom prst="rect">
+            <a:avLst/>
+          </a:prstGeom>
+          <a:noFill/>
+          <a:extLst>
+            <a:ext uri="{909E8E84-426E-40DD-AFC4-6F175D3DCCD1}">
+              <a14:hiddenFill xmlns:a14="http://schemas.microsoft.com/office/drawing/2010/main">
+                <a:solidFill>
+                  <a:srgbClr val="FFFFFF"/>
+                </a:solidFill>
+              </a14:hiddenFill>
+            </a:ext>
+          </a:extLst>
+        </p:spPr>
+      </p:pic>
+    </p:spTree>
+    <p:extLst>
+      <p:ext uri="{BB962C8B-B14F-4D97-AF65-F5344CB8AC3E}">
+        <p14:creationId xmlns:p14="http://schemas.microsoft.com/office/powerpoint/2010/main" val="171393675"/>
+      </p:ext>
+    </p:extLst>
+  </p:cSld>
+  <p:clrMapOvr>
+    <a:masterClrMapping/>
+  </p:clrMapOvr>
+</p:sld>
+</file>
+
+<file path=ppt/slides/slide15.xml><?xml version="1.0" encoding="utf-8"?>
+<p:sld xmlns:a="http://schemas.openxmlformats.org/drawingml/2006/main" xmlns:r="http://schemas.openxmlformats.org/officeDocument/2006/relationships" xmlns:p="http://schemas.openxmlformats.org/presentationml/2006/main">
+  <p:cSld>
+    <p:bg>
+      <p:bgPr>
+        <a:solidFill>
+          <a:schemeClr val="tx1">
+            <a:lumMod val="75000"/>
+            <a:lumOff val="25000"/>
+          </a:schemeClr>
+        </a:solidFill>
+        <a:effectLst/>
+      </p:bgPr>
+    </p:bg>
+    <p:spTree>
+      <p:nvGrpSpPr>
+        <p:cNvPr id="1" name=""/>
+        <p:cNvGrpSpPr/>
+        <p:nvPr/>
+      </p:nvGrpSpPr>
+      <p:grpSpPr>
+        <a:xfrm>
+          <a:off x="0" y="0"/>
+          <a:ext cx="0" cy="0"/>
+          <a:chOff x="0" y="0"/>
+          <a:chExt cx="0" cy="0"/>
+        </a:xfrm>
+      </p:grpSpPr>
+      <p:sp>
+        <p:nvSpPr>
+          <p:cNvPr id="5" name="CaixaDeTexto 4">
+            <a:extLst>
+              <a:ext uri="{FF2B5EF4-FFF2-40B4-BE49-F238E27FC236}">
+                <a16:creationId xmlns:a16="http://schemas.microsoft.com/office/drawing/2014/main" id="{9E599610-DEB8-4D32-B749-6496EA0F11B3}"/>
+              </a:ext>
+            </a:extLst>
+          </p:cNvPr>
+          <p:cNvSpPr txBox="1"/>
+          <p:nvPr/>
+        </p:nvSpPr>
+        <p:spPr>
+          <a:xfrm>
+            <a:off x="1619992" y="1903842"/>
+            <a:ext cx="8952012" cy="1015663"/>
+          </a:xfrm>
+          <a:prstGeom prst="rect">
+            <a:avLst/>
+          </a:prstGeom>
+          <a:noFill/>
+        </p:spPr>
+        <p:txBody>
+          <a:bodyPr wrap="square" rtlCol="0">
+            <a:spAutoFit/>
+          </a:bodyPr>
+          <a:lstStyle/>
+          <a:p>
+            <a:pPr algn="ctr"/>
+            <a:r>
+              <a:rPr lang="pt-BR" sz="6000" b="1" dirty="0">
+                <a:solidFill>
+                  <a:srgbClr val="BA55D3"/>
+                </a:solidFill>
+                <a:effectLst>
+                  <a:outerShdw blurRad="38100" dist="38100" dir="2700000" algn="tl">
+                    <a:srgbClr val="000000">
+                      <a:alpha val="43137"/>
+                    </a:srgbClr>
+                  </a:outerShdw>
+                </a:effectLst>
+                <a:latin typeface="Exo 2" panose="00000800000000000000" pitchFamily="50" charset="0"/>
+              </a:rPr>
+              <a:t>Obrigado a todos!</a:t>
+            </a:r>
+          </a:p>
+        </p:txBody>
+      </p:sp>
+      <p:pic>
+        <p:nvPicPr>
+          <p:cNvPr id="7" name="Imagem 6" descr="Uma imagem contendo Interface gráfica do usuário&#10;&#10;Descrição gerada automaticamente">
+            <a:extLst>
+              <a:ext uri="{FF2B5EF4-FFF2-40B4-BE49-F238E27FC236}">
+                <a16:creationId xmlns:a16="http://schemas.microsoft.com/office/drawing/2014/main" id="{3FCE146E-9ABD-47B6-A26A-F74AA561DC7C}"/>
+              </a:ext>
+            </a:extLst>
+          </p:cNvPr>
+          <p:cNvPicPr>
+            <a:picLocks noChangeAspect="1"/>
+          </p:cNvPicPr>
+          <p:nvPr/>
+        </p:nvPicPr>
+        <p:blipFill>
+          <a:blip r:embed="rId2">
+            <a:extLst>
+              <a:ext uri="{28A0092B-C50C-407E-A947-70E740481C1C}">
+                <a14:useLocalDpi xmlns:a14="http://schemas.microsoft.com/office/drawing/2010/main" val="0"/>
+              </a:ext>
+            </a:extLst>
+          </a:blip>
+          <a:stretch>
+            <a:fillRect/>
+          </a:stretch>
+        </p:blipFill>
+        <p:spPr>
+          <a:xfrm>
+            <a:off x="3530869" y="3429001"/>
+            <a:ext cx="5130258" cy="1018990"/>
+          </a:xfrm>
+          <a:prstGeom prst="rect">
+            <a:avLst/>
+          </a:prstGeom>
+        </p:spPr>
+      </p:pic>
+    </p:spTree>
+    <p:extLst>
+      <p:ext uri="{BB962C8B-B14F-4D97-AF65-F5344CB8AC3E}">
+        <p14:creationId xmlns:p14="http://schemas.microsoft.com/office/powerpoint/2010/main" val="1262601143"/>
+      </p:ext>
+    </p:extLst>
+  </p:cSld>
+  <p:clrMapOvr>
+    <a:masterClrMapping/>
+  </p:clrMapOvr>
+</p:sld>
+</file>
+
+<file path=ppt/slides/slide2.xml><?xml version="1.0" encoding="utf-8"?>
+<p:sld xmlns:a="http://schemas.openxmlformats.org/drawingml/2006/main" xmlns:r="http://schemas.openxmlformats.org/officeDocument/2006/relationships" xmlns:p="http://schemas.openxmlformats.org/presentationml/2006/main">
+  <p:cSld>
+    <p:bg>
+      <p:bgPr>
+        <a:solidFill>
+          <a:schemeClr val="tx1">
+            <a:lumMod val="75000"/>
+            <a:lumOff val="25000"/>
+          </a:schemeClr>
+        </a:solidFill>
+        <a:effectLst/>
+      </p:bgPr>
+    </p:bg>
+    <p:spTree>
+      <p:nvGrpSpPr>
+        <p:cNvPr id="1" name=""/>
+        <p:cNvGrpSpPr/>
+        <p:nvPr/>
+      </p:nvGrpSpPr>
+      <p:grpSpPr>
+        <a:xfrm>
+          <a:off x="0" y="0"/>
+          <a:ext cx="0" cy="0"/>
+          <a:chOff x="0" y="0"/>
+          <a:chExt cx="0" cy="0"/>
+        </a:xfrm>
+      </p:grpSpPr>
+      <p:pic>
+        <p:nvPicPr>
           <p:cNvPr id="10" name="Imagem 9" descr="Uma imagem contendo Interface gráfica do usuário&#10;&#10;Descrição gerada automaticamente">
             <a:extLst>
               <a:ext uri="{FF2B5EF4-FFF2-40B4-BE49-F238E27FC236}">
@@ -4372,805 +5706,7 @@
 </p:sld>
 </file>
 
-<file path=ppt/slides/slide10.xml><?xml version="1.0" encoding="utf-8"?>
-<p:sld xmlns:a="http://schemas.openxmlformats.org/drawingml/2006/main" xmlns:r="http://schemas.openxmlformats.org/officeDocument/2006/relationships" xmlns:p="http://schemas.openxmlformats.org/presentationml/2006/main">
-  <p:cSld>
-    <p:bg>
-      <p:bgPr>
-        <a:solidFill>
-          <a:schemeClr val="tx1">
-            <a:lumMod val="75000"/>
-            <a:lumOff val="25000"/>
-          </a:schemeClr>
-        </a:solidFill>
-        <a:effectLst/>
-      </p:bgPr>
-    </p:bg>
-    <p:spTree>
-      <p:nvGrpSpPr>
-        <p:cNvPr id="1" name=""/>
-        <p:cNvGrpSpPr/>
-        <p:nvPr/>
-      </p:nvGrpSpPr>
-      <p:grpSpPr>
-        <a:xfrm>
-          <a:off x="0" y="0"/>
-          <a:ext cx="0" cy="0"/>
-          <a:chOff x="0" y="0"/>
-          <a:chExt cx="0" cy="0"/>
-        </a:xfrm>
-      </p:grpSpPr>
-      <p:pic>
-        <p:nvPicPr>
-          <p:cNvPr id="4" name="Imagem 3" descr="Uma imagem contendo Interface gráfica do usuário&#10;&#10;Descrição gerada automaticamente">
-            <a:extLst>
-              <a:ext uri="{FF2B5EF4-FFF2-40B4-BE49-F238E27FC236}">
-                <a16:creationId xmlns:a16="http://schemas.microsoft.com/office/drawing/2014/main" id="{FBA0E6D1-AE17-4767-9ECC-55DAD094F91E}"/>
-              </a:ext>
-            </a:extLst>
-          </p:cNvPr>
-          <p:cNvPicPr>
-            <a:picLocks noChangeAspect="1"/>
-          </p:cNvPicPr>
-          <p:nvPr/>
-        </p:nvPicPr>
-        <p:blipFill>
-          <a:blip r:embed="rId2">
-            <a:extLst>
-              <a:ext uri="{28A0092B-C50C-407E-A947-70E740481C1C}">
-                <a14:useLocalDpi xmlns:a14="http://schemas.microsoft.com/office/drawing/2010/main" val="0"/>
-              </a:ext>
-            </a:extLst>
-          </a:blip>
-          <a:stretch>
-            <a:fillRect/>
-          </a:stretch>
-        </p:blipFill>
-        <p:spPr>
-          <a:xfrm>
-            <a:off x="9307879" y="192678"/>
-            <a:ext cx="2701242" cy="536530"/>
-          </a:xfrm>
-          <a:prstGeom prst="rect">
-            <a:avLst/>
-          </a:prstGeom>
-        </p:spPr>
-      </p:pic>
-      <p:sp>
-        <p:nvSpPr>
-          <p:cNvPr id="5" name="CaixaDeTexto 4">
-            <a:extLst>
-              <a:ext uri="{FF2B5EF4-FFF2-40B4-BE49-F238E27FC236}">
-                <a16:creationId xmlns:a16="http://schemas.microsoft.com/office/drawing/2014/main" id="{9E599610-DEB8-4D32-B749-6496EA0F11B3}"/>
-              </a:ext>
-            </a:extLst>
-          </p:cNvPr>
-          <p:cNvSpPr txBox="1"/>
-          <p:nvPr/>
-        </p:nvSpPr>
-        <p:spPr>
-          <a:xfrm>
-            <a:off x="444937" y="137777"/>
-            <a:ext cx="4602744" cy="646331"/>
-          </a:xfrm>
-          <a:prstGeom prst="rect">
-            <a:avLst/>
-          </a:prstGeom>
-          <a:noFill/>
-        </p:spPr>
-        <p:txBody>
-          <a:bodyPr wrap="square" rtlCol="0">
-            <a:spAutoFit/>
-          </a:bodyPr>
-          <a:lstStyle/>
-          <a:p>
-            <a:r>
-              <a:rPr lang="pt-BR" sz="3600" b="1" dirty="0">
-                <a:solidFill>
-                  <a:srgbClr val="BA55D3"/>
-                </a:solidFill>
-                <a:effectLst>
-                  <a:outerShdw blurRad="38100" dist="38100" dir="2700000" algn="tl">
-                    <a:srgbClr val="000000">
-                      <a:alpha val="43137"/>
-                    </a:srgbClr>
-                  </a:outerShdw>
-                </a:effectLst>
-                <a:latin typeface="Exo 2" panose="00000800000000000000" pitchFamily="50" charset="0"/>
-              </a:rPr>
-              <a:t>Cliente Linux</a:t>
-            </a:r>
-          </a:p>
-        </p:txBody>
-      </p:sp>
-      <p:pic>
-        <p:nvPicPr>
-          <p:cNvPr id="9" name="Imagem 8" descr="Ícone&#10;&#10;Descrição gerada automaticamente">
-            <a:extLst>
-              <a:ext uri="{FF2B5EF4-FFF2-40B4-BE49-F238E27FC236}">
-                <a16:creationId xmlns:a16="http://schemas.microsoft.com/office/drawing/2014/main" id="{5878DA09-D180-4E78-83FC-BD27292F572B}"/>
-              </a:ext>
-            </a:extLst>
-          </p:cNvPr>
-          <p:cNvPicPr>
-            <a:picLocks noChangeAspect="1"/>
-          </p:cNvPicPr>
-          <p:nvPr/>
-        </p:nvPicPr>
-        <p:blipFill>
-          <a:blip r:embed="rId3">
-            <a:extLst>
-              <a:ext uri="{28A0092B-C50C-407E-A947-70E740481C1C}">
-                <a14:useLocalDpi xmlns:a14="http://schemas.microsoft.com/office/drawing/2010/main" val="0"/>
-              </a:ext>
-            </a:extLst>
-          </a:blip>
-          <a:stretch>
-            <a:fillRect/>
-          </a:stretch>
-        </p:blipFill>
-        <p:spPr>
-          <a:xfrm>
-            <a:off x="4095383" y="1004010"/>
-            <a:ext cx="4001233" cy="4849979"/>
-          </a:xfrm>
-          <a:prstGeom prst="rect">
-            <a:avLst/>
-          </a:prstGeom>
-        </p:spPr>
-      </p:pic>
-    </p:spTree>
-    <p:extLst>
-      <p:ext uri="{BB962C8B-B14F-4D97-AF65-F5344CB8AC3E}">
-        <p14:creationId xmlns:p14="http://schemas.microsoft.com/office/powerpoint/2010/main" val="3322418269"/>
-      </p:ext>
-    </p:extLst>
-  </p:cSld>
-  <p:clrMapOvr>
-    <a:masterClrMapping/>
-  </p:clrMapOvr>
-</p:sld>
-</file>
-
-<file path=ppt/slides/slide11.xml><?xml version="1.0" encoding="utf-8"?>
-<p:sld xmlns:a="http://schemas.openxmlformats.org/drawingml/2006/main" xmlns:r="http://schemas.openxmlformats.org/officeDocument/2006/relationships" xmlns:p="http://schemas.openxmlformats.org/presentationml/2006/main">
-  <p:cSld>
-    <p:bg>
-      <p:bgPr>
-        <a:solidFill>
-          <a:schemeClr val="tx1">
-            <a:lumMod val="75000"/>
-            <a:lumOff val="25000"/>
-          </a:schemeClr>
-        </a:solidFill>
-        <a:effectLst/>
-      </p:bgPr>
-    </p:bg>
-    <p:spTree>
-      <p:nvGrpSpPr>
-        <p:cNvPr id="1" name=""/>
-        <p:cNvGrpSpPr/>
-        <p:nvPr/>
-      </p:nvGrpSpPr>
-      <p:grpSpPr>
-        <a:xfrm>
-          <a:off x="0" y="0"/>
-          <a:ext cx="0" cy="0"/>
-          <a:chOff x="0" y="0"/>
-          <a:chExt cx="0" cy="0"/>
-        </a:xfrm>
-      </p:grpSpPr>
-      <p:pic>
-        <p:nvPicPr>
-          <p:cNvPr id="4" name="Imagem 3" descr="Uma imagem contendo Interface gráfica do usuário&#10;&#10;Descrição gerada automaticamente">
-            <a:extLst>
-              <a:ext uri="{FF2B5EF4-FFF2-40B4-BE49-F238E27FC236}">
-                <a16:creationId xmlns:a16="http://schemas.microsoft.com/office/drawing/2014/main" id="{FBA0E6D1-AE17-4767-9ECC-55DAD094F91E}"/>
-              </a:ext>
-            </a:extLst>
-          </p:cNvPr>
-          <p:cNvPicPr>
-            <a:picLocks noChangeAspect="1"/>
-          </p:cNvPicPr>
-          <p:nvPr/>
-        </p:nvPicPr>
-        <p:blipFill>
-          <a:blip r:embed="rId2">
-            <a:extLst>
-              <a:ext uri="{28A0092B-C50C-407E-A947-70E740481C1C}">
-                <a14:useLocalDpi xmlns:a14="http://schemas.microsoft.com/office/drawing/2010/main" val="0"/>
-              </a:ext>
-            </a:extLst>
-          </a:blip>
-          <a:stretch>
-            <a:fillRect/>
-          </a:stretch>
-        </p:blipFill>
-        <p:spPr>
-          <a:xfrm>
-            <a:off x="9307879" y="192678"/>
-            <a:ext cx="2701242" cy="536530"/>
-          </a:xfrm>
-          <a:prstGeom prst="rect">
-            <a:avLst/>
-          </a:prstGeom>
-        </p:spPr>
-      </p:pic>
-      <p:sp>
-        <p:nvSpPr>
-          <p:cNvPr id="5" name="CaixaDeTexto 4">
-            <a:extLst>
-              <a:ext uri="{FF2B5EF4-FFF2-40B4-BE49-F238E27FC236}">
-                <a16:creationId xmlns:a16="http://schemas.microsoft.com/office/drawing/2014/main" id="{9E599610-DEB8-4D32-B749-6496EA0F11B3}"/>
-              </a:ext>
-            </a:extLst>
-          </p:cNvPr>
-          <p:cNvSpPr txBox="1"/>
-          <p:nvPr/>
-        </p:nvSpPr>
-        <p:spPr>
-          <a:xfrm>
-            <a:off x="444937" y="137777"/>
-            <a:ext cx="4602744" cy="646331"/>
-          </a:xfrm>
-          <a:prstGeom prst="rect">
-            <a:avLst/>
-          </a:prstGeom>
-          <a:noFill/>
-        </p:spPr>
-        <p:txBody>
-          <a:bodyPr wrap="square" rtlCol="0">
-            <a:spAutoFit/>
-          </a:bodyPr>
-          <a:lstStyle/>
-          <a:p>
-            <a:r>
-              <a:rPr lang="pt-BR" sz="3600" b="1" dirty="0">
-                <a:solidFill>
-                  <a:srgbClr val="BA55D3"/>
-                </a:solidFill>
-                <a:effectLst>
-                  <a:outerShdw blurRad="38100" dist="38100" dir="2700000" algn="tl">
-                    <a:srgbClr val="000000">
-                      <a:alpha val="43137"/>
-                    </a:srgbClr>
-                  </a:outerShdw>
-                </a:effectLst>
-                <a:latin typeface="Exo 2" panose="00000800000000000000" pitchFamily="50" charset="0"/>
-              </a:rPr>
-              <a:t>GitHub</a:t>
-            </a:r>
-          </a:p>
-        </p:txBody>
-      </p:sp>
-      <p:pic>
-        <p:nvPicPr>
-          <p:cNvPr id="2050" name="Picture 2" descr="Logotipo do github - ícones de mídia social grátis">
-            <a:extLst>
-              <a:ext uri="{FF2B5EF4-FFF2-40B4-BE49-F238E27FC236}">
-                <a16:creationId xmlns:a16="http://schemas.microsoft.com/office/drawing/2014/main" id="{2F650908-8405-47AF-ACEE-3D924AAE13C2}"/>
-              </a:ext>
-            </a:extLst>
-          </p:cNvPr>
-          <p:cNvPicPr>
-            <a:picLocks noChangeAspect="1" noChangeArrowheads="1"/>
-          </p:cNvPicPr>
-          <p:nvPr/>
-        </p:nvPicPr>
-        <p:blipFill>
-          <a:blip r:embed="rId3">
-            <a:extLst>
-              <a:ext uri="{28A0092B-C50C-407E-A947-70E740481C1C}">
-                <a14:useLocalDpi xmlns:a14="http://schemas.microsoft.com/office/drawing/2010/main" val="0"/>
-              </a:ext>
-            </a:extLst>
-          </a:blip>
-          <a:srcRect/>
-          <a:stretch>
-            <a:fillRect/>
-          </a:stretch>
-        </p:blipFill>
-        <p:spPr bwMode="auto">
-          <a:xfrm>
-            <a:off x="3931655" y="1339361"/>
-            <a:ext cx="4179277" cy="4179277"/>
-          </a:xfrm>
-          <a:prstGeom prst="rect">
-            <a:avLst/>
-          </a:prstGeom>
-          <a:noFill/>
-          <a:extLst>
-            <a:ext uri="{909E8E84-426E-40DD-AFC4-6F175D3DCCD1}">
-              <a14:hiddenFill xmlns:a14="http://schemas.microsoft.com/office/drawing/2010/main">
-                <a:solidFill>
-                  <a:srgbClr val="FFFFFF"/>
-                </a:solidFill>
-              </a14:hiddenFill>
-            </a:ext>
-          </a:extLst>
-        </p:spPr>
-      </p:pic>
-    </p:spTree>
-    <p:extLst>
-      <p:ext uri="{BB962C8B-B14F-4D97-AF65-F5344CB8AC3E}">
-        <p14:creationId xmlns:p14="http://schemas.microsoft.com/office/powerpoint/2010/main" val="2687633701"/>
-      </p:ext>
-    </p:extLst>
-  </p:cSld>
-  <p:clrMapOvr>
-    <a:masterClrMapping/>
-  </p:clrMapOvr>
-</p:sld>
-</file>
-
-<file path=ppt/slides/slide12.xml><?xml version="1.0" encoding="utf-8"?>
-<p:sld xmlns:a="http://schemas.openxmlformats.org/drawingml/2006/main" xmlns:r="http://schemas.openxmlformats.org/officeDocument/2006/relationships" xmlns:p="http://schemas.openxmlformats.org/presentationml/2006/main">
-  <p:cSld>
-    <p:bg>
-      <p:bgPr>
-        <a:solidFill>
-          <a:schemeClr val="tx1">
-            <a:lumMod val="75000"/>
-            <a:lumOff val="25000"/>
-          </a:schemeClr>
-        </a:solidFill>
-        <a:effectLst/>
-      </p:bgPr>
-    </p:bg>
-    <p:spTree>
-      <p:nvGrpSpPr>
-        <p:cNvPr id="1" name=""/>
-        <p:cNvGrpSpPr/>
-        <p:nvPr/>
-      </p:nvGrpSpPr>
-      <p:grpSpPr>
-        <a:xfrm>
-          <a:off x="0" y="0"/>
-          <a:ext cx="0" cy="0"/>
-          <a:chOff x="0" y="0"/>
-          <a:chExt cx="0" cy="0"/>
-        </a:xfrm>
-      </p:grpSpPr>
-      <p:pic>
-        <p:nvPicPr>
-          <p:cNvPr id="4" name="Imagem 3" descr="Uma imagem contendo Interface gráfica do usuário&#10;&#10;Descrição gerada automaticamente">
-            <a:extLst>
-              <a:ext uri="{FF2B5EF4-FFF2-40B4-BE49-F238E27FC236}">
-                <a16:creationId xmlns:a16="http://schemas.microsoft.com/office/drawing/2014/main" id="{FBA0E6D1-AE17-4767-9ECC-55DAD094F91E}"/>
-              </a:ext>
-            </a:extLst>
-          </p:cNvPr>
-          <p:cNvPicPr>
-            <a:picLocks noChangeAspect="1"/>
-          </p:cNvPicPr>
-          <p:nvPr/>
-        </p:nvPicPr>
-        <p:blipFill>
-          <a:blip r:embed="rId2">
-            <a:extLst>
-              <a:ext uri="{28A0092B-C50C-407E-A947-70E740481C1C}">
-                <a14:useLocalDpi xmlns:a14="http://schemas.microsoft.com/office/drawing/2010/main" val="0"/>
-              </a:ext>
-            </a:extLst>
-          </a:blip>
-          <a:stretch>
-            <a:fillRect/>
-          </a:stretch>
-        </p:blipFill>
-        <p:spPr>
-          <a:xfrm>
-            <a:off x="9307879" y="192678"/>
-            <a:ext cx="2701242" cy="536530"/>
-          </a:xfrm>
-          <a:prstGeom prst="rect">
-            <a:avLst/>
-          </a:prstGeom>
-        </p:spPr>
-      </p:pic>
-      <p:sp>
-        <p:nvSpPr>
-          <p:cNvPr id="5" name="CaixaDeTexto 4">
-            <a:extLst>
-              <a:ext uri="{FF2B5EF4-FFF2-40B4-BE49-F238E27FC236}">
-                <a16:creationId xmlns:a16="http://schemas.microsoft.com/office/drawing/2014/main" id="{9E599610-DEB8-4D32-B749-6496EA0F11B3}"/>
-              </a:ext>
-            </a:extLst>
-          </p:cNvPr>
-          <p:cNvSpPr txBox="1"/>
-          <p:nvPr/>
-        </p:nvSpPr>
-        <p:spPr>
-          <a:xfrm>
-            <a:off x="444937" y="137777"/>
-            <a:ext cx="4602744" cy="646331"/>
-          </a:xfrm>
-          <a:prstGeom prst="rect">
-            <a:avLst/>
-          </a:prstGeom>
-          <a:noFill/>
-        </p:spPr>
-        <p:txBody>
-          <a:bodyPr wrap="square" rtlCol="0">
-            <a:spAutoFit/>
-          </a:bodyPr>
-          <a:lstStyle/>
-          <a:p>
-            <a:r>
-              <a:rPr lang="pt-BR" sz="3600" b="1" dirty="0">
-                <a:solidFill>
-                  <a:srgbClr val="BA55D3"/>
-                </a:solidFill>
-                <a:effectLst>
-                  <a:outerShdw blurRad="38100" dist="38100" dir="2700000" algn="tl">
-                    <a:srgbClr val="000000">
-                      <a:alpha val="43137"/>
-                    </a:srgbClr>
-                  </a:outerShdw>
-                </a:effectLst>
-                <a:latin typeface="Exo 2" panose="00000800000000000000" pitchFamily="50" charset="0"/>
-              </a:rPr>
-              <a:t>Ambiente Azure</a:t>
-            </a:r>
-          </a:p>
-        </p:txBody>
-      </p:sp>
-      <p:pic>
-        <p:nvPicPr>
-          <p:cNvPr id="4098" name="Picture 2" descr="Preço – VMs de Gerações Anteriores | Microsoft Azure">
-            <a:extLst>
-              <a:ext uri="{FF2B5EF4-FFF2-40B4-BE49-F238E27FC236}">
-                <a16:creationId xmlns:a16="http://schemas.microsoft.com/office/drawing/2014/main" id="{EBCB9F10-130C-454B-8E00-2347AD1CCA30}"/>
-              </a:ext>
-            </a:extLst>
-          </p:cNvPr>
-          <p:cNvPicPr>
-            <a:picLocks noChangeAspect="1" noChangeArrowheads="1"/>
-          </p:cNvPicPr>
-          <p:nvPr/>
-        </p:nvPicPr>
-        <p:blipFill>
-          <a:blip r:embed="rId3">
-            <a:extLst>
-              <a:ext uri="{28A0092B-C50C-407E-A947-70E740481C1C}">
-                <a14:useLocalDpi xmlns:a14="http://schemas.microsoft.com/office/drawing/2010/main" val="0"/>
-              </a:ext>
-            </a:extLst>
-          </a:blip>
-          <a:srcRect/>
-          <a:stretch>
-            <a:fillRect/>
-          </a:stretch>
-        </p:blipFill>
-        <p:spPr bwMode="auto">
-          <a:xfrm>
-            <a:off x="3666099" y="1928812"/>
-            <a:ext cx="4859802" cy="3000375"/>
-          </a:xfrm>
-          <a:prstGeom prst="rect">
-            <a:avLst/>
-          </a:prstGeom>
-          <a:noFill/>
-          <a:extLst>
-            <a:ext uri="{909E8E84-426E-40DD-AFC4-6F175D3DCCD1}">
-              <a14:hiddenFill xmlns:a14="http://schemas.microsoft.com/office/drawing/2010/main">
-                <a:solidFill>
-                  <a:srgbClr val="FFFFFF"/>
-                </a:solidFill>
-              </a14:hiddenFill>
-            </a:ext>
-          </a:extLst>
-        </p:spPr>
-      </p:pic>
-    </p:spTree>
-    <p:extLst>
-      <p:ext uri="{BB962C8B-B14F-4D97-AF65-F5344CB8AC3E}">
-        <p14:creationId xmlns:p14="http://schemas.microsoft.com/office/powerpoint/2010/main" val="3296531762"/>
-      </p:ext>
-    </p:extLst>
-  </p:cSld>
-  <p:clrMapOvr>
-    <a:masterClrMapping/>
-  </p:clrMapOvr>
-</p:sld>
-</file>
-
-<file path=ppt/slides/slide13.xml><?xml version="1.0" encoding="utf-8"?>
-<p:sld xmlns:a="http://schemas.openxmlformats.org/drawingml/2006/main" xmlns:r="http://schemas.openxmlformats.org/officeDocument/2006/relationships" xmlns:p="http://schemas.openxmlformats.org/presentationml/2006/main">
-  <p:cSld>
-    <p:bg>
-      <p:bgPr>
-        <a:solidFill>
-          <a:schemeClr val="tx1">
-            <a:lumMod val="75000"/>
-            <a:lumOff val="25000"/>
-          </a:schemeClr>
-        </a:solidFill>
-        <a:effectLst/>
-      </p:bgPr>
-    </p:bg>
-    <p:spTree>
-      <p:nvGrpSpPr>
-        <p:cNvPr id="1" name=""/>
-        <p:cNvGrpSpPr/>
-        <p:nvPr/>
-      </p:nvGrpSpPr>
-      <p:grpSpPr>
-        <a:xfrm>
-          <a:off x="0" y="0"/>
-          <a:ext cx="0" cy="0"/>
-          <a:chOff x="0" y="0"/>
-          <a:chExt cx="0" cy="0"/>
-        </a:xfrm>
-      </p:grpSpPr>
-      <p:pic>
-        <p:nvPicPr>
-          <p:cNvPr id="4" name="Imagem 3" descr="Uma imagem contendo Interface gráfica do usuário&#10;&#10;Descrição gerada automaticamente">
-            <a:extLst>
-              <a:ext uri="{FF2B5EF4-FFF2-40B4-BE49-F238E27FC236}">
-                <a16:creationId xmlns:a16="http://schemas.microsoft.com/office/drawing/2014/main" id="{FBA0E6D1-AE17-4767-9ECC-55DAD094F91E}"/>
-              </a:ext>
-            </a:extLst>
-          </p:cNvPr>
-          <p:cNvPicPr>
-            <a:picLocks noChangeAspect="1"/>
-          </p:cNvPicPr>
-          <p:nvPr/>
-        </p:nvPicPr>
-        <p:blipFill>
-          <a:blip r:embed="rId2">
-            <a:extLst>
-              <a:ext uri="{28A0092B-C50C-407E-A947-70E740481C1C}">
-                <a14:useLocalDpi xmlns:a14="http://schemas.microsoft.com/office/drawing/2010/main" val="0"/>
-              </a:ext>
-            </a:extLst>
-          </a:blip>
-          <a:stretch>
-            <a:fillRect/>
-          </a:stretch>
-        </p:blipFill>
-        <p:spPr>
-          <a:xfrm>
-            <a:off x="9307879" y="192678"/>
-            <a:ext cx="2701242" cy="536530"/>
-          </a:xfrm>
-          <a:prstGeom prst="rect">
-            <a:avLst/>
-          </a:prstGeom>
-        </p:spPr>
-      </p:pic>
-      <p:sp>
-        <p:nvSpPr>
-          <p:cNvPr id="5" name="CaixaDeTexto 4">
-            <a:extLst>
-              <a:ext uri="{FF2B5EF4-FFF2-40B4-BE49-F238E27FC236}">
-                <a16:creationId xmlns:a16="http://schemas.microsoft.com/office/drawing/2014/main" id="{9E599610-DEB8-4D32-B749-6496EA0F11B3}"/>
-              </a:ext>
-            </a:extLst>
-          </p:cNvPr>
-          <p:cNvSpPr txBox="1"/>
-          <p:nvPr/>
-        </p:nvSpPr>
-        <p:spPr>
-          <a:xfrm>
-            <a:off x="444937" y="137777"/>
-            <a:ext cx="4602744" cy="646331"/>
-          </a:xfrm>
-          <a:prstGeom prst="rect">
-            <a:avLst/>
-          </a:prstGeom>
-          <a:noFill/>
-        </p:spPr>
-        <p:txBody>
-          <a:bodyPr wrap="square" rtlCol="0">
-            <a:spAutoFit/>
-          </a:bodyPr>
-          <a:lstStyle/>
-          <a:p>
-            <a:r>
-              <a:rPr lang="pt-BR" sz="3600" b="1" dirty="0">
-                <a:solidFill>
-                  <a:srgbClr val="BA55D3"/>
-                </a:solidFill>
-                <a:effectLst>
-                  <a:outerShdw blurRad="38100" dist="38100" dir="2700000" algn="tl">
-                    <a:srgbClr val="000000">
-                      <a:alpha val="43137"/>
-                    </a:srgbClr>
-                  </a:outerShdw>
-                </a:effectLst>
-                <a:latin typeface="Exo 2" panose="00000800000000000000" pitchFamily="50" charset="0"/>
-              </a:rPr>
-              <a:t>Planner</a:t>
-            </a:r>
-          </a:p>
-        </p:txBody>
-      </p:sp>
-      <p:pic>
-        <p:nvPicPr>
-          <p:cNvPr id="1026" name="Picture 2">
-            <a:extLst>
-              <a:ext uri="{FF2B5EF4-FFF2-40B4-BE49-F238E27FC236}">
-                <a16:creationId xmlns:a16="http://schemas.microsoft.com/office/drawing/2014/main" id="{03AFE8B5-1EDA-4A2B-AF2A-693E5557A14C}"/>
-              </a:ext>
-            </a:extLst>
-          </p:cNvPr>
-          <p:cNvPicPr>
-            <a:picLocks noChangeAspect="1" noChangeArrowheads="1"/>
-          </p:cNvPicPr>
-          <p:nvPr/>
-        </p:nvPicPr>
-        <p:blipFill>
-          <a:blip r:embed="rId3">
-            <a:extLst>
-              <a:ext uri="{28A0092B-C50C-407E-A947-70E740481C1C}">
-                <a14:useLocalDpi xmlns:a14="http://schemas.microsoft.com/office/drawing/2010/main" val="0"/>
-              </a:ext>
-            </a:extLst>
-          </a:blip>
-          <a:srcRect/>
-          <a:stretch>
-            <a:fillRect/>
-          </a:stretch>
-        </p:blipFill>
-        <p:spPr bwMode="auto">
-          <a:xfrm>
-            <a:off x="4112826" y="1480745"/>
-            <a:ext cx="3507760" cy="3896509"/>
-          </a:xfrm>
-          <a:prstGeom prst="rect">
-            <a:avLst/>
-          </a:prstGeom>
-          <a:noFill/>
-          <a:extLst>
-            <a:ext uri="{909E8E84-426E-40DD-AFC4-6F175D3DCCD1}">
-              <a14:hiddenFill xmlns:a14="http://schemas.microsoft.com/office/drawing/2010/main">
-                <a:solidFill>
-                  <a:srgbClr val="FFFFFF"/>
-                </a:solidFill>
-              </a14:hiddenFill>
-            </a:ext>
-          </a:extLst>
-        </p:spPr>
-      </p:pic>
-    </p:spTree>
-    <p:extLst>
-      <p:ext uri="{BB962C8B-B14F-4D97-AF65-F5344CB8AC3E}">
-        <p14:creationId xmlns:p14="http://schemas.microsoft.com/office/powerpoint/2010/main" val="171393675"/>
-      </p:ext>
-    </p:extLst>
-  </p:cSld>
-  <p:clrMapOvr>
-    <a:masterClrMapping/>
-  </p:clrMapOvr>
-</p:sld>
-</file>
-
-<file path=ppt/slides/slide14.xml><?xml version="1.0" encoding="utf-8"?>
-<p:sld xmlns:a="http://schemas.openxmlformats.org/drawingml/2006/main" xmlns:r="http://schemas.openxmlformats.org/officeDocument/2006/relationships" xmlns:p="http://schemas.openxmlformats.org/presentationml/2006/main">
-  <p:cSld>
-    <p:bg>
-      <p:bgPr>
-        <a:solidFill>
-          <a:schemeClr val="tx1">
-            <a:lumMod val="75000"/>
-            <a:lumOff val="25000"/>
-          </a:schemeClr>
-        </a:solidFill>
-        <a:effectLst/>
-      </p:bgPr>
-    </p:bg>
-    <p:spTree>
-      <p:nvGrpSpPr>
-        <p:cNvPr id="1" name=""/>
-        <p:cNvGrpSpPr/>
-        <p:nvPr/>
-      </p:nvGrpSpPr>
-      <p:grpSpPr>
-        <a:xfrm>
-          <a:off x="0" y="0"/>
-          <a:ext cx="0" cy="0"/>
-          <a:chOff x="0" y="0"/>
-          <a:chExt cx="0" cy="0"/>
-        </a:xfrm>
-      </p:grpSpPr>
-      <p:sp>
-        <p:nvSpPr>
-          <p:cNvPr id="5" name="CaixaDeTexto 4">
-            <a:extLst>
-              <a:ext uri="{FF2B5EF4-FFF2-40B4-BE49-F238E27FC236}">
-                <a16:creationId xmlns:a16="http://schemas.microsoft.com/office/drawing/2014/main" id="{9E599610-DEB8-4D32-B749-6496EA0F11B3}"/>
-              </a:ext>
-            </a:extLst>
-          </p:cNvPr>
-          <p:cNvSpPr txBox="1"/>
-          <p:nvPr/>
-        </p:nvSpPr>
-        <p:spPr>
-          <a:xfrm>
-            <a:off x="1619992" y="1903842"/>
-            <a:ext cx="8952012" cy="1015663"/>
-          </a:xfrm>
-          <a:prstGeom prst="rect">
-            <a:avLst/>
-          </a:prstGeom>
-          <a:noFill/>
-        </p:spPr>
-        <p:txBody>
-          <a:bodyPr wrap="square" rtlCol="0">
-            <a:spAutoFit/>
-          </a:bodyPr>
-          <a:lstStyle/>
-          <a:p>
-            <a:pPr algn="ctr"/>
-            <a:r>
-              <a:rPr lang="pt-BR" sz="6000" b="1" dirty="0">
-                <a:solidFill>
-                  <a:srgbClr val="BA55D3"/>
-                </a:solidFill>
-                <a:effectLst>
-                  <a:outerShdw blurRad="38100" dist="38100" dir="2700000" algn="tl">
-                    <a:srgbClr val="000000">
-                      <a:alpha val="43137"/>
-                    </a:srgbClr>
-                  </a:outerShdw>
-                </a:effectLst>
-                <a:latin typeface="Exo 2" panose="00000800000000000000" pitchFamily="50" charset="0"/>
-              </a:rPr>
-              <a:t>Obrigado a todos!</a:t>
-            </a:r>
-          </a:p>
-        </p:txBody>
-      </p:sp>
-      <p:pic>
-        <p:nvPicPr>
-          <p:cNvPr id="7" name="Imagem 6" descr="Uma imagem contendo Interface gráfica do usuário&#10;&#10;Descrição gerada automaticamente">
-            <a:extLst>
-              <a:ext uri="{FF2B5EF4-FFF2-40B4-BE49-F238E27FC236}">
-                <a16:creationId xmlns:a16="http://schemas.microsoft.com/office/drawing/2014/main" id="{3FCE146E-9ABD-47B6-A26A-F74AA561DC7C}"/>
-              </a:ext>
-            </a:extLst>
-          </p:cNvPr>
-          <p:cNvPicPr>
-            <a:picLocks noChangeAspect="1"/>
-          </p:cNvPicPr>
-          <p:nvPr/>
-        </p:nvPicPr>
-        <p:blipFill>
-          <a:blip r:embed="rId2">
-            <a:extLst>
-              <a:ext uri="{28A0092B-C50C-407E-A947-70E740481C1C}">
-                <a14:useLocalDpi xmlns:a14="http://schemas.microsoft.com/office/drawing/2010/main" val="0"/>
-              </a:ext>
-            </a:extLst>
-          </a:blip>
-          <a:stretch>
-            <a:fillRect/>
-          </a:stretch>
-        </p:blipFill>
-        <p:spPr>
-          <a:xfrm>
-            <a:off x="3530869" y="3429001"/>
-            <a:ext cx="5130258" cy="1018990"/>
-          </a:xfrm>
-          <a:prstGeom prst="rect">
-            <a:avLst/>
-          </a:prstGeom>
-        </p:spPr>
-      </p:pic>
-    </p:spTree>
-    <p:extLst>
-      <p:ext uri="{BB962C8B-B14F-4D97-AF65-F5344CB8AC3E}">
-        <p14:creationId xmlns:p14="http://schemas.microsoft.com/office/powerpoint/2010/main" val="1262601143"/>
-      </p:ext>
-    </p:extLst>
-  </p:cSld>
-  <p:clrMapOvr>
-    <a:masterClrMapping/>
-  </p:clrMapOvr>
-</p:sld>
-</file>
-
-<file path=ppt/slides/slide2.xml><?xml version="1.0" encoding="utf-8"?>
+<file path=ppt/slides/slide3.xml><?xml version="1.0" encoding="utf-8"?>
 <p:sld xmlns:a="http://schemas.openxmlformats.org/drawingml/2006/main" xmlns:r="http://schemas.openxmlformats.org/officeDocument/2006/relationships" xmlns:p="http://schemas.openxmlformats.org/presentationml/2006/main">
   <p:cSld>
     <p:bg>
@@ -6107,7 +6643,7 @@
 </p:sld>
 </file>
 
-<file path=ppt/slides/slide3.xml><?xml version="1.0" encoding="utf-8"?>
+<file path=ppt/slides/slide4.xml><?xml version="1.0" encoding="utf-8"?>
 <p:sld xmlns:a="http://schemas.openxmlformats.org/drawingml/2006/main" xmlns:r="http://schemas.openxmlformats.org/officeDocument/2006/relationships" xmlns:p="http://schemas.openxmlformats.org/presentationml/2006/main">
   <p:cSld>
     <p:bg>
@@ -6730,7 +7266,7 @@
 </p:sld>
 </file>
 
-<file path=ppt/slides/slide4.xml><?xml version="1.0" encoding="utf-8"?>
+<file path=ppt/slides/slide5.xml><?xml version="1.0" encoding="utf-8"?>
 <p:sld xmlns:a="http://schemas.openxmlformats.org/drawingml/2006/main" xmlns:r="http://schemas.openxmlformats.org/officeDocument/2006/relationships" xmlns:p="http://schemas.openxmlformats.org/presentationml/2006/main">
   <p:cSld>
     <p:bg>
@@ -6905,6 +7441,13 @@
             <a:pPr algn="ctr"/>
             <a:r>
               <a:rPr lang="pt-BR" b="1" dirty="0">
+                <a:effectLst>
+                  <a:outerShdw blurRad="38100" dist="38100" dir="2700000" algn="tl">
+                    <a:srgbClr val="000000">
+                      <a:alpha val="43137"/>
+                    </a:srgbClr>
+                  </a:outerShdw>
+                </a:effectLst>
                 <a:latin typeface="Exo 2" panose="00000800000000000000" pitchFamily="50" charset="0"/>
               </a:rPr>
               <a:t>Eu, enquanto cliente, quero auto agendamento da manutenção dos caixas eletrônicos, para maior praticidade.</a:t>
@@ -6914,6 +7457,13 @@
             <a:pPr algn="ctr"/>
             <a:r>
               <a:rPr lang="pt-BR" sz="1600" b="1" dirty="0">
+                <a:effectLst>
+                  <a:outerShdw blurRad="38100" dist="38100" dir="2700000" algn="tl">
+                    <a:srgbClr val="000000">
+                      <a:alpha val="43137"/>
+                    </a:srgbClr>
+                  </a:outerShdw>
+                </a:effectLst>
                 <a:latin typeface="Exo 2" panose="00000800000000000000" pitchFamily="50" charset="0"/>
               </a:rPr>
               <a:t>US#02</a:t>
@@ -6979,6 +7529,13 @@
             <a:pPr algn="ctr"/>
             <a:r>
               <a:rPr lang="pt-BR" b="1" dirty="0">
+                <a:effectLst>
+                  <a:outerShdw blurRad="38100" dist="38100" dir="2700000" algn="tl">
+                    <a:srgbClr val="000000">
+                      <a:alpha val="43137"/>
+                    </a:srgbClr>
+                  </a:outerShdw>
+                </a:effectLst>
                 <a:latin typeface="Exo 2" panose="00000800000000000000" pitchFamily="50" charset="0"/>
               </a:rPr>
               <a:t>Eu, enquanto cliente, gostaria de receber alertas de acordo a necessidades de manutenção, para evitar possíveis problemas.</a:t>
@@ -6988,6 +7545,13 @@
             <a:pPr algn="ctr"/>
             <a:r>
               <a:rPr lang="pt-BR" sz="1600" b="1" dirty="0">
+                <a:effectLst>
+                  <a:outerShdw blurRad="38100" dist="38100" dir="2700000" algn="tl">
+                    <a:srgbClr val="000000">
+                      <a:alpha val="43137"/>
+                    </a:srgbClr>
+                  </a:outerShdw>
+                </a:effectLst>
                 <a:latin typeface="Exo 2" panose="00000800000000000000" pitchFamily="50" charset="0"/>
               </a:rPr>
               <a:t>US#03</a:t>
@@ -7365,7 +7929,7 @@
 </p:sld>
 </file>
 
-<file path=ppt/slides/slide5.xml><?xml version="1.0" encoding="utf-8"?>
+<file path=ppt/slides/slide6.xml><?xml version="1.0" encoding="utf-8"?>
 <p:sld xmlns:a="http://schemas.openxmlformats.org/drawingml/2006/main" xmlns:r="http://schemas.openxmlformats.org/officeDocument/2006/relationships" xmlns:p="http://schemas.openxmlformats.org/presentationml/2006/main">
   <p:cSld>
     <p:bg>
@@ -7518,165 +8082,6 @@
     <p:extLst>
       <p:ext uri="{BB962C8B-B14F-4D97-AF65-F5344CB8AC3E}">
         <p14:creationId xmlns:p14="http://schemas.microsoft.com/office/powerpoint/2010/main" val="2047426869"/>
-      </p:ext>
-    </p:extLst>
-  </p:cSld>
-  <p:clrMapOvr>
-    <a:masterClrMapping/>
-  </p:clrMapOvr>
-</p:sld>
-</file>
-
-<file path=ppt/slides/slide6.xml><?xml version="1.0" encoding="utf-8"?>
-<p:sld xmlns:a="http://schemas.openxmlformats.org/drawingml/2006/main" xmlns:r="http://schemas.openxmlformats.org/officeDocument/2006/relationships" xmlns:p="http://schemas.openxmlformats.org/presentationml/2006/main">
-  <p:cSld>
-    <p:bg>
-      <p:bgPr>
-        <a:solidFill>
-          <a:srgbClr val="3F3F3F"/>
-        </a:solidFill>
-        <a:effectLst/>
-      </p:bgPr>
-    </p:bg>
-    <p:spTree>
-      <p:nvGrpSpPr>
-        <p:cNvPr id="1" name=""/>
-        <p:cNvGrpSpPr/>
-        <p:nvPr/>
-      </p:nvGrpSpPr>
-      <p:grpSpPr>
-        <a:xfrm>
-          <a:off x="0" y="0"/>
-          <a:ext cx="0" cy="0"/>
-          <a:chOff x="0" y="0"/>
-          <a:chExt cx="0" cy="0"/>
-        </a:xfrm>
-      </p:grpSpPr>
-      <p:pic>
-        <p:nvPicPr>
-          <p:cNvPr id="13" name="Imagem 12">
-            <a:extLst>
-              <a:ext uri="{FF2B5EF4-FFF2-40B4-BE49-F238E27FC236}">
-                <a16:creationId xmlns:a16="http://schemas.microsoft.com/office/drawing/2014/main" id="{ABE6EBE3-B31F-4CCB-ACE9-5C410EEABF5D}"/>
-              </a:ext>
-            </a:extLst>
-          </p:cNvPr>
-          <p:cNvPicPr>
-            <a:picLocks noChangeAspect="1"/>
-          </p:cNvPicPr>
-          <p:nvPr/>
-        </p:nvPicPr>
-        <p:blipFill>
-          <a:blip r:embed="rId3"/>
-          <a:stretch>
-            <a:fillRect/>
-          </a:stretch>
-        </p:blipFill>
-        <p:spPr>
-          <a:xfrm>
-            <a:off x="194603" y="1223889"/>
-            <a:ext cx="11802794" cy="4809137"/>
-          </a:xfrm>
-          <a:prstGeom prst="rect">
-            <a:avLst/>
-          </a:prstGeom>
-          <a:ln w="38100">
-            <a:solidFill>
-              <a:schemeClr val="tx1">
-                <a:lumMod val="85000"/>
-                <a:lumOff val="15000"/>
-              </a:schemeClr>
-            </a:solidFill>
-          </a:ln>
-        </p:spPr>
-      </p:pic>
-      <p:pic>
-        <p:nvPicPr>
-          <p:cNvPr id="14" name="Imagem 13" descr="Uma imagem contendo Interface gráfica do usuário&#10;&#10;Descrição gerada automaticamente">
-            <a:extLst>
-              <a:ext uri="{FF2B5EF4-FFF2-40B4-BE49-F238E27FC236}">
-                <a16:creationId xmlns:a16="http://schemas.microsoft.com/office/drawing/2014/main" id="{56E16E3D-4009-4D52-9CB7-83CFE907EF8B}"/>
-              </a:ext>
-            </a:extLst>
-          </p:cNvPr>
-          <p:cNvPicPr>
-            <a:picLocks noChangeAspect="1"/>
-          </p:cNvPicPr>
-          <p:nvPr/>
-        </p:nvPicPr>
-        <p:blipFill>
-          <a:blip r:embed="rId4">
-            <a:extLst>
-              <a:ext uri="{28A0092B-C50C-407E-A947-70E740481C1C}">
-                <a14:useLocalDpi xmlns:a14="http://schemas.microsoft.com/office/drawing/2010/main" val="0"/>
-              </a:ext>
-            </a:extLst>
-          </a:blip>
-          <a:stretch>
-            <a:fillRect/>
-          </a:stretch>
-        </p:blipFill>
-        <p:spPr>
-          <a:xfrm>
-            <a:off x="9307879" y="192678"/>
-            <a:ext cx="2701242" cy="536530"/>
-          </a:xfrm>
-          <a:prstGeom prst="rect">
-            <a:avLst/>
-          </a:prstGeom>
-        </p:spPr>
-      </p:pic>
-      <p:sp>
-        <p:nvSpPr>
-          <p:cNvPr id="15" name="CaixaDeTexto 14">
-            <a:extLst>
-              <a:ext uri="{FF2B5EF4-FFF2-40B4-BE49-F238E27FC236}">
-                <a16:creationId xmlns:a16="http://schemas.microsoft.com/office/drawing/2014/main" id="{FC466D1C-3C22-496E-AAD9-3E6EBCEC4659}"/>
-              </a:ext>
-            </a:extLst>
-          </p:cNvPr>
-          <p:cNvSpPr txBox="1"/>
-          <p:nvPr/>
-        </p:nvSpPr>
-        <p:spPr>
-          <a:xfrm>
-            <a:off x="182879" y="134095"/>
-            <a:ext cx="4602744" cy="646331"/>
-          </a:xfrm>
-          <a:prstGeom prst="rect">
-            <a:avLst/>
-          </a:prstGeom>
-          <a:noFill/>
-        </p:spPr>
-        <p:txBody>
-          <a:bodyPr wrap="square" rtlCol="0">
-            <a:spAutoFit/>
-          </a:bodyPr>
-          <a:lstStyle/>
-          <a:p>
-            <a:r>
-              <a:rPr lang="pt-BR" sz="3600" b="1" dirty="0">
-                <a:solidFill>
-                  <a:srgbClr val="BA55D3"/>
-                </a:solidFill>
-                <a:effectLst>
-                  <a:outerShdw blurRad="38100" dist="38100" dir="2700000" algn="tl">
-                    <a:srgbClr val="000000">
-                      <a:alpha val="43137"/>
-                    </a:srgbClr>
-                  </a:outerShdw>
-                </a:effectLst>
-                <a:latin typeface="Exo 2" panose="00000800000000000000" pitchFamily="50" charset="0"/>
-              </a:rPr>
-              <a:t>Product Backlog</a:t>
-            </a:r>
-          </a:p>
-        </p:txBody>
-      </p:sp>
-    </p:spTree>
-    <p:extLst>
-      <p:ext uri="{BB962C8B-B14F-4D97-AF65-F5344CB8AC3E}">
-        <p14:creationId xmlns:p14="http://schemas.microsoft.com/office/powerpoint/2010/main" val="514950369"/>
       </p:ext>
     </p:extLst>
   </p:cSld>
@@ -7713,6 +8118,165 @@
       </p:grpSpPr>
       <p:pic>
         <p:nvPicPr>
+          <p:cNvPr id="13" name="Imagem 12">
+            <a:extLst>
+              <a:ext uri="{FF2B5EF4-FFF2-40B4-BE49-F238E27FC236}">
+                <a16:creationId xmlns:a16="http://schemas.microsoft.com/office/drawing/2014/main" id="{ABE6EBE3-B31F-4CCB-ACE9-5C410EEABF5D}"/>
+              </a:ext>
+            </a:extLst>
+          </p:cNvPr>
+          <p:cNvPicPr>
+            <a:picLocks noChangeAspect="1"/>
+          </p:cNvPicPr>
+          <p:nvPr/>
+        </p:nvPicPr>
+        <p:blipFill>
+          <a:blip r:embed="rId3"/>
+          <a:stretch>
+            <a:fillRect/>
+          </a:stretch>
+        </p:blipFill>
+        <p:spPr>
+          <a:xfrm>
+            <a:off x="194603" y="1223889"/>
+            <a:ext cx="11802794" cy="4809137"/>
+          </a:xfrm>
+          <a:prstGeom prst="rect">
+            <a:avLst/>
+          </a:prstGeom>
+          <a:ln w="38100">
+            <a:solidFill>
+              <a:schemeClr val="tx1">
+                <a:lumMod val="85000"/>
+                <a:lumOff val="15000"/>
+              </a:schemeClr>
+            </a:solidFill>
+          </a:ln>
+        </p:spPr>
+      </p:pic>
+      <p:pic>
+        <p:nvPicPr>
+          <p:cNvPr id="14" name="Imagem 13" descr="Uma imagem contendo Interface gráfica do usuário&#10;&#10;Descrição gerada automaticamente">
+            <a:extLst>
+              <a:ext uri="{FF2B5EF4-FFF2-40B4-BE49-F238E27FC236}">
+                <a16:creationId xmlns:a16="http://schemas.microsoft.com/office/drawing/2014/main" id="{56E16E3D-4009-4D52-9CB7-83CFE907EF8B}"/>
+              </a:ext>
+            </a:extLst>
+          </p:cNvPr>
+          <p:cNvPicPr>
+            <a:picLocks noChangeAspect="1"/>
+          </p:cNvPicPr>
+          <p:nvPr/>
+        </p:nvPicPr>
+        <p:blipFill>
+          <a:blip r:embed="rId4">
+            <a:extLst>
+              <a:ext uri="{28A0092B-C50C-407E-A947-70E740481C1C}">
+                <a14:useLocalDpi xmlns:a14="http://schemas.microsoft.com/office/drawing/2010/main" val="0"/>
+              </a:ext>
+            </a:extLst>
+          </a:blip>
+          <a:stretch>
+            <a:fillRect/>
+          </a:stretch>
+        </p:blipFill>
+        <p:spPr>
+          <a:xfrm>
+            <a:off x="9307879" y="192678"/>
+            <a:ext cx="2701242" cy="536530"/>
+          </a:xfrm>
+          <a:prstGeom prst="rect">
+            <a:avLst/>
+          </a:prstGeom>
+        </p:spPr>
+      </p:pic>
+      <p:sp>
+        <p:nvSpPr>
+          <p:cNvPr id="15" name="CaixaDeTexto 14">
+            <a:extLst>
+              <a:ext uri="{FF2B5EF4-FFF2-40B4-BE49-F238E27FC236}">
+                <a16:creationId xmlns:a16="http://schemas.microsoft.com/office/drawing/2014/main" id="{FC466D1C-3C22-496E-AAD9-3E6EBCEC4659}"/>
+              </a:ext>
+            </a:extLst>
+          </p:cNvPr>
+          <p:cNvSpPr txBox="1"/>
+          <p:nvPr/>
+        </p:nvSpPr>
+        <p:spPr>
+          <a:xfrm>
+            <a:off x="182879" y="134095"/>
+            <a:ext cx="4602744" cy="646331"/>
+          </a:xfrm>
+          <a:prstGeom prst="rect">
+            <a:avLst/>
+          </a:prstGeom>
+          <a:noFill/>
+        </p:spPr>
+        <p:txBody>
+          <a:bodyPr wrap="square" rtlCol="0">
+            <a:spAutoFit/>
+          </a:bodyPr>
+          <a:lstStyle/>
+          <a:p>
+            <a:r>
+              <a:rPr lang="pt-BR" sz="3600" b="1" dirty="0">
+                <a:solidFill>
+                  <a:srgbClr val="BA55D3"/>
+                </a:solidFill>
+                <a:effectLst>
+                  <a:outerShdw blurRad="38100" dist="38100" dir="2700000" algn="tl">
+                    <a:srgbClr val="000000">
+                      <a:alpha val="43137"/>
+                    </a:srgbClr>
+                  </a:outerShdw>
+                </a:effectLst>
+                <a:latin typeface="Exo 2" panose="00000800000000000000" pitchFamily="50" charset="0"/>
+              </a:rPr>
+              <a:t>Product Backlog</a:t>
+            </a:r>
+          </a:p>
+        </p:txBody>
+      </p:sp>
+    </p:spTree>
+    <p:extLst>
+      <p:ext uri="{BB962C8B-B14F-4D97-AF65-F5344CB8AC3E}">
+        <p14:creationId xmlns:p14="http://schemas.microsoft.com/office/powerpoint/2010/main" val="514950369"/>
+      </p:ext>
+    </p:extLst>
+  </p:cSld>
+  <p:clrMapOvr>
+    <a:masterClrMapping/>
+  </p:clrMapOvr>
+</p:sld>
+</file>
+
+<file path=ppt/slides/slide8.xml><?xml version="1.0" encoding="utf-8"?>
+<p:sld xmlns:a="http://schemas.openxmlformats.org/drawingml/2006/main" xmlns:r="http://schemas.openxmlformats.org/officeDocument/2006/relationships" xmlns:p="http://schemas.openxmlformats.org/presentationml/2006/main">
+  <p:cSld>
+    <p:bg>
+      <p:bgPr>
+        <a:solidFill>
+          <a:srgbClr val="3F3F3F"/>
+        </a:solidFill>
+        <a:effectLst/>
+      </p:bgPr>
+    </p:bg>
+    <p:spTree>
+      <p:nvGrpSpPr>
+        <p:cNvPr id="1" name=""/>
+        <p:cNvGrpSpPr/>
+        <p:nvPr/>
+      </p:nvGrpSpPr>
+      <p:grpSpPr>
+        <a:xfrm>
+          <a:off x="0" y="0"/>
+          <a:ext cx="0" cy="0"/>
+          <a:chOff x="0" y="0"/>
+          <a:chExt cx="0" cy="0"/>
+        </a:xfrm>
+      </p:grpSpPr>
+      <p:pic>
+        <p:nvPicPr>
           <p:cNvPr id="9" name="Imagem 8" descr="Diagrama&#10;&#10;Descrição gerada automaticamente">
             <a:extLst>
               <a:ext uri="{FF2B5EF4-FFF2-40B4-BE49-F238E27FC236}">
@@ -7843,7 +8407,7 @@
 </p:sld>
 </file>
 
-<file path=ppt/slides/slide8.xml><?xml version="1.0" encoding="utf-8"?>
+<file path=ppt/slides/slide9.xml><?xml version="1.0" encoding="utf-8"?>
 <p:sld xmlns:a="http://schemas.openxmlformats.org/drawingml/2006/main" xmlns:r="http://schemas.openxmlformats.org/officeDocument/2006/relationships" xmlns:p="http://schemas.openxmlformats.org/presentationml/2006/main">
   <p:cSld>
     <p:bg>
@@ -9029,160 +9593,6 @@
 </p:sld>
 </file>
 
-<file path=ppt/slides/slide9.xml><?xml version="1.0" encoding="utf-8"?>
-<p:sld xmlns:a="http://schemas.openxmlformats.org/drawingml/2006/main" xmlns:r="http://schemas.openxmlformats.org/officeDocument/2006/relationships" xmlns:p="http://schemas.openxmlformats.org/presentationml/2006/main">
-  <p:cSld>
-    <p:bg>
-      <p:bgPr>
-        <a:solidFill>
-          <a:schemeClr val="tx1">
-            <a:lumMod val="75000"/>
-            <a:lumOff val="25000"/>
-          </a:schemeClr>
-        </a:solidFill>
-        <a:effectLst/>
-      </p:bgPr>
-    </p:bg>
-    <p:spTree>
-      <p:nvGrpSpPr>
-        <p:cNvPr id="1" name=""/>
-        <p:cNvGrpSpPr/>
-        <p:nvPr/>
-      </p:nvGrpSpPr>
-      <p:grpSpPr>
-        <a:xfrm>
-          <a:off x="0" y="0"/>
-          <a:ext cx="0" cy="0"/>
-          <a:chOff x="0" y="0"/>
-          <a:chExt cx="0" cy="0"/>
-        </a:xfrm>
-      </p:grpSpPr>
-      <p:pic>
-        <p:nvPicPr>
-          <p:cNvPr id="4" name="Imagem 3" descr="Uma imagem contendo Interface gráfica do usuário&#10;&#10;Descrição gerada automaticamente">
-            <a:extLst>
-              <a:ext uri="{FF2B5EF4-FFF2-40B4-BE49-F238E27FC236}">
-                <a16:creationId xmlns:a16="http://schemas.microsoft.com/office/drawing/2014/main" id="{FBA0E6D1-AE17-4767-9ECC-55DAD094F91E}"/>
-              </a:ext>
-            </a:extLst>
-          </p:cNvPr>
-          <p:cNvPicPr>
-            <a:picLocks noChangeAspect="1"/>
-          </p:cNvPicPr>
-          <p:nvPr/>
-        </p:nvPicPr>
-        <p:blipFill>
-          <a:blip r:embed="rId2">
-            <a:extLst>
-              <a:ext uri="{28A0092B-C50C-407E-A947-70E740481C1C}">
-                <a14:useLocalDpi xmlns:a14="http://schemas.microsoft.com/office/drawing/2010/main" val="0"/>
-              </a:ext>
-            </a:extLst>
-          </a:blip>
-          <a:stretch>
-            <a:fillRect/>
-          </a:stretch>
-        </p:blipFill>
-        <p:spPr>
-          <a:xfrm>
-            <a:off x="9307879" y="192678"/>
-            <a:ext cx="2701242" cy="536530"/>
-          </a:xfrm>
-          <a:prstGeom prst="rect">
-            <a:avLst/>
-          </a:prstGeom>
-        </p:spPr>
-      </p:pic>
-      <p:sp>
-        <p:nvSpPr>
-          <p:cNvPr id="5" name="CaixaDeTexto 4">
-            <a:extLst>
-              <a:ext uri="{FF2B5EF4-FFF2-40B4-BE49-F238E27FC236}">
-                <a16:creationId xmlns:a16="http://schemas.microsoft.com/office/drawing/2014/main" id="{9E599610-DEB8-4D32-B749-6496EA0F11B3}"/>
-              </a:ext>
-            </a:extLst>
-          </p:cNvPr>
-          <p:cNvSpPr txBox="1"/>
-          <p:nvPr/>
-        </p:nvSpPr>
-        <p:spPr>
-          <a:xfrm>
-            <a:off x="444937" y="137777"/>
-            <a:ext cx="4602744" cy="646331"/>
-          </a:xfrm>
-          <a:prstGeom prst="rect">
-            <a:avLst/>
-          </a:prstGeom>
-          <a:noFill/>
-        </p:spPr>
-        <p:txBody>
-          <a:bodyPr wrap="square" rtlCol="0">
-            <a:spAutoFit/>
-          </a:bodyPr>
-          <a:lstStyle/>
-          <a:p>
-            <a:r>
-              <a:rPr lang="pt-BR" sz="3600" b="1" dirty="0">
-                <a:solidFill>
-                  <a:srgbClr val="BA55D3"/>
-                </a:solidFill>
-                <a:effectLst>
-                  <a:outerShdw blurRad="38100" dist="38100" dir="2700000" algn="tl">
-                    <a:srgbClr val="000000">
-                      <a:alpha val="43137"/>
-                    </a:srgbClr>
-                  </a:outerShdw>
-                </a:effectLst>
-                <a:latin typeface="Exo 2" panose="00000800000000000000" pitchFamily="50" charset="0"/>
-              </a:rPr>
-              <a:t>Site</a:t>
-            </a:r>
-          </a:p>
-        </p:txBody>
-      </p:sp>
-      <p:pic>
-        <p:nvPicPr>
-          <p:cNvPr id="3" name="Imagem 2">
-            <a:extLst>
-              <a:ext uri="{FF2B5EF4-FFF2-40B4-BE49-F238E27FC236}">
-                <a16:creationId xmlns:a16="http://schemas.microsoft.com/office/drawing/2014/main" id="{A0DC0824-EAE8-4588-BF4D-3668B75DBACB}"/>
-              </a:ext>
-            </a:extLst>
-          </p:cNvPr>
-          <p:cNvPicPr>
-            <a:picLocks noChangeAspect="1"/>
-          </p:cNvPicPr>
-          <p:nvPr/>
-        </p:nvPicPr>
-        <p:blipFill>
-          <a:blip r:embed="rId3"/>
-          <a:stretch>
-            <a:fillRect/>
-          </a:stretch>
-        </p:blipFill>
-        <p:spPr>
-          <a:xfrm>
-            <a:off x="1839332" y="1001241"/>
-            <a:ext cx="8513336" cy="5317785"/>
-          </a:xfrm>
-          <a:prstGeom prst="rect">
-            <a:avLst/>
-          </a:prstGeom>
-        </p:spPr>
-      </p:pic>
-    </p:spTree>
-    <p:extLst>
-      <p:ext uri="{BB962C8B-B14F-4D97-AF65-F5344CB8AC3E}">
-        <p14:creationId xmlns:p14="http://schemas.microsoft.com/office/powerpoint/2010/main" val="1663012819"/>
-      </p:ext>
-    </p:extLst>
-  </p:cSld>
-  <p:clrMapOvr>
-    <a:masterClrMapping/>
-  </p:clrMapOvr>
-</p:sld>
-</file>
-
 <file path=ppt/theme/theme1.xml><?xml version="1.0" encoding="utf-8"?>
 <a:theme xmlns:a="http://schemas.openxmlformats.org/drawingml/2006/main" name="Tema do Office">
   <a:themeElements>

--- a/documentos/Apresentação.pptx
+++ b/documentos/Apresentação.pptx
@@ -6768,8 +6768,8 @@
         </p:nvSpPr>
         <p:spPr>
           <a:xfrm>
-            <a:off x="604910" y="1366065"/>
-            <a:ext cx="8440615" cy="1077218"/>
+            <a:off x="604908" y="1561553"/>
+            <a:ext cx="8440615" cy="584775"/>
           </a:xfrm>
           <a:prstGeom prst="rect">
             <a:avLst/>
@@ -6796,7 +6796,7 @@
                 </a:effectLst>
                 <a:latin typeface="Exo 2" panose="00000800000000000000" pitchFamily="50" charset="0"/>
               </a:rPr>
-              <a:t>Quais problemas são os problemas mais frequentes nos caixas eletrônicos?</a:t>
+              <a:t>Quais são eles?</a:t>
             </a:r>
           </a:p>
         </p:txBody>
@@ -6847,7 +6847,7 @@
                 </a:effectLst>
                 <a:latin typeface="Exo 2" panose="00000800000000000000" pitchFamily="50" charset="0"/>
               </a:rPr>
-              <a:t>Ineficiência</a:t>
+              <a:t>Improdutividade</a:t>
             </a:r>
           </a:p>
         </p:txBody>
@@ -7061,7 +7061,7 @@
                                     </p:set>
                                     <p:animEffect transition="in" filter="fade">
                                       <p:cBhvr>
-                                        <p:cTn id="7" dur="500"/>
+                                        <p:cTn id="7" dur="800"/>
                                         <p:tgtEl>
                                           <p:spTgt spid="8"/>
                                         </p:tgtEl>
@@ -8014,7 +8014,7 @@
         </p:blipFill>
         <p:spPr>
           <a:xfrm>
-            <a:off x="585601" y="886265"/>
+            <a:off x="1134517" y="850930"/>
             <a:ext cx="9922965" cy="5779057"/>
           </a:xfrm>
           <a:prstGeom prst="rect">
@@ -8471,42 +8471,6 @@
           </a:prstGeom>
         </p:spPr>
       </p:pic>
-      <p:pic>
-        <p:nvPicPr>
-          <p:cNvPr id="8" name="Imagem 7" descr="Tela de computador com foto de homem em frente a televisão&#10;&#10;Descrição gerada automaticamente">
-            <a:extLst>
-              <a:ext uri="{FF2B5EF4-FFF2-40B4-BE49-F238E27FC236}">
-                <a16:creationId xmlns:a16="http://schemas.microsoft.com/office/drawing/2014/main" id="{067F4629-A802-497D-8342-121566FCC310}"/>
-              </a:ext>
-            </a:extLst>
-          </p:cNvPr>
-          <p:cNvPicPr>
-            <a:picLocks noChangeAspect="1"/>
-          </p:cNvPicPr>
-          <p:nvPr/>
-        </p:nvPicPr>
-        <p:blipFill>
-          <a:blip r:embed="rId3">
-            <a:extLst>
-              <a:ext uri="{28A0092B-C50C-407E-A947-70E740481C1C}">
-                <a14:useLocalDpi xmlns:a14="http://schemas.microsoft.com/office/drawing/2010/main" val="0"/>
-              </a:ext>
-            </a:extLst>
-          </a:blip>
-          <a:stretch>
-            <a:fillRect/>
-          </a:stretch>
-        </p:blipFill>
-        <p:spPr>
-          <a:xfrm>
-            <a:off x="2484251" y="616666"/>
-            <a:ext cx="6329581" cy="5905794"/>
-          </a:xfrm>
-          <a:prstGeom prst="rect">
-            <a:avLst/>
-          </a:prstGeom>
-        </p:spPr>
-      </p:pic>
       <p:sp>
         <p:nvSpPr>
           <p:cNvPr id="9" name="CaixaDeTexto 8">
@@ -8569,10 +8533,46 @@
       </p:sp>
       <p:pic>
         <p:nvPicPr>
-          <p:cNvPr id="11" name="Imagem 10" descr="Placa sobre porta de estabelecimento&#10;&#10;Descrição gerada automaticamente com confiança baixa">
-            <a:extLst>
-              <a:ext uri="{FF2B5EF4-FFF2-40B4-BE49-F238E27FC236}">
-                <a16:creationId xmlns:a16="http://schemas.microsoft.com/office/drawing/2014/main" id="{05270599-F444-4959-AA17-3BD449CD81DA}"/>
+          <p:cNvPr id="5" name="Imagem 4" descr="Tela de computador com foto de homem em frente a televisão&#10;&#10;Descrição gerada automaticamente">
+            <a:extLst>
+              <a:ext uri="{FF2B5EF4-FFF2-40B4-BE49-F238E27FC236}">
+                <a16:creationId xmlns:a16="http://schemas.microsoft.com/office/drawing/2014/main" id="{4097422E-1D24-499F-BAB4-9E3131501B2A}"/>
+              </a:ext>
+            </a:extLst>
+          </p:cNvPr>
+          <p:cNvPicPr>
+            <a:picLocks noChangeAspect="1"/>
+          </p:cNvPicPr>
+          <p:nvPr/>
+        </p:nvPicPr>
+        <p:blipFill>
+          <a:blip r:embed="rId3">
+            <a:extLst>
+              <a:ext uri="{28A0092B-C50C-407E-A947-70E740481C1C}">
+                <a14:useLocalDpi xmlns:a14="http://schemas.microsoft.com/office/drawing/2010/main" val="0"/>
+              </a:ext>
+            </a:extLst>
+          </a:blip>
+          <a:stretch>
+            <a:fillRect/>
+          </a:stretch>
+        </p:blipFill>
+        <p:spPr>
+          <a:xfrm>
+            <a:off x="2488939" y="814705"/>
+            <a:ext cx="6043295" cy="6043295"/>
+          </a:xfrm>
+          <a:prstGeom prst="rect">
+            <a:avLst/>
+          </a:prstGeom>
+        </p:spPr>
+      </p:pic>
+      <p:pic>
+        <p:nvPicPr>
+          <p:cNvPr id="10" name="Imagem 9" descr="Placa sobre porta de estabelecimento&#10;&#10;Descrição gerada automaticamente com confiança baixa">
+            <a:extLst>
+              <a:ext uri="{FF2B5EF4-FFF2-40B4-BE49-F238E27FC236}">
+                <a16:creationId xmlns:a16="http://schemas.microsoft.com/office/drawing/2014/main" id="{76BFBA2C-7C76-45BF-8483-D65FCB9437E4}"/>
               </a:ext>
             </a:extLst>
           </p:cNvPr>
@@ -8595,8 +8595,8 @@
         </p:blipFill>
         <p:spPr>
           <a:xfrm>
-            <a:off x="2779671" y="777093"/>
-            <a:ext cx="5738739" cy="5303813"/>
+            <a:off x="2947572" y="1139484"/>
+            <a:ext cx="5846687" cy="5162378"/>
           </a:xfrm>
           <a:prstGeom prst="rect">
             <a:avLst/>
@@ -8605,10 +8605,10 @@
       </p:pic>
       <p:pic>
         <p:nvPicPr>
-          <p:cNvPr id="13" name="Imagem 12" descr="Interface gráfica do usuário, Aplicativo, Site&#10;&#10;Descrição gerada automaticamente">
-            <a:extLst>
-              <a:ext uri="{FF2B5EF4-FFF2-40B4-BE49-F238E27FC236}">
-                <a16:creationId xmlns:a16="http://schemas.microsoft.com/office/drawing/2014/main" id="{7E7B25BD-7E31-4952-9EB7-537B383EE02D}"/>
+          <p:cNvPr id="14" name="Imagem 13" descr="Interface gráfica do usuário, Aplicativo, Site&#10;&#10;Descrição gerada automaticamente">
+            <a:extLst>
+              <a:ext uri="{FF2B5EF4-FFF2-40B4-BE49-F238E27FC236}">
+                <a16:creationId xmlns:a16="http://schemas.microsoft.com/office/drawing/2014/main" id="{4C035F67-E58C-453A-A519-1A97E99BB89C}"/>
               </a:ext>
             </a:extLst>
           </p:cNvPr>
@@ -8631,8 +8631,8 @@
         </p:blipFill>
         <p:spPr>
           <a:xfrm>
-            <a:off x="2927382" y="737280"/>
-            <a:ext cx="5738739" cy="5383438"/>
+            <a:off x="3331160" y="1105205"/>
+            <a:ext cx="5079509" cy="5079509"/>
           </a:xfrm>
           <a:prstGeom prst="rect">
             <a:avLst/>
@@ -8641,10 +8641,10 @@
       </p:pic>
       <p:pic>
         <p:nvPicPr>
-          <p:cNvPr id="15" name="Imagem 14" descr="Tela de computador com imagem de homem na frente de uma televisão&#10;&#10;Descrição gerada automaticamente">
-            <a:extLst>
-              <a:ext uri="{FF2B5EF4-FFF2-40B4-BE49-F238E27FC236}">
-                <a16:creationId xmlns:a16="http://schemas.microsoft.com/office/drawing/2014/main" id="{907B7ADA-CB93-4128-A5F4-A66ADCA802BB}"/>
+          <p:cNvPr id="18" name="Imagem 17" descr="Tela de computador com imagem de homem na frente de uma televisão&#10;&#10;Descrição gerada automaticamente">
+            <a:extLst>
+              <a:ext uri="{FF2B5EF4-FFF2-40B4-BE49-F238E27FC236}">
+                <a16:creationId xmlns:a16="http://schemas.microsoft.com/office/drawing/2014/main" id="{CE28D8E3-C72A-4C57-967E-3FC172E0F014}"/>
               </a:ext>
             </a:extLst>
           </p:cNvPr>
@@ -8667,8 +8667,8 @@
         </p:blipFill>
         <p:spPr>
           <a:xfrm>
-            <a:off x="2631960" y="700193"/>
-            <a:ext cx="5738739" cy="5738739"/>
+            <a:off x="3232855" y="908597"/>
+            <a:ext cx="5276117" cy="5276117"/>
           </a:xfrm>
           <a:prstGeom prst="rect">
             <a:avLst/>
@@ -8677,10 +8677,10 @@
       </p:pic>
       <p:pic>
         <p:nvPicPr>
-          <p:cNvPr id="17" name="Imagem 16" descr="Uma imagem contendo pessoa, homem, no interior, frente&#10;&#10;Descrição gerada automaticamente">
-            <a:extLst>
-              <a:ext uri="{FF2B5EF4-FFF2-40B4-BE49-F238E27FC236}">
-                <a16:creationId xmlns:a16="http://schemas.microsoft.com/office/drawing/2014/main" id="{90ACD470-52C5-4573-8300-F10E474AFCAB}"/>
+          <p:cNvPr id="22" name="Imagem 21" descr="Uma imagem contendo pessoa, homem, no interior, frente&#10;&#10;Descrição gerada automaticamente">
+            <a:extLst>
+              <a:ext uri="{FF2B5EF4-FFF2-40B4-BE49-F238E27FC236}">
+                <a16:creationId xmlns:a16="http://schemas.microsoft.com/office/drawing/2014/main" id="{93224CC8-A01F-4186-BDF5-BE5873DCFC10}"/>
               </a:ext>
             </a:extLst>
           </p:cNvPr>
@@ -8703,8 +8703,8 @@
         </p:blipFill>
         <p:spPr>
           <a:xfrm>
-            <a:off x="2652539" y="1049416"/>
-            <a:ext cx="5993001" cy="4762500"/>
+            <a:off x="3070117" y="1047750"/>
+            <a:ext cx="5593129" cy="4762500"/>
           </a:xfrm>
           <a:prstGeom prst="rect">
             <a:avLst/>
@@ -8713,10 +8713,10 @@
       </p:pic>
       <p:pic>
         <p:nvPicPr>
-          <p:cNvPr id="19" name="Imagem 18" descr="Tela de computador com imagem de homem na frente de uma televisão&#10;&#10;Descrição gerada automaticamente com confiança média">
-            <a:extLst>
-              <a:ext uri="{FF2B5EF4-FFF2-40B4-BE49-F238E27FC236}">
-                <a16:creationId xmlns:a16="http://schemas.microsoft.com/office/drawing/2014/main" id="{2FDFFADD-8AA1-44BF-900A-3F6C45D6C785}"/>
+          <p:cNvPr id="25" name="Imagem 24" descr="Tela de computador com imagem de homem na frente de uma televisão&#10;&#10;Descrição gerada automaticamente">
+            <a:extLst>
+              <a:ext uri="{FF2B5EF4-FFF2-40B4-BE49-F238E27FC236}">
+                <a16:creationId xmlns:a16="http://schemas.microsoft.com/office/drawing/2014/main" id="{4F413F6E-FA8E-4635-9ACE-2C28A7087500}"/>
               </a:ext>
             </a:extLst>
           </p:cNvPr>
@@ -8739,8 +8739,8 @@
         </p:blipFill>
         <p:spPr>
           <a:xfrm>
-            <a:off x="2793011" y="955254"/>
-            <a:ext cx="5824711" cy="5167416"/>
+            <a:off x="3463245" y="988057"/>
+            <a:ext cx="5111234" cy="5111234"/>
           </a:xfrm>
           <a:prstGeom prst="rect">
             <a:avLst/>
@@ -8749,10 +8749,10 @@
       </p:pic>
       <p:pic>
         <p:nvPicPr>
-          <p:cNvPr id="21" name="Imagem 20" descr="Tela de computador com imagem de homem na frente de uma televisão&#10;&#10;Descrição gerada automaticamente com confiança média">
-            <a:extLst>
-              <a:ext uri="{FF2B5EF4-FFF2-40B4-BE49-F238E27FC236}">
-                <a16:creationId xmlns:a16="http://schemas.microsoft.com/office/drawing/2014/main" id="{FBC4DE78-A4FE-49EE-8ED3-0675279B4DA7}"/>
+          <p:cNvPr id="27" name="Imagem 26" descr="Homem ao lado de tela de jogo de vídeo game&#10;&#10;Descrição gerada automaticamente com confiança média">
+            <a:extLst>
+              <a:ext uri="{FF2B5EF4-FFF2-40B4-BE49-F238E27FC236}">
+                <a16:creationId xmlns:a16="http://schemas.microsoft.com/office/drawing/2014/main" id="{A8D37560-2810-44A7-BC80-74E0C615A832}"/>
               </a:ext>
             </a:extLst>
           </p:cNvPr>
@@ -8775,8 +8775,8 @@
         </p:blipFill>
         <p:spPr>
           <a:xfrm>
-            <a:off x="2917093" y="729208"/>
-            <a:ext cx="5611607" cy="5438628"/>
+            <a:off x="2994096" y="646576"/>
+            <a:ext cx="5538138" cy="5538138"/>
           </a:xfrm>
           <a:prstGeom prst="rect">
             <a:avLst/>
@@ -8785,10 +8785,10 @@
       </p:pic>
       <p:pic>
         <p:nvPicPr>
-          <p:cNvPr id="23" name="Imagem 22" descr="Tela de computador com imagem de homem na frente de uma televisão&#10;&#10;Descrição gerada automaticamente com confiança média">
-            <a:extLst>
-              <a:ext uri="{FF2B5EF4-FFF2-40B4-BE49-F238E27FC236}">
-                <a16:creationId xmlns:a16="http://schemas.microsoft.com/office/drawing/2014/main" id="{1A814A0D-2192-4EC8-8097-CDA9DAB5DC66}"/>
+          <p:cNvPr id="29" name="Imagem 28" descr="Tela de computador com imagem de homem na frente de uma televisão&#10;&#10;Descrição gerada automaticamente com confiança média">
+            <a:extLst>
+              <a:ext uri="{FF2B5EF4-FFF2-40B4-BE49-F238E27FC236}">
+                <a16:creationId xmlns:a16="http://schemas.microsoft.com/office/drawing/2014/main" id="{887E27A7-EAAA-42C7-818D-E8319A2399DA}"/>
               </a:ext>
             </a:extLst>
           </p:cNvPr>
@@ -8811,8 +8811,8 @@
         </p:blipFill>
         <p:spPr>
           <a:xfrm>
-            <a:off x="3164196" y="1111321"/>
-            <a:ext cx="5697579" cy="4854996"/>
+            <a:off x="3267749" y="988058"/>
+            <a:ext cx="5276116" cy="5276116"/>
           </a:xfrm>
           <a:prstGeom prst="rect">
             <a:avLst/>
@@ -8841,9 +8841,6 @@
                     <p:cTn id="3" fill="hold">
                       <p:stCondLst>
                         <p:cond delay="indefinite"/>
-                        <p:cond evt="onBegin" delay="0">
-                          <p:tn val="2"/>
-                        </p:cond>
                       </p:stCondLst>
                       <p:childTnLst>
                         <p:par>
@@ -8853,7 +8850,7 @@
                             </p:stCondLst>
                             <p:childTnLst>
                               <p:par>
-                                <p:cTn id="5" presetID="2" presetClass="entr" presetSubtype="8" fill="hold" nodeType="withEffect">
+                                <p:cTn id="5" presetID="2" presetClass="entr" presetSubtype="8" fill="hold" nodeType="clickEffect">
                                   <p:stCondLst>
                                     <p:cond delay="0"/>
                                   </p:stCondLst>
@@ -8866,7 +8863,7 @@
                                           </p:stCondLst>
                                         </p:cTn>
                                         <p:tgtEl>
-                                          <p:spTgt spid="8"/>
+                                          <p:spTgt spid="5"/>
                                         </p:tgtEl>
                                         <p:attrNameLst>
                                           <p:attrName>style.visibility</p:attrName>
@@ -8878,9 +8875,9 @@
                                     </p:set>
                                     <p:anim calcmode="lin" valueType="num">
                                       <p:cBhvr additive="base">
-                                        <p:cTn id="7" dur="1000" fill="hold"/>
+                                        <p:cTn id="7" dur="800" fill="hold"/>
                                         <p:tgtEl>
-                                          <p:spTgt spid="8"/>
+                                          <p:spTgt spid="5"/>
                                         </p:tgtEl>
                                         <p:attrNameLst>
                                           <p:attrName>ppt_x</p:attrName>
@@ -8901,9 +8898,9 @@
                                     </p:anim>
                                     <p:anim calcmode="lin" valueType="num">
                                       <p:cBhvr additive="base">
-                                        <p:cTn id="8" dur="1000" fill="hold"/>
+                                        <p:cTn id="8" dur="800" fill="hold"/>
                                         <p:tgtEl>
-                                          <p:spTgt spid="8"/>
+                                          <p:spTgt spid="5"/>
                                         </p:tgtEl>
                                         <p:attrNameLst>
                                           <p:attrName>ppt_y</p:attrName>
@@ -8957,7 +8954,7 @@
                                           </p:stCondLst>
                                         </p:cTn>
                                         <p:tgtEl>
-                                          <p:spTgt spid="11"/>
+                                          <p:spTgt spid="10"/>
                                         </p:tgtEl>
                                         <p:attrNameLst>
                                           <p:attrName>style.visibility</p:attrName>
@@ -8969,9 +8966,9 @@
                                     </p:set>
                                     <p:anim calcmode="lin" valueType="num">
                                       <p:cBhvr additive="base">
-                                        <p:cTn id="13" dur="1000" fill="hold"/>
+                                        <p:cTn id="13" dur="800" fill="hold"/>
                                         <p:tgtEl>
-                                          <p:spTgt spid="11"/>
+                                          <p:spTgt spid="10"/>
                                         </p:tgtEl>
                                         <p:attrNameLst>
                                           <p:attrName>ppt_x</p:attrName>
@@ -8992,9 +8989,9 @@
                                     </p:anim>
                                     <p:anim calcmode="lin" valueType="num">
                                       <p:cBhvr additive="base">
-                                        <p:cTn id="14" dur="1000" fill="hold"/>
+                                        <p:cTn id="14" dur="800" fill="hold"/>
                                         <p:tgtEl>
-                                          <p:spTgt spid="11"/>
+                                          <p:spTgt spid="10"/>
                                         </p:tgtEl>
                                         <p:attrNameLst>
                                           <p:attrName>ppt_y</p:attrName>
@@ -9048,7 +9045,7 @@
                                           </p:stCondLst>
                                         </p:cTn>
                                         <p:tgtEl>
-                                          <p:spTgt spid="13"/>
+                                          <p:spTgt spid="14"/>
                                         </p:tgtEl>
                                         <p:attrNameLst>
                                           <p:attrName>style.visibility</p:attrName>
@@ -9060,9 +9057,9 @@
                                     </p:set>
                                     <p:anim calcmode="lin" valueType="num">
                                       <p:cBhvr additive="base">
-                                        <p:cTn id="19" dur="1000" fill="hold"/>
+                                        <p:cTn id="19" dur="800" fill="hold"/>
                                         <p:tgtEl>
-                                          <p:spTgt spid="13"/>
+                                          <p:spTgt spid="14"/>
                                         </p:tgtEl>
                                         <p:attrNameLst>
                                           <p:attrName>ppt_x</p:attrName>
@@ -9083,9 +9080,9 @@
                                     </p:anim>
                                     <p:anim calcmode="lin" valueType="num">
                                       <p:cBhvr additive="base">
-                                        <p:cTn id="20" dur="1000" fill="hold"/>
+                                        <p:cTn id="20" dur="800" fill="hold"/>
                                         <p:tgtEl>
-                                          <p:spTgt spid="13"/>
+                                          <p:spTgt spid="14"/>
                                         </p:tgtEl>
                                         <p:attrNameLst>
                                           <p:attrName>ppt_y</p:attrName>
@@ -9139,7 +9136,7 @@
                                           </p:stCondLst>
                                         </p:cTn>
                                         <p:tgtEl>
-                                          <p:spTgt spid="15"/>
+                                          <p:spTgt spid="18"/>
                                         </p:tgtEl>
                                         <p:attrNameLst>
                                           <p:attrName>style.visibility</p:attrName>
@@ -9151,9 +9148,9 @@
                                     </p:set>
                                     <p:anim calcmode="lin" valueType="num">
                                       <p:cBhvr additive="base">
-                                        <p:cTn id="25" dur="1000" fill="hold"/>
+                                        <p:cTn id="25" dur="800" fill="hold"/>
                                         <p:tgtEl>
-                                          <p:spTgt spid="15"/>
+                                          <p:spTgt spid="18"/>
                                         </p:tgtEl>
                                         <p:attrNameLst>
                                           <p:attrName>ppt_x</p:attrName>
@@ -9174,9 +9171,9 @@
                                     </p:anim>
                                     <p:anim calcmode="lin" valueType="num">
                                       <p:cBhvr additive="base">
-                                        <p:cTn id="26" dur="1000" fill="hold"/>
+                                        <p:cTn id="26" dur="800" fill="hold"/>
                                         <p:tgtEl>
-                                          <p:spTgt spid="15"/>
+                                          <p:spTgt spid="18"/>
                                         </p:tgtEl>
                                         <p:attrNameLst>
                                           <p:attrName>ppt_y</p:attrName>
@@ -9230,7 +9227,7 @@
                                           </p:stCondLst>
                                         </p:cTn>
                                         <p:tgtEl>
-                                          <p:spTgt spid="17"/>
+                                          <p:spTgt spid="22"/>
                                         </p:tgtEl>
                                         <p:attrNameLst>
                                           <p:attrName>style.visibility</p:attrName>
@@ -9242,9 +9239,9 @@
                                     </p:set>
                                     <p:anim calcmode="lin" valueType="num">
                                       <p:cBhvr additive="base">
-                                        <p:cTn id="31" dur="1000" fill="hold"/>
+                                        <p:cTn id="31" dur="800" fill="hold"/>
                                         <p:tgtEl>
-                                          <p:spTgt spid="17"/>
+                                          <p:spTgt spid="22"/>
                                         </p:tgtEl>
                                         <p:attrNameLst>
                                           <p:attrName>ppt_x</p:attrName>
@@ -9265,9 +9262,9 @@
                                     </p:anim>
                                     <p:anim calcmode="lin" valueType="num">
                                       <p:cBhvr additive="base">
-                                        <p:cTn id="32" dur="1000" fill="hold"/>
+                                        <p:cTn id="32" dur="800" fill="hold"/>
                                         <p:tgtEl>
-                                          <p:spTgt spid="17"/>
+                                          <p:spTgt spid="22"/>
                                         </p:tgtEl>
                                         <p:attrNameLst>
                                           <p:attrName>ppt_y</p:attrName>
@@ -9321,7 +9318,7 @@
                                           </p:stCondLst>
                                         </p:cTn>
                                         <p:tgtEl>
-                                          <p:spTgt spid="19"/>
+                                          <p:spTgt spid="25"/>
                                         </p:tgtEl>
                                         <p:attrNameLst>
                                           <p:attrName>style.visibility</p:attrName>
@@ -9333,9 +9330,9 @@
                                     </p:set>
                                     <p:anim calcmode="lin" valueType="num">
                                       <p:cBhvr additive="base">
-                                        <p:cTn id="37" dur="1000" fill="hold"/>
+                                        <p:cTn id="37" dur="800" fill="hold"/>
                                         <p:tgtEl>
-                                          <p:spTgt spid="19"/>
+                                          <p:spTgt spid="25"/>
                                         </p:tgtEl>
                                         <p:attrNameLst>
                                           <p:attrName>ppt_x</p:attrName>
@@ -9356,9 +9353,9 @@
                                     </p:anim>
                                     <p:anim calcmode="lin" valueType="num">
                                       <p:cBhvr additive="base">
-                                        <p:cTn id="38" dur="1000" fill="hold"/>
+                                        <p:cTn id="38" dur="800" fill="hold"/>
                                         <p:tgtEl>
-                                          <p:spTgt spid="19"/>
+                                          <p:spTgt spid="25"/>
                                         </p:tgtEl>
                                         <p:attrNameLst>
                                           <p:attrName>ppt_y</p:attrName>
@@ -9412,7 +9409,7 @@
                                           </p:stCondLst>
                                         </p:cTn>
                                         <p:tgtEl>
-                                          <p:spTgt spid="21"/>
+                                          <p:spTgt spid="27"/>
                                         </p:tgtEl>
                                         <p:attrNameLst>
                                           <p:attrName>style.visibility</p:attrName>
@@ -9424,9 +9421,9 @@
                                     </p:set>
                                     <p:anim calcmode="lin" valueType="num">
                                       <p:cBhvr additive="base">
-                                        <p:cTn id="43" dur="1000" fill="hold"/>
+                                        <p:cTn id="43" dur="800" fill="hold"/>
                                         <p:tgtEl>
-                                          <p:spTgt spid="21"/>
+                                          <p:spTgt spid="27"/>
                                         </p:tgtEl>
                                         <p:attrNameLst>
                                           <p:attrName>ppt_x</p:attrName>
@@ -9447,9 +9444,9 @@
                                     </p:anim>
                                     <p:anim calcmode="lin" valueType="num">
                                       <p:cBhvr additive="base">
-                                        <p:cTn id="44" dur="1000" fill="hold"/>
+                                        <p:cTn id="44" dur="800" fill="hold"/>
                                         <p:tgtEl>
-                                          <p:spTgt spid="21"/>
+                                          <p:spTgt spid="27"/>
                                         </p:tgtEl>
                                         <p:attrNameLst>
                                           <p:attrName>ppt_y</p:attrName>
@@ -9503,7 +9500,7 @@
                                           </p:stCondLst>
                                         </p:cTn>
                                         <p:tgtEl>
-                                          <p:spTgt spid="23"/>
+                                          <p:spTgt spid="29"/>
                                         </p:tgtEl>
                                         <p:attrNameLst>
                                           <p:attrName>style.visibility</p:attrName>
@@ -9515,9 +9512,9 @@
                                     </p:set>
                                     <p:anim calcmode="lin" valueType="num">
                                       <p:cBhvr additive="base">
-                                        <p:cTn id="49" dur="1000" fill="hold"/>
+                                        <p:cTn id="49" dur="800" fill="hold"/>
                                         <p:tgtEl>
-                                          <p:spTgt spid="23"/>
+                                          <p:spTgt spid="29"/>
                                         </p:tgtEl>
                                         <p:attrNameLst>
                                           <p:attrName>ppt_x</p:attrName>
@@ -9538,9 +9535,9 @@
                                     </p:anim>
                                     <p:anim calcmode="lin" valueType="num">
                                       <p:cBhvr additive="base">
-                                        <p:cTn id="50" dur="1000" fill="hold"/>
+                                        <p:cTn id="50" dur="800" fill="hold"/>
                                         <p:tgtEl>
-                                          <p:spTgt spid="23"/>
+                                          <p:spTgt spid="29"/>
                                         </p:tgtEl>
                                         <p:attrNameLst>
                                           <p:attrName>ppt_y</p:attrName>
